--- a/figure/figures.pptx
+++ b/figure/figures.pptx
@@ -9,6 +9,10 @@
     <p:sldId id="258" r:id="rId3"/>
     <p:sldId id="257" r:id="rId4"/>
     <p:sldId id="260" r:id="rId5"/>
+    <p:sldId id="261" r:id="rId6"/>
+    <p:sldId id="263" r:id="rId7"/>
+    <p:sldId id="262" r:id="rId8"/>
+    <p:sldId id="264" r:id="rId9"/>
   </p:sldIdLst>
   <p:sldSz cx="12192000" cy="6858000"/>
   <p:notesSz cx="6858000" cy="9144000"/>
@@ -107,6 +111,11 @@
       </a:defRPr>
     </a:lvl9pPr>
   </p:defaultTextStyle>
+  <p:extLst>
+    <p:ext uri="{EFAFB233-063F-42B5-8137-9DF3F51BA10A}">
+      <p15:sldGuideLst xmlns:p15="http://schemas.microsoft.com/office/powerpoint/2012/main"/>
+    </p:ext>
+  </p:extLst>
 </p:presentation>
 </file>
 
@@ -160,16 +169,13 @@
           </a:p>
           <a:p>
             <a:pPr algn="ctr" rtl="0">
-              <a:defRPr lang="en-US" sz="1400" b="0" i="0" u="none" strike="noStrike" kern="1200" spc="0" baseline="0" dirty="0">
+              <a:defRPr lang="en-US" dirty="0">
                 <a:solidFill>
                   <a:prstClr val="black">
                     <a:lumMod val="65000"/>
                     <a:lumOff val="35000"/>
                   </a:prstClr>
                 </a:solidFill>
-                <a:latin typeface="+mn-lt"/>
-                <a:ea typeface="+mn-ea"/>
-                <a:cs typeface="+mn-cs"/>
               </a:defRPr>
             </a:pPr>
             <a:r>
@@ -2947,6 +2953,1761 @@
 </c:chartSpace>
 </file>
 
+<file path=ppt/charts/chart17.xml><?xml version="1.0" encoding="utf-8"?>
+<c:chartSpace xmlns:c="http://schemas.openxmlformats.org/drawingml/2006/chart" xmlns:a="http://schemas.openxmlformats.org/drawingml/2006/main" xmlns:r="http://schemas.openxmlformats.org/officeDocument/2006/relationships" xmlns:c16r2="http://schemas.microsoft.com/office/drawing/2015/06/chart">
+  <c:date1904 val="0"/>
+  <c:lang val="en-US"/>
+  <c:roundedCorners val="0"/>
+  <mc:AlternateContent xmlns:mc="http://schemas.openxmlformats.org/markup-compatibility/2006">
+    <mc:Choice xmlns:c14="http://schemas.microsoft.com/office/drawing/2007/8/2/chart" Requires="c14">
+      <c14:style val="102"/>
+    </mc:Choice>
+    <mc:Fallback>
+      <c:style val="2"/>
+    </mc:Fallback>
+  </mc:AlternateContent>
+  <c:chart>
+    <c:title>
+      <c:tx>
+        <c:rich>
+          <a:bodyPr rot="0" spcFirstLastPara="1" vertOverflow="ellipsis" vert="horz" wrap="square" anchor="ctr" anchorCtr="1"/>
+          <a:lstStyle/>
+          <a:p>
+            <a:pPr>
+              <a:defRPr sz="1400" b="0" i="0" u="none" strike="noStrike" kern="1200" spc="0" baseline="0">
+                <a:solidFill>
+                  <a:schemeClr val="tx1">
+                    <a:lumMod val="65000"/>
+                    <a:lumOff val="35000"/>
+                  </a:schemeClr>
+                </a:solidFill>
+                <a:latin typeface="+mn-lt"/>
+                <a:ea typeface="+mn-ea"/>
+                <a:cs typeface="+mn-cs"/>
+              </a:defRPr>
+            </a:pPr>
+            <a:r>
+              <a:rPr lang="en-US"/>
+              <a:t>Movie Advertisement Recommender
+Precision (Cosine + KNN)</a:t>
+            </a:r>
+          </a:p>
+        </c:rich>
+      </c:tx>
+      <c:overlay val="0"/>
+      <c:spPr>
+        <a:noFill/>
+        <a:ln>
+          <a:noFill/>
+        </a:ln>
+        <a:effectLst/>
+      </c:spPr>
+      <c:txPr>
+        <a:bodyPr rot="0" spcFirstLastPara="1" vertOverflow="ellipsis" vert="horz" wrap="square" anchor="ctr" anchorCtr="1"/>
+        <a:lstStyle/>
+        <a:p>
+          <a:pPr>
+            <a:defRPr sz="1400" b="0" i="0" u="none" strike="noStrike" kern="1200" spc="0" baseline="0">
+              <a:solidFill>
+                <a:schemeClr val="tx1">
+                  <a:lumMod val="65000"/>
+                  <a:lumOff val="35000"/>
+                </a:schemeClr>
+              </a:solidFill>
+              <a:latin typeface="+mn-lt"/>
+              <a:ea typeface="+mn-ea"/>
+              <a:cs typeface="+mn-cs"/>
+            </a:defRPr>
+          </a:pPr>
+          <a:endParaRPr lang="en-US"/>
+        </a:p>
+      </c:txPr>
+    </c:title>
+    <c:autoTitleDeleted val="0"/>
+    <c:plotArea>
+      <c:layout/>
+      <c:barChart>
+        <c:barDir val="col"/>
+        <c:grouping val="clustered"/>
+        <c:varyColors val="0"/>
+        <c:ser>
+          <c:idx val="0"/>
+          <c:order val="0"/>
+          <c:tx>
+            <c:strRef>
+              <c:f>Sheet6!$F$18</c:f>
+              <c:strCache>
+                <c:ptCount val="1"/>
+                <c:pt idx="0">
+                  <c:v>cosine(0.1)</c:v>
+                </c:pt>
+              </c:strCache>
+            </c:strRef>
+          </c:tx>
+          <c:spPr>
+            <a:solidFill>
+              <a:schemeClr val="accent1"/>
+            </a:solidFill>
+            <a:ln>
+              <a:noFill/>
+            </a:ln>
+            <a:effectLst/>
+          </c:spPr>
+          <c:invertIfNegative val="0"/>
+          <c:errBars>
+            <c:errBarType val="plus"/>
+            <c:errValType val="cust"/>
+            <c:noEndCap val="0"/>
+            <c:plus>
+              <c:numRef>
+                <c:f>Sheet6!$G$19:$G$22</c:f>
+                <c:numCache>
+                  <c:formatCode>General</c:formatCode>
+                  <c:ptCount val="4"/>
+                  <c:pt idx="0">
+                    <c:v>8.1433889999999995E-2</c:v>
+                  </c:pt>
+                  <c:pt idx="1">
+                    <c:v>7.1325490000000005E-2</c:v>
+                  </c:pt>
+                  <c:pt idx="2">
+                    <c:v>5.9174379999999999E-2</c:v>
+                  </c:pt>
+                  <c:pt idx="3">
+                    <c:v>5.5135879999999998E-2</c:v>
+                  </c:pt>
+                </c:numCache>
+              </c:numRef>
+            </c:plus>
+            <c:minus>
+              <c:numLit>
+                <c:formatCode>General</c:formatCode>
+                <c:ptCount val="1"/>
+                <c:pt idx="0">
+                  <c:v>1</c:v>
+                </c:pt>
+              </c:numLit>
+            </c:minus>
+            <c:spPr>
+              <a:noFill/>
+              <a:ln w="9525" cap="flat" cmpd="sng" algn="ctr">
+                <a:solidFill>
+                  <a:schemeClr val="tx1">
+                    <a:lumMod val="65000"/>
+                    <a:lumOff val="35000"/>
+                  </a:schemeClr>
+                </a:solidFill>
+                <a:round/>
+              </a:ln>
+              <a:effectLst/>
+            </c:spPr>
+          </c:errBars>
+          <c:cat>
+            <c:numRef>
+              <c:f>Sheet6!$E$19:$E$22</c:f>
+              <c:numCache>
+                <c:formatCode>General</c:formatCode>
+                <c:ptCount val="4"/>
+                <c:pt idx="0">
+                  <c:v>1</c:v>
+                </c:pt>
+                <c:pt idx="1">
+                  <c:v>3</c:v>
+                </c:pt>
+                <c:pt idx="2">
+                  <c:v>5</c:v>
+                </c:pt>
+                <c:pt idx="3">
+                  <c:v>10</c:v>
+                </c:pt>
+              </c:numCache>
+            </c:numRef>
+          </c:cat>
+          <c:val>
+            <c:numRef>
+              <c:f>Sheet6!$F$19:$F$22</c:f>
+              <c:numCache>
+                <c:formatCode>General</c:formatCode>
+                <c:ptCount val="4"/>
+                <c:pt idx="0">
+                  <c:v>3.042102E-2</c:v>
+                </c:pt>
+                <c:pt idx="1">
+                  <c:v>2.6932830000000001E-2</c:v>
+                </c:pt>
+                <c:pt idx="2">
+                  <c:v>1.918804E-2</c:v>
+                </c:pt>
+                <c:pt idx="3">
+                  <c:v>1.7691579999999998E-2</c:v>
+                </c:pt>
+              </c:numCache>
+            </c:numRef>
+          </c:val>
+          <c:extLst>
+            <c:ext xmlns:c16="http://schemas.microsoft.com/office/drawing/2014/chart" uri="{C3380CC4-5D6E-409C-BE32-E72D297353CC}">
+              <c16:uniqueId val="{00000000-7275-4F4A-B891-773889073E61}"/>
+            </c:ext>
+          </c:extLst>
+        </c:ser>
+        <c:ser>
+          <c:idx val="1"/>
+          <c:order val="1"/>
+          <c:tx>
+            <c:strRef>
+              <c:f>Sheet6!$H$18</c:f>
+              <c:strCache>
+                <c:ptCount val="1"/>
+                <c:pt idx="0">
+                  <c:v>cosine(0.02)</c:v>
+                </c:pt>
+              </c:strCache>
+            </c:strRef>
+          </c:tx>
+          <c:spPr>
+            <a:solidFill>
+              <a:schemeClr val="accent2"/>
+            </a:solidFill>
+            <a:ln>
+              <a:noFill/>
+            </a:ln>
+            <a:effectLst/>
+          </c:spPr>
+          <c:invertIfNegative val="0"/>
+          <c:errBars>
+            <c:errBarType val="plus"/>
+            <c:errValType val="cust"/>
+            <c:noEndCap val="0"/>
+            <c:plus>
+              <c:numRef>
+                <c:f>Sheet6!$I$19:$I$22</c:f>
+                <c:numCache>
+                  <c:formatCode>General</c:formatCode>
+                  <c:ptCount val="4"/>
+                  <c:pt idx="0">
+                    <c:v>8.246966E-2</c:v>
+                  </c:pt>
+                  <c:pt idx="1">
+                    <c:v>8.0680550000000004E-2</c:v>
+                  </c:pt>
+                  <c:pt idx="2">
+                    <c:v>7.9712809999999995E-2</c:v>
+                  </c:pt>
+                  <c:pt idx="3">
+                    <c:v>7.2561909999999993E-2</c:v>
+                  </c:pt>
+                </c:numCache>
+              </c:numRef>
+            </c:plus>
+            <c:minus>
+              <c:numLit>
+                <c:formatCode>General</c:formatCode>
+                <c:ptCount val="1"/>
+                <c:pt idx="0">
+                  <c:v>1</c:v>
+                </c:pt>
+              </c:numLit>
+            </c:minus>
+            <c:spPr>
+              <a:noFill/>
+              <a:ln w="9525" cap="flat" cmpd="sng" algn="ctr">
+                <a:solidFill>
+                  <a:schemeClr val="tx1">
+                    <a:lumMod val="65000"/>
+                    <a:lumOff val="35000"/>
+                  </a:schemeClr>
+                </a:solidFill>
+                <a:round/>
+              </a:ln>
+              <a:effectLst/>
+            </c:spPr>
+          </c:errBars>
+          <c:cat>
+            <c:numRef>
+              <c:f>Sheet6!$E$19:$E$22</c:f>
+              <c:numCache>
+                <c:formatCode>General</c:formatCode>
+                <c:ptCount val="4"/>
+                <c:pt idx="0">
+                  <c:v>1</c:v>
+                </c:pt>
+                <c:pt idx="1">
+                  <c:v>3</c:v>
+                </c:pt>
+                <c:pt idx="2">
+                  <c:v>5</c:v>
+                </c:pt>
+                <c:pt idx="3">
+                  <c:v>10</c:v>
+                </c:pt>
+              </c:numCache>
+            </c:numRef>
+          </c:cat>
+          <c:val>
+            <c:numRef>
+              <c:f>Sheet6!$H$19:$H$22</c:f>
+              <c:numCache>
+                <c:formatCode>General</c:formatCode>
+                <c:ptCount val="4"/>
+                <c:pt idx="0">
+                  <c:v>3.0934010000000001E-2</c:v>
+                </c:pt>
+                <c:pt idx="1">
+                  <c:v>3.0244589999999998E-2</c:v>
+                </c:pt>
+                <c:pt idx="2">
+                  <c:v>2.9873549999999999E-2</c:v>
+                </c:pt>
+                <c:pt idx="3">
+                  <c:v>2.747163E-2</c:v>
+                </c:pt>
+              </c:numCache>
+            </c:numRef>
+          </c:val>
+          <c:extLst>
+            <c:ext xmlns:c16="http://schemas.microsoft.com/office/drawing/2014/chart" uri="{C3380CC4-5D6E-409C-BE32-E72D297353CC}">
+              <c16:uniqueId val="{00000001-7275-4F4A-B891-773889073E61}"/>
+            </c:ext>
+          </c:extLst>
+        </c:ser>
+        <c:dLbls>
+          <c:showLegendKey val="0"/>
+          <c:showVal val="0"/>
+          <c:showCatName val="0"/>
+          <c:showSerName val="0"/>
+          <c:showPercent val="0"/>
+          <c:showBubbleSize val="0"/>
+        </c:dLbls>
+        <c:gapWidth val="219"/>
+        <c:overlap val="-27"/>
+        <c:axId val="429758960"/>
+        <c:axId val="429759616"/>
+      </c:barChart>
+      <c:catAx>
+        <c:axId val="429758960"/>
+        <c:scaling>
+          <c:orientation val="minMax"/>
+        </c:scaling>
+        <c:delete val="0"/>
+        <c:axPos val="b"/>
+        <c:numFmt formatCode="General" sourceLinked="1"/>
+        <c:majorTickMark val="none"/>
+        <c:minorTickMark val="none"/>
+        <c:tickLblPos val="nextTo"/>
+        <c:spPr>
+          <a:noFill/>
+          <a:ln w="9525" cap="flat" cmpd="sng" algn="ctr">
+            <a:solidFill>
+              <a:schemeClr val="tx1">
+                <a:lumMod val="15000"/>
+                <a:lumOff val="85000"/>
+              </a:schemeClr>
+            </a:solidFill>
+            <a:round/>
+          </a:ln>
+          <a:effectLst/>
+        </c:spPr>
+        <c:txPr>
+          <a:bodyPr rot="-60000000" spcFirstLastPara="1" vertOverflow="ellipsis" vert="horz" wrap="square" anchor="ctr" anchorCtr="1"/>
+          <a:lstStyle/>
+          <a:p>
+            <a:pPr>
+              <a:defRPr sz="900" b="0" i="0" u="none" strike="noStrike" kern="1200" baseline="0">
+                <a:solidFill>
+                  <a:schemeClr val="tx1">
+                    <a:lumMod val="65000"/>
+                    <a:lumOff val="35000"/>
+                  </a:schemeClr>
+                </a:solidFill>
+                <a:latin typeface="+mn-lt"/>
+                <a:ea typeface="+mn-ea"/>
+                <a:cs typeface="+mn-cs"/>
+              </a:defRPr>
+            </a:pPr>
+            <a:endParaRPr lang="en-US"/>
+          </a:p>
+        </c:txPr>
+        <c:crossAx val="429759616"/>
+        <c:crosses val="autoZero"/>
+        <c:auto val="1"/>
+        <c:lblAlgn val="ctr"/>
+        <c:lblOffset val="100"/>
+        <c:noMultiLvlLbl val="0"/>
+      </c:catAx>
+      <c:valAx>
+        <c:axId val="429759616"/>
+        <c:scaling>
+          <c:orientation val="minMax"/>
+        </c:scaling>
+        <c:delete val="0"/>
+        <c:axPos val="l"/>
+        <c:majorGridlines>
+          <c:spPr>
+            <a:ln w="9525" cap="flat" cmpd="sng" algn="ctr">
+              <a:solidFill>
+                <a:schemeClr val="tx1">
+                  <a:lumMod val="15000"/>
+                  <a:lumOff val="85000"/>
+                </a:schemeClr>
+              </a:solidFill>
+              <a:round/>
+            </a:ln>
+            <a:effectLst/>
+          </c:spPr>
+        </c:majorGridlines>
+        <c:numFmt formatCode="General" sourceLinked="1"/>
+        <c:majorTickMark val="none"/>
+        <c:minorTickMark val="none"/>
+        <c:tickLblPos val="nextTo"/>
+        <c:spPr>
+          <a:noFill/>
+          <a:ln>
+            <a:noFill/>
+          </a:ln>
+          <a:effectLst/>
+        </c:spPr>
+        <c:txPr>
+          <a:bodyPr rot="-60000000" spcFirstLastPara="1" vertOverflow="ellipsis" vert="horz" wrap="square" anchor="ctr" anchorCtr="1"/>
+          <a:lstStyle/>
+          <a:p>
+            <a:pPr>
+              <a:defRPr sz="900" b="0" i="0" u="none" strike="noStrike" kern="1200" baseline="0">
+                <a:solidFill>
+                  <a:schemeClr val="tx1">
+                    <a:lumMod val="65000"/>
+                    <a:lumOff val="35000"/>
+                  </a:schemeClr>
+                </a:solidFill>
+                <a:latin typeface="+mn-lt"/>
+                <a:ea typeface="+mn-ea"/>
+                <a:cs typeface="+mn-cs"/>
+              </a:defRPr>
+            </a:pPr>
+            <a:endParaRPr lang="en-US"/>
+          </a:p>
+        </c:txPr>
+        <c:crossAx val="429758960"/>
+        <c:crosses val="autoZero"/>
+        <c:crossBetween val="between"/>
+      </c:valAx>
+      <c:spPr>
+        <a:noFill/>
+        <a:ln>
+          <a:noFill/>
+        </a:ln>
+        <a:effectLst/>
+      </c:spPr>
+    </c:plotArea>
+    <c:legend>
+      <c:legendPos val="r"/>
+      <c:layout>
+        <c:manualLayout>
+          <c:xMode val="edge"/>
+          <c:yMode val="edge"/>
+          <c:x val="0.78432874015748033"/>
+          <c:y val="0.41745297462817138"/>
+          <c:w val="0.19900459317585301"/>
+          <c:h val="0.22106590842811316"/>
+        </c:manualLayout>
+      </c:layout>
+      <c:overlay val="0"/>
+      <c:spPr>
+        <a:noFill/>
+        <a:ln>
+          <a:noFill/>
+        </a:ln>
+        <a:effectLst/>
+      </c:spPr>
+      <c:txPr>
+        <a:bodyPr rot="0" spcFirstLastPara="1" vertOverflow="ellipsis" vert="horz" wrap="square" anchor="ctr" anchorCtr="1"/>
+        <a:lstStyle/>
+        <a:p>
+          <a:pPr>
+            <a:defRPr sz="900" b="0" i="0" u="none" strike="noStrike" kern="1200" baseline="0">
+              <a:solidFill>
+                <a:schemeClr val="tx1">
+                  <a:lumMod val="65000"/>
+                  <a:lumOff val="35000"/>
+                </a:schemeClr>
+              </a:solidFill>
+              <a:latin typeface="+mn-lt"/>
+              <a:ea typeface="+mn-ea"/>
+              <a:cs typeface="+mn-cs"/>
+            </a:defRPr>
+          </a:pPr>
+          <a:endParaRPr lang="en-US"/>
+        </a:p>
+      </c:txPr>
+    </c:legend>
+    <c:plotVisOnly val="1"/>
+    <c:dispBlanksAs val="gap"/>
+    <c:extLst>
+      <c:ext xmlns:c16r3="http://schemas.microsoft.com/office/drawing/2017/03/chart" uri="{56B9EC1D-385E-4148-901F-78D8002777C0}">
+        <c16r3:dataDisplayOptions16>
+          <c16r3:dispNaAsBlank val="1"/>
+        </c16r3:dataDisplayOptions16>
+      </c:ext>
+    </c:extLst>
+    <c:showDLblsOverMax val="0"/>
+  </c:chart>
+  <c:spPr>
+    <a:noFill/>
+    <a:ln>
+      <a:noFill/>
+    </a:ln>
+    <a:effectLst/>
+  </c:spPr>
+  <c:txPr>
+    <a:bodyPr/>
+    <a:lstStyle/>
+    <a:p>
+      <a:pPr>
+        <a:defRPr/>
+      </a:pPr>
+      <a:endParaRPr lang="en-US"/>
+    </a:p>
+  </c:txPr>
+  <c:externalData r:id="rId3">
+    <c:autoUpdate val="0"/>
+  </c:externalData>
+</c:chartSpace>
+</file>
+
+<file path=ppt/charts/chart18.xml><?xml version="1.0" encoding="utf-8"?>
+<c:chartSpace xmlns:c="http://schemas.openxmlformats.org/drawingml/2006/chart" xmlns:a="http://schemas.openxmlformats.org/drawingml/2006/main" xmlns:r="http://schemas.openxmlformats.org/officeDocument/2006/relationships" xmlns:c16r2="http://schemas.microsoft.com/office/drawing/2015/06/chart">
+  <c:date1904 val="0"/>
+  <c:lang val="en-US"/>
+  <c:roundedCorners val="0"/>
+  <mc:AlternateContent xmlns:mc="http://schemas.openxmlformats.org/markup-compatibility/2006">
+    <mc:Choice xmlns:c14="http://schemas.microsoft.com/office/drawing/2007/8/2/chart" Requires="c14">
+      <c14:style val="102"/>
+    </mc:Choice>
+    <mc:Fallback>
+      <c:style val="2"/>
+    </mc:Fallback>
+  </mc:AlternateContent>
+  <c:chart>
+    <c:title>
+      <c:tx>
+        <c:rich>
+          <a:bodyPr rot="0" spcFirstLastPara="1" vertOverflow="ellipsis" vert="horz" wrap="square" anchor="ctr" anchorCtr="1"/>
+          <a:lstStyle/>
+          <a:p>
+            <a:pPr>
+              <a:defRPr sz="1400" b="0" i="0" u="none" strike="noStrike" kern="1200" spc="0" baseline="0">
+                <a:solidFill>
+                  <a:schemeClr val="tx1">
+                    <a:lumMod val="65000"/>
+                    <a:lumOff val="35000"/>
+                  </a:schemeClr>
+                </a:solidFill>
+                <a:latin typeface="+mn-lt"/>
+                <a:ea typeface="+mn-ea"/>
+                <a:cs typeface="+mn-cs"/>
+              </a:defRPr>
+            </a:pPr>
+            <a:r>
+              <a:rPr lang="en-US"/>
+              <a:t>Movie Advertisement Recommender
+Recall (Cosine + KNN)</a:t>
+            </a:r>
+          </a:p>
+        </c:rich>
+      </c:tx>
+      <c:overlay val="0"/>
+      <c:spPr>
+        <a:noFill/>
+        <a:ln>
+          <a:noFill/>
+        </a:ln>
+        <a:effectLst/>
+      </c:spPr>
+      <c:txPr>
+        <a:bodyPr rot="0" spcFirstLastPara="1" vertOverflow="ellipsis" vert="horz" wrap="square" anchor="ctr" anchorCtr="1"/>
+        <a:lstStyle/>
+        <a:p>
+          <a:pPr>
+            <a:defRPr sz="1400" b="0" i="0" u="none" strike="noStrike" kern="1200" spc="0" baseline="0">
+              <a:solidFill>
+                <a:schemeClr val="tx1">
+                  <a:lumMod val="65000"/>
+                  <a:lumOff val="35000"/>
+                </a:schemeClr>
+              </a:solidFill>
+              <a:latin typeface="+mn-lt"/>
+              <a:ea typeface="+mn-ea"/>
+              <a:cs typeface="+mn-cs"/>
+            </a:defRPr>
+          </a:pPr>
+          <a:endParaRPr lang="en-US"/>
+        </a:p>
+      </c:txPr>
+    </c:title>
+    <c:autoTitleDeleted val="0"/>
+    <c:plotArea>
+      <c:layout/>
+      <c:barChart>
+        <c:barDir val="col"/>
+        <c:grouping val="clustered"/>
+        <c:varyColors val="0"/>
+        <c:ser>
+          <c:idx val="0"/>
+          <c:order val="0"/>
+          <c:tx>
+            <c:strRef>
+              <c:f>Sheet6!$G$24</c:f>
+              <c:strCache>
+                <c:ptCount val="1"/>
+                <c:pt idx="0">
+                  <c:v>cosine(0.1)</c:v>
+                </c:pt>
+              </c:strCache>
+            </c:strRef>
+          </c:tx>
+          <c:spPr>
+            <a:solidFill>
+              <a:schemeClr val="accent1"/>
+            </a:solidFill>
+            <a:ln>
+              <a:noFill/>
+            </a:ln>
+            <a:effectLst/>
+          </c:spPr>
+          <c:invertIfNegative val="0"/>
+          <c:errBars>
+            <c:errBarType val="plus"/>
+            <c:errValType val="cust"/>
+            <c:noEndCap val="0"/>
+            <c:plus>
+              <c:numRef>
+                <c:f>Sheet6!$H$25:$H$28</c:f>
+                <c:numCache>
+                  <c:formatCode>General</c:formatCode>
+                  <c:ptCount val="4"/>
+                  <c:pt idx="0">
+                    <c:v>0.2412233</c:v>
+                  </c:pt>
+                  <c:pt idx="1">
+                    <c:v>0.2103198</c:v>
+                  </c:pt>
+                  <c:pt idx="2">
+                    <c:v>0.19340289999999999</c:v>
+                  </c:pt>
+                  <c:pt idx="3">
+                    <c:v>0.1746616</c:v>
+                  </c:pt>
+                </c:numCache>
+              </c:numRef>
+            </c:plus>
+            <c:minus>
+              <c:numLit>
+                <c:formatCode>General</c:formatCode>
+                <c:ptCount val="1"/>
+                <c:pt idx="0">
+                  <c:v>1</c:v>
+                </c:pt>
+              </c:numLit>
+            </c:minus>
+            <c:spPr>
+              <a:noFill/>
+              <a:ln w="9525" cap="flat" cmpd="sng" algn="ctr">
+                <a:solidFill>
+                  <a:schemeClr val="tx1">
+                    <a:lumMod val="65000"/>
+                    <a:lumOff val="35000"/>
+                  </a:schemeClr>
+                </a:solidFill>
+                <a:round/>
+              </a:ln>
+              <a:effectLst/>
+            </c:spPr>
+          </c:errBars>
+          <c:cat>
+            <c:numRef>
+              <c:f>Sheet6!$F$25:$F$28</c:f>
+              <c:numCache>
+                <c:formatCode>General</c:formatCode>
+                <c:ptCount val="4"/>
+                <c:pt idx="0">
+                  <c:v>1</c:v>
+                </c:pt>
+                <c:pt idx="1">
+                  <c:v>3</c:v>
+                </c:pt>
+                <c:pt idx="2">
+                  <c:v>5</c:v>
+                </c:pt>
+                <c:pt idx="3">
+                  <c:v>10</c:v>
+                </c:pt>
+              </c:numCache>
+            </c:numRef>
+          </c:cat>
+          <c:val>
+            <c:numRef>
+              <c:f>Sheet6!$G$25:$G$28</c:f>
+              <c:numCache>
+                <c:formatCode>General</c:formatCode>
+                <c:ptCount val="4"/>
+                <c:pt idx="0">
+                  <c:v>0.84312200000000004</c:v>
+                </c:pt>
+                <c:pt idx="1">
+                  <c:v>0.8614214</c:v>
+                </c:pt>
+                <c:pt idx="2">
+                  <c:v>0.88007709999999995</c:v>
+                </c:pt>
+                <c:pt idx="3">
+                  <c:v>0.89255099999999998</c:v>
+                </c:pt>
+              </c:numCache>
+            </c:numRef>
+          </c:val>
+          <c:extLst>
+            <c:ext xmlns:c16="http://schemas.microsoft.com/office/drawing/2014/chart" uri="{C3380CC4-5D6E-409C-BE32-E72D297353CC}">
+              <c16:uniqueId val="{00000000-06F0-467C-8DA9-6D175938D7EB}"/>
+            </c:ext>
+          </c:extLst>
+        </c:ser>
+        <c:ser>
+          <c:idx val="1"/>
+          <c:order val="1"/>
+          <c:tx>
+            <c:strRef>
+              <c:f>Sheet6!$I$24</c:f>
+              <c:strCache>
+                <c:ptCount val="1"/>
+                <c:pt idx="0">
+                  <c:v>cosine(0.02)</c:v>
+                </c:pt>
+              </c:strCache>
+            </c:strRef>
+          </c:tx>
+          <c:spPr>
+            <a:solidFill>
+              <a:schemeClr val="accent2"/>
+            </a:solidFill>
+            <a:ln>
+              <a:noFill/>
+            </a:ln>
+            <a:effectLst/>
+          </c:spPr>
+          <c:invertIfNegative val="0"/>
+          <c:errBars>
+            <c:errBarType val="plus"/>
+            <c:errValType val="cust"/>
+            <c:noEndCap val="0"/>
+            <c:plus>
+              <c:numRef>
+                <c:f>Sheet6!$J$25:$J$28</c:f>
+                <c:numCache>
+                  <c:formatCode>General</c:formatCode>
+                  <c:ptCount val="4"/>
+                  <c:pt idx="0">
+                    <c:v>0.24523929999999999</c:v>
+                  </c:pt>
+                  <c:pt idx="1">
+                    <c:v>0.2399587</c:v>
+                  </c:pt>
+                  <c:pt idx="2">
+                    <c:v>0.23663970000000001</c:v>
+                  </c:pt>
+                  <c:pt idx="3">
+                    <c:v>0.21622910000000001</c:v>
+                  </c:pt>
+                </c:numCache>
+              </c:numRef>
+            </c:plus>
+            <c:minus>
+              <c:numLit>
+                <c:formatCode>General</c:formatCode>
+                <c:ptCount val="1"/>
+                <c:pt idx="0">
+                  <c:v>1</c:v>
+                </c:pt>
+              </c:numLit>
+            </c:minus>
+            <c:spPr>
+              <a:noFill/>
+              <a:ln w="9525" cap="flat" cmpd="sng" algn="ctr">
+                <a:solidFill>
+                  <a:schemeClr val="tx1">
+                    <a:lumMod val="65000"/>
+                    <a:lumOff val="35000"/>
+                  </a:schemeClr>
+                </a:solidFill>
+                <a:round/>
+              </a:ln>
+              <a:effectLst/>
+            </c:spPr>
+          </c:errBars>
+          <c:cat>
+            <c:numRef>
+              <c:f>Sheet6!$F$25:$F$28</c:f>
+              <c:numCache>
+                <c:formatCode>General</c:formatCode>
+                <c:ptCount val="4"/>
+                <c:pt idx="0">
+                  <c:v>1</c:v>
+                </c:pt>
+                <c:pt idx="1">
+                  <c:v>3</c:v>
+                </c:pt>
+                <c:pt idx="2">
+                  <c:v>5</c:v>
+                </c:pt>
+                <c:pt idx="3">
+                  <c:v>10</c:v>
+                </c:pt>
+              </c:numCache>
+            </c:numRef>
+          </c:cat>
+          <c:val>
+            <c:numRef>
+              <c:f>Sheet6!$I$25:$I$28</c:f>
+              <c:numCache>
+                <c:formatCode>General</c:formatCode>
+                <c:ptCount val="4"/>
+                <c:pt idx="0">
+                  <c:v>0.83982230000000002</c:v>
+                </c:pt>
+                <c:pt idx="1">
+                  <c:v>0.84340599999999999</c:v>
+                </c:pt>
+                <c:pt idx="2">
+                  <c:v>0.84573299999999996</c:v>
+                </c:pt>
+                <c:pt idx="3">
+                  <c:v>0.85748239999999998</c:v>
+                </c:pt>
+              </c:numCache>
+            </c:numRef>
+          </c:val>
+          <c:extLst>
+            <c:ext xmlns:c16="http://schemas.microsoft.com/office/drawing/2014/chart" uri="{C3380CC4-5D6E-409C-BE32-E72D297353CC}">
+              <c16:uniqueId val="{00000001-06F0-467C-8DA9-6D175938D7EB}"/>
+            </c:ext>
+          </c:extLst>
+        </c:ser>
+        <c:dLbls>
+          <c:showLegendKey val="0"/>
+          <c:showVal val="0"/>
+          <c:showCatName val="0"/>
+          <c:showSerName val="0"/>
+          <c:showPercent val="0"/>
+          <c:showBubbleSize val="0"/>
+        </c:dLbls>
+        <c:gapWidth val="219"/>
+        <c:overlap val="-27"/>
+        <c:axId val="432505352"/>
+        <c:axId val="432496496"/>
+      </c:barChart>
+      <c:catAx>
+        <c:axId val="432505352"/>
+        <c:scaling>
+          <c:orientation val="minMax"/>
+        </c:scaling>
+        <c:delete val="0"/>
+        <c:axPos val="b"/>
+        <c:numFmt formatCode="General" sourceLinked="1"/>
+        <c:majorTickMark val="none"/>
+        <c:minorTickMark val="none"/>
+        <c:tickLblPos val="nextTo"/>
+        <c:spPr>
+          <a:noFill/>
+          <a:ln w="9525" cap="flat" cmpd="sng" algn="ctr">
+            <a:solidFill>
+              <a:schemeClr val="tx1">
+                <a:lumMod val="15000"/>
+                <a:lumOff val="85000"/>
+              </a:schemeClr>
+            </a:solidFill>
+            <a:round/>
+          </a:ln>
+          <a:effectLst/>
+        </c:spPr>
+        <c:txPr>
+          <a:bodyPr rot="-60000000" spcFirstLastPara="1" vertOverflow="ellipsis" vert="horz" wrap="square" anchor="ctr" anchorCtr="1"/>
+          <a:lstStyle/>
+          <a:p>
+            <a:pPr>
+              <a:defRPr sz="900" b="0" i="0" u="none" strike="noStrike" kern="1200" baseline="0">
+                <a:solidFill>
+                  <a:schemeClr val="tx1">
+                    <a:lumMod val="65000"/>
+                    <a:lumOff val="35000"/>
+                  </a:schemeClr>
+                </a:solidFill>
+                <a:latin typeface="+mn-lt"/>
+                <a:ea typeface="+mn-ea"/>
+                <a:cs typeface="+mn-cs"/>
+              </a:defRPr>
+            </a:pPr>
+            <a:endParaRPr lang="en-US"/>
+          </a:p>
+        </c:txPr>
+        <c:crossAx val="432496496"/>
+        <c:crosses val="autoZero"/>
+        <c:auto val="1"/>
+        <c:lblAlgn val="ctr"/>
+        <c:lblOffset val="100"/>
+        <c:noMultiLvlLbl val="0"/>
+      </c:catAx>
+      <c:valAx>
+        <c:axId val="432496496"/>
+        <c:scaling>
+          <c:orientation val="minMax"/>
+        </c:scaling>
+        <c:delete val="0"/>
+        <c:axPos val="l"/>
+        <c:majorGridlines>
+          <c:spPr>
+            <a:ln w="9525" cap="flat" cmpd="sng" algn="ctr">
+              <a:solidFill>
+                <a:schemeClr val="tx1">
+                  <a:lumMod val="15000"/>
+                  <a:lumOff val="85000"/>
+                </a:schemeClr>
+              </a:solidFill>
+              <a:round/>
+            </a:ln>
+            <a:effectLst/>
+          </c:spPr>
+        </c:majorGridlines>
+        <c:numFmt formatCode="General" sourceLinked="1"/>
+        <c:majorTickMark val="none"/>
+        <c:minorTickMark val="none"/>
+        <c:tickLblPos val="nextTo"/>
+        <c:spPr>
+          <a:noFill/>
+          <a:ln>
+            <a:noFill/>
+          </a:ln>
+          <a:effectLst/>
+        </c:spPr>
+        <c:txPr>
+          <a:bodyPr rot="-60000000" spcFirstLastPara="1" vertOverflow="ellipsis" vert="horz" wrap="square" anchor="ctr" anchorCtr="1"/>
+          <a:lstStyle/>
+          <a:p>
+            <a:pPr>
+              <a:defRPr sz="900" b="0" i="0" u="none" strike="noStrike" kern="1200" baseline="0">
+                <a:solidFill>
+                  <a:schemeClr val="tx1">
+                    <a:lumMod val="65000"/>
+                    <a:lumOff val="35000"/>
+                  </a:schemeClr>
+                </a:solidFill>
+                <a:latin typeface="+mn-lt"/>
+                <a:ea typeface="+mn-ea"/>
+                <a:cs typeface="+mn-cs"/>
+              </a:defRPr>
+            </a:pPr>
+            <a:endParaRPr lang="en-US"/>
+          </a:p>
+        </c:txPr>
+        <c:crossAx val="432505352"/>
+        <c:crosses val="autoZero"/>
+        <c:crossBetween val="between"/>
+      </c:valAx>
+      <c:spPr>
+        <a:noFill/>
+        <a:ln>
+          <a:noFill/>
+        </a:ln>
+        <a:effectLst/>
+      </c:spPr>
+    </c:plotArea>
+    <c:legend>
+      <c:legendPos val="r"/>
+      <c:layout>
+        <c:manualLayout>
+          <c:xMode val="edge"/>
+          <c:yMode val="edge"/>
+          <c:x val="0.77043985126859138"/>
+          <c:y val="0.47553186060075825"/>
+          <c:w val="0.2128934820647419"/>
+          <c:h val="0.20254738990959459"/>
+        </c:manualLayout>
+      </c:layout>
+      <c:overlay val="0"/>
+      <c:spPr>
+        <a:noFill/>
+        <a:ln>
+          <a:noFill/>
+        </a:ln>
+        <a:effectLst/>
+      </c:spPr>
+      <c:txPr>
+        <a:bodyPr rot="0" spcFirstLastPara="1" vertOverflow="ellipsis" vert="horz" wrap="square" anchor="ctr" anchorCtr="1"/>
+        <a:lstStyle/>
+        <a:p>
+          <a:pPr>
+            <a:defRPr sz="900" b="0" i="0" u="none" strike="noStrike" kern="1200" baseline="0">
+              <a:solidFill>
+                <a:schemeClr val="tx1">
+                  <a:lumMod val="65000"/>
+                  <a:lumOff val="35000"/>
+                </a:schemeClr>
+              </a:solidFill>
+              <a:latin typeface="+mn-lt"/>
+              <a:ea typeface="+mn-ea"/>
+              <a:cs typeface="+mn-cs"/>
+            </a:defRPr>
+          </a:pPr>
+          <a:endParaRPr lang="en-US"/>
+        </a:p>
+      </c:txPr>
+    </c:legend>
+    <c:plotVisOnly val="1"/>
+    <c:dispBlanksAs val="gap"/>
+    <c:extLst>
+      <c:ext xmlns:c16r3="http://schemas.microsoft.com/office/drawing/2017/03/chart" uri="{56B9EC1D-385E-4148-901F-78D8002777C0}">
+        <c16r3:dataDisplayOptions16>
+          <c16r3:dispNaAsBlank val="1"/>
+        </c16r3:dataDisplayOptions16>
+      </c:ext>
+    </c:extLst>
+    <c:showDLblsOverMax val="0"/>
+  </c:chart>
+  <c:spPr>
+    <a:noFill/>
+    <a:ln>
+      <a:noFill/>
+    </a:ln>
+    <a:effectLst/>
+  </c:spPr>
+  <c:txPr>
+    <a:bodyPr/>
+    <a:lstStyle/>
+    <a:p>
+      <a:pPr>
+        <a:defRPr/>
+      </a:pPr>
+      <a:endParaRPr lang="en-US"/>
+    </a:p>
+  </c:txPr>
+  <c:externalData r:id="rId3">
+    <c:autoUpdate val="0"/>
+  </c:externalData>
+</c:chartSpace>
+</file>
+
+<file path=ppt/charts/chart19.xml><?xml version="1.0" encoding="utf-8"?>
+<c:chartSpace xmlns:c="http://schemas.openxmlformats.org/drawingml/2006/chart" xmlns:a="http://schemas.openxmlformats.org/drawingml/2006/main" xmlns:r="http://schemas.openxmlformats.org/officeDocument/2006/relationships" xmlns:c16r2="http://schemas.microsoft.com/office/drawing/2015/06/chart">
+  <c:date1904 val="0"/>
+  <c:lang val="en-US"/>
+  <c:roundedCorners val="0"/>
+  <mc:AlternateContent xmlns:mc="http://schemas.openxmlformats.org/markup-compatibility/2006">
+    <mc:Choice xmlns:c14="http://schemas.microsoft.com/office/drawing/2007/8/2/chart" Requires="c14">
+      <c14:style val="102"/>
+    </mc:Choice>
+    <mc:Fallback>
+      <c:style val="2"/>
+    </mc:Fallback>
+  </mc:AlternateContent>
+  <c:chart>
+    <c:title>
+      <c:tx>
+        <c:rich>
+          <a:bodyPr rot="0" spcFirstLastPara="1" vertOverflow="ellipsis" vert="horz" wrap="square" anchor="ctr" anchorCtr="1"/>
+          <a:lstStyle/>
+          <a:p>
+            <a:pPr>
+              <a:defRPr sz="1400" b="0" i="0" u="none" strike="noStrike" kern="1200" spc="0" baseline="0">
+                <a:solidFill>
+                  <a:schemeClr val="tx1">
+                    <a:lumMod val="65000"/>
+                    <a:lumOff val="35000"/>
+                  </a:schemeClr>
+                </a:solidFill>
+                <a:latin typeface="+mn-lt"/>
+                <a:ea typeface="+mn-ea"/>
+                <a:cs typeface="+mn-cs"/>
+              </a:defRPr>
+            </a:pPr>
+            <a:r>
+              <a:rPr lang="en-US"/>
+              <a:t>Precision</a:t>
+            </a:r>
+          </a:p>
+          <a:p>
+            <a:pPr>
+              <a:defRPr/>
+            </a:pPr>
+            <a:r>
+              <a:rPr lang="en-US"/>
+              <a:t>Rating &gt; mean+(max-mean)/2, Cosin(0.02)</a:t>
+            </a:r>
+          </a:p>
+        </c:rich>
+      </c:tx>
+      <c:overlay val="0"/>
+      <c:spPr>
+        <a:noFill/>
+        <a:ln>
+          <a:noFill/>
+        </a:ln>
+        <a:effectLst/>
+      </c:spPr>
+      <c:txPr>
+        <a:bodyPr rot="0" spcFirstLastPara="1" vertOverflow="ellipsis" vert="horz" wrap="square" anchor="ctr" anchorCtr="1"/>
+        <a:lstStyle/>
+        <a:p>
+          <a:pPr>
+            <a:defRPr sz="1400" b="0" i="0" u="none" strike="noStrike" kern="1200" spc="0" baseline="0">
+              <a:solidFill>
+                <a:schemeClr val="tx1">
+                  <a:lumMod val="65000"/>
+                  <a:lumOff val="35000"/>
+                </a:schemeClr>
+              </a:solidFill>
+              <a:latin typeface="+mn-lt"/>
+              <a:ea typeface="+mn-ea"/>
+              <a:cs typeface="+mn-cs"/>
+            </a:defRPr>
+          </a:pPr>
+          <a:endParaRPr lang="en-US"/>
+        </a:p>
+      </c:txPr>
+    </c:title>
+    <c:autoTitleDeleted val="0"/>
+    <c:plotArea>
+      <c:layout/>
+      <c:barChart>
+        <c:barDir val="col"/>
+        <c:grouping val="clustered"/>
+        <c:varyColors val="0"/>
+        <c:ser>
+          <c:idx val="0"/>
+          <c:order val="0"/>
+          <c:tx>
+            <c:strRef>
+              <c:f>Sheet8!$C$8</c:f>
+              <c:strCache>
+                <c:ptCount val="1"/>
+                <c:pt idx="0">
+                  <c:v>K=1</c:v>
+                </c:pt>
+              </c:strCache>
+            </c:strRef>
+          </c:tx>
+          <c:spPr>
+            <a:solidFill>
+              <a:schemeClr val="accent1"/>
+            </a:solidFill>
+            <a:ln>
+              <a:noFill/>
+            </a:ln>
+            <a:effectLst/>
+          </c:spPr>
+          <c:invertIfNegative val="0"/>
+          <c:errBars>
+            <c:errBarType val="plus"/>
+            <c:errValType val="cust"/>
+            <c:noEndCap val="0"/>
+            <c:plus>
+              <c:numRef>
+                <c:f>Sheet8!$D$9:$D$11</c:f>
+                <c:numCache>
+                  <c:formatCode>General</c:formatCode>
+                  <c:ptCount val="3"/>
+                  <c:pt idx="0">
+                    <c:v>5.3419769999999998E-2</c:v>
+                  </c:pt>
+                  <c:pt idx="1">
+                    <c:v>4.3623139999999998E-2</c:v>
+                  </c:pt>
+                  <c:pt idx="2">
+                    <c:v>3.7529880000000002E-2</c:v>
+                  </c:pt>
+                </c:numCache>
+              </c:numRef>
+            </c:plus>
+            <c:minus>
+              <c:numLit>
+                <c:formatCode>General</c:formatCode>
+                <c:ptCount val="1"/>
+                <c:pt idx="0">
+                  <c:v>1</c:v>
+                </c:pt>
+              </c:numLit>
+            </c:minus>
+            <c:spPr>
+              <a:noFill/>
+              <a:ln w="9525" cap="flat" cmpd="sng" algn="ctr">
+                <a:solidFill>
+                  <a:schemeClr val="tx1">
+                    <a:lumMod val="65000"/>
+                    <a:lumOff val="35000"/>
+                  </a:schemeClr>
+                </a:solidFill>
+                <a:round/>
+              </a:ln>
+              <a:effectLst/>
+            </c:spPr>
+          </c:errBars>
+          <c:cat>
+            <c:numRef>
+              <c:f>Sheet8!$B$9:$B$11</c:f>
+              <c:numCache>
+                <c:formatCode>General</c:formatCode>
+                <c:ptCount val="3"/>
+                <c:pt idx="0">
+                  <c:v>50</c:v>
+                </c:pt>
+                <c:pt idx="1">
+                  <c:v>100</c:v>
+                </c:pt>
+                <c:pt idx="2">
+                  <c:v>150</c:v>
+                </c:pt>
+              </c:numCache>
+            </c:numRef>
+          </c:cat>
+          <c:val>
+            <c:numRef>
+              <c:f>Sheet8!$C$9:$C$11</c:f>
+              <c:numCache>
+                <c:formatCode>General</c:formatCode>
+                <c:ptCount val="3"/>
+                <c:pt idx="0">
+                  <c:v>4.7026320000000003E-2</c:v>
+                </c:pt>
+                <c:pt idx="1">
+                  <c:v>3.832899E-2</c:v>
+                </c:pt>
+                <c:pt idx="2">
+                  <c:v>3.062024E-2</c:v>
+                </c:pt>
+              </c:numCache>
+            </c:numRef>
+          </c:val>
+          <c:extLst>
+            <c:ext xmlns:c16="http://schemas.microsoft.com/office/drawing/2014/chart" uri="{C3380CC4-5D6E-409C-BE32-E72D297353CC}">
+              <c16:uniqueId val="{00000000-5401-42F3-B3FE-2B30FD729DB6}"/>
+            </c:ext>
+          </c:extLst>
+        </c:ser>
+        <c:ser>
+          <c:idx val="1"/>
+          <c:order val="1"/>
+          <c:tx>
+            <c:strRef>
+              <c:f>Sheet8!$E$8</c:f>
+              <c:strCache>
+                <c:ptCount val="1"/>
+                <c:pt idx="0">
+                  <c:v>K=3</c:v>
+                </c:pt>
+              </c:strCache>
+            </c:strRef>
+          </c:tx>
+          <c:spPr>
+            <a:solidFill>
+              <a:schemeClr val="accent2"/>
+            </a:solidFill>
+            <a:ln>
+              <a:noFill/>
+            </a:ln>
+            <a:effectLst/>
+          </c:spPr>
+          <c:invertIfNegative val="0"/>
+          <c:errBars>
+            <c:errBarType val="plus"/>
+            <c:errValType val="cust"/>
+            <c:noEndCap val="0"/>
+            <c:plus>
+              <c:numRef>
+                <c:f>Sheet8!$F$9:$F$11</c:f>
+                <c:numCache>
+                  <c:formatCode>General</c:formatCode>
+                  <c:ptCount val="3"/>
+                  <c:pt idx="0">
+                    <c:v>5.3368699999999998E-2</c:v>
+                  </c:pt>
+                  <c:pt idx="1">
+                    <c:v>4.1349509999999999E-2</c:v>
+                  </c:pt>
+                  <c:pt idx="2">
+                    <c:v>3.6519610000000001E-2</c:v>
+                  </c:pt>
+                </c:numCache>
+              </c:numRef>
+            </c:plus>
+            <c:minus>
+              <c:numLit>
+                <c:formatCode>General</c:formatCode>
+                <c:ptCount val="1"/>
+                <c:pt idx="0">
+                  <c:v>1</c:v>
+                </c:pt>
+              </c:numLit>
+            </c:minus>
+            <c:spPr>
+              <a:noFill/>
+              <a:ln w="9525" cap="flat" cmpd="sng" algn="ctr">
+                <a:solidFill>
+                  <a:schemeClr val="tx1">
+                    <a:lumMod val="65000"/>
+                    <a:lumOff val="35000"/>
+                  </a:schemeClr>
+                </a:solidFill>
+                <a:round/>
+              </a:ln>
+              <a:effectLst/>
+            </c:spPr>
+          </c:errBars>
+          <c:cat>
+            <c:numRef>
+              <c:f>Sheet8!$B$9:$B$11</c:f>
+              <c:numCache>
+                <c:formatCode>General</c:formatCode>
+                <c:ptCount val="3"/>
+                <c:pt idx="0">
+                  <c:v>50</c:v>
+                </c:pt>
+                <c:pt idx="1">
+                  <c:v>100</c:v>
+                </c:pt>
+                <c:pt idx="2">
+                  <c:v>150</c:v>
+                </c:pt>
+              </c:numCache>
+            </c:numRef>
+          </c:cat>
+          <c:val>
+            <c:numRef>
+              <c:f>Sheet8!$E$9:$E$11</c:f>
+              <c:numCache>
+                <c:formatCode>General</c:formatCode>
+                <c:ptCount val="3"/>
+                <c:pt idx="0">
+                  <c:v>4.9520000000000002E-2</c:v>
+                </c:pt>
+                <c:pt idx="1">
+                  <c:v>3.6744020000000002E-2</c:v>
+                </c:pt>
+                <c:pt idx="2">
+                  <c:v>3.0058290000000001E-2</c:v>
+                </c:pt>
+              </c:numCache>
+            </c:numRef>
+          </c:val>
+          <c:extLst>
+            <c:ext xmlns:c16="http://schemas.microsoft.com/office/drawing/2014/chart" uri="{C3380CC4-5D6E-409C-BE32-E72D297353CC}">
+              <c16:uniqueId val="{00000001-5401-42F3-B3FE-2B30FD729DB6}"/>
+            </c:ext>
+          </c:extLst>
+        </c:ser>
+        <c:ser>
+          <c:idx val="2"/>
+          <c:order val="2"/>
+          <c:tx>
+            <c:strRef>
+              <c:f>Sheet8!$G$8</c:f>
+              <c:strCache>
+                <c:ptCount val="1"/>
+                <c:pt idx="0">
+                  <c:v>K=5</c:v>
+                </c:pt>
+              </c:strCache>
+            </c:strRef>
+          </c:tx>
+          <c:spPr>
+            <a:solidFill>
+              <a:schemeClr val="accent3"/>
+            </a:solidFill>
+            <a:ln>
+              <a:noFill/>
+            </a:ln>
+            <a:effectLst/>
+          </c:spPr>
+          <c:invertIfNegative val="0"/>
+          <c:errBars>
+            <c:errBarType val="plus"/>
+            <c:errValType val="cust"/>
+            <c:noEndCap val="0"/>
+            <c:plus>
+              <c:numRef>
+                <c:f>Sheet8!$H$9:$H$11</c:f>
+                <c:numCache>
+                  <c:formatCode>General</c:formatCode>
+                  <c:ptCount val="3"/>
+                  <c:pt idx="0">
+                    <c:v>5.4471749999999999E-2</c:v>
+                  </c:pt>
+                  <c:pt idx="1">
+                    <c:v>4.040883E-2</c:v>
+                  </c:pt>
+                  <c:pt idx="2">
+                    <c:v>3.862119E-2</c:v>
+                  </c:pt>
+                </c:numCache>
+              </c:numRef>
+            </c:plus>
+            <c:minus>
+              <c:numLit>
+                <c:formatCode>General</c:formatCode>
+                <c:ptCount val="1"/>
+                <c:pt idx="0">
+                  <c:v>1</c:v>
+                </c:pt>
+              </c:numLit>
+            </c:minus>
+            <c:spPr>
+              <a:noFill/>
+              <a:ln w="9525" cap="flat" cmpd="sng" algn="ctr">
+                <a:solidFill>
+                  <a:schemeClr val="tx1">
+                    <a:lumMod val="65000"/>
+                    <a:lumOff val="35000"/>
+                  </a:schemeClr>
+                </a:solidFill>
+                <a:round/>
+              </a:ln>
+              <a:effectLst/>
+            </c:spPr>
+          </c:errBars>
+          <c:cat>
+            <c:numRef>
+              <c:f>Sheet8!$B$9:$B$11</c:f>
+              <c:numCache>
+                <c:formatCode>General</c:formatCode>
+                <c:ptCount val="3"/>
+                <c:pt idx="0">
+                  <c:v>50</c:v>
+                </c:pt>
+                <c:pt idx="1">
+                  <c:v>100</c:v>
+                </c:pt>
+                <c:pt idx="2">
+                  <c:v>150</c:v>
+                </c:pt>
+              </c:numCache>
+            </c:numRef>
+          </c:cat>
+          <c:val>
+            <c:numRef>
+              <c:f>Sheet8!$G$9:$G$11</c:f>
+              <c:numCache>
+                <c:formatCode>General</c:formatCode>
+                <c:ptCount val="3"/>
+                <c:pt idx="0">
+                  <c:v>4.9152630000000003E-2</c:v>
+                </c:pt>
+                <c:pt idx="1">
+                  <c:v>3.5409540000000003E-2</c:v>
+                </c:pt>
+                <c:pt idx="2">
+                  <c:v>3.2506359999999998E-2</c:v>
+                </c:pt>
+              </c:numCache>
+            </c:numRef>
+          </c:val>
+          <c:extLst>
+            <c:ext xmlns:c16="http://schemas.microsoft.com/office/drawing/2014/chart" uri="{C3380CC4-5D6E-409C-BE32-E72D297353CC}">
+              <c16:uniqueId val="{00000002-5401-42F3-B3FE-2B30FD729DB6}"/>
+            </c:ext>
+          </c:extLst>
+        </c:ser>
+        <c:ser>
+          <c:idx val="3"/>
+          <c:order val="3"/>
+          <c:tx>
+            <c:strRef>
+              <c:f>Sheet8!$I$8</c:f>
+              <c:strCache>
+                <c:ptCount val="1"/>
+                <c:pt idx="0">
+                  <c:v>K=10</c:v>
+                </c:pt>
+              </c:strCache>
+            </c:strRef>
+          </c:tx>
+          <c:spPr>
+            <a:solidFill>
+              <a:schemeClr val="accent4"/>
+            </a:solidFill>
+            <a:ln>
+              <a:noFill/>
+            </a:ln>
+            <a:effectLst/>
+          </c:spPr>
+          <c:invertIfNegative val="0"/>
+          <c:errBars>
+            <c:errBarType val="plus"/>
+            <c:errValType val="cust"/>
+            <c:noEndCap val="0"/>
+            <c:plus>
+              <c:numRef>
+                <c:f>Sheet8!$J$9:$J$11</c:f>
+                <c:numCache>
+                  <c:formatCode>General</c:formatCode>
+                  <c:ptCount val="3"/>
+                  <c:pt idx="0">
+                    <c:v>5.2783370000000003E-2</c:v>
+                  </c:pt>
+                  <c:pt idx="1">
+                    <c:v>4.238637E-2</c:v>
+                  </c:pt>
+                  <c:pt idx="2">
+                    <c:v>3.7476879999999997E-2</c:v>
+                  </c:pt>
+                </c:numCache>
+              </c:numRef>
+            </c:plus>
+            <c:minus>
+              <c:numLit>
+                <c:formatCode>General</c:formatCode>
+                <c:ptCount val="1"/>
+                <c:pt idx="0">
+                  <c:v>1</c:v>
+                </c:pt>
+              </c:numLit>
+            </c:minus>
+            <c:spPr>
+              <a:noFill/>
+              <a:ln w="9525" cap="flat" cmpd="sng" algn="ctr">
+                <a:solidFill>
+                  <a:schemeClr val="tx1">
+                    <a:lumMod val="65000"/>
+                    <a:lumOff val="35000"/>
+                  </a:schemeClr>
+                </a:solidFill>
+                <a:round/>
+              </a:ln>
+              <a:effectLst/>
+            </c:spPr>
+          </c:errBars>
+          <c:cat>
+            <c:numRef>
+              <c:f>Sheet8!$B$9:$B$11</c:f>
+              <c:numCache>
+                <c:formatCode>General</c:formatCode>
+                <c:ptCount val="3"/>
+                <c:pt idx="0">
+                  <c:v>50</c:v>
+                </c:pt>
+                <c:pt idx="1">
+                  <c:v>100</c:v>
+                </c:pt>
+                <c:pt idx="2">
+                  <c:v>150</c:v>
+                </c:pt>
+              </c:numCache>
+            </c:numRef>
+          </c:cat>
+          <c:val>
+            <c:numRef>
+              <c:f>Sheet8!$I$9:$I$11</c:f>
+              <c:numCache>
+                <c:formatCode>General</c:formatCode>
+                <c:ptCount val="3"/>
+                <c:pt idx="0">
+                  <c:v>4.6814759999999997E-2</c:v>
+                </c:pt>
+                <c:pt idx="1">
+                  <c:v>3.64103E-2</c:v>
+                </c:pt>
+                <c:pt idx="2">
+                  <c:v>3.1485319999999997E-2</c:v>
+                </c:pt>
+              </c:numCache>
+            </c:numRef>
+          </c:val>
+          <c:extLst>
+            <c:ext xmlns:c16="http://schemas.microsoft.com/office/drawing/2014/chart" uri="{C3380CC4-5D6E-409C-BE32-E72D297353CC}">
+              <c16:uniqueId val="{00000003-5401-42F3-B3FE-2B30FD729DB6}"/>
+            </c:ext>
+          </c:extLst>
+        </c:ser>
+        <c:dLbls>
+          <c:showLegendKey val="0"/>
+          <c:showVal val="0"/>
+          <c:showCatName val="0"/>
+          <c:showSerName val="0"/>
+          <c:showPercent val="0"/>
+          <c:showBubbleSize val="0"/>
+        </c:dLbls>
+        <c:gapWidth val="219"/>
+        <c:overlap val="-27"/>
+        <c:axId val="529605016"/>
+        <c:axId val="529599440"/>
+      </c:barChart>
+      <c:catAx>
+        <c:axId val="529605016"/>
+        <c:scaling>
+          <c:orientation val="minMax"/>
+        </c:scaling>
+        <c:delete val="0"/>
+        <c:axPos val="b"/>
+        <c:numFmt formatCode="General" sourceLinked="1"/>
+        <c:majorTickMark val="none"/>
+        <c:minorTickMark val="none"/>
+        <c:tickLblPos val="nextTo"/>
+        <c:spPr>
+          <a:noFill/>
+          <a:ln w="9525" cap="flat" cmpd="sng" algn="ctr">
+            <a:solidFill>
+              <a:schemeClr val="tx1">
+                <a:lumMod val="15000"/>
+                <a:lumOff val="85000"/>
+              </a:schemeClr>
+            </a:solidFill>
+            <a:round/>
+          </a:ln>
+          <a:effectLst/>
+        </c:spPr>
+        <c:txPr>
+          <a:bodyPr rot="-60000000" spcFirstLastPara="1" vertOverflow="ellipsis" vert="horz" wrap="square" anchor="ctr" anchorCtr="1"/>
+          <a:lstStyle/>
+          <a:p>
+            <a:pPr>
+              <a:defRPr sz="900" b="0" i="0" u="none" strike="noStrike" kern="1200" baseline="0">
+                <a:solidFill>
+                  <a:schemeClr val="tx1">
+                    <a:lumMod val="65000"/>
+                    <a:lumOff val="35000"/>
+                  </a:schemeClr>
+                </a:solidFill>
+                <a:latin typeface="+mn-lt"/>
+                <a:ea typeface="+mn-ea"/>
+                <a:cs typeface="+mn-cs"/>
+              </a:defRPr>
+            </a:pPr>
+            <a:endParaRPr lang="en-US"/>
+          </a:p>
+        </c:txPr>
+        <c:crossAx val="529599440"/>
+        <c:crosses val="autoZero"/>
+        <c:auto val="1"/>
+        <c:lblAlgn val="ctr"/>
+        <c:lblOffset val="100"/>
+        <c:noMultiLvlLbl val="0"/>
+      </c:catAx>
+      <c:valAx>
+        <c:axId val="529599440"/>
+        <c:scaling>
+          <c:orientation val="minMax"/>
+        </c:scaling>
+        <c:delete val="0"/>
+        <c:axPos val="l"/>
+        <c:majorGridlines>
+          <c:spPr>
+            <a:ln w="9525" cap="flat" cmpd="sng" algn="ctr">
+              <a:solidFill>
+                <a:schemeClr val="tx1">
+                  <a:lumMod val="15000"/>
+                  <a:lumOff val="85000"/>
+                </a:schemeClr>
+              </a:solidFill>
+              <a:round/>
+            </a:ln>
+            <a:effectLst/>
+          </c:spPr>
+        </c:majorGridlines>
+        <c:numFmt formatCode="General" sourceLinked="1"/>
+        <c:majorTickMark val="none"/>
+        <c:minorTickMark val="none"/>
+        <c:tickLblPos val="nextTo"/>
+        <c:spPr>
+          <a:noFill/>
+          <a:ln>
+            <a:noFill/>
+          </a:ln>
+          <a:effectLst/>
+        </c:spPr>
+        <c:txPr>
+          <a:bodyPr rot="-60000000" spcFirstLastPara="1" vertOverflow="ellipsis" vert="horz" wrap="square" anchor="ctr" anchorCtr="1"/>
+          <a:lstStyle/>
+          <a:p>
+            <a:pPr>
+              <a:defRPr sz="900" b="0" i="0" u="none" strike="noStrike" kern="1200" baseline="0">
+                <a:solidFill>
+                  <a:schemeClr val="tx1">
+                    <a:lumMod val="65000"/>
+                    <a:lumOff val="35000"/>
+                  </a:schemeClr>
+                </a:solidFill>
+                <a:latin typeface="+mn-lt"/>
+                <a:ea typeface="+mn-ea"/>
+                <a:cs typeface="+mn-cs"/>
+              </a:defRPr>
+            </a:pPr>
+            <a:endParaRPr lang="en-US"/>
+          </a:p>
+        </c:txPr>
+        <c:crossAx val="529605016"/>
+        <c:crosses val="autoZero"/>
+        <c:crossBetween val="between"/>
+      </c:valAx>
+      <c:spPr>
+        <a:noFill/>
+        <a:ln>
+          <a:noFill/>
+        </a:ln>
+        <a:effectLst/>
+      </c:spPr>
+    </c:plotArea>
+    <c:legend>
+      <c:legendPos val="b"/>
+      <c:overlay val="0"/>
+      <c:spPr>
+        <a:noFill/>
+        <a:ln>
+          <a:noFill/>
+        </a:ln>
+        <a:effectLst/>
+      </c:spPr>
+      <c:txPr>
+        <a:bodyPr rot="0" spcFirstLastPara="1" vertOverflow="ellipsis" vert="horz" wrap="square" anchor="ctr" anchorCtr="1"/>
+        <a:lstStyle/>
+        <a:p>
+          <a:pPr>
+            <a:defRPr sz="900" b="0" i="0" u="none" strike="noStrike" kern="1200" baseline="0">
+              <a:solidFill>
+                <a:schemeClr val="tx1">
+                  <a:lumMod val="65000"/>
+                  <a:lumOff val="35000"/>
+                </a:schemeClr>
+              </a:solidFill>
+              <a:latin typeface="+mn-lt"/>
+              <a:ea typeface="+mn-ea"/>
+              <a:cs typeface="+mn-cs"/>
+            </a:defRPr>
+          </a:pPr>
+          <a:endParaRPr lang="en-US"/>
+        </a:p>
+      </c:txPr>
+    </c:legend>
+    <c:plotVisOnly val="1"/>
+    <c:dispBlanksAs val="gap"/>
+    <c:showDLblsOverMax val="0"/>
+  </c:chart>
+  <c:spPr>
+    <a:noFill/>
+    <a:ln>
+      <a:noFill/>
+    </a:ln>
+    <a:effectLst/>
+  </c:spPr>
+  <c:txPr>
+    <a:bodyPr/>
+    <a:lstStyle/>
+    <a:p>
+      <a:pPr>
+        <a:defRPr/>
+      </a:pPr>
+      <a:endParaRPr lang="en-US"/>
+    </a:p>
+  </c:txPr>
+  <c:externalData r:id="rId3">
+    <c:autoUpdate val="0"/>
+  </c:externalData>
+</c:chartSpace>
+</file>
+
 <file path=ppt/charts/chart2.xml><?xml version="1.0" encoding="utf-8"?>
 <c:chartSpace xmlns:c="http://schemas.openxmlformats.org/drawingml/2006/chart" xmlns:a="http://schemas.openxmlformats.org/drawingml/2006/main" xmlns:r="http://schemas.openxmlformats.org/officeDocument/2006/relationships" xmlns:c16r2="http://schemas.microsoft.com/office/drawing/2015/06/chart">
   <c:date1904 val="0"/>
@@ -2997,16 +4758,13 @@
           </a:p>
           <a:p>
             <a:pPr algn="ctr" rtl="0">
-              <a:defRPr lang="en-US" sz="1400" b="0" i="0" u="none" strike="noStrike" kern="1200" spc="0" baseline="0" dirty="0">
+              <a:defRPr lang="en-US" dirty="0">
                 <a:solidFill>
                   <a:prstClr val="black">
                     <a:lumMod val="65000"/>
                     <a:lumOff val="35000"/>
                   </a:prstClr>
                 </a:solidFill>
-                <a:latin typeface="+mn-lt"/>
-                <a:ea typeface="+mn-ea"/>
-                <a:cs typeface="+mn-cs"/>
               </a:defRPr>
             </a:pPr>
             <a:r>
@@ -3309,6 +5067,2698 @@
     </c:plotArea>
     <c:plotVisOnly val="1"/>
     <c:dispBlanksAs val="gap"/>
+    <c:showDLblsOverMax val="0"/>
+  </c:chart>
+  <c:spPr>
+    <a:noFill/>
+    <a:ln>
+      <a:noFill/>
+    </a:ln>
+    <a:effectLst/>
+  </c:spPr>
+  <c:txPr>
+    <a:bodyPr/>
+    <a:lstStyle/>
+    <a:p>
+      <a:pPr>
+        <a:defRPr/>
+      </a:pPr>
+      <a:endParaRPr lang="en-US"/>
+    </a:p>
+  </c:txPr>
+  <c:externalData r:id="rId3">
+    <c:autoUpdate val="0"/>
+  </c:externalData>
+</c:chartSpace>
+</file>
+
+<file path=ppt/charts/chart20.xml><?xml version="1.0" encoding="utf-8"?>
+<c:chartSpace xmlns:c="http://schemas.openxmlformats.org/drawingml/2006/chart" xmlns:a="http://schemas.openxmlformats.org/drawingml/2006/main" xmlns:r="http://schemas.openxmlformats.org/officeDocument/2006/relationships" xmlns:c16r2="http://schemas.microsoft.com/office/drawing/2015/06/chart">
+  <c:date1904 val="0"/>
+  <c:lang val="en-US"/>
+  <c:roundedCorners val="0"/>
+  <mc:AlternateContent xmlns:mc="http://schemas.openxmlformats.org/markup-compatibility/2006">
+    <mc:Choice xmlns:c14="http://schemas.microsoft.com/office/drawing/2007/8/2/chart" Requires="c14">
+      <c14:style val="102"/>
+    </mc:Choice>
+    <mc:Fallback>
+      <c:style val="2"/>
+    </mc:Fallback>
+  </mc:AlternateContent>
+  <c:chart>
+    <c:title>
+      <c:tx>
+        <c:rich>
+          <a:bodyPr rot="0" spcFirstLastPara="1" vertOverflow="ellipsis" vert="horz" wrap="square" anchor="ctr" anchorCtr="1"/>
+          <a:lstStyle/>
+          <a:p>
+            <a:pPr>
+              <a:defRPr sz="1400" b="0" i="0" u="none" strike="noStrike" kern="1200" spc="0" baseline="0">
+                <a:solidFill>
+                  <a:schemeClr val="tx1">
+                    <a:lumMod val="65000"/>
+                    <a:lumOff val="35000"/>
+                  </a:schemeClr>
+                </a:solidFill>
+                <a:latin typeface="+mn-lt"/>
+                <a:ea typeface="+mn-ea"/>
+                <a:cs typeface="+mn-cs"/>
+              </a:defRPr>
+            </a:pPr>
+            <a:r>
+              <a:rPr lang="en-US"/>
+              <a:t>Recall
+Rating &gt; mean+(max-mean)/2, Cosin(0.02)</a:t>
+            </a:r>
+          </a:p>
+        </c:rich>
+      </c:tx>
+      <c:overlay val="0"/>
+      <c:spPr>
+        <a:noFill/>
+        <a:ln>
+          <a:noFill/>
+        </a:ln>
+        <a:effectLst/>
+      </c:spPr>
+      <c:txPr>
+        <a:bodyPr rot="0" spcFirstLastPara="1" vertOverflow="ellipsis" vert="horz" wrap="square" anchor="ctr" anchorCtr="1"/>
+        <a:lstStyle/>
+        <a:p>
+          <a:pPr>
+            <a:defRPr sz="1400" b="0" i="0" u="none" strike="noStrike" kern="1200" spc="0" baseline="0">
+              <a:solidFill>
+                <a:schemeClr val="tx1">
+                  <a:lumMod val="65000"/>
+                  <a:lumOff val="35000"/>
+                </a:schemeClr>
+              </a:solidFill>
+              <a:latin typeface="+mn-lt"/>
+              <a:ea typeface="+mn-ea"/>
+              <a:cs typeface="+mn-cs"/>
+            </a:defRPr>
+          </a:pPr>
+          <a:endParaRPr lang="en-US"/>
+        </a:p>
+      </c:txPr>
+    </c:title>
+    <c:autoTitleDeleted val="0"/>
+    <c:plotArea>
+      <c:layout/>
+      <c:barChart>
+        <c:barDir val="col"/>
+        <c:grouping val="clustered"/>
+        <c:varyColors val="0"/>
+        <c:ser>
+          <c:idx val="0"/>
+          <c:order val="0"/>
+          <c:tx>
+            <c:strRef>
+              <c:f>Sheet8!$C$20</c:f>
+              <c:strCache>
+                <c:ptCount val="1"/>
+                <c:pt idx="0">
+                  <c:v>K=1</c:v>
+                </c:pt>
+              </c:strCache>
+            </c:strRef>
+          </c:tx>
+          <c:spPr>
+            <a:solidFill>
+              <a:schemeClr val="accent1"/>
+            </a:solidFill>
+            <a:ln>
+              <a:noFill/>
+            </a:ln>
+            <a:effectLst/>
+          </c:spPr>
+          <c:invertIfNegative val="0"/>
+          <c:errBars>
+            <c:errBarType val="plus"/>
+            <c:errValType val="cust"/>
+            <c:noEndCap val="0"/>
+            <c:plus>
+              <c:numRef>
+                <c:f>Sheet8!$D$21:$D$23</c:f>
+                <c:numCache>
+                  <c:formatCode>General</c:formatCode>
+                  <c:ptCount val="3"/>
+                  <c:pt idx="0">
+                    <c:v>9.9609230000000007E-2</c:v>
+                  </c:pt>
+                  <c:pt idx="1">
+                    <c:v>0.11185283</c:v>
+                  </c:pt>
+                  <c:pt idx="2">
+                    <c:v>0.12219922</c:v>
+                  </c:pt>
+                </c:numCache>
+              </c:numRef>
+            </c:plus>
+            <c:minus>
+              <c:numLit>
+                <c:formatCode>General</c:formatCode>
+                <c:ptCount val="1"/>
+                <c:pt idx="0">
+                  <c:v>1</c:v>
+                </c:pt>
+              </c:numLit>
+            </c:minus>
+            <c:spPr>
+              <a:noFill/>
+              <a:ln w="9525" cap="flat" cmpd="sng" algn="ctr">
+                <a:solidFill>
+                  <a:schemeClr val="tx1">
+                    <a:lumMod val="65000"/>
+                    <a:lumOff val="35000"/>
+                  </a:schemeClr>
+                </a:solidFill>
+                <a:round/>
+              </a:ln>
+              <a:effectLst/>
+            </c:spPr>
+          </c:errBars>
+          <c:cat>
+            <c:numRef>
+              <c:f>Sheet8!$B$21:$B$23</c:f>
+              <c:numCache>
+                <c:formatCode>General</c:formatCode>
+                <c:ptCount val="3"/>
+                <c:pt idx="0">
+                  <c:v>50</c:v>
+                </c:pt>
+                <c:pt idx="1">
+                  <c:v>100</c:v>
+                </c:pt>
+                <c:pt idx="2">
+                  <c:v>150</c:v>
+                </c:pt>
+              </c:numCache>
+            </c:numRef>
+          </c:cat>
+          <c:val>
+            <c:numRef>
+              <c:f>Sheet8!$C$21:$C$23</c:f>
+              <c:numCache>
+                <c:formatCode>General</c:formatCode>
+                <c:ptCount val="3"/>
+                <c:pt idx="0">
+                  <c:v>8.7187580000000001E-2</c:v>
+                </c:pt>
+                <c:pt idx="1">
+                  <c:v>0.12552741000000001</c:v>
+                </c:pt>
+                <c:pt idx="2">
+                  <c:v>0.14927766000000001</c:v>
+                </c:pt>
+              </c:numCache>
+            </c:numRef>
+          </c:val>
+          <c:extLst>
+            <c:ext xmlns:c16="http://schemas.microsoft.com/office/drawing/2014/chart" uri="{C3380CC4-5D6E-409C-BE32-E72D297353CC}">
+              <c16:uniqueId val="{00000000-A13B-4177-A6FB-72E93BD9BB78}"/>
+            </c:ext>
+          </c:extLst>
+        </c:ser>
+        <c:ser>
+          <c:idx val="1"/>
+          <c:order val="1"/>
+          <c:tx>
+            <c:strRef>
+              <c:f>Sheet8!$E$20</c:f>
+              <c:strCache>
+                <c:ptCount val="1"/>
+                <c:pt idx="0">
+                  <c:v>K=3</c:v>
+                </c:pt>
+              </c:strCache>
+            </c:strRef>
+          </c:tx>
+          <c:spPr>
+            <a:solidFill>
+              <a:schemeClr val="accent2"/>
+            </a:solidFill>
+            <a:ln>
+              <a:noFill/>
+            </a:ln>
+            <a:effectLst/>
+          </c:spPr>
+          <c:invertIfNegative val="0"/>
+          <c:errBars>
+            <c:errBarType val="plus"/>
+            <c:errValType val="cust"/>
+            <c:noEndCap val="0"/>
+            <c:plus>
+              <c:numRef>
+                <c:f>Sheet8!$F$21:$F$23</c:f>
+                <c:numCache>
+                  <c:formatCode>General</c:formatCode>
+                  <c:ptCount val="3"/>
+                  <c:pt idx="0">
+                    <c:v>8.4041110000000002E-2</c:v>
+                  </c:pt>
+                  <c:pt idx="1">
+                    <c:v>9.9415519999999993E-2</c:v>
+                  </c:pt>
+                  <c:pt idx="2">
+                    <c:v>0.11585934000000001</c:v>
+                  </c:pt>
+                </c:numCache>
+              </c:numRef>
+            </c:plus>
+            <c:minus>
+              <c:numLit>
+                <c:formatCode>General</c:formatCode>
+                <c:ptCount val="1"/>
+                <c:pt idx="0">
+                  <c:v>1</c:v>
+                </c:pt>
+              </c:numLit>
+            </c:minus>
+            <c:spPr>
+              <a:noFill/>
+              <a:ln w="9525" cap="flat" cmpd="sng" algn="ctr">
+                <a:solidFill>
+                  <a:schemeClr val="tx1">
+                    <a:lumMod val="65000"/>
+                    <a:lumOff val="35000"/>
+                  </a:schemeClr>
+                </a:solidFill>
+                <a:round/>
+              </a:ln>
+              <a:effectLst/>
+            </c:spPr>
+          </c:errBars>
+          <c:cat>
+            <c:numRef>
+              <c:f>Sheet8!$B$21:$B$23</c:f>
+              <c:numCache>
+                <c:formatCode>General</c:formatCode>
+                <c:ptCount val="3"/>
+                <c:pt idx="0">
+                  <c:v>50</c:v>
+                </c:pt>
+                <c:pt idx="1">
+                  <c:v>100</c:v>
+                </c:pt>
+                <c:pt idx="2">
+                  <c:v>150</c:v>
+                </c:pt>
+              </c:numCache>
+            </c:numRef>
+          </c:cat>
+          <c:val>
+            <c:numRef>
+              <c:f>Sheet8!$E$21:$E$23</c:f>
+              <c:numCache>
+                <c:formatCode>General</c:formatCode>
+                <c:ptCount val="3"/>
+                <c:pt idx="0">
+                  <c:v>8.9160939999999994E-2</c:v>
+                </c:pt>
+                <c:pt idx="1">
+                  <c:v>0.11674993</c:v>
+                </c:pt>
+                <c:pt idx="2">
+                  <c:v>0.14198706</c:v>
+                </c:pt>
+              </c:numCache>
+            </c:numRef>
+          </c:val>
+          <c:extLst>
+            <c:ext xmlns:c16="http://schemas.microsoft.com/office/drawing/2014/chart" uri="{C3380CC4-5D6E-409C-BE32-E72D297353CC}">
+              <c16:uniqueId val="{00000001-A13B-4177-A6FB-72E93BD9BB78}"/>
+            </c:ext>
+          </c:extLst>
+        </c:ser>
+        <c:ser>
+          <c:idx val="2"/>
+          <c:order val="2"/>
+          <c:tx>
+            <c:strRef>
+              <c:f>Sheet8!$G$20</c:f>
+              <c:strCache>
+                <c:ptCount val="1"/>
+                <c:pt idx="0">
+                  <c:v>K=5</c:v>
+                </c:pt>
+              </c:strCache>
+            </c:strRef>
+          </c:tx>
+          <c:spPr>
+            <a:solidFill>
+              <a:schemeClr val="accent3"/>
+            </a:solidFill>
+            <a:ln>
+              <a:noFill/>
+            </a:ln>
+            <a:effectLst/>
+          </c:spPr>
+          <c:invertIfNegative val="0"/>
+          <c:errBars>
+            <c:errBarType val="plus"/>
+            <c:errValType val="cust"/>
+            <c:noEndCap val="0"/>
+            <c:plus>
+              <c:numRef>
+                <c:f>Sheet8!$H$21:$H$23</c:f>
+                <c:numCache>
+                  <c:formatCode>General</c:formatCode>
+                  <c:ptCount val="3"/>
+                  <c:pt idx="0">
+                    <c:v>9.2488329999999994E-2</c:v>
+                  </c:pt>
+                  <c:pt idx="1">
+                    <c:v>0.10367416</c:v>
+                  </c:pt>
+                  <c:pt idx="2">
+                    <c:v>0.12129919</c:v>
+                  </c:pt>
+                </c:numCache>
+              </c:numRef>
+            </c:plus>
+            <c:minus>
+              <c:numLit>
+                <c:formatCode>General</c:formatCode>
+                <c:ptCount val="1"/>
+                <c:pt idx="0">
+                  <c:v>1</c:v>
+                </c:pt>
+              </c:numLit>
+            </c:minus>
+            <c:spPr>
+              <a:noFill/>
+              <a:ln w="9525" cap="flat" cmpd="sng" algn="ctr">
+                <a:solidFill>
+                  <a:schemeClr val="tx1">
+                    <a:lumMod val="65000"/>
+                    <a:lumOff val="35000"/>
+                  </a:schemeClr>
+                </a:solidFill>
+                <a:round/>
+              </a:ln>
+              <a:effectLst/>
+            </c:spPr>
+          </c:errBars>
+          <c:cat>
+            <c:numRef>
+              <c:f>Sheet8!$B$21:$B$23</c:f>
+              <c:numCache>
+                <c:formatCode>General</c:formatCode>
+                <c:ptCount val="3"/>
+                <c:pt idx="0">
+                  <c:v>50</c:v>
+                </c:pt>
+                <c:pt idx="1">
+                  <c:v>100</c:v>
+                </c:pt>
+                <c:pt idx="2">
+                  <c:v>150</c:v>
+                </c:pt>
+              </c:numCache>
+            </c:numRef>
+          </c:cat>
+          <c:val>
+            <c:numRef>
+              <c:f>Sheet8!$G$21:$G$23</c:f>
+              <c:numCache>
+                <c:formatCode>General</c:formatCode>
+                <c:ptCount val="3"/>
+                <c:pt idx="0">
+                  <c:v>9.0578130000000007E-2</c:v>
+                </c:pt>
+                <c:pt idx="1">
+                  <c:v>0.11733105000000001</c:v>
+                </c:pt>
+                <c:pt idx="2">
+                  <c:v>0.14948796</c:v>
+                </c:pt>
+              </c:numCache>
+            </c:numRef>
+          </c:val>
+          <c:extLst>
+            <c:ext xmlns:c16="http://schemas.microsoft.com/office/drawing/2014/chart" uri="{C3380CC4-5D6E-409C-BE32-E72D297353CC}">
+              <c16:uniqueId val="{00000002-A13B-4177-A6FB-72E93BD9BB78}"/>
+            </c:ext>
+          </c:extLst>
+        </c:ser>
+        <c:ser>
+          <c:idx val="3"/>
+          <c:order val="3"/>
+          <c:tx>
+            <c:strRef>
+              <c:f>Sheet8!$I$20</c:f>
+              <c:strCache>
+                <c:ptCount val="1"/>
+                <c:pt idx="0">
+                  <c:v>K=10</c:v>
+                </c:pt>
+              </c:strCache>
+            </c:strRef>
+          </c:tx>
+          <c:spPr>
+            <a:solidFill>
+              <a:schemeClr val="accent4"/>
+            </a:solidFill>
+            <a:ln>
+              <a:noFill/>
+            </a:ln>
+            <a:effectLst/>
+          </c:spPr>
+          <c:invertIfNegative val="0"/>
+          <c:errBars>
+            <c:errBarType val="plus"/>
+            <c:errValType val="cust"/>
+            <c:noEndCap val="0"/>
+            <c:plus>
+              <c:numRef>
+                <c:f>Sheet8!$J$21:$J$23</c:f>
+                <c:numCache>
+                  <c:formatCode>General</c:formatCode>
+                  <c:ptCount val="3"/>
+                  <c:pt idx="0">
+                    <c:v>0.1011475</c:v>
+                  </c:pt>
+                  <c:pt idx="1">
+                    <c:v>0.1056382</c:v>
+                  </c:pt>
+                  <c:pt idx="2">
+                    <c:v>0.118505</c:v>
+                  </c:pt>
+                </c:numCache>
+              </c:numRef>
+            </c:plus>
+            <c:minus>
+              <c:numLit>
+                <c:formatCode>General</c:formatCode>
+                <c:ptCount val="1"/>
+                <c:pt idx="0">
+                  <c:v>1</c:v>
+                </c:pt>
+              </c:numLit>
+            </c:minus>
+            <c:spPr>
+              <a:noFill/>
+              <a:ln w="9525" cap="flat" cmpd="sng" algn="ctr">
+                <a:solidFill>
+                  <a:schemeClr val="tx1">
+                    <a:lumMod val="65000"/>
+                    <a:lumOff val="35000"/>
+                  </a:schemeClr>
+                </a:solidFill>
+                <a:round/>
+              </a:ln>
+              <a:effectLst/>
+            </c:spPr>
+          </c:errBars>
+          <c:cat>
+            <c:numRef>
+              <c:f>Sheet8!$B$21:$B$23</c:f>
+              <c:numCache>
+                <c:formatCode>General</c:formatCode>
+                <c:ptCount val="3"/>
+                <c:pt idx="0">
+                  <c:v>50</c:v>
+                </c:pt>
+                <c:pt idx="1">
+                  <c:v>100</c:v>
+                </c:pt>
+                <c:pt idx="2">
+                  <c:v>150</c:v>
+                </c:pt>
+              </c:numCache>
+            </c:numRef>
+          </c:cat>
+          <c:val>
+            <c:numRef>
+              <c:f>Sheet8!$I$21:$I$23</c:f>
+              <c:numCache>
+                <c:formatCode>General</c:formatCode>
+                <c:ptCount val="3"/>
+                <c:pt idx="0">
+                  <c:v>9.1802430000000004E-2</c:v>
+                </c:pt>
+                <c:pt idx="1">
+                  <c:v>0.11778115</c:v>
+                </c:pt>
+                <c:pt idx="2">
+                  <c:v>0.14547420999999999</c:v>
+                </c:pt>
+              </c:numCache>
+            </c:numRef>
+          </c:val>
+          <c:extLst>
+            <c:ext xmlns:c16="http://schemas.microsoft.com/office/drawing/2014/chart" uri="{C3380CC4-5D6E-409C-BE32-E72D297353CC}">
+              <c16:uniqueId val="{00000003-A13B-4177-A6FB-72E93BD9BB78}"/>
+            </c:ext>
+          </c:extLst>
+        </c:ser>
+        <c:dLbls>
+          <c:showLegendKey val="0"/>
+          <c:showVal val="0"/>
+          <c:showCatName val="0"/>
+          <c:showSerName val="0"/>
+          <c:showPercent val="0"/>
+          <c:showBubbleSize val="0"/>
+        </c:dLbls>
+        <c:gapWidth val="219"/>
+        <c:overlap val="-27"/>
+        <c:axId val="529610592"/>
+        <c:axId val="529614856"/>
+      </c:barChart>
+      <c:catAx>
+        <c:axId val="529610592"/>
+        <c:scaling>
+          <c:orientation val="minMax"/>
+        </c:scaling>
+        <c:delete val="0"/>
+        <c:axPos val="b"/>
+        <c:numFmt formatCode="General" sourceLinked="1"/>
+        <c:majorTickMark val="none"/>
+        <c:minorTickMark val="none"/>
+        <c:tickLblPos val="nextTo"/>
+        <c:spPr>
+          <a:noFill/>
+          <a:ln w="9525" cap="flat" cmpd="sng" algn="ctr">
+            <a:solidFill>
+              <a:schemeClr val="tx1">
+                <a:lumMod val="15000"/>
+                <a:lumOff val="85000"/>
+              </a:schemeClr>
+            </a:solidFill>
+            <a:round/>
+          </a:ln>
+          <a:effectLst/>
+        </c:spPr>
+        <c:txPr>
+          <a:bodyPr rot="-60000000" spcFirstLastPara="1" vertOverflow="ellipsis" vert="horz" wrap="square" anchor="ctr" anchorCtr="1"/>
+          <a:lstStyle/>
+          <a:p>
+            <a:pPr>
+              <a:defRPr sz="900" b="0" i="0" u="none" strike="noStrike" kern="1200" baseline="0">
+                <a:solidFill>
+                  <a:schemeClr val="tx1">
+                    <a:lumMod val="65000"/>
+                    <a:lumOff val="35000"/>
+                  </a:schemeClr>
+                </a:solidFill>
+                <a:latin typeface="+mn-lt"/>
+                <a:ea typeface="+mn-ea"/>
+                <a:cs typeface="+mn-cs"/>
+              </a:defRPr>
+            </a:pPr>
+            <a:endParaRPr lang="en-US"/>
+          </a:p>
+        </c:txPr>
+        <c:crossAx val="529614856"/>
+        <c:crosses val="autoZero"/>
+        <c:auto val="1"/>
+        <c:lblAlgn val="ctr"/>
+        <c:lblOffset val="100"/>
+        <c:noMultiLvlLbl val="0"/>
+      </c:catAx>
+      <c:valAx>
+        <c:axId val="529614856"/>
+        <c:scaling>
+          <c:orientation val="minMax"/>
+        </c:scaling>
+        <c:delete val="0"/>
+        <c:axPos val="l"/>
+        <c:majorGridlines>
+          <c:spPr>
+            <a:ln w="9525" cap="flat" cmpd="sng" algn="ctr">
+              <a:solidFill>
+                <a:schemeClr val="tx1">
+                  <a:lumMod val="15000"/>
+                  <a:lumOff val="85000"/>
+                </a:schemeClr>
+              </a:solidFill>
+              <a:round/>
+            </a:ln>
+            <a:effectLst/>
+          </c:spPr>
+        </c:majorGridlines>
+        <c:numFmt formatCode="General" sourceLinked="1"/>
+        <c:majorTickMark val="none"/>
+        <c:minorTickMark val="none"/>
+        <c:tickLblPos val="nextTo"/>
+        <c:spPr>
+          <a:noFill/>
+          <a:ln>
+            <a:noFill/>
+          </a:ln>
+          <a:effectLst/>
+        </c:spPr>
+        <c:txPr>
+          <a:bodyPr rot="-60000000" spcFirstLastPara="1" vertOverflow="ellipsis" vert="horz" wrap="square" anchor="ctr" anchorCtr="1"/>
+          <a:lstStyle/>
+          <a:p>
+            <a:pPr>
+              <a:defRPr sz="900" b="0" i="0" u="none" strike="noStrike" kern="1200" baseline="0">
+                <a:solidFill>
+                  <a:schemeClr val="tx1">
+                    <a:lumMod val="65000"/>
+                    <a:lumOff val="35000"/>
+                  </a:schemeClr>
+                </a:solidFill>
+                <a:latin typeface="+mn-lt"/>
+                <a:ea typeface="+mn-ea"/>
+                <a:cs typeface="+mn-cs"/>
+              </a:defRPr>
+            </a:pPr>
+            <a:endParaRPr lang="en-US"/>
+          </a:p>
+        </c:txPr>
+        <c:crossAx val="529610592"/>
+        <c:crosses val="autoZero"/>
+        <c:crossBetween val="between"/>
+      </c:valAx>
+      <c:spPr>
+        <a:noFill/>
+        <a:ln>
+          <a:noFill/>
+        </a:ln>
+        <a:effectLst/>
+      </c:spPr>
+    </c:plotArea>
+    <c:legend>
+      <c:legendPos val="b"/>
+      <c:overlay val="0"/>
+      <c:spPr>
+        <a:noFill/>
+        <a:ln>
+          <a:noFill/>
+        </a:ln>
+        <a:effectLst/>
+      </c:spPr>
+      <c:txPr>
+        <a:bodyPr rot="0" spcFirstLastPara="1" vertOverflow="ellipsis" vert="horz" wrap="square" anchor="ctr" anchorCtr="1"/>
+        <a:lstStyle/>
+        <a:p>
+          <a:pPr>
+            <a:defRPr sz="900" b="0" i="0" u="none" strike="noStrike" kern="1200" baseline="0">
+              <a:solidFill>
+                <a:schemeClr val="tx1">
+                  <a:lumMod val="65000"/>
+                  <a:lumOff val="35000"/>
+                </a:schemeClr>
+              </a:solidFill>
+              <a:latin typeface="+mn-lt"/>
+              <a:ea typeface="+mn-ea"/>
+              <a:cs typeface="+mn-cs"/>
+            </a:defRPr>
+          </a:pPr>
+          <a:endParaRPr lang="en-US"/>
+        </a:p>
+      </c:txPr>
+    </c:legend>
+    <c:plotVisOnly val="1"/>
+    <c:dispBlanksAs val="gap"/>
+    <c:showDLblsOverMax val="0"/>
+  </c:chart>
+  <c:spPr>
+    <a:noFill/>
+    <a:ln>
+      <a:noFill/>
+    </a:ln>
+    <a:effectLst/>
+  </c:spPr>
+  <c:txPr>
+    <a:bodyPr/>
+    <a:lstStyle/>
+    <a:p>
+      <a:pPr>
+        <a:defRPr/>
+      </a:pPr>
+      <a:endParaRPr lang="en-US"/>
+    </a:p>
+  </c:txPr>
+  <c:externalData r:id="rId3">
+    <c:autoUpdate val="0"/>
+  </c:externalData>
+</c:chartSpace>
+</file>
+
+<file path=ppt/charts/chart21.xml><?xml version="1.0" encoding="utf-8"?>
+<c:chartSpace xmlns:c="http://schemas.openxmlformats.org/drawingml/2006/chart" xmlns:a="http://schemas.openxmlformats.org/drawingml/2006/main" xmlns:r="http://schemas.openxmlformats.org/officeDocument/2006/relationships" xmlns:c16r2="http://schemas.microsoft.com/office/drawing/2015/06/chart">
+  <c:date1904 val="0"/>
+  <c:lang val="en-US"/>
+  <c:roundedCorners val="0"/>
+  <mc:AlternateContent xmlns:mc="http://schemas.openxmlformats.org/markup-compatibility/2006">
+    <mc:Choice xmlns:c14="http://schemas.microsoft.com/office/drawing/2007/8/2/chart" Requires="c14">
+      <c14:style val="102"/>
+    </mc:Choice>
+    <mc:Fallback>
+      <c:style val="2"/>
+    </mc:Fallback>
+  </mc:AlternateContent>
+  <c:chart>
+    <c:title>
+      <c:tx>
+        <c:rich>
+          <a:bodyPr rot="0" spcFirstLastPara="1" vertOverflow="ellipsis" vert="horz" wrap="square" anchor="ctr" anchorCtr="1"/>
+          <a:lstStyle/>
+          <a:p>
+            <a:pPr>
+              <a:defRPr sz="1400" b="0" i="0" u="none" strike="noStrike" kern="1200" spc="0" baseline="0">
+                <a:solidFill>
+                  <a:schemeClr val="tx1">
+                    <a:lumMod val="65000"/>
+                    <a:lumOff val="35000"/>
+                  </a:schemeClr>
+                </a:solidFill>
+                <a:latin typeface="+mn-lt"/>
+                <a:ea typeface="+mn-ea"/>
+                <a:cs typeface="+mn-cs"/>
+              </a:defRPr>
+            </a:pPr>
+            <a:r>
+              <a:rPr lang="en-US"/>
+              <a:t>Precision   K = 3 Cosine(0.1)</a:t>
+            </a:r>
+          </a:p>
+        </c:rich>
+      </c:tx>
+      <c:overlay val="0"/>
+      <c:spPr>
+        <a:noFill/>
+        <a:ln>
+          <a:noFill/>
+        </a:ln>
+        <a:effectLst/>
+      </c:spPr>
+      <c:txPr>
+        <a:bodyPr rot="0" spcFirstLastPara="1" vertOverflow="ellipsis" vert="horz" wrap="square" anchor="ctr" anchorCtr="1"/>
+        <a:lstStyle/>
+        <a:p>
+          <a:pPr>
+            <a:defRPr sz="1400" b="0" i="0" u="none" strike="noStrike" kern="1200" spc="0" baseline="0">
+              <a:solidFill>
+                <a:schemeClr val="tx1">
+                  <a:lumMod val="65000"/>
+                  <a:lumOff val="35000"/>
+                </a:schemeClr>
+              </a:solidFill>
+              <a:latin typeface="+mn-lt"/>
+              <a:ea typeface="+mn-ea"/>
+              <a:cs typeface="+mn-cs"/>
+            </a:defRPr>
+          </a:pPr>
+          <a:endParaRPr lang="en-US"/>
+        </a:p>
+      </c:txPr>
+    </c:title>
+    <c:autoTitleDeleted val="0"/>
+    <c:plotArea>
+      <c:layout/>
+      <c:barChart>
+        <c:barDir val="col"/>
+        <c:grouping val="clustered"/>
+        <c:varyColors val="0"/>
+        <c:ser>
+          <c:idx val="0"/>
+          <c:order val="0"/>
+          <c:tx>
+            <c:strRef>
+              <c:f>Sheet7!$H$5</c:f>
+              <c:strCache>
+                <c:ptCount val="1"/>
+                <c:pt idx="0">
+                  <c:v>Rating&gt;=mean</c:v>
+                </c:pt>
+              </c:strCache>
+            </c:strRef>
+          </c:tx>
+          <c:spPr>
+            <a:solidFill>
+              <a:schemeClr val="accent1"/>
+            </a:solidFill>
+            <a:ln>
+              <a:noFill/>
+            </a:ln>
+            <a:effectLst/>
+          </c:spPr>
+          <c:invertIfNegative val="0"/>
+          <c:errBars>
+            <c:errBarType val="plus"/>
+            <c:errValType val="cust"/>
+            <c:noEndCap val="0"/>
+            <c:plus>
+              <c:numRef>
+                <c:f>Sheet7!$I$6:$I$8</c:f>
+                <c:numCache>
+                  <c:formatCode>General</c:formatCode>
+                  <c:ptCount val="3"/>
+                  <c:pt idx="0">
+                    <c:v>5.5950930000000003E-2</c:v>
+                  </c:pt>
+                  <c:pt idx="1">
+                    <c:v>4.5350380000000003E-2</c:v>
+                  </c:pt>
+                  <c:pt idx="2">
+                    <c:v>4.090096E-2</c:v>
+                  </c:pt>
+                </c:numCache>
+              </c:numRef>
+            </c:plus>
+            <c:minus>
+              <c:numLit>
+                <c:formatCode>General</c:formatCode>
+                <c:ptCount val="1"/>
+                <c:pt idx="0">
+                  <c:v>1</c:v>
+                </c:pt>
+              </c:numLit>
+            </c:minus>
+            <c:spPr>
+              <a:noFill/>
+              <a:ln w="9525" cap="flat" cmpd="sng" algn="ctr">
+                <a:solidFill>
+                  <a:schemeClr val="tx1">
+                    <a:lumMod val="65000"/>
+                    <a:lumOff val="35000"/>
+                  </a:schemeClr>
+                </a:solidFill>
+                <a:round/>
+              </a:ln>
+              <a:effectLst/>
+            </c:spPr>
+          </c:errBars>
+          <c:cat>
+            <c:numRef>
+              <c:f>Sheet7!$G$6:$G$8</c:f>
+              <c:numCache>
+                <c:formatCode>General</c:formatCode>
+                <c:ptCount val="3"/>
+                <c:pt idx="0">
+                  <c:v>50</c:v>
+                </c:pt>
+                <c:pt idx="1">
+                  <c:v>100</c:v>
+                </c:pt>
+                <c:pt idx="2">
+                  <c:v>150</c:v>
+                </c:pt>
+              </c:numCache>
+            </c:numRef>
+          </c:cat>
+          <c:val>
+            <c:numRef>
+              <c:f>Sheet7!$H$6:$H$8</c:f>
+              <c:numCache>
+                <c:formatCode>General</c:formatCode>
+                <c:ptCount val="3"/>
+                <c:pt idx="0">
+                  <c:v>5.6619999999999997E-2</c:v>
+                </c:pt>
+                <c:pt idx="1">
+                  <c:v>4.3999999999999997E-2</c:v>
+                </c:pt>
+                <c:pt idx="2">
+                  <c:v>3.7901030000000002E-2</c:v>
+                </c:pt>
+              </c:numCache>
+            </c:numRef>
+          </c:val>
+          <c:extLst>
+            <c:ext xmlns:c16="http://schemas.microsoft.com/office/drawing/2014/chart" uri="{C3380CC4-5D6E-409C-BE32-E72D297353CC}">
+              <c16:uniqueId val="{00000000-440A-4E84-8784-EAD9FC61C70A}"/>
+            </c:ext>
+          </c:extLst>
+        </c:ser>
+        <c:ser>
+          <c:idx val="1"/>
+          <c:order val="1"/>
+          <c:tx>
+            <c:strRef>
+              <c:f>Sheet7!$J$5</c:f>
+              <c:strCache>
+                <c:ptCount val="1"/>
+                <c:pt idx="0">
+                  <c:v>Rating&gt;=mean+(max-mean)/2</c:v>
+                </c:pt>
+              </c:strCache>
+            </c:strRef>
+          </c:tx>
+          <c:spPr>
+            <a:solidFill>
+              <a:schemeClr val="accent2"/>
+            </a:solidFill>
+            <a:ln>
+              <a:noFill/>
+            </a:ln>
+            <a:effectLst/>
+          </c:spPr>
+          <c:invertIfNegative val="0"/>
+          <c:errBars>
+            <c:errBarType val="plus"/>
+            <c:errValType val="cust"/>
+            <c:noEndCap val="0"/>
+            <c:plus>
+              <c:numRef>
+                <c:f>Sheet7!$K$6:$K$8</c:f>
+                <c:numCache>
+                  <c:formatCode>General</c:formatCode>
+                  <c:ptCount val="3"/>
+                  <c:pt idx="0">
+                    <c:v>5.0857039999999999E-2</c:v>
+                  </c:pt>
+                  <c:pt idx="1">
+                    <c:v>4.377955E-2</c:v>
+                  </c:pt>
+                  <c:pt idx="2">
+                    <c:v>3.3611630000000003E-2</c:v>
+                  </c:pt>
+                </c:numCache>
+              </c:numRef>
+            </c:plus>
+            <c:minus>
+              <c:numLit>
+                <c:formatCode>General</c:formatCode>
+                <c:ptCount val="1"/>
+                <c:pt idx="0">
+                  <c:v>1</c:v>
+                </c:pt>
+              </c:numLit>
+            </c:minus>
+            <c:spPr>
+              <a:noFill/>
+              <a:ln w="9525" cap="flat" cmpd="sng" algn="ctr">
+                <a:solidFill>
+                  <a:schemeClr val="tx1">
+                    <a:lumMod val="65000"/>
+                    <a:lumOff val="35000"/>
+                  </a:schemeClr>
+                </a:solidFill>
+                <a:round/>
+              </a:ln>
+              <a:effectLst/>
+            </c:spPr>
+          </c:errBars>
+          <c:cat>
+            <c:numRef>
+              <c:f>Sheet7!$G$6:$G$8</c:f>
+              <c:numCache>
+                <c:formatCode>General</c:formatCode>
+                <c:ptCount val="3"/>
+                <c:pt idx="0">
+                  <c:v>50</c:v>
+                </c:pt>
+                <c:pt idx="1">
+                  <c:v>100</c:v>
+                </c:pt>
+                <c:pt idx="2">
+                  <c:v>150</c:v>
+                </c:pt>
+              </c:numCache>
+            </c:numRef>
+          </c:cat>
+          <c:val>
+            <c:numRef>
+              <c:f>Sheet7!$J$6:$J$8</c:f>
+              <c:numCache>
+                <c:formatCode>General</c:formatCode>
+                <c:ptCount val="3"/>
+                <c:pt idx="0">
+                  <c:v>4.6297140000000001E-2</c:v>
+                </c:pt>
+                <c:pt idx="1">
+                  <c:v>3.873443E-2</c:v>
+                </c:pt>
+                <c:pt idx="2">
+                  <c:v>2.931694E-2</c:v>
+                </c:pt>
+              </c:numCache>
+            </c:numRef>
+          </c:val>
+          <c:extLst>
+            <c:ext xmlns:c16="http://schemas.microsoft.com/office/drawing/2014/chart" uri="{C3380CC4-5D6E-409C-BE32-E72D297353CC}">
+              <c16:uniqueId val="{00000001-440A-4E84-8784-EAD9FC61C70A}"/>
+            </c:ext>
+          </c:extLst>
+        </c:ser>
+        <c:dLbls>
+          <c:showLegendKey val="0"/>
+          <c:showVal val="0"/>
+          <c:showCatName val="0"/>
+          <c:showSerName val="0"/>
+          <c:showPercent val="0"/>
+          <c:showBubbleSize val="0"/>
+        </c:dLbls>
+        <c:gapWidth val="219"/>
+        <c:overlap val="-27"/>
+        <c:axId val="513314984"/>
+        <c:axId val="513319904"/>
+      </c:barChart>
+      <c:catAx>
+        <c:axId val="513314984"/>
+        <c:scaling>
+          <c:orientation val="minMax"/>
+        </c:scaling>
+        <c:delete val="0"/>
+        <c:axPos val="b"/>
+        <c:numFmt formatCode="General" sourceLinked="1"/>
+        <c:majorTickMark val="none"/>
+        <c:minorTickMark val="none"/>
+        <c:tickLblPos val="nextTo"/>
+        <c:spPr>
+          <a:noFill/>
+          <a:ln w="9525" cap="flat" cmpd="sng" algn="ctr">
+            <a:solidFill>
+              <a:schemeClr val="tx1">
+                <a:lumMod val="15000"/>
+                <a:lumOff val="85000"/>
+              </a:schemeClr>
+            </a:solidFill>
+            <a:round/>
+          </a:ln>
+          <a:effectLst/>
+        </c:spPr>
+        <c:txPr>
+          <a:bodyPr rot="-60000000" spcFirstLastPara="1" vertOverflow="ellipsis" vert="horz" wrap="square" anchor="ctr" anchorCtr="1"/>
+          <a:lstStyle/>
+          <a:p>
+            <a:pPr>
+              <a:defRPr sz="900" b="0" i="0" u="none" strike="noStrike" kern="1200" baseline="0">
+                <a:solidFill>
+                  <a:schemeClr val="tx1">
+                    <a:lumMod val="65000"/>
+                    <a:lumOff val="35000"/>
+                  </a:schemeClr>
+                </a:solidFill>
+                <a:latin typeface="+mn-lt"/>
+                <a:ea typeface="+mn-ea"/>
+                <a:cs typeface="+mn-cs"/>
+              </a:defRPr>
+            </a:pPr>
+            <a:endParaRPr lang="en-US"/>
+          </a:p>
+        </c:txPr>
+        <c:crossAx val="513319904"/>
+        <c:crosses val="autoZero"/>
+        <c:auto val="1"/>
+        <c:lblAlgn val="ctr"/>
+        <c:lblOffset val="100"/>
+        <c:noMultiLvlLbl val="0"/>
+      </c:catAx>
+      <c:valAx>
+        <c:axId val="513319904"/>
+        <c:scaling>
+          <c:orientation val="minMax"/>
+        </c:scaling>
+        <c:delete val="0"/>
+        <c:axPos val="l"/>
+        <c:majorGridlines>
+          <c:spPr>
+            <a:ln w="9525" cap="flat" cmpd="sng" algn="ctr">
+              <a:solidFill>
+                <a:schemeClr val="tx1">
+                  <a:lumMod val="15000"/>
+                  <a:lumOff val="85000"/>
+                </a:schemeClr>
+              </a:solidFill>
+              <a:round/>
+            </a:ln>
+            <a:effectLst/>
+          </c:spPr>
+        </c:majorGridlines>
+        <c:numFmt formatCode="General" sourceLinked="1"/>
+        <c:majorTickMark val="none"/>
+        <c:minorTickMark val="none"/>
+        <c:tickLblPos val="nextTo"/>
+        <c:spPr>
+          <a:noFill/>
+          <a:ln>
+            <a:noFill/>
+          </a:ln>
+          <a:effectLst/>
+        </c:spPr>
+        <c:txPr>
+          <a:bodyPr rot="-60000000" spcFirstLastPara="1" vertOverflow="ellipsis" vert="horz" wrap="square" anchor="ctr" anchorCtr="1"/>
+          <a:lstStyle/>
+          <a:p>
+            <a:pPr>
+              <a:defRPr sz="900" b="0" i="0" u="none" strike="noStrike" kern="1200" baseline="0">
+                <a:solidFill>
+                  <a:schemeClr val="tx1">
+                    <a:lumMod val="65000"/>
+                    <a:lumOff val="35000"/>
+                  </a:schemeClr>
+                </a:solidFill>
+                <a:latin typeface="+mn-lt"/>
+                <a:ea typeface="+mn-ea"/>
+                <a:cs typeface="+mn-cs"/>
+              </a:defRPr>
+            </a:pPr>
+            <a:endParaRPr lang="en-US"/>
+          </a:p>
+        </c:txPr>
+        <c:crossAx val="513314984"/>
+        <c:crosses val="autoZero"/>
+        <c:crossBetween val="between"/>
+      </c:valAx>
+      <c:spPr>
+        <a:noFill/>
+        <a:ln>
+          <a:noFill/>
+        </a:ln>
+        <a:effectLst/>
+      </c:spPr>
+    </c:plotArea>
+    <c:legend>
+      <c:legendPos val="b"/>
+      <c:overlay val="0"/>
+      <c:spPr>
+        <a:noFill/>
+        <a:ln>
+          <a:noFill/>
+        </a:ln>
+        <a:effectLst/>
+      </c:spPr>
+      <c:txPr>
+        <a:bodyPr rot="0" spcFirstLastPara="1" vertOverflow="ellipsis" vert="horz" wrap="square" anchor="ctr" anchorCtr="1"/>
+        <a:lstStyle/>
+        <a:p>
+          <a:pPr>
+            <a:defRPr sz="900" b="0" i="0" u="none" strike="noStrike" kern="1200" baseline="0">
+              <a:solidFill>
+                <a:schemeClr val="tx1">
+                  <a:lumMod val="65000"/>
+                  <a:lumOff val="35000"/>
+                </a:schemeClr>
+              </a:solidFill>
+              <a:latin typeface="+mn-lt"/>
+              <a:ea typeface="+mn-ea"/>
+              <a:cs typeface="+mn-cs"/>
+            </a:defRPr>
+          </a:pPr>
+          <a:endParaRPr lang="en-US"/>
+        </a:p>
+      </c:txPr>
+    </c:legend>
+    <c:plotVisOnly val="1"/>
+    <c:dispBlanksAs val="gap"/>
+    <c:extLst>
+      <c:ext xmlns:c16r3="http://schemas.microsoft.com/office/drawing/2017/03/chart" uri="{56B9EC1D-385E-4148-901F-78D8002777C0}">
+        <c16r3:dataDisplayOptions16>
+          <c16r3:dispNaAsBlank val="1"/>
+        </c16r3:dataDisplayOptions16>
+      </c:ext>
+    </c:extLst>
+    <c:showDLblsOverMax val="0"/>
+  </c:chart>
+  <c:spPr>
+    <a:noFill/>
+    <a:ln>
+      <a:noFill/>
+    </a:ln>
+    <a:effectLst/>
+  </c:spPr>
+  <c:txPr>
+    <a:bodyPr/>
+    <a:lstStyle/>
+    <a:p>
+      <a:pPr>
+        <a:defRPr/>
+      </a:pPr>
+      <a:endParaRPr lang="en-US"/>
+    </a:p>
+  </c:txPr>
+  <c:externalData r:id="rId3">
+    <c:autoUpdate val="0"/>
+  </c:externalData>
+</c:chartSpace>
+</file>
+
+<file path=ppt/charts/chart22.xml><?xml version="1.0" encoding="utf-8"?>
+<c:chartSpace xmlns:c="http://schemas.openxmlformats.org/drawingml/2006/chart" xmlns:a="http://schemas.openxmlformats.org/drawingml/2006/main" xmlns:r="http://schemas.openxmlformats.org/officeDocument/2006/relationships" xmlns:c16r2="http://schemas.microsoft.com/office/drawing/2015/06/chart">
+  <c:date1904 val="0"/>
+  <c:lang val="en-US"/>
+  <c:roundedCorners val="0"/>
+  <mc:AlternateContent xmlns:mc="http://schemas.openxmlformats.org/markup-compatibility/2006">
+    <mc:Choice xmlns:c14="http://schemas.microsoft.com/office/drawing/2007/8/2/chart" Requires="c14">
+      <c14:style val="102"/>
+    </mc:Choice>
+    <mc:Fallback>
+      <c:style val="2"/>
+    </mc:Fallback>
+  </mc:AlternateContent>
+  <c:chart>
+    <c:title>
+      <c:tx>
+        <c:rich>
+          <a:bodyPr rot="0" spcFirstLastPara="1" vertOverflow="ellipsis" vert="horz" wrap="square" anchor="ctr" anchorCtr="1"/>
+          <a:lstStyle/>
+          <a:p>
+            <a:pPr>
+              <a:defRPr sz="1400" b="0" i="0" u="none" strike="noStrike" kern="1200" spc="0" baseline="0">
+                <a:solidFill>
+                  <a:schemeClr val="tx1">
+                    <a:lumMod val="65000"/>
+                    <a:lumOff val="35000"/>
+                  </a:schemeClr>
+                </a:solidFill>
+                <a:latin typeface="+mn-lt"/>
+                <a:ea typeface="+mn-ea"/>
+                <a:cs typeface="+mn-cs"/>
+              </a:defRPr>
+            </a:pPr>
+            <a:r>
+              <a:rPr lang="en-US"/>
+              <a:t>Recall K=3 Cosine(0.1)</a:t>
+            </a:r>
+          </a:p>
+        </c:rich>
+      </c:tx>
+      <c:overlay val="0"/>
+      <c:spPr>
+        <a:noFill/>
+        <a:ln>
+          <a:noFill/>
+        </a:ln>
+        <a:effectLst/>
+      </c:spPr>
+      <c:txPr>
+        <a:bodyPr rot="0" spcFirstLastPara="1" vertOverflow="ellipsis" vert="horz" wrap="square" anchor="ctr" anchorCtr="1"/>
+        <a:lstStyle/>
+        <a:p>
+          <a:pPr>
+            <a:defRPr sz="1400" b="0" i="0" u="none" strike="noStrike" kern="1200" spc="0" baseline="0">
+              <a:solidFill>
+                <a:schemeClr val="tx1">
+                  <a:lumMod val="65000"/>
+                  <a:lumOff val="35000"/>
+                </a:schemeClr>
+              </a:solidFill>
+              <a:latin typeface="+mn-lt"/>
+              <a:ea typeface="+mn-ea"/>
+              <a:cs typeface="+mn-cs"/>
+            </a:defRPr>
+          </a:pPr>
+          <a:endParaRPr lang="en-US"/>
+        </a:p>
+      </c:txPr>
+    </c:title>
+    <c:autoTitleDeleted val="0"/>
+    <c:plotArea>
+      <c:layout/>
+      <c:barChart>
+        <c:barDir val="col"/>
+        <c:grouping val="clustered"/>
+        <c:varyColors val="0"/>
+        <c:ser>
+          <c:idx val="0"/>
+          <c:order val="0"/>
+          <c:tx>
+            <c:strRef>
+              <c:f>Sheet7!$H$11</c:f>
+              <c:strCache>
+                <c:ptCount val="1"/>
+                <c:pt idx="0">
+                  <c:v>Rating&gt;=mean</c:v>
+                </c:pt>
+              </c:strCache>
+            </c:strRef>
+          </c:tx>
+          <c:spPr>
+            <a:solidFill>
+              <a:schemeClr val="accent1"/>
+            </a:solidFill>
+            <a:ln>
+              <a:noFill/>
+            </a:ln>
+            <a:effectLst/>
+          </c:spPr>
+          <c:invertIfNegative val="0"/>
+          <c:errBars>
+            <c:errBarType val="plus"/>
+            <c:errValType val="cust"/>
+            <c:noEndCap val="0"/>
+            <c:plus>
+              <c:numRef>
+                <c:f>Sheet7!$I$12:$I$14</c:f>
+                <c:numCache>
+                  <c:formatCode>General</c:formatCode>
+                  <c:ptCount val="3"/>
+                  <c:pt idx="0">
+                    <c:v>0.1066264</c:v>
+                  </c:pt>
+                  <c:pt idx="1">
+                    <c:v>0.12094340000000001</c:v>
+                  </c:pt>
+                  <c:pt idx="2">
+                    <c:v>0.1271777</c:v>
+                  </c:pt>
+                </c:numCache>
+              </c:numRef>
+            </c:plus>
+            <c:minus>
+              <c:numLit>
+                <c:formatCode>General</c:formatCode>
+                <c:ptCount val="1"/>
+                <c:pt idx="0">
+                  <c:v>1</c:v>
+                </c:pt>
+              </c:numLit>
+            </c:minus>
+            <c:spPr>
+              <a:noFill/>
+              <a:ln w="9525" cap="flat" cmpd="sng" algn="ctr">
+                <a:solidFill>
+                  <a:schemeClr val="tx1">
+                    <a:lumMod val="65000"/>
+                    <a:lumOff val="35000"/>
+                  </a:schemeClr>
+                </a:solidFill>
+                <a:round/>
+              </a:ln>
+              <a:effectLst/>
+            </c:spPr>
+          </c:errBars>
+          <c:cat>
+            <c:numRef>
+              <c:f>Sheet7!$G$12:$G$14</c:f>
+              <c:numCache>
+                <c:formatCode>General</c:formatCode>
+                <c:ptCount val="3"/>
+                <c:pt idx="0">
+                  <c:v>50</c:v>
+                </c:pt>
+                <c:pt idx="1">
+                  <c:v>100</c:v>
+                </c:pt>
+                <c:pt idx="2">
+                  <c:v>150</c:v>
+                </c:pt>
+              </c:numCache>
+            </c:numRef>
+          </c:cat>
+          <c:val>
+            <c:numRef>
+              <c:f>Sheet7!$H$12:$H$14</c:f>
+              <c:numCache>
+                <c:formatCode>General</c:formatCode>
+                <c:ptCount val="3"/>
+                <c:pt idx="0">
+                  <c:v>0.1159529</c:v>
+                </c:pt>
+                <c:pt idx="1">
+                  <c:v>0.16291410000000001</c:v>
+                </c:pt>
+                <c:pt idx="2">
+                  <c:v>0.1903367</c:v>
+                </c:pt>
+              </c:numCache>
+            </c:numRef>
+          </c:val>
+          <c:extLst>
+            <c:ext xmlns:c16="http://schemas.microsoft.com/office/drawing/2014/chart" uri="{C3380CC4-5D6E-409C-BE32-E72D297353CC}">
+              <c16:uniqueId val="{00000000-D78F-49E4-AB26-D5A5D5192439}"/>
+            </c:ext>
+          </c:extLst>
+        </c:ser>
+        <c:ser>
+          <c:idx val="1"/>
+          <c:order val="1"/>
+          <c:tx>
+            <c:strRef>
+              <c:f>Sheet7!$J$11</c:f>
+              <c:strCache>
+                <c:ptCount val="1"/>
+                <c:pt idx="0">
+                  <c:v>Rating&gt;=mean+(max-mean)/2</c:v>
+                </c:pt>
+              </c:strCache>
+            </c:strRef>
+          </c:tx>
+          <c:spPr>
+            <a:solidFill>
+              <a:schemeClr val="accent2"/>
+            </a:solidFill>
+            <a:ln>
+              <a:noFill/>
+            </a:ln>
+            <a:effectLst/>
+          </c:spPr>
+          <c:invertIfNegative val="0"/>
+          <c:errBars>
+            <c:errBarType val="plus"/>
+            <c:errValType val="cust"/>
+            <c:noEndCap val="0"/>
+            <c:plus>
+              <c:numRef>
+                <c:f>Sheet7!$K$12:$K$14</c:f>
+                <c:numCache>
+                  <c:formatCode>General</c:formatCode>
+                  <c:ptCount val="3"/>
+                  <c:pt idx="0">
+                    <c:v>9.3464060000000002E-2</c:v>
+                  </c:pt>
+                  <c:pt idx="1">
+                    <c:v>0.10100489</c:v>
+                  </c:pt>
+                  <c:pt idx="2">
+                    <c:v>0.11176252</c:v>
+                  </c:pt>
+                </c:numCache>
+              </c:numRef>
+            </c:plus>
+            <c:minus>
+              <c:numLit>
+                <c:formatCode>General</c:formatCode>
+                <c:ptCount val="1"/>
+                <c:pt idx="0">
+                  <c:v>1</c:v>
+                </c:pt>
+              </c:numLit>
+            </c:minus>
+            <c:spPr>
+              <a:noFill/>
+              <a:ln w="9525" cap="flat" cmpd="sng" algn="ctr">
+                <a:solidFill>
+                  <a:schemeClr val="tx1">
+                    <a:lumMod val="65000"/>
+                    <a:lumOff val="35000"/>
+                  </a:schemeClr>
+                </a:solidFill>
+                <a:round/>
+              </a:ln>
+              <a:effectLst/>
+            </c:spPr>
+          </c:errBars>
+          <c:cat>
+            <c:numRef>
+              <c:f>Sheet7!$G$12:$G$14</c:f>
+              <c:numCache>
+                <c:formatCode>General</c:formatCode>
+                <c:ptCount val="3"/>
+                <c:pt idx="0">
+                  <c:v>50</c:v>
+                </c:pt>
+                <c:pt idx="1">
+                  <c:v>100</c:v>
+                </c:pt>
+                <c:pt idx="2">
+                  <c:v>150</c:v>
+                </c:pt>
+              </c:numCache>
+            </c:numRef>
+          </c:cat>
+          <c:val>
+            <c:numRef>
+              <c:f>Sheet7!$J$12:$J$14</c:f>
+              <c:numCache>
+                <c:formatCode>General</c:formatCode>
+                <c:ptCount val="3"/>
+                <c:pt idx="0">
+                  <c:v>9.1778789999999999E-2</c:v>
+                </c:pt>
+                <c:pt idx="1">
+                  <c:v>0.12435010000000001</c:v>
+                </c:pt>
+                <c:pt idx="2">
+                  <c:v>0.14540721000000001</c:v>
+                </c:pt>
+              </c:numCache>
+            </c:numRef>
+          </c:val>
+          <c:extLst>
+            <c:ext xmlns:c16="http://schemas.microsoft.com/office/drawing/2014/chart" uri="{C3380CC4-5D6E-409C-BE32-E72D297353CC}">
+              <c16:uniqueId val="{00000001-D78F-49E4-AB26-D5A5D5192439}"/>
+            </c:ext>
+          </c:extLst>
+        </c:ser>
+        <c:dLbls>
+          <c:showLegendKey val="0"/>
+          <c:showVal val="0"/>
+          <c:showCatName val="0"/>
+          <c:showSerName val="0"/>
+          <c:showPercent val="0"/>
+          <c:showBubbleSize val="0"/>
+        </c:dLbls>
+        <c:gapWidth val="219"/>
+        <c:overlap val="-27"/>
+        <c:axId val="505834752"/>
+        <c:axId val="505833440"/>
+      </c:barChart>
+      <c:catAx>
+        <c:axId val="505834752"/>
+        <c:scaling>
+          <c:orientation val="minMax"/>
+        </c:scaling>
+        <c:delete val="0"/>
+        <c:axPos val="b"/>
+        <c:numFmt formatCode="General" sourceLinked="1"/>
+        <c:majorTickMark val="none"/>
+        <c:minorTickMark val="none"/>
+        <c:tickLblPos val="nextTo"/>
+        <c:spPr>
+          <a:noFill/>
+          <a:ln w="9525" cap="flat" cmpd="sng" algn="ctr">
+            <a:solidFill>
+              <a:schemeClr val="tx1">
+                <a:lumMod val="15000"/>
+                <a:lumOff val="85000"/>
+              </a:schemeClr>
+            </a:solidFill>
+            <a:round/>
+          </a:ln>
+          <a:effectLst/>
+        </c:spPr>
+        <c:txPr>
+          <a:bodyPr rot="-60000000" spcFirstLastPara="1" vertOverflow="ellipsis" vert="horz" wrap="square" anchor="ctr" anchorCtr="1"/>
+          <a:lstStyle/>
+          <a:p>
+            <a:pPr>
+              <a:defRPr sz="900" b="0" i="0" u="none" strike="noStrike" kern="1200" baseline="0">
+                <a:solidFill>
+                  <a:schemeClr val="tx1">
+                    <a:lumMod val="65000"/>
+                    <a:lumOff val="35000"/>
+                  </a:schemeClr>
+                </a:solidFill>
+                <a:latin typeface="+mn-lt"/>
+                <a:ea typeface="+mn-ea"/>
+                <a:cs typeface="+mn-cs"/>
+              </a:defRPr>
+            </a:pPr>
+            <a:endParaRPr lang="en-US"/>
+          </a:p>
+        </c:txPr>
+        <c:crossAx val="505833440"/>
+        <c:crosses val="autoZero"/>
+        <c:auto val="1"/>
+        <c:lblAlgn val="ctr"/>
+        <c:lblOffset val="100"/>
+        <c:noMultiLvlLbl val="0"/>
+      </c:catAx>
+      <c:valAx>
+        <c:axId val="505833440"/>
+        <c:scaling>
+          <c:orientation val="minMax"/>
+        </c:scaling>
+        <c:delete val="0"/>
+        <c:axPos val="l"/>
+        <c:majorGridlines>
+          <c:spPr>
+            <a:ln w="9525" cap="flat" cmpd="sng" algn="ctr">
+              <a:solidFill>
+                <a:schemeClr val="tx1">
+                  <a:lumMod val="15000"/>
+                  <a:lumOff val="85000"/>
+                </a:schemeClr>
+              </a:solidFill>
+              <a:round/>
+            </a:ln>
+            <a:effectLst/>
+          </c:spPr>
+        </c:majorGridlines>
+        <c:numFmt formatCode="General" sourceLinked="1"/>
+        <c:majorTickMark val="none"/>
+        <c:minorTickMark val="none"/>
+        <c:tickLblPos val="nextTo"/>
+        <c:spPr>
+          <a:noFill/>
+          <a:ln>
+            <a:noFill/>
+          </a:ln>
+          <a:effectLst/>
+        </c:spPr>
+        <c:txPr>
+          <a:bodyPr rot="-60000000" spcFirstLastPara="1" vertOverflow="ellipsis" vert="horz" wrap="square" anchor="ctr" anchorCtr="1"/>
+          <a:lstStyle/>
+          <a:p>
+            <a:pPr>
+              <a:defRPr sz="900" b="0" i="0" u="none" strike="noStrike" kern="1200" baseline="0">
+                <a:solidFill>
+                  <a:schemeClr val="tx1">
+                    <a:lumMod val="65000"/>
+                    <a:lumOff val="35000"/>
+                  </a:schemeClr>
+                </a:solidFill>
+                <a:latin typeface="+mn-lt"/>
+                <a:ea typeface="+mn-ea"/>
+                <a:cs typeface="+mn-cs"/>
+              </a:defRPr>
+            </a:pPr>
+            <a:endParaRPr lang="en-US"/>
+          </a:p>
+        </c:txPr>
+        <c:crossAx val="505834752"/>
+        <c:crosses val="autoZero"/>
+        <c:crossBetween val="between"/>
+      </c:valAx>
+      <c:spPr>
+        <a:noFill/>
+        <a:ln>
+          <a:noFill/>
+        </a:ln>
+        <a:effectLst/>
+      </c:spPr>
+    </c:plotArea>
+    <c:legend>
+      <c:legendPos val="b"/>
+      <c:overlay val="0"/>
+      <c:spPr>
+        <a:noFill/>
+        <a:ln>
+          <a:noFill/>
+        </a:ln>
+        <a:effectLst/>
+      </c:spPr>
+      <c:txPr>
+        <a:bodyPr rot="0" spcFirstLastPara="1" vertOverflow="ellipsis" vert="horz" wrap="square" anchor="ctr" anchorCtr="1"/>
+        <a:lstStyle/>
+        <a:p>
+          <a:pPr>
+            <a:defRPr sz="900" b="0" i="0" u="none" strike="noStrike" kern="1200" baseline="0">
+              <a:solidFill>
+                <a:schemeClr val="tx1">
+                  <a:lumMod val="65000"/>
+                  <a:lumOff val="35000"/>
+                </a:schemeClr>
+              </a:solidFill>
+              <a:latin typeface="+mn-lt"/>
+              <a:ea typeface="+mn-ea"/>
+              <a:cs typeface="+mn-cs"/>
+            </a:defRPr>
+          </a:pPr>
+          <a:endParaRPr lang="en-US"/>
+        </a:p>
+      </c:txPr>
+    </c:legend>
+    <c:plotVisOnly val="1"/>
+    <c:dispBlanksAs val="gap"/>
+    <c:extLst>
+      <c:ext xmlns:c16r3="http://schemas.microsoft.com/office/drawing/2017/03/chart" uri="{56B9EC1D-385E-4148-901F-78D8002777C0}">
+        <c16r3:dataDisplayOptions16>
+          <c16r3:dispNaAsBlank val="1"/>
+        </c16r3:dataDisplayOptions16>
+      </c:ext>
+    </c:extLst>
+    <c:showDLblsOverMax val="0"/>
+  </c:chart>
+  <c:spPr>
+    <a:noFill/>
+    <a:ln>
+      <a:noFill/>
+    </a:ln>
+    <a:effectLst/>
+  </c:spPr>
+  <c:txPr>
+    <a:bodyPr/>
+    <a:lstStyle/>
+    <a:p>
+      <a:pPr>
+        <a:defRPr/>
+      </a:pPr>
+      <a:endParaRPr lang="en-US"/>
+    </a:p>
+  </c:txPr>
+  <c:externalData r:id="rId3">
+    <c:autoUpdate val="0"/>
+  </c:externalData>
+</c:chartSpace>
+</file>
+
+<file path=ppt/charts/chart23.xml><?xml version="1.0" encoding="utf-8"?>
+<c:chartSpace xmlns:c="http://schemas.openxmlformats.org/drawingml/2006/chart" xmlns:a="http://schemas.openxmlformats.org/drawingml/2006/main" xmlns:r="http://schemas.openxmlformats.org/officeDocument/2006/relationships" xmlns:c16r2="http://schemas.microsoft.com/office/drawing/2015/06/chart">
+  <c:date1904 val="0"/>
+  <c:lang val="en-US"/>
+  <c:roundedCorners val="0"/>
+  <mc:AlternateContent xmlns:mc="http://schemas.openxmlformats.org/markup-compatibility/2006">
+    <mc:Choice xmlns:c14="http://schemas.microsoft.com/office/drawing/2007/8/2/chart" Requires="c14">
+      <c14:style val="102"/>
+    </mc:Choice>
+    <mc:Fallback>
+      <c:style val="2"/>
+    </mc:Fallback>
+  </mc:AlternateContent>
+  <c:chart>
+    <c:title>
+      <c:tx>
+        <c:rich>
+          <a:bodyPr rot="0" spcFirstLastPara="1" vertOverflow="ellipsis" vert="horz" wrap="square" anchor="ctr" anchorCtr="1"/>
+          <a:lstStyle/>
+          <a:p>
+            <a:pPr>
+              <a:defRPr sz="1400" b="0" i="0" u="none" strike="noStrike" kern="1200" spc="0" baseline="0">
+                <a:solidFill>
+                  <a:schemeClr val="tx1">
+                    <a:lumMod val="65000"/>
+                    <a:lumOff val="35000"/>
+                  </a:schemeClr>
+                </a:solidFill>
+                <a:latin typeface="+mn-lt"/>
+                <a:ea typeface="+mn-ea"/>
+                <a:cs typeface="+mn-cs"/>
+              </a:defRPr>
+            </a:pPr>
+            <a:r>
+              <a:rPr lang="en-US"/>
+              <a:t>Precision
+Rating &gt;= mean</a:t>
+            </a:r>
+            <a:r>
+              <a:rPr lang="en-US" baseline="0"/>
+              <a:t>, C</a:t>
+            </a:r>
+            <a:r>
+              <a:rPr lang="en-US"/>
+              <a:t>osine(0.02)</a:t>
+            </a:r>
+          </a:p>
+        </c:rich>
+      </c:tx>
+      <c:overlay val="0"/>
+      <c:spPr>
+        <a:noFill/>
+        <a:ln>
+          <a:noFill/>
+        </a:ln>
+        <a:effectLst/>
+      </c:spPr>
+      <c:txPr>
+        <a:bodyPr rot="0" spcFirstLastPara="1" vertOverflow="ellipsis" vert="horz" wrap="square" anchor="ctr" anchorCtr="1"/>
+        <a:lstStyle/>
+        <a:p>
+          <a:pPr>
+            <a:defRPr sz="1400" b="0" i="0" u="none" strike="noStrike" kern="1200" spc="0" baseline="0">
+              <a:solidFill>
+                <a:schemeClr val="tx1">
+                  <a:lumMod val="65000"/>
+                  <a:lumOff val="35000"/>
+                </a:schemeClr>
+              </a:solidFill>
+              <a:latin typeface="+mn-lt"/>
+              <a:ea typeface="+mn-ea"/>
+              <a:cs typeface="+mn-cs"/>
+            </a:defRPr>
+          </a:pPr>
+          <a:endParaRPr lang="en-US"/>
+        </a:p>
+      </c:txPr>
+    </c:title>
+    <c:autoTitleDeleted val="0"/>
+    <c:plotArea>
+      <c:layout/>
+      <c:barChart>
+        <c:barDir val="col"/>
+        <c:grouping val="clustered"/>
+        <c:varyColors val="0"/>
+        <c:ser>
+          <c:idx val="0"/>
+          <c:order val="0"/>
+          <c:tx>
+            <c:strRef>
+              <c:f>Sheet5!$L$7</c:f>
+              <c:strCache>
+                <c:ptCount val="1"/>
+                <c:pt idx="0">
+                  <c:v>K=1</c:v>
+                </c:pt>
+              </c:strCache>
+            </c:strRef>
+          </c:tx>
+          <c:spPr>
+            <a:solidFill>
+              <a:schemeClr val="accent1"/>
+            </a:solidFill>
+            <a:ln>
+              <a:noFill/>
+            </a:ln>
+            <a:effectLst/>
+          </c:spPr>
+          <c:invertIfNegative val="0"/>
+          <c:errBars>
+            <c:errBarType val="plus"/>
+            <c:errValType val="cust"/>
+            <c:noEndCap val="0"/>
+            <c:plus>
+              <c:numRef>
+                <c:f>Sheet5!$M$8:$M$10</c:f>
+                <c:numCache>
+                  <c:formatCode>General</c:formatCode>
+                  <c:ptCount val="3"/>
+                  <c:pt idx="0">
+                    <c:v>5.6366140000000002E-2</c:v>
+                  </c:pt>
+                  <c:pt idx="1">
+                    <c:v>4.746715E-2</c:v>
+                  </c:pt>
+                  <c:pt idx="2">
+                    <c:v>3.754528E-2</c:v>
+                  </c:pt>
+                </c:numCache>
+              </c:numRef>
+            </c:plus>
+            <c:minus>
+              <c:numLit>
+                <c:formatCode>General</c:formatCode>
+                <c:ptCount val="1"/>
+                <c:pt idx="0">
+                  <c:v>1</c:v>
+                </c:pt>
+              </c:numLit>
+            </c:minus>
+            <c:spPr>
+              <a:noFill/>
+              <a:ln w="9525" cap="flat" cmpd="sng" algn="ctr">
+                <a:solidFill>
+                  <a:schemeClr val="tx1">
+                    <a:lumMod val="65000"/>
+                    <a:lumOff val="35000"/>
+                  </a:schemeClr>
+                </a:solidFill>
+                <a:round/>
+              </a:ln>
+              <a:effectLst/>
+            </c:spPr>
+          </c:errBars>
+          <c:cat>
+            <c:numRef>
+              <c:f>Sheet5!$K$8:$K$10</c:f>
+              <c:numCache>
+                <c:formatCode>General</c:formatCode>
+                <c:ptCount val="3"/>
+                <c:pt idx="0">
+                  <c:v>50</c:v>
+                </c:pt>
+                <c:pt idx="1">
+                  <c:v>100</c:v>
+                </c:pt>
+                <c:pt idx="2">
+                  <c:v>150</c:v>
+                </c:pt>
+              </c:numCache>
+            </c:numRef>
+          </c:cat>
+          <c:val>
+            <c:numRef>
+              <c:f>Sheet5!$L$8:$L$10</c:f>
+              <c:numCache>
+                <c:formatCode>General</c:formatCode>
+                <c:ptCount val="3"/>
+                <c:pt idx="0">
+                  <c:v>5.4339999999999999E-2</c:v>
+                </c:pt>
+                <c:pt idx="1">
+                  <c:v>4.6149999999999997E-2</c:v>
+                </c:pt>
+                <c:pt idx="2">
+                  <c:v>3.5628470000000002E-2</c:v>
+                </c:pt>
+              </c:numCache>
+            </c:numRef>
+          </c:val>
+          <c:extLst>
+            <c:ext xmlns:c16="http://schemas.microsoft.com/office/drawing/2014/chart" uri="{C3380CC4-5D6E-409C-BE32-E72D297353CC}">
+              <c16:uniqueId val="{00000000-B5A2-4AD6-A645-9A613B0D2B4F}"/>
+            </c:ext>
+          </c:extLst>
+        </c:ser>
+        <c:ser>
+          <c:idx val="1"/>
+          <c:order val="1"/>
+          <c:tx>
+            <c:strRef>
+              <c:f>Sheet5!$N$7</c:f>
+              <c:strCache>
+                <c:ptCount val="1"/>
+                <c:pt idx="0">
+                  <c:v>K=3</c:v>
+                </c:pt>
+              </c:strCache>
+            </c:strRef>
+          </c:tx>
+          <c:spPr>
+            <a:solidFill>
+              <a:schemeClr val="accent2"/>
+            </a:solidFill>
+            <a:ln>
+              <a:noFill/>
+            </a:ln>
+            <a:effectLst/>
+          </c:spPr>
+          <c:invertIfNegative val="0"/>
+          <c:errBars>
+            <c:errBarType val="plus"/>
+            <c:errValType val="cust"/>
+            <c:noEndCap val="0"/>
+            <c:plus>
+              <c:numRef>
+                <c:f>Sheet5!$O$8:$O$10</c:f>
+                <c:numCache>
+                  <c:formatCode>General</c:formatCode>
+                  <c:ptCount val="3"/>
+                  <c:pt idx="0">
+                    <c:v>5.4854430000000003E-2</c:v>
+                  </c:pt>
+                  <c:pt idx="1">
+                    <c:v>4.8606360000000001E-2</c:v>
+                  </c:pt>
+                  <c:pt idx="2">
+                    <c:v>4.2454020000000002E-2</c:v>
+                  </c:pt>
+                </c:numCache>
+              </c:numRef>
+            </c:plus>
+            <c:minus>
+              <c:numLit>
+                <c:formatCode>General</c:formatCode>
+                <c:ptCount val="1"/>
+                <c:pt idx="0">
+                  <c:v>1</c:v>
+                </c:pt>
+              </c:numLit>
+            </c:minus>
+            <c:spPr>
+              <a:noFill/>
+              <a:ln w="9525" cap="flat" cmpd="sng" algn="ctr">
+                <a:solidFill>
+                  <a:schemeClr val="tx1">
+                    <a:lumMod val="65000"/>
+                    <a:lumOff val="35000"/>
+                  </a:schemeClr>
+                </a:solidFill>
+                <a:round/>
+              </a:ln>
+              <a:effectLst/>
+            </c:spPr>
+          </c:errBars>
+          <c:cat>
+            <c:numRef>
+              <c:f>Sheet5!$K$8:$K$10</c:f>
+              <c:numCache>
+                <c:formatCode>General</c:formatCode>
+                <c:ptCount val="3"/>
+                <c:pt idx="0">
+                  <c:v>50</c:v>
+                </c:pt>
+                <c:pt idx="1">
+                  <c:v>100</c:v>
+                </c:pt>
+                <c:pt idx="2">
+                  <c:v>150</c:v>
+                </c:pt>
+              </c:numCache>
+            </c:numRef>
+          </c:cat>
+          <c:val>
+            <c:numRef>
+              <c:f>Sheet5!$N$8:$N$10</c:f>
+              <c:numCache>
+                <c:formatCode>General</c:formatCode>
+                <c:ptCount val="3"/>
+                <c:pt idx="0">
+                  <c:v>5.5019999999999999E-2</c:v>
+                </c:pt>
+                <c:pt idx="1">
+                  <c:v>4.5620000000000001E-2</c:v>
+                </c:pt>
+                <c:pt idx="2">
+                  <c:v>3.9101110000000001E-2</c:v>
+                </c:pt>
+              </c:numCache>
+            </c:numRef>
+          </c:val>
+          <c:extLst>
+            <c:ext xmlns:c16="http://schemas.microsoft.com/office/drawing/2014/chart" uri="{C3380CC4-5D6E-409C-BE32-E72D297353CC}">
+              <c16:uniqueId val="{00000001-B5A2-4AD6-A645-9A613B0D2B4F}"/>
+            </c:ext>
+          </c:extLst>
+        </c:ser>
+        <c:dLbls>
+          <c:showLegendKey val="0"/>
+          <c:showVal val="0"/>
+          <c:showCatName val="0"/>
+          <c:showSerName val="0"/>
+          <c:showPercent val="0"/>
+          <c:showBubbleSize val="0"/>
+        </c:dLbls>
+        <c:gapWidth val="219"/>
+        <c:overlap val="-27"/>
+        <c:axId val="513328432"/>
+        <c:axId val="513326136"/>
+      </c:barChart>
+      <c:catAx>
+        <c:axId val="513328432"/>
+        <c:scaling>
+          <c:orientation val="minMax"/>
+        </c:scaling>
+        <c:delete val="0"/>
+        <c:axPos val="b"/>
+        <c:numFmt formatCode="General" sourceLinked="1"/>
+        <c:majorTickMark val="none"/>
+        <c:minorTickMark val="none"/>
+        <c:tickLblPos val="nextTo"/>
+        <c:spPr>
+          <a:noFill/>
+          <a:ln w="9525" cap="flat" cmpd="sng" algn="ctr">
+            <a:solidFill>
+              <a:schemeClr val="tx1">
+                <a:lumMod val="15000"/>
+                <a:lumOff val="85000"/>
+              </a:schemeClr>
+            </a:solidFill>
+            <a:round/>
+          </a:ln>
+          <a:effectLst/>
+        </c:spPr>
+        <c:txPr>
+          <a:bodyPr rot="-60000000" spcFirstLastPara="1" vertOverflow="ellipsis" vert="horz" wrap="square" anchor="ctr" anchorCtr="1"/>
+          <a:lstStyle/>
+          <a:p>
+            <a:pPr>
+              <a:defRPr sz="900" b="0" i="0" u="none" strike="noStrike" kern="1200" baseline="0">
+                <a:solidFill>
+                  <a:schemeClr val="tx1">
+                    <a:lumMod val="65000"/>
+                    <a:lumOff val="35000"/>
+                  </a:schemeClr>
+                </a:solidFill>
+                <a:latin typeface="+mn-lt"/>
+                <a:ea typeface="+mn-ea"/>
+                <a:cs typeface="+mn-cs"/>
+              </a:defRPr>
+            </a:pPr>
+            <a:endParaRPr lang="en-US"/>
+          </a:p>
+        </c:txPr>
+        <c:crossAx val="513326136"/>
+        <c:crosses val="autoZero"/>
+        <c:auto val="1"/>
+        <c:lblAlgn val="ctr"/>
+        <c:lblOffset val="100"/>
+        <c:noMultiLvlLbl val="0"/>
+      </c:catAx>
+      <c:valAx>
+        <c:axId val="513326136"/>
+        <c:scaling>
+          <c:orientation val="minMax"/>
+        </c:scaling>
+        <c:delete val="0"/>
+        <c:axPos val="l"/>
+        <c:majorGridlines>
+          <c:spPr>
+            <a:ln w="9525" cap="flat" cmpd="sng" algn="ctr">
+              <a:solidFill>
+                <a:schemeClr val="tx1">
+                  <a:lumMod val="15000"/>
+                  <a:lumOff val="85000"/>
+                </a:schemeClr>
+              </a:solidFill>
+              <a:round/>
+            </a:ln>
+            <a:effectLst/>
+          </c:spPr>
+        </c:majorGridlines>
+        <c:numFmt formatCode="General" sourceLinked="1"/>
+        <c:majorTickMark val="none"/>
+        <c:minorTickMark val="none"/>
+        <c:tickLblPos val="nextTo"/>
+        <c:spPr>
+          <a:noFill/>
+          <a:ln>
+            <a:noFill/>
+          </a:ln>
+          <a:effectLst/>
+        </c:spPr>
+        <c:txPr>
+          <a:bodyPr rot="-60000000" spcFirstLastPara="1" vertOverflow="ellipsis" vert="horz" wrap="square" anchor="ctr" anchorCtr="1"/>
+          <a:lstStyle/>
+          <a:p>
+            <a:pPr>
+              <a:defRPr sz="900" b="0" i="0" u="none" strike="noStrike" kern="1200" baseline="0">
+                <a:solidFill>
+                  <a:schemeClr val="tx1">
+                    <a:lumMod val="65000"/>
+                    <a:lumOff val="35000"/>
+                  </a:schemeClr>
+                </a:solidFill>
+                <a:latin typeface="+mn-lt"/>
+                <a:ea typeface="+mn-ea"/>
+                <a:cs typeface="+mn-cs"/>
+              </a:defRPr>
+            </a:pPr>
+            <a:endParaRPr lang="en-US"/>
+          </a:p>
+        </c:txPr>
+        <c:crossAx val="513328432"/>
+        <c:crosses val="autoZero"/>
+        <c:crossBetween val="between"/>
+      </c:valAx>
+      <c:spPr>
+        <a:noFill/>
+        <a:ln>
+          <a:noFill/>
+        </a:ln>
+        <a:effectLst/>
+      </c:spPr>
+    </c:plotArea>
+    <c:legend>
+      <c:legendPos val="b"/>
+      <c:overlay val="0"/>
+      <c:spPr>
+        <a:noFill/>
+        <a:ln>
+          <a:noFill/>
+        </a:ln>
+        <a:effectLst/>
+      </c:spPr>
+      <c:txPr>
+        <a:bodyPr rot="0" spcFirstLastPara="1" vertOverflow="ellipsis" vert="horz" wrap="square" anchor="ctr" anchorCtr="1"/>
+        <a:lstStyle/>
+        <a:p>
+          <a:pPr>
+            <a:defRPr sz="900" b="0" i="0" u="none" strike="noStrike" kern="1200" baseline="0">
+              <a:solidFill>
+                <a:schemeClr val="tx1">
+                  <a:lumMod val="65000"/>
+                  <a:lumOff val="35000"/>
+                </a:schemeClr>
+              </a:solidFill>
+              <a:latin typeface="+mn-lt"/>
+              <a:ea typeface="+mn-ea"/>
+              <a:cs typeface="+mn-cs"/>
+            </a:defRPr>
+          </a:pPr>
+          <a:endParaRPr lang="en-US"/>
+        </a:p>
+      </c:txPr>
+    </c:legend>
+    <c:plotVisOnly val="1"/>
+    <c:dispBlanksAs val="gap"/>
+    <c:extLst>
+      <c:ext xmlns:c16r3="http://schemas.microsoft.com/office/drawing/2017/03/chart" uri="{56B9EC1D-385E-4148-901F-78D8002777C0}">
+        <c16r3:dataDisplayOptions16>
+          <c16r3:dispNaAsBlank val="1"/>
+        </c16r3:dataDisplayOptions16>
+      </c:ext>
+    </c:extLst>
+    <c:showDLblsOverMax val="0"/>
+  </c:chart>
+  <c:spPr>
+    <a:noFill/>
+    <a:ln>
+      <a:noFill/>
+    </a:ln>
+    <a:effectLst/>
+  </c:spPr>
+  <c:txPr>
+    <a:bodyPr/>
+    <a:lstStyle/>
+    <a:p>
+      <a:pPr>
+        <a:defRPr/>
+      </a:pPr>
+      <a:endParaRPr lang="en-US"/>
+    </a:p>
+  </c:txPr>
+  <c:externalData r:id="rId3">
+    <c:autoUpdate val="0"/>
+  </c:externalData>
+</c:chartSpace>
+</file>
+
+<file path=ppt/charts/chart24.xml><?xml version="1.0" encoding="utf-8"?>
+<c:chartSpace xmlns:c="http://schemas.openxmlformats.org/drawingml/2006/chart" xmlns:a="http://schemas.openxmlformats.org/drawingml/2006/main" xmlns:r="http://schemas.openxmlformats.org/officeDocument/2006/relationships" xmlns:c16r2="http://schemas.microsoft.com/office/drawing/2015/06/chart">
+  <c:date1904 val="0"/>
+  <c:lang val="en-US"/>
+  <c:roundedCorners val="0"/>
+  <mc:AlternateContent xmlns:mc="http://schemas.openxmlformats.org/markup-compatibility/2006">
+    <mc:Choice xmlns:c14="http://schemas.microsoft.com/office/drawing/2007/8/2/chart" Requires="c14">
+      <c14:style val="102"/>
+    </mc:Choice>
+    <mc:Fallback>
+      <c:style val="2"/>
+    </mc:Fallback>
+  </mc:AlternateContent>
+  <c:chart>
+    <c:title>
+      <c:tx>
+        <c:rich>
+          <a:bodyPr rot="0" spcFirstLastPara="1" vertOverflow="ellipsis" vert="horz" wrap="square" anchor="ctr" anchorCtr="1"/>
+          <a:lstStyle/>
+          <a:p>
+            <a:pPr>
+              <a:defRPr sz="1400" b="0" i="0" u="none" strike="noStrike" kern="1200" spc="0" baseline="0">
+                <a:solidFill>
+                  <a:schemeClr val="tx1">
+                    <a:lumMod val="65000"/>
+                    <a:lumOff val="35000"/>
+                  </a:schemeClr>
+                </a:solidFill>
+                <a:latin typeface="+mn-lt"/>
+                <a:ea typeface="+mn-ea"/>
+                <a:cs typeface="+mn-cs"/>
+              </a:defRPr>
+            </a:pPr>
+            <a:r>
+              <a:rPr lang="en-US"/>
+              <a:t>Recall</a:t>
+            </a:r>
+          </a:p>
+          <a:p>
+            <a:pPr>
+              <a:defRPr/>
+            </a:pPr>
+            <a:r>
+              <a:rPr lang="en-US" sz="1400" b="0" i="0" u="none" strike="noStrike" baseline="0">
+                <a:effectLst/>
+              </a:rPr>
+              <a:t>Rating &gt;= mean, Cosine(0.02)</a:t>
+            </a:r>
+            <a:endParaRPr lang="en-US"/>
+          </a:p>
+        </c:rich>
+      </c:tx>
+      <c:overlay val="0"/>
+      <c:spPr>
+        <a:noFill/>
+        <a:ln>
+          <a:noFill/>
+        </a:ln>
+        <a:effectLst/>
+      </c:spPr>
+      <c:txPr>
+        <a:bodyPr rot="0" spcFirstLastPara="1" vertOverflow="ellipsis" vert="horz" wrap="square" anchor="ctr" anchorCtr="1"/>
+        <a:lstStyle/>
+        <a:p>
+          <a:pPr>
+            <a:defRPr sz="1400" b="0" i="0" u="none" strike="noStrike" kern="1200" spc="0" baseline="0">
+              <a:solidFill>
+                <a:schemeClr val="tx1">
+                  <a:lumMod val="65000"/>
+                  <a:lumOff val="35000"/>
+                </a:schemeClr>
+              </a:solidFill>
+              <a:latin typeface="+mn-lt"/>
+              <a:ea typeface="+mn-ea"/>
+              <a:cs typeface="+mn-cs"/>
+            </a:defRPr>
+          </a:pPr>
+          <a:endParaRPr lang="en-US"/>
+        </a:p>
+      </c:txPr>
+    </c:title>
+    <c:autoTitleDeleted val="0"/>
+    <c:plotArea>
+      <c:layout/>
+      <c:barChart>
+        <c:barDir val="col"/>
+        <c:grouping val="clustered"/>
+        <c:varyColors val="0"/>
+        <c:ser>
+          <c:idx val="0"/>
+          <c:order val="0"/>
+          <c:tx>
+            <c:strRef>
+              <c:f>Sheet5!$I$32</c:f>
+              <c:strCache>
+                <c:ptCount val="1"/>
+                <c:pt idx="0">
+                  <c:v>K=1</c:v>
+                </c:pt>
+              </c:strCache>
+            </c:strRef>
+          </c:tx>
+          <c:spPr>
+            <a:solidFill>
+              <a:schemeClr val="accent1"/>
+            </a:solidFill>
+            <a:ln>
+              <a:noFill/>
+            </a:ln>
+            <a:effectLst/>
+          </c:spPr>
+          <c:invertIfNegative val="0"/>
+          <c:errBars>
+            <c:errBarType val="plus"/>
+            <c:errValType val="cust"/>
+            <c:noEndCap val="0"/>
+            <c:plus>
+              <c:numRef>
+                <c:f>Sheet5!$J$33:$J$35</c:f>
+                <c:numCache>
+                  <c:formatCode>General</c:formatCode>
+                  <c:ptCount val="3"/>
+                  <c:pt idx="0">
+                    <c:v>0.1015727</c:v>
+                  </c:pt>
+                  <c:pt idx="1">
+                    <c:v>0.1147388</c:v>
+                  </c:pt>
+                  <c:pt idx="2">
+                    <c:v>0.1222142</c:v>
+                  </c:pt>
+                </c:numCache>
+              </c:numRef>
+            </c:plus>
+            <c:minus>
+              <c:numLit>
+                <c:formatCode>General</c:formatCode>
+                <c:ptCount val="1"/>
+                <c:pt idx="0">
+                  <c:v>1</c:v>
+                </c:pt>
+              </c:numLit>
+            </c:minus>
+            <c:spPr>
+              <a:noFill/>
+              <a:ln w="9525" cap="flat" cmpd="sng" algn="ctr">
+                <a:solidFill>
+                  <a:schemeClr val="tx1">
+                    <a:lumMod val="65000"/>
+                    <a:lumOff val="35000"/>
+                  </a:schemeClr>
+                </a:solidFill>
+                <a:round/>
+              </a:ln>
+              <a:effectLst/>
+            </c:spPr>
+          </c:errBars>
+          <c:cat>
+            <c:numRef>
+              <c:f>Sheet5!$H$33:$H$35</c:f>
+              <c:numCache>
+                <c:formatCode>General</c:formatCode>
+                <c:ptCount val="3"/>
+                <c:pt idx="0">
+                  <c:v>50</c:v>
+                </c:pt>
+                <c:pt idx="1">
+                  <c:v>100</c:v>
+                </c:pt>
+                <c:pt idx="2">
+                  <c:v>150</c:v>
+                </c:pt>
+              </c:numCache>
+            </c:numRef>
+          </c:cat>
+          <c:val>
+            <c:numRef>
+              <c:f>Sheet5!$I$33:$I$35</c:f>
+              <c:numCache>
+                <c:formatCode>General</c:formatCode>
+                <c:ptCount val="3"/>
+                <c:pt idx="0">
+                  <c:v>0.10734879999999999</c:v>
+                </c:pt>
+                <c:pt idx="1">
+                  <c:v>0.1574267</c:v>
+                </c:pt>
+                <c:pt idx="2">
+                  <c:v>0.18569279999999999</c:v>
+                </c:pt>
+              </c:numCache>
+            </c:numRef>
+          </c:val>
+          <c:extLst>
+            <c:ext xmlns:c16="http://schemas.microsoft.com/office/drawing/2014/chart" uri="{C3380CC4-5D6E-409C-BE32-E72D297353CC}">
+              <c16:uniqueId val="{00000000-690F-419E-99CE-4B5D60AA1AA8}"/>
+            </c:ext>
+          </c:extLst>
+        </c:ser>
+        <c:ser>
+          <c:idx val="1"/>
+          <c:order val="1"/>
+          <c:tx>
+            <c:strRef>
+              <c:f>Sheet5!$K$32</c:f>
+              <c:strCache>
+                <c:ptCount val="1"/>
+                <c:pt idx="0">
+                  <c:v>K=3</c:v>
+                </c:pt>
+              </c:strCache>
+            </c:strRef>
+          </c:tx>
+          <c:spPr>
+            <a:solidFill>
+              <a:schemeClr val="accent2"/>
+            </a:solidFill>
+            <a:ln>
+              <a:noFill/>
+            </a:ln>
+            <a:effectLst/>
+          </c:spPr>
+          <c:invertIfNegative val="0"/>
+          <c:errBars>
+            <c:errBarType val="plus"/>
+            <c:errValType val="cust"/>
+            <c:noEndCap val="0"/>
+            <c:plus>
+              <c:numRef>
+                <c:f>Sheet5!$L$33:$L$35</c:f>
+                <c:numCache>
+                  <c:formatCode>General</c:formatCode>
+                  <c:ptCount val="3"/>
+                  <c:pt idx="0">
+                    <c:v>0.1035411</c:v>
+                  </c:pt>
+                  <c:pt idx="1">
+                    <c:v>0.11313579999999999</c:v>
+                  </c:pt>
+                  <c:pt idx="2">
+                    <c:v>0.1186494</c:v>
+                  </c:pt>
+                </c:numCache>
+              </c:numRef>
+            </c:plus>
+            <c:minus>
+              <c:numLit>
+                <c:formatCode>General</c:formatCode>
+                <c:ptCount val="1"/>
+                <c:pt idx="0">
+                  <c:v>1</c:v>
+                </c:pt>
+              </c:numLit>
+            </c:minus>
+            <c:spPr>
+              <a:noFill/>
+              <a:ln w="9525" cap="flat" cmpd="sng" algn="ctr">
+                <a:solidFill>
+                  <a:schemeClr val="tx1">
+                    <a:lumMod val="65000"/>
+                    <a:lumOff val="35000"/>
+                  </a:schemeClr>
+                </a:solidFill>
+                <a:round/>
+              </a:ln>
+              <a:effectLst/>
+            </c:spPr>
+          </c:errBars>
+          <c:cat>
+            <c:numRef>
+              <c:f>Sheet5!$H$33:$H$35</c:f>
+              <c:numCache>
+                <c:formatCode>General</c:formatCode>
+                <c:ptCount val="3"/>
+                <c:pt idx="0">
+                  <c:v>50</c:v>
+                </c:pt>
+                <c:pt idx="1">
+                  <c:v>100</c:v>
+                </c:pt>
+                <c:pt idx="2">
+                  <c:v>150</c:v>
+                </c:pt>
+              </c:numCache>
+            </c:numRef>
+          </c:cat>
+          <c:val>
+            <c:numRef>
+              <c:f>Sheet5!$K$33:$K$35</c:f>
+              <c:numCache>
+                <c:formatCode>General</c:formatCode>
+                <c:ptCount val="3"/>
+                <c:pt idx="0">
+                  <c:v>0.1118352</c:v>
+                </c:pt>
+                <c:pt idx="1">
+                  <c:v>0.1550002</c:v>
+                </c:pt>
+                <c:pt idx="2">
+                  <c:v>0.1851932</c:v>
+                </c:pt>
+              </c:numCache>
+            </c:numRef>
+          </c:val>
+          <c:extLst>
+            <c:ext xmlns:c16="http://schemas.microsoft.com/office/drawing/2014/chart" uri="{C3380CC4-5D6E-409C-BE32-E72D297353CC}">
+              <c16:uniqueId val="{00000001-690F-419E-99CE-4B5D60AA1AA8}"/>
+            </c:ext>
+          </c:extLst>
+        </c:ser>
+        <c:dLbls>
+          <c:showLegendKey val="0"/>
+          <c:showVal val="0"/>
+          <c:showCatName val="0"/>
+          <c:showSerName val="0"/>
+          <c:showPercent val="0"/>
+          <c:showBubbleSize val="0"/>
+        </c:dLbls>
+        <c:gapWidth val="219"/>
+        <c:overlap val="-27"/>
+        <c:axId val="512260480"/>
+        <c:axId val="512259168"/>
+      </c:barChart>
+      <c:catAx>
+        <c:axId val="512260480"/>
+        <c:scaling>
+          <c:orientation val="minMax"/>
+        </c:scaling>
+        <c:delete val="0"/>
+        <c:axPos val="b"/>
+        <c:numFmt formatCode="General" sourceLinked="1"/>
+        <c:majorTickMark val="none"/>
+        <c:minorTickMark val="none"/>
+        <c:tickLblPos val="nextTo"/>
+        <c:spPr>
+          <a:noFill/>
+          <a:ln w="9525" cap="flat" cmpd="sng" algn="ctr">
+            <a:solidFill>
+              <a:schemeClr val="tx1">
+                <a:lumMod val="15000"/>
+                <a:lumOff val="85000"/>
+              </a:schemeClr>
+            </a:solidFill>
+            <a:round/>
+          </a:ln>
+          <a:effectLst/>
+        </c:spPr>
+        <c:txPr>
+          <a:bodyPr rot="-60000000" spcFirstLastPara="1" vertOverflow="ellipsis" vert="horz" wrap="square" anchor="ctr" anchorCtr="1"/>
+          <a:lstStyle/>
+          <a:p>
+            <a:pPr>
+              <a:defRPr sz="900" b="0" i="0" u="none" strike="noStrike" kern="1200" baseline="0">
+                <a:solidFill>
+                  <a:schemeClr val="tx1">
+                    <a:lumMod val="65000"/>
+                    <a:lumOff val="35000"/>
+                  </a:schemeClr>
+                </a:solidFill>
+                <a:latin typeface="+mn-lt"/>
+                <a:ea typeface="+mn-ea"/>
+                <a:cs typeface="+mn-cs"/>
+              </a:defRPr>
+            </a:pPr>
+            <a:endParaRPr lang="en-US"/>
+          </a:p>
+        </c:txPr>
+        <c:crossAx val="512259168"/>
+        <c:crosses val="autoZero"/>
+        <c:auto val="1"/>
+        <c:lblAlgn val="ctr"/>
+        <c:lblOffset val="100"/>
+        <c:noMultiLvlLbl val="0"/>
+      </c:catAx>
+      <c:valAx>
+        <c:axId val="512259168"/>
+        <c:scaling>
+          <c:orientation val="minMax"/>
+        </c:scaling>
+        <c:delete val="0"/>
+        <c:axPos val="l"/>
+        <c:majorGridlines>
+          <c:spPr>
+            <a:ln w="9525" cap="flat" cmpd="sng" algn="ctr">
+              <a:solidFill>
+                <a:schemeClr val="tx1">
+                  <a:lumMod val="15000"/>
+                  <a:lumOff val="85000"/>
+                </a:schemeClr>
+              </a:solidFill>
+              <a:round/>
+            </a:ln>
+            <a:effectLst/>
+          </c:spPr>
+        </c:majorGridlines>
+        <c:numFmt formatCode="General" sourceLinked="1"/>
+        <c:majorTickMark val="none"/>
+        <c:minorTickMark val="none"/>
+        <c:tickLblPos val="nextTo"/>
+        <c:spPr>
+          <a:noFill/>
+          <a:ln>
+            <a:noFill/>
+          </a:ln>
+          <a:effectLst/>
+        </c:spPr>
+        <c:txPr>
+          <a:bodyPr rot="-60000000" spcFirstLastPara="1" vertOverflow="ellipsis" vert="horz" wrap="square" anchor="ctr" anchorCtr="1"/>
+          <a:lstStyle/>
+          <a:p>
+            <a:pPr>
+              <a:defRPr sz="900" b="0" i="0" u="none" strike="noStrike" kern="1200" baseline="0">
+                <a:solidFill>
+                  <a:schemeClr val="tx1">
+                    <a:lumMod val="65000"/>
+                    <a:lumOff val="35000"/>
+                  </a:schemeClr>
+                </a:solidFill>
+                <a:latin typeface="+mn-lt"/>
+                <a:ea typeface="+mn-ea"/>
+                <a:cs typeface="+mn-cs"/>
+              </a:defRPr>
+            </a:pPr>
+            <a:endParaRPr lang="en-US"/>
+          </a:p>
+        </c:txPr>
+        <c:crossAx val="512260480"/>
+        <c:crosses val="autoZero"/>
+        <c:crossBetween val="between"/>
+      </c:valAx>
+      <c:spPr>
+        <a:noFill/>
+        <a:ln>
+          <a:noFill/>
+        </a:ln>
+        <a:effectLst/>
+      </c:spPr>
+    </c:plotArea>
+    <c:legend>
+      <c:legendPos val="b"/>
+      <c:overlay val="0"/>
+      <c:spPr>
+        <a:noFill/>
+        <a:ln>
+          <a:noFill/>
+        </a:ln>
+        <a:effectLst/>
+      </c:spPr>
+      <c:txPr>
+        <a:bodyPr rot="0" spcFirstLastPara="1" vertOverflow="ellipsis" vert="horz" wrap="square" anchor="ctr" anchorCtr="1"/>
+        <a:lstStyle/>
+        <a:p>
+          <a:pPr>
+            <a:defRPr sz="900" b="0" i="0" u="none" strike="noStrike" kern="1200" baseline="0">
+              <a:solidFill>
+                <a:schemeClr val="tx1">
+                  <a:lumMod val="65000"/>
+                  <a:lumOff val="35000"/>
+                </a:schemeClr>
+              </a:solidFill>
+              <a:latin typeface="+mn-lt"/>
+              <a:ea typeface="+mn-ea"/>
+              <a:cs typeface="+mn-cs"/>
+            </a:defRPr>
+          </a:pPr>
+          <a:endParaRPr lang="en-US"/>
+        </a:p>
+      </c:txPr>
+    </c:legend>
+    <c:plotVisOnly val="1"/>
+    <c:dispBlanksAs val="gap"/>
+    <c:extLst>
+      <c:ext xmlns:c16r3="http://schemas.microsoft.com/office/drawing/2017/03/chart" uri="{56B9EC1D-385E-4148-901F-78D8002777C0}">
+        <c16r3:dataDisplayOptions16>
+          <c16r3:dispNaAsBlank val="1"/>
+        </c16r3:dataDisplayOptions16>
+      </c:ext>
+    </c:extLst>
     <c:showDLblsOverMax val="0"/>
   </c:chart>
   <c:spPr>
@@ -6147,7 +10597,327 @@
 </cs:colorStyle>
 </file>
 
+<file path=ppt/charts/colors17.xml><?xml version="1.0" encoding="utf-8"?>
+<cs:colorStyle xmlns:cs="http://schemas.microsoft.com/office/drawing/2012/chartStyle" xmlns:a="http://schemas.openxmlformats.org/drawingml/2006/main" meth="cycle" id="10">
+  <a:schemeClr val="accent1"/>
+  <a:schemeClr val="accent2"/>
+  <a:schemeClr val="accent3"/>
+  <a:schemeClr val="accent4"/>
+  <a:schemeClr val="accent5"/>
+  <a:schemeClr val="accent6"/>
+  <cs:variation/>
+  <cs:variation>
+    <a:lumMod val="60000"/>
+  </cs:variation>
+  <cs:variation>
+    <a:lumMod val="80000"/>
+    <a:lumOff val="20000"/>
+  </cs:variation>
+  <cs:variation>
+    <a:lumMod val="80000"/>
+  </cs:variation>
+  <cs:variation>
+    <a:lumMod val="60000"/>
+    <a:lumOff val="40000"/>
+  </cs:variation>
+  <cs:variation>
+    <a:lumMod val="50000"/>
+  </cs:variation>
+  <cs:variation>
+    <a:lumMod val="70000"/>
+    <a:lumOff val="30000"/>
+  </cs:variation>
+  <cs:variation>
+    <a:lumMod val="70000"/>
+  </cs:variation>
+  <cs:variation>
+    <a:lumMod val="50000"/>
+    <a:lumOff val="50000"/>
+  </cs:variation>
+</cs:colorStyle>
+</file>
+
+<file path=ppt/charts/colors18.xml><?xml version="1.0" encoding="utf-8"?>
+<cs:colorStyle xmlns:cs="http://schemas.microsoft.com/office/drawing/2012/chartStyle" xmlns:a="http://schemas.openxmlformats.org/drawingml/2006/main" meth="cycle" id="10">
+  <a:schemeClr val="accent1"/>
+  <a:schemeClr val="accent2"/>
+  <a:schemeClr val="accent3"/>
+  <a:schemeClr val="accent4"/>
+  <a:schemeClr val="accent5"/>
+  <a:schemeClr val="accent6"/>
+  <cs:variation/>
+  <cs:variation>
+    <a:lumMod val="60000"/>
+  </cs:variation>
+  <cs:variation>
+    <a:lumMod val="80000"/>
+    <a:lumOff val="20000"/>
+  </cs:variation>
+  <cs:variation>
+    <a:lumMod val="80000"/>
+  </cs:variation>
+  <cs:variation>
+    <a:lumMod val="60000"/>
+    <a:lumOff val="40000"/>
+  </cs:variation>
+  <cs:variation>
+    <a:lumMod val="50000"/>
+  </cs:variation>
+  <cs:variation>
+    <a:lumMod val="70000"/>
+    <a:lumOff val="30000"/>
+  </cs:variation>
+  <cs:variation>
+    <a:lumMod val="70000"/>
+  </cs:variation>
+  <cs:variation>
+    <a:lumMod val="50000"/>
+    <a:lumOff val="50000"/>
+  </cs:variation>
+</cs:colorStyle>
+</file>
+
+<file path=ppt/charts/colors19.xml><?xml version="1.0" encoding="utf-8"?>
+<cs:colorStyle xmlns:cs="http://schemas.microsoft.com/office/drawing/2012/chartStyle" xmlns:a="http://schemas.openxmlformats.org/drawingml/2006/main" meth="cycle" id="10">
+  <a:schemeClr val="accent1"/>
+  <a:schemeClr val="accent2"/>
+  <a:schemeClr val="accent3"/>
+  <a:schemeClr val="accent4"/>
+  <a:schemeClr val="accent5"/>
+  <a:schemeClr val="accent6"/>
+  <cs:variation/>
+  <cs:variation>
+    <a:lumMod val="60000"/>
+  </cs:variation>
+  <cs:variation>
+    <a:lumMod val="80000"/>
+    <a:lumOff val="20000"/>
+  </cs:variation>
+  <cs:variation>
+    <a:lumMod val="80000"/>
+  </cs:variation>
+  <cs:variation>
+    <a:lumMod val="60000"/>
+    <a:lumOff val="40000"/>
+  </cs:variation>
+  <cs:variation>
+    <a:lumMod val="50000"/>
+  </cs:variation>
+  <cs:variation>
+    <a:lumMod val="70000"/>
+    <a:lumOff val="30000"/>
+  </cs:variation>
+  <cs:variation>
+    <a:lumMod val="70000"/>
+  </cs:variation>
+  <cs:variation>
+    <a:lumMod val="50000"/>
+    <a:lumOff val="50000"/>
+  </cs:variation>
+</cs:colorStyle>
+</file>
+
 <file path=ppt/charts/colors2.xml><?xml version="1.0" encoding="utf-8"?>
+<cs:colorStyle xmlns:cs="http://schemas.microsoft.com/office/drawing/2012/chartStyle" xmlns:a="http://schemas.openxmlformats.org/drawingml/2006/main" meth="cycle" id="10">
+  <a:schemeClr val="accent1"/>
+  <a:schemeClr val="accent2"/>
+  <a:schemeClr val="accent3"/>
+  <a:schemeClr val="accent4"/>
+  <a:schemeClr val="accent5"/>
+  <a:schemeClr val="accent6"/>
+  <cs:variation/>
+  <cs:variation>
+    <a:lumMod val="60000"/>
+  </cs:variation>
+  <cs:variation>
+    <a:lumMod val="80000"/>
+    <a:lumOff val="20000"/>
+  </cs:variation>
+  <cs:variation>
+    <a:lumMod val="80000"/>
+  </cs:variation>
+  <cs:variation>
+    <a:lumMod val="60000"/>
+    <a:lumOff val="40000"/>
+  </cs:variation>
+  <cs:variation>
+    <a:lumMod val="50000"/>
+  </cs:variation>
+  <cs:variation>
+    <a:lumMod val="70000"/>
+    <a:lumOff val="30000"/>
+  </cs:variation>
+  <cs:variation>
+    <a:lumMod val="70000"/>
+  </cs:variation>
+  <cs:variation>
+    <a:lumMod val="50000"/>
+    <a:lumOff val="50000"/>
+  </cs:variation>
+</cs:colorStyle>
+</file>
+
+<file path=ppt/charts/colors20.xml><?xml version="1.0" encoding="utf-8"?>
+<cs:colorStyle xmlns:cs="http://schemas.microsoft.com/office/drawing/2012/chartStyle" xmlns:a="http://schemas.openxmlformats.org/drawingml/2006/main" meth="cycle" id="10">
+  <a:schemeClr val="accent1"/>
+  <a:schemeClr val="accent2"/>
+  <a:schemeClr val="accent3"/>
+  <a:schemeClr val="accent4"/>
+  <a:schemeClr val="accent5"/>
+  <a:schemeClr val="accent6"/>
+  <cs:variation/>
+  <cs:variation>
+    <a:lumMod val="60000"/>
+  </cs:variation>
+  <cs:variation>
+    <a:lumMod val="80000"/>
+    <a:lumOff val="20000"/>
+  </cs:variation>
+  <cs:variation>
+    <a:lumMod val="80000"/>
+  </cs:variation>
+  <cs:variation>
+    <a:lumMod val="60000"/>
+    <a:lumOff val="40000"/>
+  </cs:variation>
+  <cs:variation>
+    <a:lumMod val="50000"/>
+  </cs:variation>
+  <cs:variation>
+    <a:lumMod val="70000"/>
+    <a:lumOff val="30000"/>
+  </cs:variation>
+  <cs:variation>
+    <a:lumMod val="70000"/>
+  </cs:variation>
+  <cs:variation>
+    <a:lumMod val="50000"/>
+    <a:lumOff val="50000"/>
+  </cs:variation>
+</cs:colorStyle>
+</file>
+
+<file path=ppt/charts/colors21.xml><?xml version="1.0" encoding="utf-8"?>
+<cs:colorStyle xmlns:cs="http://schemas.microsoft.com/office/drawing/2012/chartStyle" xmlns:a="http://schemas.openxmlformats.org/drawingml/2006/main" meth="cycle" id="10">
+  <a:schemeClr val="accent1"/>
+  <a:schemeClr val="accent2"/>
+  <a:schemeClr val="accent3"/>
+  <a:schemeClr val="accent4"/>
+  <a:schemeClr val="accent5"/>
+  <a:schemeClr val="accent6"/>
+  <cs:variation/>
+  <cs:variation>
+    <a:lumMod val="60000"/>
+  </cs:variation>
+  <cs:variation>
+    <a:lumMod val="80000"/>
+    <a:lumOff val="20000"/>
+  </cs:variation>
+  <cs:variation>
+    <a:lumMod val="80000"/>
+  </cs:variation>
+  <cs:variation>
+    <a:lumMod val="60000"/>
+    <a:lumOff val="40000"/>
+  </cs:variation>
+  <cs:variation>
+    <a:lumMod val="50000"/>
+  </cs:variation>
+  <cs:variation>
+    <a:lumMod val="70000"/>
+    <a:lumOff val="30000"/>
+  </cs:variation>
+  <cs:variation>
+    <a:lumMod val="70000"/>
+  </cs:variation>
+  <cs:variation>
+    <a:lumMod val="50000"/>
+    <a:lumOff val="50000"/>
+  </cs:variation>
+</cs:colorStyle>
+</file>
+
+<file path=ppt/charts/colors22.xml><?xml version="1.0" encoding="utf-8"?>
+<cs:colorStyle xmlns:cs="http://schemas.microsoft.com/office/drawing/2012/chartStyle" xmlns:a="http://schemas.openxmlformats.org/drawingml/2006/main" meth="cycle" id="10">
+  <a:schemeClr val="accent1"/>
+  <a:schemeClr val="accent2"/>
+  <a:schemeClr val="accent3"/>
+  <a:schemeClr val="accent4"/>
+  <a:schemeClr val="accent5"/>
+  <a:schemeClr val="accent6"/>
+  <cs:variation/>
+  <cs:variation>
+    <a:lumMod val="60000"/>
+  </cs:variation>
+  <cs:variation>
+    <a:lumMod val="80000"/>
+    <a:lumOff val="20000"/>
+  </cs:variation>
+  <cs:variation>
+    <a:lumMod val="80000"/>
+  </cs:variation>
+  <cs:variation>
+    <a:lumMod val="60000"/>
+    <a:lumOff val="40000"/>
+  </cs:variation>
+  <cs:variation>
+    <a:lumMod val="50000"/>
+  </cs:variation>
+  <cs:variation>
+    <a:lumMod val="70000"/>
+    <a:lumOff val="30000"/>
+  </cs:variation>
+  <cs:variation>
+    <a:lumMod val="70000"/>
+  </cs:variation>
+  <cs:variation>
+    <a:lumMod val="50000"/>
+    <a:lumOff val="50000"/>
+  </cs:variation>
+</cs:colorStyle>
+</file>
+
+<file path=ppt/charts/colors23.xml><?xml version="1.0" encoding="utf-8"?>
+<cs:colorStyle xmlns:cs="http://schemas.microsoft.com/office/drawing/2012/chartStyle" xmlns:a="http://schemas.openxmlformats.org/drawingml/2006/main" meth="cycle" id="10">
+  <a:schemeClr val="accent1"/>
+  <a:schemeClr val="accent2"/>
+  <a:schemeClr val="accent3"/>
+  <a:schemeClr val="accent4"/>
+  <a:schemeClr val="accent5"/>
+  <a:schemeClr val="accent6"/>
+  <cs:variation/>
+  <cs:variation>
+    <a:lumMod val="60000"/>
+  </cs:variation>
+  <cs:variation>
+    <a:lumMod val="80000"/>
+    <a:lumOff val="20000"/>
+  </cs:variation>
+  <cs:variation>
+    <a:lumMod val="80000"/>
+  </cs:variation>
+  <cs:variation>
+    <a:lumMod val="60000"/>
+    <a:lumOff val="40000"/>
+  </cs:variation>
+  <cs:variation>
+    <a:lumMod val="50000"/>
+  </cs:variation>
+  <cs:variation>
+    <a:lumMod val="70000"/>
+    <a:lumOff val="30000"/>
+  </cs:variation>
+  <cs:variation>
+    <a:lumMod val="70000"/>
+  </cs:variation>
+  <cs:variation>
+    <a:lumMod val="50000"/>
+    <a:lumOff val="50000"/>
+  </cs:variation>
+</cs:colorStyle>
+</file>
+
+<file path=ppt/charts/colors24.xml><?xml version="1.0" encoding="utf-8"?>
 <cs:colorStyle xmlns:cs="http://schemas.microsoft.com/office/drawing/2012/chartStyle" xmlns:a="http://schemas.openxmlformats.org/drawingml/2006/main" meth="cycle" id="10">
   <a:schemeClr val="accent1"/>
   <a:schemeClr val="accent2"/>
@@ -10491,7 +15261,4031 @@
 </cs:chartStyle>
 </file>
 
+<file path=ppt/charts/style17.xml><?xml version="1.0" encoding="utf-8"?>
+<cs:chartStyle xmlns:cs="http://schemas.microsoft.com/office/drawing/2012/chartStyle" xmlns:a="http://schemas.openxmlformats.org/drawingml/2006/main" id="201">
+  <cs:axisTitle>
+    <cs:lnRef idx="0"/>
+    <cs:fillRef idx="0"/>
+    <cs:effectRef idx="0"/>
+    <cs:fontRef idx="minor">
+      <a:schemeClr val="tx1">
+        <a:lumMod val="65000"/>
+        <a:lumOff val="35000"/>
+      </a:schemeClr>
+    </cs:fontRef>
+    <cs:defRPr sz="1000" kern="1200"/>
+  </cs:axisTitle>
+  <cs:categoryAxis>
+    <cs:lnRef idx="0"/>
+    <cs:fillRef idx="0"/>
+    <cs:effectRef idx="0"/>
+    <cs:fontRef idx="minor">
+      <a:schemeClr val="tx1">
+        <a:lumMod val="65000"/>
+        <a:lumOff val="35000"/>
+      </a:schemeClr>
+    </cs:fontRef>
+    <cs:spPr>
+      <a:ln w="9525" cap="flat" cmpd="sng" algn="ctr">
+        <a:solidFill>
+          <a:schemeClr val="tx1">
+            <a:lumMod val="15000"/>
+            <a:lumOff val="85000"/>
+          </a:schemeClr>
+        </a:solidFill>
+        <a:round/>
+      </a:ln>
+    </cs:spPr>
+    <cs:defRPr sz="900" kern="1200"/>
+  </cs:categoryAxis>
+  <cs:chartArea mods="allowNoFillOverride allowNoLineOverride">
+    <cs:lnRef idx="0"/>
+    <cs:fillRef idx="0"/>
+    <cs:effectRef idx="0"/>
+    <cs:fontRef idx="minor">
+      <a:schemeClr val="tx1"/>
+    </cs:fontRef>
+    <cs:spPr>
+      <a:solidFill>
+        <a:schemeClr val="bg1"/>
+      </a:solidFill>
+      <a:ln w="9525" cap="flat" cmpd="sng" algn="ctr">
+        <a:solidFill>
+          <a:schemeClr val="tx1">
+            <a:lumMod val="15000"/>
+            <a:lumOff val="85000"/>
+          </a:schemeClr>
+        </a:solidFill>
+        <a:round/>
+      </a:ln>
+    </cs:spPr>
+    <cs:defRPr sz="1000" kern="1200"/>
+  </cs:chartArea>
+  <cs:dataLabel>
+    <cs:lnRef idx="0"/>
+    <cs:fillRef idx="0"/>
+    <cs:effectRef idx="0"/>
+    <cs:fontRef idx="minor">
+      <a:schemeClr val="tx1">
+        <a:lumMod val="75000"/>
+        <a:lumOff val="25000"/>
+      </a:schemeClr>
+    </cs:fontRef>
+    <cs:defRPr sz="900" kern="1200"/>
+  </cs:dataLabel>
+  <cs:dataLabelCallout>
+    <cs:lnRef idx="0"/>
+    <cs:fillRef idx="0"/>
+    <cs:effectRef idx="0"/>
+    <cs:fontRef idx="minor">
+      <a:schemeClr val="dk1">
+        <a:lumMod val="65000"/>
+        <a:lumOff val="35000"/>
+      </a:schemeClr>
+    </cs:fontRef>
+    <cs:spPr>
+      <a:solidFill>
+        <a:schemeClr val="lt1"/>
+      </a:solidFill>
+      <a:ln>
+        <a:solidFill>
+          <a:schemeClr val="dk1">
+            <a:lumMod val="25000"/>
+            <a:lumOff val="75000"/>
+          </a:schemeClr>
+        </a:solidFill>
+      </a:ln>
+    </cs:spPr>
+    <cs:defRPr sz="900" kern="1200"/>
+    <cs:bodyPr rot="0" spcFirstLastPara="1" vertOverflow="clip" horzOverflow="clip" vert="horz" wrap="square" lIns="36576" tIns="18288" rIns="36576" bIns="18288" anchor="ctr" anchorCtr="1">
+      <a:spAutoFit/>
+    </cs:bodyPr>
+  </cs:dataLabelCallout>
+  <cs:dataPoint>
+    <cs:lnRef idx="0"/>
+    <cs:fillRef idx="1">
+      <cs:styleClr val="auto"/>
+    </cs:fillRef>
+    <cs:effectRef idx="0"/>
+    <cs:fontRef idx="minor">
+      <a:schemeClr val="tx1"/>
+    </cs:fontRef>
+  </cs:dataPoint>
+  <cs:dataPoint3D>
+    <cs:lnRef idx="0"/>
+    <cs:fillRef idx="1">
+      <cs:styleClr val="auto"/>
+    </cs:fillRef>
+    <cs:effectRef idx="0"/>
+    <cs:fontRef idx="minor">
+      <a:schemeClr val="tx1"/>
+    </cs:fontRef>
+  </cs:dataPoint3D>
+  <cs:dataPointLine>
+    <cs:lnRef idx="0">
+      <cs:styleClr val="auto"/>
+    </cs:lnRef>
+    <cs:fillRef idx="1"/>
+    <cs:effectRef idx="0"/>
+    <cs:fontRef idx="minor">
+      <a:schemeClr val="tx1"/>
+    </cs:fontRef>
+    <cs:spPr>
+      <a:ln w="28575" cap="rnd">
+        <a:solidFill>
+          <a:schemeClr val="phClr"/>
+        </a:solidFill>
+        <a:round/>
+      </a:ln>
+    </cs:spPr>
+  </cs:dataPointLine>
+  <cs:dataPointMarker>
+    <cs:lnRef idx="0">
+      <cs:styleClr val="auto"/>
+    </cs:lnRef>
+    <cs:fillRef idx="1">
+      <cs:styleClr val="auto"/>
+    </cs:fillRef>
+    <cs:effectRef idx="0"/>
+    <cs:fontRef idx="minor">
+      <a:schemeClr val="tx1"/>
+    </cs:fontRef>
+    <cs:spPr>
+      <a:ln w="9525">
+        <a:solidFill>
+          <a:schemeClr val="phClr"/>
+        </a:solidFill>
+      </a:ln>
+    </cs:spPr>
+  </cs:dataPointMarker>
+  <cs:dataPointMarkerLayout symbol="circle" size="5"/>
+  <cs:dataPointWireframe>
+    <cs:lnRef idx="0">
+      <cs:styleClr val="auto"/>
+    </cs:lnRef>
+    <cs:fillRef idx="1"/>
+    <cs:effectRef idx="0"/>
+    <cs:fontRef idx="minor">
+      <a:schemeClr val="tx1"/>
+    </cs:fontRef>
+    <cs:spPr>
+      <a:ln w="9525" cap="rnd">
+        <a:solidFill>
+          <a:schemeClr val="phClr"/>
+        </a:solidFill>
+        <a:round/>
+      </a:ln>
+    </cs:spPr>
+  </cs:dataPointWireframe>
+  <cs:dataTable>
+    <cs:lnRef idx="0"/>
+    <cs:fillRef idx="0"/>
+    <cs:effectRef idx="0"/>
+    <cs:fontRef idx="minor">
+      <a:schemeClr val="tx1">
+        <a:lumMod val="65000"/>
+        <a:lumOff val="35000"/>
+      </a:schemeClr>
+    </cs:fontRef>
+    <cs:spPr>
+      <a:noFill/>
+      <a:ln w="9525" cap="flat" cmpd="sng" algn="ctr">
+        <a:solidFill>
+          <a:schemeClr val="tx1">
+            <a:lumMod val="15000"/>
+            <a:lumOff val="85000"/>
+          </a:schemeClr>
+        </a:solidFill>
+        <a:round/>
+      </a:ln>
+    </cs:spPr>
+    <cs:defRPr sz="900" kern="1200"/>
+  </cs:dataTable>
+  <cs:downBar>
+    <cs:lnRef idx="0"/>
+    <cs:fillRef idx="0"/>
+    <cs:effectRef idx="0"/>
+    <cs:fontRef idx="minor">
+      <a:schemeClr val="dk1"/>
+    </cs:fontRef>
+    <cs:spPr>
+      <a:solidFill>
+        <a:schemeClr val="dk1">
+          <a:lumMod val="65000"/>
+          <a:lumOff val="35000"/>
+        </a:schemeClr>
+      </a:solidFill>
+      <a:ln w="9525">
+        <a:solidFill>
+          <a:schemeClr val="tx1">
+            <a:lumMod val="65000"/>
+            <a:lumOff val="35000"/>
+          </a:schemeClr>
+        </a:solidFill>
+      </a:ln>
+    </cs:spPr>
+  </cs:downBar>
+  <cs:dropLine>
+    <cs:lnRef idx="0"/>
+    <cs:fillRef idx="0"/>
+    <cs:effectRef idx="0"/>
+    <cs:fontRef idx="minor">
+      <a:schemeClr val="tx1"/>
+    </cs:fontRef>
+    <cs:spPr>
+      <a:ln w="9525" cap="flat" cmpd="sng" algn="ctr">
+        <a:solidFill>
+          <a:schemeClr val="tx1">
+            <a:lumMod val="35000"/>
+            <a:lumOff val="65000"/>
+          </a:schemeClr>
+        </a:solidFill>
+        <a:round/>
+      </a:ln>
+    </cs:spPr>
+  </cs:dropLine>
+  <cs:errorBar>
+    <cs:lnRef idx="0"/>
+    <cs:fillRef idx="0"/>
+    <cs:effectRef idx="0"/>
+    <cs:fontRef idx="minor">
+      <a:schemeClr val="tx1"/>
+    </cs:fontRef>
+    <cs:spPr>
+      <a:ln w="9525" cap="flat" cmpd="sng" algn="ctr">
+        <a:solidFill>
+          <a:schemeClr val="tx1">
+            <a:lumMod val="65000"/>
+            <a:lumOff val="35000"/>
+          </a:schemeClr>
+        </a:solidFill>
+        <a:round/>
+      </a:ln>
+    </cs:spPr>
+  </cs:errorBar>
+  <cs:floor>
+    <cs:lnRef idx="0"/>
+    <cs:fillRef idx="0"/>
+    <cs:effectRef idx="0"/>
+    <cs:fontRef idx="minor">
+      <a:schemeClr val="tx1"/>
+    </cs:fontRef>
+    <cs:spPr>
+      <a:noFill/>
+      <a:ln>
+        <a:noFill/>
+      </a:ln>
+    </cs:spPr>
+  </cs:floor>
+  <cs:gridlineMajor>
+    <cs:lnRef idx="0"/>
+    <cs:fillRef idx="0"/>
+    <cs:effectRef idx="0"/>
+    <cs:fontRef idx="minor">
+      <a:schemeClr val="tx1"/>
+    </cs:fontRef>
+    <cs:spPr>
+      <a:ln w="9525" cap="flat" cmpd="sng" algn="ctr">
+        <a:solidFill>
+          <a:schemeClr val="tx1">
+            <a:lumMod val="15000"/>
+            <a:lumOff val="85000"/>
+          </a:schemeClr>
+        </a:solidFill>
+        <a:round/>
+      </a:ln>
+    </cs:spPr>
+  </cs:gridlineMajor>
+  <cs:gridlineMinor>
+    <cs:lnRef idx="0"/>
+    <cs:fillRef idx="0"/>
+    <cs:effectRef idx="0"/>
+    <cs:fontRef idx="minor">
+      <a:schemeClr val="tx1"/>
+    </cs:fontRef>
+    <cs:spPr>
+      <a:ln w="9525" cap="flat" cmpd="sng" algn="ctr">
+        <a:solidFill>
+          <a:schemeClr val="tx1">
+            <a:lumMod val="5000"/>
+            <a:lumOff val="95000"/>
+          </a:schemeClr>
+        </a:solidFill>
+        <a:round/>
+      </a:ln>
+    </cs:spPr>
+  </cs:gridlineMinor>
+  <cs:hiLoLine>
+    <cs:lnRef idx="0"/>
+    <cs:fillRef idx="0"/>
+    <cs:effectRef idx="0"/>
+    <cs:fontRef idx="minor">
+      <a:schemeClr val="tx1"/>
+    </cs:fontRef>
+    <cs:spPr>
+      <a:ln w="9525" cap="flat" cmpd="sng" algn="ctr">
+        <a:solidFill>
+          <a:schemeClr val="tx1">
+            <a:lumMod val="75000"/>
+            <a:lumOff val="25000"/>
+          </a:schemeClr>
+        </a:solidFill>
+        <a:round/>
+      </a:ln>
+    </cs:spPr>
+  </cs:hiLoLine>
+  <cs:leaderLine>
+    <cs:lnRef idx="0"/>
+    <cs:fillRef idx="0"/>
+    <cs:effectRef idx="0"/>
+    <cs:fontRef idx="minor">
+      <a:schemeClr val="tx1"/>
+    </cs:fontRef>
+    <cs:spPr>
+      <a:ln w="9525" cap="flat" cmpd="sng" algn="ctr">
+        <a:solidFill>
+          <a:schemeClr val="tx1">
+            <a:lumMod val="35000"/>
+            <a:lumOff val="65000"/>
+          </a:schemeClr>
+        </a:solidFill>
+        <a:round/>
+      </a:ln>
+    </cs:spPr>
+  </cs:leaderLine>
+  <cs:legend>
+    <cs:lnRef idx="0"/>
+    <cs:fillRef idx="0"/>
+    <cs:effectRef idx="0"/>
+    <cs:fontRef idx="minor">
+      <a:schemeClr val="tx1">
+        <a:lumMod val="65000"/>
+        <a:lumOff val="35000"/>
+      </a:schemeClr>
+    </cs:fontRef>
+    <cs:defRPr sz="900" kern="1200"/>
+  </cs:legend>
+  <cs:plotArea mods="allowNoFillOverride allowNoLineOverride">
+    <cs:lnRef idx="0"/>
+    <cs:fillRef idx="0"/>
+    <cs:effectRef idx="0"/>
+    <cs:fontRef idx="minor">
+      <a:schemeClr val="tx1"/>
+    </cs:fontRef>
+  </cs:plotArea>
+  <cs:plotArea3D mods="allowNoFillOverride allowNoLineOverride">
+    <cs:lnRef idx="0"/>
+    <cs:fillRef idx="0"/>
+    <cs:effectRef idx="0"/>
+    <cs:fontRef idx="minor">
+      <a:schemeClr val="tx1"/>
+    </cs:fontRef>
+  </cs:plotArea3D>
+  <cs:seriesAxis>
+    <cs:lnRef idx="0"/>
+    <cs:fillRef idx="0"/>
+    <cs:effectRef idx="0"/>
+    <cs:fontRef idx="minor">
+      <a:schemeClr val="tx1">
+        <a:lumMod val="65000"/>
+        <a:lumOff val="35000"/>
+      </a:schemeClr>
+    </cs:fontRef>
+    <cs:defRPr sz="900" kern="1200"/>
+  </cs:seriesAxis>
+  <cs:seriesLine>
+    <cs:lnRef idx="0"/>
+    <cs:fillRef idx="0"/>
+    <cs:effectRef idx="0"/>
+    <cs:fontRef idx="minor">
+      <a:schemeClr val="tx1"/>
+    </cs:fontRef>
+    <cs:spPr>
+      <a:ln w="9525" cap="flat" cmpd="sng" algn="ctr">
+        <a:solidFill>
+          <a:schemeClr val="tx1">
+            <a:lumMod val="35000"/>
+            <a:lumOff val="65000"/>
+          </a:schemeClr>
+        </a:solidFill>
+        <a:round/>
+      </a:ln>
+    </cs:spPr>
+  </cs:seriesLine>
+  <cs:title>
+    <cs:lnRef idx="0"/>
+    <cs:fillRef idx="0"/>
+    <cs:effectRef idx="0"/>
+    <cs:fontRef idx="minor">
+      <a:schemeClr val="tx1">
+        <a:lumMod val="65000"/>
+        <a:lumOff val="35000"/>
+      </a:schemeClr>
+    </cs:fontRef>
+    <cs:defRPr sz="1400" b="0" kern="1200" spc="0" baseline="0"/>
+  </cs:title>
+  <cs:trendline>
+    <cs:lnRef idx="0">
+      <cs:styleClr val="auto"/>
+    </cs:lnRef>
+    <cs:fillRef idx="0"/>
+    <cs:effectRef idx="0"/>
+    <cs:fontRef idx="minor">
+      <a:schemeClr val="tx1"/>
+    </cs:fontRef>
+    <cs:spPr>
+      <a:ln w="19050" cap="rnd">
+        <a:solidFill>
+          <a:schemeClr val="phClr"/>
+        </a:solidFill>
+        <a:prstDash val="sysDot"/>
+      </a:ln>
+    </cs:spPr>
+  </cs:trendline>
+  <cs:trendlineLabel>
+    <cs:lnRef idx="0"/>
+    <cs:fillRef idx="0"/>
+    <cs:effectRef idx="0"/>
+    <cs:fontRef idx="minor">
+      <a:schemeClr val="tx1">
+        <a:lumMod val="65000"/>
+        <a:lumOff val="35000"/>
+      </a:schemeClr>
+    </cs:fontRef>
+    <cs:defRPr sz="900" kern="1200"/>
+  </cs:trendlineLabel>
+  <cs:upBar>
+    <cs:lnRef idx="0"/>
+    <cs:fillRef idx="0"/>
+    <cs:effectRef idx="0"/>
+    <cs:fontRef idx="minor">
+      <a:schemeClr val="dk1"/>
+    </cs:fontRef>
+    <cs:spPr>
+      <a:solidFill>
+        <a:schemeClr val="lt1"/>
+      </a:solidFill>
+      <a:ln w="9525">
+        <a:solidFill>
+          <a:schemeClr val="tx1">
+            <a:lumMod val="15000"/>
+            <a:lumOff val="85000"/>
+          </a:schemeClr>
+        </a:solidFill>
+      </a:ln>
+    </cs:spPr>
+  </cs:upBar>
+  <cs:valueAxis>
+    <cs:lnRef idx="0"/>
+    <cs:fillRef idx="0"/>
+    <cs:effectRef idx="0"/>
+    <cs:fontRef idx="minor">
+      <a:schemeClr val="tx1">
+        <a:lumMod val="65000"/>
+        <a:lumOff val="35000"/>
+      </a:schemeClr>
+    </cs:fontRef>
+    <cs:defRPr sz="900" kern="1200"/>
+  </cs:valueAxis>
+  <cs:wall>
+    <cs:lnRef idx="0"/>
+    <cs:fillRef idx="0"/>
+    <cs:effectRef idx="0"/>
+    <cs:fontRef idx="minor">
+      <a:schemeClr val="tx1"/>
+    </cs:fontRef>
+    <cs:spPr>
+      <a:noFill/>
+      <a:ln>
+        <a:noFill/>
+      </a:ln>
+    </cs:spPr>
+  </cs:wall>
+</cs:chartStyle>
+</file>
+
+<file path=ppt/charts/style18.xml><?xml version="1.0" encoding="utf-8"?>
+<cs:chartStyle xmlns:cs="http://schemas.microsoft.com/office/drawing/2012/chartStyle" xmlns:a="http://schemas.openxmlformats.org/drawingml/2006/main" id="201">
+  <cs:axisTitle>
+    <cs:lnRef idx="0"/>
+    <cs:fillRef idx="0"/>
+    <cs:effectRef idx="0"/>
+    <cs:fontRef idx="minor">
+      <a:schemeClr val="tx1">
+        <a:lumMod val="65000"/>
+        <a:lumOff val="35000"/>
+      </a:schemeClr>
+    </cs:fontRef>
+    <cs:defRPr sz="1000" kern="1200"/>
+  </cs:axisTitle>
+  <cs:categoryAxis>
+    <cs:lnRef idx="0"/>
+    <cs:fillRef idx="0"/>
+    <cs:effectRef idx="0"/>
+    <cs:fontRef idx="minor">
+      <a:schemeClr val="tx1">
+        <a:lumMod val="65000"/>
+        <a:lumOff val="35000"/>
+      </a:schemeClr>
+    </cs:fontRef>
+    <cs:spPr>
+      <a:ln w="9525" cap="flat" cmpd="sng" algn="ctr">
+        <a:solidFill>
+          <a:schemeClr val="tx1">
+            <a:lumMod val="15000"/>
+            <a:lumOff val="85000"/>
+          </a:schemeClr>
+        </a:solidFill>
+        <a:round/>
+      </a:ln>
+    </cs:spPr>
+    <cs:defRPr sz="900" kern="1200"/>
+  </cs:categoryAxis>
+  <cs:chartArea mods="allowNoFillOverride allowNoLineOverride">
+    <cs:lnRef idx="0"/>
+    <cs:fillRef idx="0"/>
+    <cs:effectRef idx="0"/>
+    <cs:fontRef idx="minor">
+      <a:schemeClr val="tx1"/>
+    </cs:fontRef>
+    <cs:spPr>
+      <a:solidFill>
+        <a:schemeClr val="bg1"/>
+      </a:solidFill>
+      <a:ln w="9525" cap="flat" cmpd="sng" algn="ctr">
+        <a:solidFill>
+          <a:schemeClr val="tx1">
+            <a:lumMod val="15000"/>
+            <a:lumOff val="85000"/>
+          </a:schemeClr>
+        </a:solidFill>
+        <a:round/>
+      </a:ln>
+    </cs:spPr>
+    <cs:defRPr sz="1000" kern="1200"/>
+  </cs:chartArea>
+  <cs:dataLabel>
+    <cs:lnRef idx="0"/>
+    <cs:fillRef idx="0"/>
+    <cs:effectRef idx="0"/>
+    <cs:fontRef idx="minor">
+      <a:schemeClr val="tx1">
+        <a:lumMod val="75000"/>
+        <a:lumOff val="25000"/>
+      </a:schemeClr>
+    </cs:fontRef>
+    <cs:defRPr sz="900" kern="1200"/>
+  </cs:dataLabel>
+  <cs:dataLabelCallout>
+    <cs:lnRef idx="0"/>
+    <cs:fillRef idx="0"/>
+    <cs:effectRef idx="0"/>
+    <cs:fontRef idx="minor">
+      <a:schemeClr val="dk1">
+        <a:lumMod val="65000"/>
+        <a:lumOff val="35000"/>
+      </a:schemeClr>
+    </cs:fontRef>
+    <cs:spPr>
+      <a:solidFill>
+        <a:schemeClr val="lt1"/>
+      </a:solidFill>
+      <a:ln>
+        <a:solidFill>
+          <a:schemeClr val="dk1">
+            <a:lumMod val="25000"/>
+            <a:lumOff val="75000"/>
+          </a:schemeClr>
+        </a:solidFill>
+      </a:ln>
+    </cs:spPr>
+    <cs:defRPr sz="900" kern="1200"/>
+    <cs:bodyPr rot="0" spcFirstLastPara="1" vertOverflow="clip" horzOverflow="clip" vert="horz" wrap="square" lIns="36576" tIns="18288" rIns="36576" bIns="18288" anchor="ctr" anchorCtr="1">
+      <a:spAutoFit/>
+    </cs:bodyPr>
+  </cs:dataLabelCallout>
+  <cs:dataPoint>
+    <cs:lnRef idx="0"/>
+    <cs:fillRef idx="1">
+      <cs:styleClr val="auto"/>
+    </cs:fillRef>
+    <cs:effectRef idx="0"/>
+    <cs:fontRef idx="minor">
+      <a:schemeClr val="tx1"/>
+    </cs:fontRef>
+  </cs:dataPoint>
+  <cs:dataPoint3D>
+    <cs:lnRef idx="0"/>
+    <cs:fillRef idx="1">
+      <cs:styleClr val="auto"/>
+    </cs:fillRef>
+    <cs:effectRef idx="0"/>
+    <cs:fontRef idx="minor">
+      <a:schemeClr val="tx1"/>
+    </cs:fontRef>
+  </cs:dataPoint3D>
+  <cs:dataPointLine>
+    <cs:lnRef idx="0">
+      <cs:styleClr val="auto"/>
+    </cs:lnRef>
+    <cs:fillRef idx="1"/>
+    <cs:effectRef idx="0"/>
+    <cs:fontRef idx="minor">
+      <a:schemeClr val="tx1"/>
+    </cs:fontRef>
+    <cs:spPr>
+      <a:ln w="28575" cap="rnd">
+        <a:solidFill>
+          <a:schemeClr val="phClr"/>
+        </a:solidFill>
+        <a:round/>
+      </a:ln>
+    </cs:spPr>
+  </cs:dataPointLine>
+  <cs:dataPointMarker>
+    <cs:lnRef idx="0">
+      <cs:styleClr val="auto"/>
+    </cs:lnRef>
+    <cs:fillRef idx="1">
+      <cs:styleClr val="auto"/>
+    </cs:fillRef>
+    <cs:effectRef idx="0"/>
+    <cs:fontRef idx="minor">
+      <a:schemeClr val="tx1"/>
+    </cs:fontRef>
+    <cs:spPr>
+      <a:ln w="9525">
+        <a:solidFill>
+          <a:schemeClr val="phClr"/>
+        </a:solidFill>
+      </a:ln>
+    </cs:spPr>
+  </cs:dataPointMarker>
+  <cs:dataPointMarkerLayout symbol="circle" size="5"/>
+  <cs:dataPointWireframe>
+    <cs:lnRef idx="0">
+      <cs:styleClr val="auto"/>
+    </cs:lnRef>
+    <cs:fillRef idx="1"/>
+    <cs:effectRef idx="0"/>
+    <cs:fontRef idx="minor">
+      <a:schemeClr val="tx1"/>
+    </cs:fontRef>
+    <cs:spPr>
+      <a:ln w="9525" cap="rnd">
+        <a:solidFill>
+          <a:schemeClr val="phClr"/>
+        </a:solidFill>
+        <a:round/>
+      </a:ln>
+    </cs:spPr>
+  </cs:dataPointWireframe>
+  <cs:dataTable>
+    <cs:lnRef idx="0"/>
+    <cs:fillRef idx="0"/>
+    <cs:effectRef idx="0"/>
+    <cs:fontRef idx="minor">
+      <a:schemeClr val="tx1">
+        <a:lumMod val="65000"/>
+        <a:lumOff val="35000"/>
+      </a:schemeClr>
+    </cs:fontRef>
+    <cs:spPr>
+      <a:noFill/>
+      <a:ln w="9525" cap="flat" cmpd="sng" algn="ctr">
+        <a:solidFill>
+          <a:schemeClr val="tx1">
+            <a:lumMod val="15000"/>
+            <a:lumOff val="85000"/>
+          </a:schemeClr>
+        </a:solidFill>
+        <a:round/>
+      </a:ln>
+    </cs:spPr>
+    <cs:defRPr sz="900" kern="1200"/>
+  </cs:dataTable>
+  <cs:downBar>
+    <cs:lnRef idx="0"/>
+    <cs:fillRef idx="0"/>
+    <cs:effectRef idx="0"/>
+    <cs:fontRef idx="minor">
+      <a:schemeClr val="dk1"/>
+    </cs:fontRef>
+    <cs:spPr>
+      <a:solidFill>
+        <a:schemeClr val="dk1">
+          <a:lumMod val="65000"/>
+          <a:lumOff val="35000"/>
+        </a:schemeClr>
+      </a:solidFill>
+      <a:ln w="9525">
+        <a:solidFill>
+          <a:schemeClr val="tx1">
+            <a:lumMod val="65000"/>
+            <a:lumOff val="35000"/>
+          </a:schemeClr>
+        </a:solidFill>
+      </a:ln>
+    </cs:spPr>
+  </cs:downBar>
+  <cs:dropLine>
+    <cs:lnRef idx="0"/>
+    <cs:fillRef idx="0"/>
+    <cs:effectRef idx="0"/>
+    <cs:fontRef idx="minor">
+      <a:schemeClr val="tx1"/>
+    </cs:fontRef>
+    <cs:spPr>
+      <a:ln w="9525" cap="flat" cmpd="sng" algn="ctr">
+        <a:solidFill>
+          <a:schemeClr val="tx1">
+            <a:lumMod val="35000"/>
+            <a:lumOff val="65000"/>
+          </a:schemeClr>
+        </a:solidFill>
+        <a:round/>
+      </a:ln>
+    </cs:spPr>
+  </cs:dropLine>
+  <cs:errorBar>
+    <cs:lnRef idx="0"/>
+    <cs:fillRef idx="0"/>
+    <cs:effectRef idx="0"/>
+    <cs:fontRef idx="minor">
+      <a:schemeClr val="tx1"/>
+    </cs:fontRef>
+    <cs:spPr>
+      <a:ln w="9525" cap="flat" cmpd="sng" algn="ctr">
+        <a:solidFill>
+          <a:schemeClr val="tx1">
+            <a:lumMod val="65000"/>
+            <a:lumOff val="35000"/>
+          </a:schemeClr>
+        </a:solidFill>
+        <a:round/>
+      </a:ln>
+    </cs:spPr>
+  </cs:errorBar>
+  <cs:floor>
+    <cs:lnRef idx="0"/>
+    <cs:fillRef idx="0"/>
+    <cs:effectRef idx="0"/>
+    <cs:fontRef idx="minor">
+      <a:schemeClr val="tx1"/>
+    </cs:fontRef>
+    <cs:spPr>
+      <a:noFill/>
+      <a:ln>
+        <a:noFill/>
+      </a:ln>
+    </cs:spPr>
+  </cs:floor>
+  <cs:gridlineMajor>
+    <cs:lnRef idx="0"/>
+    <cs:fillRef idx="0"/>
+    <cs:effectRef idx="0"/>
+    <cs:fontRef idx="minor">
+      <a:schemeClr val="tx1"/>
+    </cs:fontRef>
+    <cs:spPr>
+      <a:ln w="9525" cap="flat" cmpd="sng" algn="ctr">
+        <a:solidFill>
+          <a:schemeClr val="tx1">
+            <a:lumMod val="15000"/>
+            <a:lumOff val="85000"/>
+          </a:schemeClr>
+        </a:solidFill>
+        <a:round/>
+      </a:ln>
+    </cs:spPr>
+  </cs:gridlineMajor>
+  <cs:gridlineMinor>
+    <cs:lnRef idx="0"/>
+    <cs:fillRef idx="0"/>
+    <cs:effectRef idx="0"/>
+    <cs:fontRef idx="minor">
+      <a:schemeClr val="tx1"/>
+    </cs:fontRef>
+    <cs:spPr>
+      <a:ln w="9525" cap="flat" cmpd="sng" algn="ctr">
+        <a:solidFill>
+          <a:schemeClr val="tx1">
+            <a:lumMod val="5000"/>
+            <a:lumOff val="95000"/>
+          </a:schemeClr>
+        </a:solidFill>
+        <a:round/>
+      </a:ln>
+    </cs:spPr>
+  </cs:gridlineMinor>
+  <cs:hiLoLine>
+    <cs:lnRef idx="0"/>
+    <cs:fillRef idx="0"/>
+    <cs:effectRef idx="0"/>
+    <cs:fontRef idx="minor">
+      <a:schemeClr val="tx1"/>
+    </cs:fontRef>
+    <cs:spPr>
+      <a:ln w="9525" cap="flat" cmpd="sng" algn="ctr">
+        <a:solidFill>
+          <a:schemeClr val="tx1">
+            <a:lumMod val="75000"/>
+            <a:lumOff val="25000"/>
+          </a:schemeClr>
+        </a:solidFill>
+        <a:round/>
+      </a:ln>
+    </cs:spPr>
+  </cs:hiLoLine>
+  <cs:leaderLine>
+    <cs:lnRef idx="0"/>
+    <cs:fillRef idx="0"/>
+    <cs:effectRef idx="0"/>
+    <cs:fontRef idx="minor">
+      <a:schemeClr val="tx1"/>
+    </cs:fontRef>
+    <cs:spPr>
+      <a:ln w="9525" cap="flat" cmpd="sng" algn="ctr">
+        <a:solidFill>
+          <a:schemeClr val="tx1">
+            <a:lumMod val="35000"/>
+            <a:lumOff val="65000"/>
+          </a:schemeClr>
+        </a:solidFill>
+        <a:round/>
+      </a:ln>
+    </cs:spPr>
+  </cs:leaderLine>
+  <cs:legend>
+    <cs:lnRef idx="0"/>
+    <cs:fillRef idx="0"/>
+    <cs:effectRef idx="0"/>
+    <cs:fontRef idx="minor">
+      <a:schemeClr val="tx1">
+        <a:lumMod val="65000"/>
+        <a:lumOff val="35000"/>
+      </a:schemeClr>
+    </cs:fontRef>
+    <cs:defRPr sz="900" kern="1200"/>
+  </cs:legend>
+  <cs:plotArea mods="allowNoFillOverride allowNoLineOverride">
+    <cs:lnRef idx="0"/>
+    <cs:fillRef idx="0"/>
+    <cs:effectRef idx="0"/>
+    <cs:fontRef idx="minor">
+      <a:schemeClr val="tx1"/>
+    </cs:fontRef>
+  </cs:plotArea>
+  <cs:plotArea3D mods="allowNoFillOverride allowNoLineOverride">
+    <cs:lnRef idx="0"/>
+    <cs:fillRef idx="0"/>
+    <cs:effectRef idx="0"/>
+    <cs:fontRef idx="minor">
+      <a:schemeClr val="tx1"/>
+    </cs:fontRef>
+  </cs:plotArea3D>
+  <cs:seriesAxis>
+    <cs:lnRef idx="0"/>
+    <cs:fillRef idx="0"/>
+    <cs:effectRef idx="0"/>
+    <cs:fontRef idx="minor">
+      <a:schemeClr val="tx1">
+        <a:lumMod val="65000"/>
+        <a:lumOff val="35000"/>
+      </a:schemeClr>
+    </cs:fontRef>
+    <cs:defRPr sz="900" kern="1200"/>
+  </cs:seriesAxis>
+  <cs:seriesLine>
+    <cs:lnRef idx="0"/>
+    <cs:fillRef idx="0"/>
+    <cs:effectRef idx="0"/>
+    <cs:fontRef idx="minor">
+      <a:schemeClr val="tx1"/>
+    </cs:fontRef>
+    <cs:spPr>
+      <a:ln w="9525" cap="flat" cmpd="sng" algn="ctr">
+        <a:solidFill>
+          <a:schemeClr val="tx1">
+            <a:lumMod val="35000"/>
+            <a:lumOff val="65000"/>
+          </a:schemeClr>
+        </a:solidFill>
+        <a:round/>
+      </a:ln>
+    </cs:spPr>
+  </cs:seriesLine>
+  <cs:title>
+    <cs:lnRef idx="0"/>
+    <cs:fillRef idx="0"/>
+    <cs:effectRef idx="0"/>
+    <cs:fontRef idx="minor">
+      <a:schemeClr val="tx1">
+        <a:lumMod val="65000"/>
+        <a:lumOff val="35000"/>
+      </a:schemeClr>
+    </cs:fontRef>
+    <cs:defRPr sz="1400" b="0" kern="1200" spc="0" baseline="0"/>
+  </cs:title>
+  <cs:trendline>
+    <cs:lnRef idx="0">
+      <cs:styleClr val="auto"/>
+    </cs:lnRef>
+    <cs:fillRef idx="0"/>
+    <cs:effectRef idx="0"/>
+    <cs:fontRef idx="minor">
+      <a:schemeClr val="tx1"/>
+    </cs:fontRef>
+    <cs:spPr>
+      <a:ln w="19050" cap="rnd">
+        <a:solidFill>
+          <a:schemeClr val="phClr"/>
+        </a:solidFill>
+        <a:prstDash val="sysDot"/>
+      </a:ln>
+    </cs:spPr>
+  </cs:trendline>
+  <cs:trendlineLabel>
+    <cs:lnRef idx="0"/>
+    <cs:fillRef idx="0"/>
+    <cs:effectRef idx="0"/>
+    <cs:fontRef idx="minor">
+      <a:schemeClr val="tx1">
+        <a:lumMod val="65000"/>
+        <a:lumOff val="35000"/>
+      </a:schemeClr>
+    </cs:fontRef>
+    <cs:defRPr sz="900" kern="1200"/>
+  </cs:trendlineLabel>
+  <cs:upBar>
+    <cs:lnRef idx="0"/>
+    <cs:fillRef idx="0"/>
+    <cs:effectRef idx="0"/>
+    <cs:fontRef idx="minor">
+      <a:schemeClr val="dk1"/>
+    </cs:fontRef>
+    <cs:spPr>
+      <a:solidFill>
+        <a:schemeClr val="lt1"/>
+      </a:solidFill>
+      <a:ln w="9525">
+        <a:solidFill>
+          <a:schemeClr val="tx1">
+            <a:lumMod val="15000"/>
+            <a:lumOff val="85000"/>
+          </a:schemeClr>
+        </a:solidFill>
+      </a:ln>
+    </cs:spPr>
+  </cs:upBar>
+  <cs:valueAxis>
+    <cs:lnRef idx="0"/>
+    <cs:fillRef idx="0"/>
+    <cs:effectRef idx="0"/>
+    <cs:fontRef idx="minor">
+      <a:schemeClr val="tx1">
+        <a:lumMod val="65000"/>
+        <a:lumOff val="35000"/>
+      </a:schemeClr>
+    </cs:fontRef>
+    <cs:defRPr sz="900" kern="1200"/>
+  </cs:valueAxis>
+  <cs:wall>
+    <cs:lnRef idx="0"/>
+    <cs:fillRef idx="0"/>
+    <cs:effectRef idx="0"/>
+    <cs:fontRef idx="minor">
+      <a:schemeClr val="tx1"/>
+    </cs:fontRef>
+    <cs:spPr>
+      <a:noFill/>
+      <a:ln>
+        <a:noFill/>
+      </a:ln>
+    </cs:spPr>
+  </cs:wall>
+</cs:chartStyle>
+</file>
+
+<file path=ppt/charts/style19.xml><?xml version="1.0" encoding="utf-8"?>
+<cs:chartStyle xmlns:cs="http://schemas.microsoft.com/office/drawing/2012/chartStyle" xmlns:a="http://schemas.openxmlformats.org/drawingml/2006/main" id="201">
+  <cs:axisTitle>
+    <cs:lnRef idx="0"/>
+    <cs:fillRef idx="0"/>
+    <cs:effectRef idx="0"/>
+    <cs:fontRef idx="minor">
+      <a:schemeClr val="tx1">
+        <a:lumMod val="65000"/>
+        <a:lumOff val="35000"/>
+      </a:schemeClr>
+    </cs:fontRef>
+    <cs:defRPr sz="1000" kern="1200"/>
+  </cs:axisTitle>
+  <cs:categoryAxis>
+    <cs:lnRef idx="0"/>
+    <cs:fillRef idx="0"/>
+    <cs:effectRef idx="0"/>
+    <cs:fontRef idx="minor">
+      <a:schemeClr val="tx1">
+        <a:lumMod val="65000"/>
+        <a:lumOff val="35000"/>
+      </a:schemeClr>
+    </cs:fontRef>
+    <cs:spPr>
+      <a:ln w="9525" cap="flat" cmpd="sng" algn="ctr">
+        <a:solidFill>
+          <a:schemeClr val="tx1">
+            <a:lumMod val="15000"/>
+            <a:lumOff val="85000"/>
+          </a:schemeClr>
+        </a:solidFill>
+        <a:round/>
+      </a:ln>
+    </cs:spPr>
+    <cs:defRPr sz="900" kern="1200"/>
+  </cs:categoryAxis>
+  <cs:chartArea mods="allowNoFillOverride allowNoLineOverride">
+    <cs:lnRef idx="0"/>
+    <cs:fillRef idx="0"/>
+    <cs:effectRef idx="0"/>
+    <cs:fontRef idx="minor">
+      <a:schemeClr val="tx1"/>
+    </cs:fontRef>
+    <cs:spPr>
+      <a:solidFill>
+        <a:schemeClr val="bg1"/>
+      </a:solidFill>
+      <a:ln w="9525" cap="flat" cmpd="sng" algn="ctr">
+        <a:solidFill>
+          <a:schemeClr val="tx1">
+            <a:lumMod val="15000"/>
+            <a:lumOff val="85000"/>
+          </a:schemeClr>
+        </a:solidFill>
+        <a:round/>
+      </a:ln>
+    </cs:spPr>
+    <cs:defRPr sz="1000" kern="1200"/>
+  </cs:chartArea>
+  <cs:dataLabel>
+    <cs:lnRef idx="0"/>
+    <cs:fillRef idx="0"/>
+    <cs:effectRef idx="0"/>
+    <cs:fontRef idx="minor">
+      <a:schemeClr val="tx1">
+        <a:lumMod val="75000"/>
+        <a:lumOff val="25000"/>
+      </a:schemeClr>
+    </cs:fontRef>
+    <cs:defRPr sz="900" kern="1200"/>
+  </cs:dataLabel>
+  <cs:dataLabelCallout>
+    <cs:lnRef idx="0"/>
+    <cs:fillRef idx="0"/>
+    <cs:effectRef idx="0"/>
+    <cs:fontRef idx="minor">
+      <a:schemeClr val="dk1">
+        <a:lumMod val="65000"/>
+        <a:lumOff val="35000"/>
+      </a:schemeClr>
+    </cs:fontRef>
+    <cs:spPr>
+      <a:solidFill>
+        <a:schemeClr val="lt1"/>
+      </a:solidFill>
+      <a:ln>
+        <a:solidFill>
+          <a:schemeClr val="dk1">
+            <a:lumMod val="25000"/>
+            <a:lumOff val="75000"/>
+          </a:schemeClr>
+        </a:solidFill>
+      </a:ln>
+    </cs:spPr>
+    <cs:defRPr sz="900" kern="1200"/>
+    <cs:bodyPr rot="0" spcFirstLastPara="1" vertOverflow="clip" horzOverflow="clip" vert="horz" wrap="square" lIns="36576" tIns="18288" rIns="36576" bIns="18288" anchor="ctr" anchorCtr="1">
+      <a:spAutoFit/>
+    </cs:bodyPr>
+  </cs:dataLabelCallout>
+  <cs:dataPoint>
+    <cs:lnRef idx="0"/>
+    <cs:fillRef idx="1">
+      <cs:styleClr val="auto"/>
+    </cs:fillRef>
+    <cs:effectRef idx="0"/>
+    <cs:fontRef idx="minor">
+      <a:schemeClr val="tx1"/>
+    </cs:fontRef>
+  </cs:dataPoint>
+  <cs:dataPoint3D>
+    <cs:lnRef idx="0"/>
+    <cs:fillRef idx="1">
+      <cs:styleClr val="auto"/>
+    </cs:fillRef>
+    <cs:effectRef idx="0"/>
+    <cs:fontRef idx="minor">
+      <a:schemeClr val="tx1"/>
+    </cs:fontRef>
+  </cs:dataPoint3D>
+  <cs:dataPointLine>
+    <cs:lnRef idx="0">
+      <cs:styleClr val="auto"/>
+    </cs:lnRef>
+    <cs:fillRef idx="1"/>
+    <cs:effectRef idx="0"/>
+    <cs:fontRef idx="minor">
+      <a:schemeClr val="tx1"/>
+    </cs:fontRef>
+    <cs:spPr>
+      <a:ln w="28575" cap="rnd">
+        <a:solidFill>
+          <a:schemeClr val="phClr"/>
+        </a:solidFill>
+        <a:round/>
+      </a:ln>
+    </cs:spPr>
+  </cs:dataPointLine>
+  <cs:dataPointMarker>
+    <cs:lnRef idx="0">
+      <cs:styleClr val="auto"/>
+    </cs:lnRef>
+    <cs:fillRef idx="1">
+      <cs:styleClr val="auto"/>
+    </cs:fillRef>
+    <cs:effectRef idx="0"/>
+    <cs:fontRef idx="minor">
+      <a:schemeClr val="tx1"/>
+    </cs:fontRef>
+    <cs:spPr>
+      <a:ln w="9525">
+        <a:solidFill>
+          <a:schemeClr val="phClr"/>
+        </a:solidFill>
+      </a:ln>
+    </cs:spPr>
+  </cs:dataPointMarker>
+  <cs:dataPointMarkerLayout symbol="circle" size="5"/>
+  <cs:dataPointWireframe>
+    <cs:lnRef idx="0">
+      <cs:styleClr val="auto"/>
+    </cs:lnRef>
+    <cs:fillRef idx="1"/>
+    <cs:effectRef idx="0"/>
+    <cs:fontRef idx="minor">
+      <a:schemeClr val="tx1"/>
+    </cs:fontRef>
+    <cs:spPr>
+      <a:ln w="9525" cap="rnd">
+        <a:solidFill>
+          <a:schemeClr val="phClr"/>
+        </a:solidFill>
+        <a:round/>
+      </a:ln>
+    </cs:spPr>
+  </cs:dataPointWireframe>
+  <cs:dataTable>
+    <cs:lnRef idx="0"/>
+    <cs:fillRef idx="0"/>
+    <cs:effectRef idx="0"/>
+    <cs:fontRef idx="minor">
+      <a:schemeClr val="tx1">
+        <a:lumMod val="65000"/>
+        <a:lumOff val="35000"/>
+      </a:schemeClr>
+    </cs:fontRef>
+    <cs:spPr>
+      <a:noFill/>
+      <a:ln w="9525" cap="flat" cmpd="sng" algn="ctr">
+        <a:solidFill>
+          <a:schemeClr val="tx1">
+            <a:lumMod val="15000"/>
+            <a:lumOff val="85000"/>
+          </a:schemeClr>
+        </a:solidFill>
+        <a:round/>
+      </a:ln>
+    </cs:spPr>
+    <cs:defRPr sz="900" kern="1200"/>
+  </cs:dataTable>
+  <cs:downBar>
+    <cs:lnRef idx="0"/>
+    <cs:fillRef idx="0"/>
+    <cs:effectRef idx="0"/>
+    <cs:fontRef idx="minor">
+      <a:schemeClr val="dk1"/>
+    </cs:fontRef>
+    <cs:spPr>
+      <a:solidFill>
+        <a:schemeClr val="dk1">
+          <a:lumMod val="65000"/>
+          <a:lumOff val="35000"/>
+        </a:schemeClr>
+      </a:solidFill>
+      <a:ln w="9525">
+        <a:solidFill>
+          <a:schemeClr val="tx1">
+            <a:lumMod val="65000"/>
+            <a:lumOff val="35000"/>
+          </a:schemeClr>
+        </a:solidFill>
+      </a:ln>
+    </cs:spPr>
+  </cs:downBar>
+  <cs:dropLine>
+    <cs:lnRef idx="0"/>
+    <cs:fillRef idx="0"/>
+    <cs:effectRef idx="0"/>
+    <cs:fontRef idx="minor">
+      <a:schemeClr val="tx1"/>
+    </cs:fontRef>
+    <cs:spPr>
+      <a:ln w="9525" cap="flat" cmpd="sng" algn="ctr">
+        <a:solidFill>
+          <a:schemeClr val="tx1">
+            <a:lumMod val="35000"/>
+            <a:lumOff val="65000"/>
+          </a:schemeClr>
+        </a:solidFill>
+        <a:round/>
+      </a:ln>
+    </cs:spPr>
+  </cs:dropLine>
+  <cs:errorBar>
+    <cs:lnRef idx="0"/>
+    <cs:fillRef idx="0"/>
+    <cs:effectRef idx="0"/>
+    <cs:fontRef idx="minor">
+      <a:schemeClr val="tx1"/>
+    </cs:fontRef>
+    <cs:spPr>
+      <a:ln w="9525" cap="flat" cmpd="sng" algn="ctr">
+        <a:solidFill>
+          <a:schemeClr val="tx1">
+            <a:lumMod val="65000"/>
+            <a:lumOff val="35000"/>
+          </a:schemeClr>
+        </a:solidFill>
+        <a:round/>
+      </a:ln>
+    </cs:spPr>
+  </cs:errorBar>
+  <cs:floor>
+    <cs:lnRef idx="0"/>
+    <cs:fillRef idx="0"/>
+    <cs:effectRef idx="0"/>
+    <cs:fontRef idx="minor">
+      <a:schemeClr val="tx1"/>
+    </cs:fontRef>
+    <cs:spPr>
+      <a:noFill/>
+      <a:ln>
+        <a:noFill/>
+      </a:ln>
+    </cs:spPr>
+  </cs:floor>
+  <cs:gridlineMajor>
+    <cs:lnRef idx="0"/>
+    <cs:fillRef idx="0"/>
+    <cs:effectRef idx="0"/>
+    <cs:fontRef idx="minor">
+      <a:schemeClr val="tx1"/>
+    </cs:fontRef>
+    <cs:spPr>
+      <a:ln w="9525" cap="flat" cmpd="sng" algn="ctr">
+        <a:solidFill>
+          <a:schemeClr val="tx1">
+            <a:lumMod val="15000"/>
+            <a:lumOff val="85000"/>
+          </a:schemeClr>
+        </a:solidFill>
+        <a:round/>
+      </a:ln>
+    </cs:spPr>
+  </cs:gridlineMajor>
+  <cs:gridlineMinor>
+    <cs:lnRef idx="0"/>
+    <cs:fillRef idx="0"/>
+    <cs:effectRef idx="0"/>
+    <cs:fontRef idx="minor">
+      <a:schemeClr val="tx1"/>
+    </cs:fontRef>
+    <cs:spPr>
+      <a:ln w="9525" cap="flat" cmpd="sng" algn="ctr">
+        <a:solidFill>
+          <a:schemeClr val="tx1">
+            <a:lumMod val="5000"/>
+            <a:lumOff val="95000"/>
+          </a:schemeClr>
+        </a:solidFill>
+        <a:round/>
+      </a:ln>
+    </cs:spPr>
+  </cs:gridlineMinor>
+  <cs:hiLoLine>
+    <cs:lnRef idx="0"/>
+    <cs:fillRef idx="0"/>
+    <cs:effectRef idx="0"/>
+    <cs:fontRef idx="minor">
+      <a:schemeClr val="tx1"/>
+    </cs:fontRef>
+    <cs:spPr>
+      <a:ln w="9525" cap="flat" cmpd="sng" algn="ctr">
+        <a:solidFill>
+          <a:schemeClr val="tx1">
+            <a:lumMod val="75000"/>
+            <a:lumOff val="25000"/>
+          </a:schemeClr>
+        </a:solidFill>
+        <a:round/>
+      </a:ln>
+    </cs:spPr>
+  </cs:hiLoLine>
+  <cs:leaderLine>
+    <cs:lnRef idx="0"/>
+    <cs:fillRef idx="0"/>
+    <cs:effectRef idx="0"/>
+    <cs:fontRef idx="minor">
+      <a:schemeClr val="tx1"/>
+    </cs:fontRef>
+    <cs:spPr>
+      <a:ln w="9525" cap="flat" cmpd="sng" algn="ctr">
+        <a:solidFill>
+          <a:schemeClr val="tx1">
+            <a:lumMod val="35000"/>
+            <a:lumOff val="65000"/>
+          </a:schemeClr>
+        </a:solidFill>
+        <a:round/>
+      </a:ln>
+    </cs:spPr>
+  </cs:leaderLine>
+  <cs:legend>
+    <cs:lnRef idx="0"/>
+    <cs:fillRef idx="0"/>
+    <cs:effectRef idx="0"/>
+    <cs:fontRef idx="minor">
+      <a:schemeClr val="tx1">
+        <a:lumMod val="65000"/>
+        <a:lumOff val="35000"/>
+      </a:schemeClr>
+    </cs:fontRef>
+    <cs:defRPr sz="900" kern="1200"/>
+  </cs:legend>
+  <cs:plotArea mods="allowNoFillOverride allowNoLineOverride">
+    <cs:lnRef idx="0"/>
+    <cs:fillRef idx="0"/>
+    <cs:effectRef idx="0"/>
+    <cs:fontRef idx="minor">
+      <a:schemeClr val="tx1"/>
+    </cs:fontRef>
+  </cs:plotArea>
+  <cs:plotArea3D mods="allowNoFillOverride allowNoLineOverride">
+    <cs:lnRef idx="0"/>
+    <cs:fillRef idx="0"/>
+    <cs:effectRef idx="0"/>
+    <cs:fontRef idx="minor">
+      <a:schemeClr val="tx1"/>
+    </cs:fontRef>
+  </cs:plotArea3D>
+  <cs:seriesAxis>
+    <cs:lnRef idx="0"/>
+    <cs:fillRef idx="0"/>
+    <cs:effectRef idx="0"/>
+    <cs:fontRef idx="minor">
+      <a:schemeClr val="tx1">
+        <a:lumMod val="65000"/>
+        <a:lumOff val="35000"/>
+      </a:schemeClr>
+    </cs:fontRef>
+    <cs:defRPr sz="900" kern="1200"/>
+  </cs:seriesAxis>
+  <cs:seriesLine>
+    <cs:lnRef idx="0"/>
+    <cs:fillRef idx="0"/>
+    <cs:effectRef idx="0"/>
+    <cs:fontRef idx="minor">
+      <a:schemeClr val="tx1"/>
+    </cs:fontRef>
+    <cs:spPr>
+      <a:ln w="9525" cap="flat" cmpd="sng" algn="ctr">
+        <a:solidFill>
+          <a:schemeClr val="tx1">
+            <a:lumMod val="35000"/>
+            <a:lumOff val="65000"/>
+          </a:schemeClr>
+        </a:solidFill>
+        <a:round/>
+      </a:ln>
+    </cs:spPr>
+  </cs:seriesLine>
+  <cs:title>
+    <cs:lnRef idx="0"/>
+    <cs:fillRef idx="0"/>
+    <cs:effectRef idx="0"/>
+    <cs:fontRef idx="minor">
+      <a:schemeClr val="tx1">
+        <a:lumMod val="65000"/>
+        <a:lumOff val="35000"/>
+      </a:schemeClr>
+    </cs:fontRef>
+    <cs:defRPr sz="1400" b="0" kern="1200" spc="0" baseline="0"/>
+  </cs:title>
+  <cs:trendline>
+    <cs:lnRef idx="0">
+      <cs:styleClr val="auto"/>
+    </cs:lnRef>
+    <cs:fillRef idx="0"/>
+    <cs:effectRef idx="0"/>
+    <cs:fontRef idx="minor">
+      <a:schemeClr val="tx1"/>
+    </cs:fontRef>
+    <cs:spPr>
+      <a:ln w="19050" cap="rnd">
+        <a:solidFill>
+          <a:schemeClr val="phClr"/>
+        </a:solidFill>
+        <a:prstDash val="sysDot"/>
+      </a:ln>
+    </cs:spPr>
+  </cs:trendline>
+  <cs:trendlineLabel>
+    <cs:lnRef idx="0"/>
+    <cs:fillRef idx="0"/>
+    <cs:effectRef idx="0"/>
+    <cs:fontRef idx="minor">
+      <a:schemeClr val="tx1">
+        <a:lumMod val="65000"/>
+        <a:lumOff val="35000"/>
+      </a:schemeClr>
+    </cs:fontRef>
+    <cs:defRPr sz="900" kern="1200"/>
+  </cs:trendlineLabel>
+  <cs:upBar>
+    <cs:lnRef idx="0"/>
+    <cs:fillRef idx="0"/>
+    <cs:effectRef idx="0"/>
+    <cs:fontRef idx="minor">
+      <a:schemeClr val="dk1"/>
+    </cs:fontRef>
+    <cs:spPr>
+      <a:solidFill>
+        <a:schemeClr val="lt1"/>
+      </a:solidFill>
+      <a:ln w="9525">
+        <a:solidFill>
+          <a:schemeClr val="tx1">
+            <a:lumMod val="15000"/>
+            <a:lumOff val="85000"/>
+          </a:schemeClr>
+        </a:solidFill>
+      </a:ln>
+    </cs:spPr>
+  </cs:upBar>
+  <cs:valueAxis>
+    <cs:lnRef idx="0"/>
+    <cs:fillRef idx="0"/>
+    <cs:effectRef idx="0"/>
+    <cs:fontRef idx="minor">
+      <a:schemeClr val="tx1">
+        <a:lumMod val="65000"/>
+        <a:lumOff val="35000"/>
+      </a:schemeClr>
+    </cs:fontRef>
+    <cs:defRPr sz="900" kern="1200"/>
+  </cs:valueAxis>
+  <cs:wall>
+    <cs:lnRef idx="0"/>
+    <cs:fillRef idx="0"/>
+    <cs:effectRef idx="0"/>
+    <cs:fontRef idx="minor">
+      <a:schemeClr val="tx1"/>
+    </cs:fontRef>
+    <cs:spPr>
+      <a:noFill/>
+      <a:ln>
+        <a:noFill/>
+      </a:ln>
+    </cs:spPr>
+  </cs:wall>
+</cs:chartStyle>
+</file>
+
 <file path=ppt/charts/style2.xml><?xml version="1.0" encoding="utf-8"?>
+<cs:chartStyle xmlns:cs="http://schemas.microsoft.com/office/drawing/2012/chartStyle" xmlns:a="http://schemas.openxmlformats.org/drawingml/2006/main" id="201">
+  <cs:axisTitle>
+    <cs:lnRef idx="0"/>
+    <cs:fillRef idx="0"/>
+    <cs:effectRef idx="0"/>
+    <cs:fontRef idx="minor">
+      <a:schemeClr val="tx1">
+        <a:lumMod val="65000"/>
+        <a:lumOff val="35000"/>
+      </a:schemeClr>
+    </cs:fontRef>
+    <cs:defRPr sz="1000" kern="1200"/>
+  </cs:axisTitle>
+  <cs:categoryAxis>
+    <cs:lnRef idx="0"/>
+    <cs:fillRef idx="0"/>
+    <cs:effectRef idx="0"/>
+    <cs:fontRef idx="minor">
+      <a:schemeClr val="tx1">
+        <a:lumMod val="65000"/>
+        <a:lumOff val="35000"/>
+      </a:schemeClr>
+    </cs:fontRef>
+    <cs:spPr>
+      <a:ln w="9525" cap="flat" cmpd="sng" algn="ctr">
+        <a:solidFill>
+          <a:schemeClr val="tx1">
+            <a:lumMod val="15000"/>
+            <a:lumOff val="85000"/>
+          </a:schemeClr>
+        </a:solidFill>
+        <a:round/>
+      </a:ln>
+    </cs:spPr>
+    <cs:defRPr sz="900" kern="1200"/>
+  </cs:categoryAxis>
+  <cs:chartArea mods="allowNoFillOverride allowNoLineOverride">
+    <cs:lnRef idx="0"/>
+    <cs:fillRef idx="0"/>
+    <cs:effectRef idx="0"/>
+    <cs:fontRef idx="minor">
+      <a:schemeClr val="tx1"/>
+    </cs:fontRef>
+    <cs:spPr>
+      <a:solidFill>
+        <a:schemeClr val="bg1"/>
+      </a:solidFill>
+      <a:ln w="9525" cap="flat" cmpd="sng" algn="ctr">
+        <a:solidFill>
+          <a:schemeClr val="tx1">
+            <a:lumMod val="15000"/>
+            <a:lumOff val="85000"/>
+          </a:schemeClr>
+        </a:solidFill>
+        <a:round/>
+      </a:ln>
+    </cs:spPr>
+    <cs:defRPr sz="1000" kern="1200"/>
+  </cs:chartArea>
+  <cs:dataLabel>
+    <cs:lnRef idx="0"/>
+    <cs:fillRef idx="0"/>
+    <cs:effectRef idx="0"/>
+    <cs:fontRef idx="minor">
+      <a:schemeClr val="tx1">
+        <a:lumMod val="75000"/>
+        <a:lumOff val="25000"/>
+      </a:schemeClr>
+    </cs:fontRef>
+    <cs:defRPr sz="900" kern="1200"/>
+  </cs:dataLabel>
+  <cs:dataLabelCallout>
+    <cs:lnRef idx="0"/>
+    <cs:fillRef idx="0"/>
+    <cs:effectRef idx="0"/>
+    <cs:fontRef idx="minor">
+      <a:schemeClr val="dk1">
+        <a:lumMod val="65000"/>
+        <a:lumOff val="35000"/>
+      </a:schemeClr>
+    </cs:fontRef>
+    <cs:spPr>
+      <a:solidFill>
+        <a:schemeClr val="lt1"/>
+      </a:solidFill>
+      <a:ln>
+        <a:solidFill>
+          <a:schemeClr val="dk1">
+            <a:lumMod val="25000"/>
+            <a:lumOff val="75000"/>
+          </a:schemeClr>
+        </a:solidFill>
+      </a:ln>
+    </cs:spPr>
+    <cs:defRPr sz="900" kern="1200"/>
+    <cs:bodyPr rot="0" spcFirstLastPara="1" vertOverflow="clip" horzOverflow="clip" vert="horz" wrap="square" lIns="36576" tIns="18288" rIns="36576" bIns="18288" anchor="ctr" anchorCtr="1">
+      <a:spAutoFit/>
+    </cs:bodyPr>
+  </cs:dataLabelCallout>
+  <cs:dataPoint>
+    <cs:lnRef idx="0"/>
+    <cs:fillRef idx="1">
+      <cs:styleClr val="auto"/>
+    </cs:fillRef>
+    <cs:effectRef idx="0"/>
+    <cs:fontRef idx="minor">
+      <a:schemeClr val="tx1"/>
+    </cs:fontRef>
+  </cs:dataPoint>
+  <cs:dataPoint3D>
+    <cs:lnRef idx="0"/>
+    <cs:fillRef idx="1">
+      <cs:styleClr val="auto"/>
+    </cs:fillRef>
+    <cs:effectRef idx="0"/>
+    <cs:fontRef idx="minor">
+      <a:schemeClr val="tx1"/>
+    </cs:fontRef>
+  </cs:dataPoint3D>
+  <cs:dataPointLine>
+    <cs:lnRef idx="0">
+      <cs:styleClr val="auto"/>
+    </cs:lnRef>
+    <cs:fillRef idx="1"/>
+    <cs:effectRef idx="0"/>
+    <cs:fontRef idx="minor">
+      <a:schemeClr val="tx1"/>
+    </cs:fontRef>
+    <cs:spPr>
+      <a:ln w="28575" cap="rnd">
+        <a:solidFill>
+          <a:schemeClr val="phClr"/>
+        </a:solidFill>
+        <a:round/>
+      </a:ln>
+    </cs:spPr>
+  </cs:dataPointLine>
+  <cs:dataPointMarker>
+    <cs:lnRef idx="0">
+      <cs:styleClr val="auto"/>
+    </cs:lnRef>
+    <cs:fillRef idx="1">
+      <cs:styleClr val="auto"/>
+    </cs:fillRef>
+    <cs:effectRef idx="0"/>
+    <cs:fontRef idx="minor">
+      <a:schemeClr val="tx1"/>
+    </cs:fontRef>
+    <cs:spPr>
+      <a:ln w="9525">
+        <a:solidFill>
+          <a:schemeClr val="phClr"/>
+        </a:solidFill>
+      </a:ln>
+    </cs:spPr>
+  </cs:dataPointMarker>
+  <cs:dataPointMarkerLayout symbol="circle" size="5"/>
+  <cs:dataPointWireframe>
+    <cs:lnRef idx="0">
+      <cs:styleClr val="auto"/>
+    </cs:lnRef>
+    <cs:fillRef idx="1"/>
+    <cs:effectRef idx="0"/>
+    <cs:fontRef idx="minor">
+      <a:schemeClr val="tx1"/>
+    </cs:fontRef>
+    <cs:spPr>
+      <a:ln w="9525" cap="rnd">
+        <a:solidFill>
+          <a:schemeClr val="phClr"/>
+        </a:solidFill>
+        <a:round/>
+      </a:ln>
+    </cs:spPr>
+  </cs:dataPointWireframe>
+  <cs:dataTable>
+    <cs:lnRef idx="0"/>
+    <cs:fillRef idx="0"/>
+    <cs:effectRef idx="0"/>
+    <cs:fontRef idx="minor">
+      <a:schemeClr val="tx1">
+        <a:lumMod val="65000"/>
+        <a:lumOff val="35000"/>
+      </a:schemeClr>
+    </cs:fontRef>
+    <cs:spPr>
+      <a:noFill/>
+      <a:ln w="9525" cap="flat" cmpd="sng" algn="ctr">
+        <a:solidFill>
+          <a:schemeClr val="tx1">
+            <a:lumMod val="15000"/>
+            <a:lumOff val="85000"/>
+          </a:schemeClr>
+        </a:solidFill>
+        <a:round/>
+      </a:ln>
+    </cs:spPr>
+    <cs:defRPr sz="900" kern="1200"/>
+  </cs:dataTable>
+  <cs:downBar>
+    <cs:lnRef idx="0"/>
+    <cs:fillRef idx="0"/>
+    <cs:effectRef idx="0"/>
+    <cs:fontRef idx="minor">
+      <a:schemeClr val="dk1"/>
+    </cs:fontRef>
+    <cs:spPr>
+      <a:solidFill>
+        <a:schemeClr val="dk1">
+          <a:lumMod val="65000"/>
+          <a:lumOff val="35000"/>
+        </a:schemeClr>
+      </a:solidFill>
+      <a:ln w="9525">
+        <a:solidFill>
+          <a:schemeClr val="tx1">
+            <a:lumMod val="65000"/>
+            <a:lumOff val="35000"/>
+          </a:schemeClr>
+        </a:solidFill>
+      </a:ln>
+    </cs:spPr>
+  </cs:downBar>
+  <cs:dropLine>
+    <cs:lnRef idx="0"/>
+    <cs:fillRef idx="0"/>
+    <cs:effectRef idx="0"/>
+    <cs:fontRef idx="minor">
+      <a:schemeClr val="tx1"/>
+    </cs:fontRef>
+    <cs:spPr>
+      <a:ln w="9525" cap="flat" cmpd="sng" algn="ctr">
+        <a:solidFill>
+          <a:schemeClr val="tx1">
+            <a:lumMod val="35000"/>
+            <a:lumOff val="65000"/>
+          </a:schemeClr>
+        </a:solidFill>
+        <a:round/>
+      </a:ln>
+    </cs:spPr>
+  </cs:dropLine>
+  <cs:errorBar>
+    <cs:lnRef idx="0"/>
+    <cs:fillRef idx="0"/>
+    <cs:effectRef idx="0"/>
+    <cs:fontRef idx="minor">
+      <a:schemeClr val="tx1"/>
+    </cs:fontRef>
+    <cs:spPr>
+      <a:ln w="9525" cap="flat" cmpd="sng" algn="ctr">
+        <a:solidFill>
+          <a:schemeClr val="tx1">
+            <a:lumMod val="65000"/>
+            <a:lumOff val="35000"/>
+          </a:schemeClr>
+        </a:solidFill>
+        <a:round/>
+      </a:ln>
+    </cs:spPr>
+  </cs:errorBar>
+  <cs:floor>
+    <cs:lnRef idx="0"/>
+    <cs:fillRef idx="0"/>
+    <cs:effectRef idx="0"/>
+    <cs:fontRef idx="minor">
+      <a:schemeClr val="tx1"/>
+    </cs:fontRef>
+    <cs:spPr>
+      <a:noFill/>
+      <a:ln>
+        <a:noFill/>
+      </a:ln>
+    </cs:spPr>
+  </cs:floor>
+  <cs:gridlineMajor>
+    <cs:lnRef idx="0"/>
+    <cs:fillRef idx="0"/>
+    <cs:effectRef idx="0"/>
+    <cs:fontRef idx="minor">
+      <a:schemeClr val="tx1"/>
+    </cs:fontRef>
+    <cs:spPr>
+      <a:ln w="9525" cap="flat" cmpd="sng" algn="ctr">
+        <a:solidFill>
+          <a:schemeClr val="tx1">
+            <a:lumMod val="15000"/>
+            <a:lumOff val="85000"/>
+          </a:schemeClr>
+        </a:solidFill>
+        <a:round/>
+      </a:ln>
+    </cs:spPr>
+  </cs:gridlineMajor>
+  <cs:gridlineMinor>
+    <cs:lnRef idx="0"/>
+    <cs:fillRef idx="0"/>
+    <cs:effectRef idx="0"/>
+    <cs:fontRef idx="minor">
+      <a:schemeClr val="tx1"/>
+    </cs:fontRef>
+    <cs:spPr>
+      <a:ln w="9525" cap="flat" cmpd="sng" algn="ctr">
+        <a:solidFill>
+          <a:schemeClr val="tx1">
+            <a:lumMod val="5000"/>
+            <a:lumOff val="95000"/>
+          </a:schemeClr>
+        </a:solidFill>
+        <a:round/>
+      </a:ln>
+    </cs:spPr>
+  </cs:gridlineMinor>
+  <cs:hiLoLine>
+    <cs:lnRef idx="0"/>
+    <cs:fillRef idx="0"/>
+    <cs:effectRef idx="0"/>
+    <cs:fontRef idx="minor">
+      <a:schemeClr val="tx1"/>
+    </cs:fontRef>
+    <cs:spPr>
+      <a:ln w="9525" cap="flat" cmpd="sng" algn="ctr">
+        <a:solidFill>
+          <a:schemeClr val="tx1">
+            <a:lumMod val="75000"/>
+            <a:lumOff val="25000"/>
+          </a:schemeClr>
+        </a:solidFill>
+        <a:round/>
+      </a:ln>
+    </cs:spPr>
+  </cs:hiLoLine>
+  <cs:leaderLine>
+    <cs:lnRef idx="0"/>
+    <cs:fillRef idx="0"/>
+    <cs:effectRef idx="0"/>
+    <cs:fontRef idx="minor">
+      <a:schemeClr val="tx1"/>
+    </cs:fontRef>
+    <cs:spPr>
+      <a:ln w="9525" cap="flat" cmpd="sng" algn="ctr">
+        <a:solidFill>
+          <a:schemeClr val="tx1">
+            <a:lumMod val="35000"/>
+            <a:lumOff val="65000"/>
+          </a:schemeClr>
+        </a:solidFill>
+        <a:round/>
+      </a:ln>
+    </cs:spPr>
+  </cs:leaderLine>
+  <cs:legend>
+    <cs:lnRef idx="0"/>
+    <cs:fillRef idx="0"/>
+    <cs:effectRef idx="0"/>
+    <cs:fontRef idx="minor">
+      <a:schemeClr val="tx1">
+        <a:lumMod val="65000"/>
+        <a:lumOff val="35000"/>
+      </a:schemeClr>
+    </cs:fontRef>
+    <cs:defRPr sz="900" kern="1200"/>
+  </cs:legend>
+  <cs:plotArea mods="allowNoFillOverride allowNoLineOverride">
+    <cs:lnRef idx="0"/>
+    <cs:fillRef idx="0"/>
+    <cs:effectRef idx="0"/>
+    <cs:fontRef idx="minor">
+      <a:schemeClr val="tx1"/>
+    </cs:fontRef>
+  </cs:plotArea>
+  <cs:plotArea3D mods="allowNoFillOverride allowNoLineOverride">
+    <cs:lnRef idx="0"/>
+    <cs:fillRef idx="0"/>
+    <cs:effectRef idx="0"/>
+    <cs:fontRef idx="minor">
+      <a:schemeClr val="tx1"/>
+    </cs:fontRef>
+  </cs:plotArea3D>
+  <cs:seriesAxis>
+    <cs:lnRef idx="0"/>
+    <cs:fillRef idx="0"/>
+    <cs:effectRef idx="0"/>
+    <cs:fontRef idx="minor">
+      <a:schemeClr val="tx1">
+        <a:lumMod val="65000"/>
+        <a:lumOff val="35000"/>
+      </a:schemeClr>
+    </cs:fontRef>
+    <cs:defRPr sz="900" kern="1200"/>
+  </cs:seriesAxis>
+  <cs:seriesLine>
+    <cs:lnRef idx="0"/>
+    <cs:fillRef idx="0"/>
+    <cs:effectRef idx="0"/>
+    <cs:fontRef idx="minor">
+      <a:schemeClr val="tx1"/>
+    </cs:fontRef>
+    <cs:spPr>
+      <a:ln w="9525" cap="flat" cmpd="sng" algn="ctr">
+        <a:solidFill>
+          <a:schemeClr val="tx1">
+            <a:lumMod val="35000"/>
+            <a:lumOff val="65000"/>
+          </a:schemeClr>
+        </a:solidFill>
+        <a:round/>
+      </a:ln>
+    </cs:spPr>
+  </cs:seriesLine>
+  <cs:title>
+    <cs:lnRef idx="0"/>
+    <cs:fillRef idx="0"/>
+    <cs:effectRef idx="0"/>
+    <cs:fontRef idx="minor">
+      <a:schemeClr val="tx1">
+        <a:lumMod val="65000"/>
+        <a:lumOff val="35000"/>
+      </a:schemeClr>
+    </cs:fontRef>
+    <cs:defRPr sz="1400" b="0" kern="1200" spc="0" baseline="0"/>
+  </cs:title>
+  <cs:trendline>
+    <cs:lnRef idx="0">
+      <cs:styleClr val="auto"/>
+    </cs:lnRef>
+    <cs:fillRef idx="0"/>
+    <cs:effectRef idx="0"/>
+    <cs:fontRef idx="minor">
+      <a:schemeClr val="tx1"/>
+    </cs:fontRef>
+    <cs:spPr>
+      <a:ln w="19050" cap="rnd">
+        <a:solidFill>
+          <a:schemeClr val="phClr"/>
+        </a:solidFill>
+        <a:prstDash val="sysDot"/>
+      </a:ln>
+    </cs:spPr>
+  </cs:trendline>
+  <cs:trendlineLabel>
+    <cs:lnRef idx="0"/>
+    <cs:fillRef idx="0"/>
+    <cs:effectRef idx="0"/>
+    <cs:fontRef idx="minor">
+      <a:schemeClr val="tx1">
+        <a:lumMod val="65000"/>
+        <a:lumOff val="35000"/>
+      </a:schemeClr>
+    </cs:fontRef>
+    <cs:defRPr sz="900" kern="1200"/>
+  </cs:trendlineLabel>
+  <cs:upBar>
+    <cs:lnRef idx="0"/>
+    <cs:fillRef idx="0"/>
+    <cs:effectRef idx="0"/>
+    <cs:fontRef idx="minor">
+      <a:schemeClr val="dk1"/>
+    </cs:fontRef>
+    <cs:spPr>
+      <a:solidFill>
+        <a:schemeClr val="lt1"/>
+      </a:solidFill>
+      <a:ln w="9525">
+        <a:solidFill>
+          <a:schemeClr val="tx1">
+            <a:lumMod val="15000"/>
+            <a:lumOff val="85000"/>
+          </a:schemeClr>
+        </a:solidFill>
+      </a:ln>
+    </cs:spPr>
+  </cs:upBar>
+  <cs:valueAxis>
+    <cs:lnRef idx="0"/>
+    <cs:fillRef idx="0"/>
+    <cs:effectRef idx="0"/>
+    <cs:fontRef idx="minor">
+      <a:schemeClr val="tx1">
+        <a:lumMod val="65000"/>
+        <a:lumOff val="35000"/>
+      </a:schemeClr>
+    </cs:fontRef>
+    <cs:defRPr sz="900" kern="1200"/>
+  </cs:valueAxis>
+  <cs:wall>
+    <cs:lnRef idx="0"/>
+    <cs:fillRef idx="0"/>
+    <cs:effectRef idx="0"/>
+    <cs:fontRef idx="minor">
+      <a:schemeClr val="tx1"/>
+    </cs:fontRef>
+    <cs:spPr>
+      <a:noFill/>
+      <a:ln>
+        <a:noFill/>
+      </a:ln>
+    </cs:spPr>
+  </cs:wall>
+</cs:chartStyle>
+</file>
+
+<file path=ppt/charts/style20.xml><?xml version="1.0" encoding="utf-8"?>
+<cs:chartStyle xmlns:cs="http://schemas.microsoft.com/office/drawing/2012/chartStyle" xmlns:a="http://schemas.openxmlformats.org/drawingml/2006/main" id="201">
+  <cs:axisTitle>
+    <cs:lnRef idx="0"/>
+    <cs:fillRef idx="0"/>
+    <cs:effectRef idx="0"/>
+    <cs:fontRef idx="minor">
+      <a:schemeClr val="tx1">
+        <a:lumMod val="65000"/>
+        <a:lumOff val="35000"/>
+      </a:schemeClr>
+    </cs:fontRef>
+    <cs:defRPr sz="1000" kern="1200"/>
+  </cs:axisTitle>
+  <cs:categoryAxis>
+    <cs:lnRef idx="0"/>
+    <cs:fillRef idx="0"/>
+    <cs:effectRef idx="0"/>
+    <cs:fontRef idx="minor">
+      <a:schemeClr val="tx1">
+        <a:lumMod val="65000"/>
+        <a:lumOff val="35000"/>
+      </a:schemeClr>
+    </cs:fontRef>
+    <cs:spPr>
+      <a:ln w="9525" cap="flat" cmpd="sng" algn="ctr">
+        <a:solidFill>
+          <a:schemeClr val="tx1">
+            <a:lumMod val="15000"/>
+            <a:lumOff val="85000"/>
+          </a:schemeClr>
+        </a:solidFill>
+        <a:round/>
+      </a:ln>
+    </cs:spPr>
+    <cs:defRPr sz="900" kern="1200"/>
+  </cs:categoryAxis>
+  <cs:chartArea mods="allowNoFillOverride allowNoLineOverride">
+    <cs:lnRef idx="0"/>
+    <cs:fillRef idx="0"/>
+    <cs:effectRef idx="0"/>
+    <cs:fontRef idx="minor">
+      <a:schemeClr val="tx1"/>
+    </cs:fontRef>
+    <cs:spPr>
+      <a:solidFill>
+        <a:schemeClr val="bg1"/>
+      </a:solidFill>
+      <a:ln w="9525" cap="flat" cmpd="sng" algn="ctr">
+        <a:solidFill>
+          <a:schemeClr val="tx1">
+            <a:lumMod val="15000"/>
+            <a:lumOff val="85000"/>
+          </a:schemeClr>
+        </a:solidFill>
+        <a:round/>
+      </a:ln>
+    </cs:spPr>
+    <cs:defRPr sz="1000" kern="1200"/>
+  </cs:chartArea>
+  <cs:dataLabel>
+    <cs:lnRef idx="0"/>
+    <cs:fillRef idx="0"/>
+    <cs:effectRef idx="0"/>
+    <cs:fontRef idx="minor">
+      <a:schemeClr val="tx1">
+        <a:lumMod val="75000"/>
+        <a:lumOff val="25000"/>
+      </a:schemeClr>
+    </cs:fontRef>
+    <cs:defRPr sz="900" kern="1200"/>
+  </cs:dataLabel>
+  <cs:dataLabelCallout>
+    <cs:lnRef idx="0"/>
+    <cs:fillRef idx="0"/>
+    <cs:effectRef idx="0"/>
+    <cs:fontRef idx="minor">
+      <a:schemeClr val="dk1">
+        <a:lumMod val="65000"/>
+        <a:lumOff val="35000"/>
+      </a:schemeClr>
+    </cs:fontRef>
+    <cs:spPr>
+      <a:solidFill>
+        <a:schemeClr val="lt1"/>
+      </a:solidFill>
+      <a:ln>
+        <a:solidFill>
+          <a:schemeClr val="dk1">
+            <a:lumMod val="25000"/>
+            <a:lumOff val="75000"/>
+          </a:schemeClr>
+        </a:solidFill>
+      </a:ln>
+    </cs:spPr>
+    <cs:defRPr sz="900" kern="1200"/>
+    <cs:bodyPr rot="0" spcFirstLastPara="1" vertOverflow="clip" horzOverflow="clip" vert="horz" wrap="square" lIns="36576" tIns="18288" rIns="36576" bIns="18288" anchor="ctr" anchorCtr="1">
+      <a:spAutoFit/>
+    </cs:bodyPr>
+  </cs:dataLabelCallout>
+  <cs:dataPoint>
+    <cs:lnRef idx="0"/>
+    <cs:fillRef idx="1">
+      <cs:styleClr val="auto"/>
+    </cs:fillRef>
+    <cs:effectRef idx="0"/>
+    <cs:fontRef idx="minor">
+      <a:schemeClr val="tx1"/>
+    </cs:fontRef>
+  </cs:dataPoint>
+  <cs:dataPoint3D>
+    <cs:lnRef idx="0"/>
+    <cs:fillRef idx="1">
+      <cs:styleClr val="auto"/>
+    </cs:fillRef>
+    <cs:effectRef idx="0"/>
+    <cs:fontRef idx="minor">
+      <a:schemeClr val="tx1"/>
+    </cs:fontRef>
+  </cs:dataPoint3D>
+  <cs:dataPointLine>
+    <cs:lnRef idx="0">
+      <cs:styleClr val="auto"/>
+    </cs:lnRef>
+    <cs:fillRef idx="1"/>
+    <cs:effectRef idx="0"/>
+    <cs:fontRef idx="minor">
+      <a:schemeClr val="tx1"/>
+    </cs:fontRef>
+    <cs:spPr>
+      <a:ln w="28575" cap="rnd">
+        <a:solidFill>
+          <a:schemeClr val="phClr"/>
+        </a:solidFill>
+        <a:round/>
+      </a:ln>
+    </cs:spPr>
+  </cs:dataPointLine>
+  <cs:dataPointMarker>
+    <cs:lnRef idx="0">
+      <cs:styleClr val="auto"/>
+    </cs:lnRef>
+    <cs:fillRef idx="1">
+      <cs:styleClr val="auto"/>
+    </cs:fillRef>
+    <cs:effectRef idx="0"/>
+    <cs:fontRef idx="minor">
+      <a:schemeClr val="tx1"/>
+    </cs:fontRef>
+    <cs:spPr>
+      <a:ln w="9525">
+        <a:solidFill>
+          <a:schemeClr val="phClr"/>
+        </a:solidFill>
+      </a:ln>
+    </cs:spPr>
+  </cs:dataPointMarker>
+  <cs:dataPointMarkerLayout symbol="circle" size="5"/>
+  <cs:dataPointWireframe>
+    <cs:lnRef idx="0">
+      <cs:styleClr val="auto"/>
+    </cs:lnRef>
+    <cs:fillRef idx="1"/>
+    <cs:effectRef idx="0"/>
+    <cs:fontRef idx="minor">
+      <a:schemeClr val="tx1"/>
+    </cs:fontRef>
+    <cs:spPr>
+      <a:ln w="9525" cap="rnd">
+        <a:solidFill>
+          <a:schemeClr val="phClr"/>
+        </a:solidFill>
+        <a:round/>
+      </a:ln>
+    </cs:spPr>
+  </cs:dataPointWireframe>
+  <cs:dataTable>
+    <cs:lnRef idx="0"/>
+    <cs:fillRef idx="0"/>
+    <cs:effectRef idx="0"/>
+    <cs:fontRef idx="minor">
+      <a:schemeClr val="tx1">
+        <a:lumMod val="65000"/>
+        <a:lumOff val="35000"/>
+      </a:schemeClr>
+    </cs:fontRef>
+    <cs:spPr>
+      <a:noFill/>
+      <a:ln w="9525" cap="flat" cmpd="sng" algn="ctr">
+        <a:solidFill>
+          <a:schemeClr val="tx1">
+            <a:lumMod val="15000"/>
+            <a:lumOff val="85000"/>
+          </a:schemeClr>
+        </a:solidFill>
+        <a:round/>
+      </a:ln>
+    </cs:spPr>
+    <cs:defRPr sz="900" kern="1200"/>
+  </cs:dataTable>
+  <cs:downBar>
+    <cs:lnRef idx="0"/>
+    <cs:fillRef idx="0"/>
+    <cs:effectRef idx="0"/>
+    <cs:fontRef idx="minor">
+      <a:schemeClr val="dk1"/>
+    </cs:fontRef>
+    <cs:spPr>
+      <a:solidFill>
+        <a:schemeClr val="dk1">
+          <a:lumMod val="65000"/>
+          <a:lumOff val="35000"/>
+        </a:schemeClr>
+      </a:solidFill>
+      <a:ln w="9525">
+        <a:solidFill>
+          <a:schemeClr val="tx1">
+            <a:lumMod val="65000"/>
+            <a:lumOff val="35000"/>
+          </a:schemeClr>
+        </a:solidFill>
+      </a:ln>
+    </cs:spPr>
+  </cs:downBar>
+  <cs:dropLine>
+    <cs:lnRef idx="0"/>
+    <cs:fillRef idx="0"/>
+    <cs:effectRef idx="0"/>
+    <cs:fontRef idx="minor">
+      <a:schemeClr val="tx1"/>
+    </cs:fontRef>
+    <cs:spPr>
+      <a:ln w="9525" cap="flat" cmpd="sng" algn="ctr">
+        <a:solidFill>
+          <a:schemeClr val="tx1">
+            <a:lumMod val="35000"/>
+            <a:lumOff val="65000"/>
+          </a:schemeClr>
+        </a:solidFill>
+        <a:round/>
+      </a:ln>
+    </cs:spPr>
+  </cs:dropLine>
+  <cs:errorBar>
+    <cs:lnRef idx="0"/>
+    <cs:fillRef idx="0"/>
+    <cs:effectRef idx="0"/>
+    <cs:fontRef idx="minor">
+      <a:schemeClr val="tx1"/>
+    </cs:fontRef>
+    <cs:spPr>
+      <a:ln w="9525" cap="flat" cmpd="sng" algn="ctr">
+        <a:solidFill>
+          <a:schemeClr val="tx1">
+            <a:lumMod val="65000"/>
+            <a:lumOff val="35000"/>
+          </a:schemeClr>
+        </a:solidFill>
+        <a:round/>
+      </a:ln>
+    </cs:spPr>
+  </cs:errorBar>
+  <cs:floor>
+    <cs:lnRef idx="0"/>
+    <cs:fillRef idx="0"/>
+    <cs:effectRef idx="0"/>
+    <cs:fontRef idx="minor">
+      <a:schemeClr val="tx1"/>
+    </cs:fontRef>
+    <cs:spPr>
+      <a:noFill/>
+      <a:ln>
+        <a:noFill/>
+      </a:ln>
+    </cs:spPr>
+  </cs:floor>
+  <cs:gridlineMajor>
+    <cs:lnRef idx="0"/>
+    <cs:fillRef idx="0"/>
+    <cs:effectRef idx="0"/>
+    <cs:fontRef idx="minor">
+      <a:schemeClr val="tx1"/>
+    </cs:fontRef>
+    <cs:spPr>
+      <a:ln w="9525" cap="flat" cmpd="sng" algn="ctr">
+        <a:solidFill>
+          <a:schemeClr val="tx1">
+            <a:lumMod val="15000"/>
+            <a:lumOff val="85000"/>
+          </a:schemeClr>
+        </a:solidFill>
+        <a:round/>
+      </a:ln>
+    </cs:spPr>
+  </cs:gridlineMajor>
+  <cs:gridlineMinor>
+    <cs:lnRef idx="0"/>
+    <cs:fillRef idx="0"/>
+    <cs:effectRef idx="0"/>
+    <cs:fontRef idx="minor">
+      <a:schemeClr val="tx1"/>
+    </cs:fontRef>
+    <cs:spPr>
+      <a:ln w="9525" cap="flat" cmpd="sng" algn="ctr">
+        <a:solidFill>
+          <a:schemeClr val="tx1">
+            <a:lumMod val="5000"/>
+            <a:lumOff val="95000"/>
+          </a:schemeClr>
+        </a:solidFill>
+        <a:round/>
+      </a:ln>
+    </cs:spPr>
+  </cs:gridlineMinor>
+  <cs:hiLoLine>
+    <cs:lnRef idx="0"/>
+    <cs:fillRef idx="0"/>
+    <cs:effectRef idx="0"/>
+    <cs:fontRef idx="minor">
+      <a:schemeClr val="tx1"/>
+    </cs:fontRef>
+    <cs:spPr>
+      <a:ln w="9525" cap="flat" cmpd="sng" algn="ctr">
+        <a:solidFill>
+          <a:schemeClr val="tx1">
+            <a:lumMod val="75000"/>
+            <a:lumOff val="25000"/>
+          </a:schemeClr>
+        </a:solidFill>
+        <a:round/>
+      </a:ln>
+    </cs:spPr>
+  </cs:hiLoLine>
+  <cs:leaderLine>
+    <cs:lnRef idx="0"/>
+    <cs:fillRef idx="0"/>
+    <cs:effectRef idx="0"/>
+    <cs:fontRef idx="minor">
+      <a:schemeClr val="tx1"/>
+    </cs:fontRef>
+    <cs:spPr>
+      <a:ln w="9525" cap="flat" cmpd="sng" algn="ctr">
+        <a:solidFill>
+          <a:schemeClr val="tx1">
+            <a:lumMod val="35000"/>
+            <a:lumOff val="65000"/>
+          </a:schemeClr>
+        </a:solidFill>
+        <a:round/>
+      </a:ln>
+    </cs:spPr>
+  </cs:leaderLine>
+  <cs:legend>
+    <cs:lnRef idx="0"/>
+    <cs:fillRef idx="0"/>
+    <cs:effectRef idx="0"/>
+    <cs:fontRef idx="minor">
+      <a:schemeClr val="tx1">
+        <a:lumMod val="65000"/>
+        <a:lumOff val="35000"/>
+      </a:schemeClr>
+    </cs:fontRef>
+    <cs:defRPr sz="900" kern="1200"/>
+  </cs:legend>
+  <cs:plotArea mods="allowNoFillOverride allowNoLineOverride">
+    <cs:lnRef idx="0"/>
+    <cs:fillRef idx="0"/>
+    <cs:effectRef idx="0"/>
+    <cs:fontRef idx="minor">
+      <a:schemeClr val="tx1"/>
+    </cs:fontRef>
+  </cs:plotArea>
+  <cs:plotArea3D mods="allowNoFillOverride allowNoLineOverride">
+    <cs:lnRef idx="0"/>
+    <cs:fillRef idx="0"/>
+    <cs:effectRef idx="0"/>
+    <cs:fontRef idx="minor">
+      <a:schemeClr val="tx1"/>
+    </cs:fontRef>
+  </cs:plotArea3D>
+  <cs:seriesAxis>
+    <cs:lnRef idx="0"/>
+    <cs:fillRef idx="0"/>
+    <cs:effectRef idx="0"/>
+    <cs:fontRef idx="minor">
+      <a:schemeClr val="tx1">
+        <a:lumMod val="65000"/>
+        <a:lumOff val="35000"/>
+      </a:schemeClr>
+    </cs:fontRef>
+    <cs:defRPr sz="900" kern="1200"/>
+  </cs:seriesAxis>
+  <cs:seriesLine>
+    <cs:lnRef idx="0"/>
+    <cs:fillRef idx="0"/>
+    <cs:effectRef idx="0"/>
+    <cs:fontRef idx="minor">
+      <a:schemeClr val="tx1"/>
+    </cs:fontRef>
+    <cs:spPr>
+      <a:ln w="9525" cap="flat" cmpd="sng" algn="ctr">
+        <a:solidFill>
+          <a:schemeClr val="tx1">
+            <a:lumMod val="35000"/>
+            <a:lumOff val="65000"/>
+          </a:schemeClr>
+        </a:solidFill>
+        <a:round/>
+      </a:ln>
+    </cs:spPr>
+  </cs:seriesLine>
+  <cs:title>
+    <cs:lnRef idx="0"/>
+    <cs:fillRef idx="0"/>
+    <cs:effectRef idx="0"/>
+    <cs:fontRef idx="minor">
+      <a:schemeClr val="tx1">
+        <a:lumMod val="65000"/>
+        <a:lumOff val="35000"/>
+      </a:schemeClr>
+    </cs:fontRef>
+    <cs:defRPr sz="1400" b="0" kern="1200" spc="0" baseline="0"/>
+  </cs:title>
+  <cs:trendline>
+    <cs:lnRef idx="0">
+      <cs:styleClr val="auto"/>
+    </cs:lnRef>
+    <cs:fillRef idx="0"/>
+    <cs:effectRef idx="0"/>
+    <cs:fontRef idx="minor">
+      <a:schemeClr val="tx1"/>
+    </cs:fontRef>
+    <cs:spPr>
+      <a:ln w="19050" cap="rnd">
+        <a:solidFill>
+          <a:schemeClr val="phClr"/>
+        </a:solidFill>
+        <a:prstDash val="sysDot"/>
+      </a:ln>
+    </cs:spPr>
+  </cs:trendline>
+  <cs:trendlineLabel>
+    <cs:lnRef idx="0"/>
+    <cs:fillRef idx="0"/>
+    <cs:effectRef idx="0"/>
+    <cs:fontRef idx="minor">
+      <a:schemeClr val="tx1">
+        <a:lumMod val="65000"/>
+        <a:lumOff val="35000"/>
+      </a:schemeClr>
+    </cs:fontRef>
+    <cs:defRPr sz="900" kern="1200"/>
+  </cs:trendlineLabel>
+  <cs:upBar>
+    <cs:lnRef idx="0"/>
+    <cs:fillRef idx="0"/>
+    <cs:effectRef idx="0"/>
+    <cs:fontRef idx="minor">
+      <a:schemeClr val="dk1"/>
+    </cs:fontRef>
+    <cs:spPr>
+      <a:solidFill>
+        <a:schemeClr val="lt1"/>
+      </a:solidFill>
+      <a:ln w="9525">
+        <a:solidFill>
+          <a:schemeClr val="tx1">
+            <a:lumMod val="15000"/>
+            <a:lumOff val="85000"/>
+          </a:schemeClr>
+        </a:solidFill>
+      </a:ln>
+    </cs:spPr>
+  </cs:upBar>
+  <cs:valueAxis>
+    <cs:lnRef idx="0"/>
+    <cs:fillRef idx="0"/>
+    <cs:effectRef idx="0"/>
+    <cs:fontRef idx="minor">
+      <a:schemeClr val="tx1">
+        <a:lumMod val="65000"/>
+        <a:lumOff val="35000"/>
+      </a:schemeClr>
+    </cs:fontRef>
+    <cs:defRPr sz="900" kern="1200"/>
+  </cs:valueAxis>
+  <cs:wall>
+    <cs:lnRef idx="0"/>
+    <cs:fillRef idx="0"/>
+    <cs:effectRef idx="0"/>
+    <cs:fontRef idx="minor">
+      <a:schemeClr val="tx1"/>
+    </cs:fontRef>
+    <cs:spPr>
+      <a:noFill/>
+      <a:ln>
+        <a:noFill/>
+      </a:ln>
+    </cs:spPr>
+  </cs:wall>
+</cs:chartStyle>
+</file>
+
+<file path=ppt/charts/style21.xml><?xml version="1.0" encoding="utf-8"?>
+<cs:chartStyle xmlns:cs="http://schemas.microsoft.com/office/drawing/2012/chartStyle" xmlns:a="http://schemas.openxmlformats.org/drawingml/2006/main" id="201">
+  <cs:axisTitle>
+    <cs:lnRef idx="0"/>
+    <cs:fillRef idx="0"/>
+    <cs:effectRef idx="0"/>
+    <cs:fontRef idx="minor">
+      <a:schemeClr val="tx1">
+        <a:lumMod val="65000"/>
+        <a:lumOff val="35000"/>
+      </a:schemeClr>
+    </cs:fontRef>
+    <cs:defRPr sz="1000" kern="1200"/>
+  </cs:axisTitle>
+  <cs:categoryAxis>
+    <cs:lnRef idx="0"/>
+    <cs:fillRef idx="0"/>
+    <cs:effectRef idx="0"/>
+    <cs:fontRef idx="minor">
+      <a:schemeClr val="tx1">
+        <a:lumMod val="65000"/>
+        <a:lumOff val="35000"/>
+      </a:schemeClr>
+    </cs:fontRef>
+    <cs:spPr>
+      <a:ln w="9525" cap="flat" cmpd="sng" algn="ctr">
+        <a:solidFill>
+          <a:schemeClr val="tx1">
+            <a:lumMod val="15000"/>
+            <a:lumOff val="85000"/>
+          </a:schemeClr>
+        </a:solidFill>
+        <a:round/>
+      </a:ln>
+    </cs:spPr>
+    <cs:defRPr sz="900" kern="1200"/>
+  </cs:categoryAxis>
+  <cs:chartArea mods="allowNoFillOverride allowNoLineOverride">
+    <cs:lnRef idx="0"/>
+    <cs:fillRef idx="0"/>
+    <cs:effectRef idx="0"/>
+    <cs:fontRef idx="minor">
+      <a:schemeClr val="tx1"/>
+    </cs:fontRef>
+    <cs:spPr>
+      <a:solidFill>
+        <a:schemeClr val="bg1"/>
+      </a:solidFill>
+      <a:ln w="9525" cap="flat" cmpd="sng" algn="ctr">
+        <a:solidFill>
+          <a:schemeClr val="tx1">
+            <a:lumMod val="15000"/>
+            <a:lumOff val="85000"/>
+          </a:schemeClr>
+        </a:solidFill>
+        <a:round/>
+      </a:ln>
+    </cs:spPr>
+    <cs:defRPr sz="1000" kern="1200"/>
+  </cs:chartArea>
+  <cs:dataLabel>
+    <cs:lnRef idx="0"/>
+    <cs:fillRef idx="0"/>
+    <cs:effectRef idx="0"/>
+    <cs:fontRef idx="minor">
+      <a:schemeClr val="tx1">
+        <a:lumMod val="75000"/>
+        <a:lumOff val="25000"/>
+      </a:schemeClr>
+    </cs:fontRef>
+    <cs:defRPr sz="900" kern="1200"/>
+  </cs:dataLabel>
+  <cs:dataLabelCallout>
+    <cs:lnRef idx="0"/>
+    <cs:fillRef idx="0"/>
+    <cs:effectRef idx="0"/>
+    <cs:fontRef idx="minor">
+      <a:schemeClr val="dk1">
+        <a:lumMod val="65000"/>
+        <a:lumOff val="35000"/>
+      </a:schemeClr>
+    </cs:fontRef>
+    <cs:spPr>
+      <a:solidFill>
+        <a:schemeClr val="lt1"/>
+      </a:solidFill>
+      <a:ln>
+        <a:solidFill>
+          <a:schemeClr val="dk1">
+            <a:lumMod val="25000"/>
+            <a:lumOff val="75000"/>
+          </a:schemeClr>
+        </a:solidFill>
+      </a:ln>
+    </cs:spPr>
+    <cs:defRPr sz="900" kern="1200"/>
+    <cs:bodyPr rot="0" spcFirstLastPara="1" vertOverflow="clip" horzOverflow="clip" vert="horz" wrap="square" lIns="36576" tIns="18288" rIns="36576" bIns="18288" anchor="ctr" anchorCtr="1">
+      <a:spAutoFit/>
+    </cs:bodyPr>
+  </cs:dataLabelCallout>
+  <cs:dataPoint>
+    <cs:lnRef idx="0"/>
+    <cs:fillRef idx="1">
+      <cs:styleClr val="auto"/>
+    </cs:fillRef>
+    <cs:effectRef idx="0"/>
+    <cs:fontRef idx="minor">
+      <a:schemeClr val="tx1"/>
+    </cs:fontRef>
+  </cs:dataPoint>
+  <cs:dataPoint3D>
+    <cs:lnRef idx="0"/>
+    <cs:fillRef idx="1">
+      <cs:styleClr val="auto"/>
+    </cs:fillRef>
+    <cs:effectRef idx="0"/>
+    <cs:fontRef idx="minor">
+      <a:schemeClr val="tx1"/>
+    </cs:fontRef>
+  </cs:dataPoint3D>
+  <cs:dataPointLine>
+    <cs:lnRef idx="0">
+      <cs:styleClr val="auto"/>
+    </cs:lnRef>
+    <cs:fillRef idx="1"/>
+    <cs:effectRef idx="0"/>
+    <cs:fontRef idx="minor">
+      <a:schemeClr val="tx1"/>
+    </cs:fontRef>
+    <cs:spPr>
+      <a:ln w="28575" cap="rnd">
+        <a:solidFill>
+          <a:schemeClr val="phClr"/>
+        </a:solidFill>
+        <a:round/>
+      </a:ln>
+    </cs:spPr>
+  </cs:dataPointLine>
+  <cs:dataPointMarker>
+    <cs:lnRef idx="0">
+      <cs:styleClr val="auto"/>
+    </cs:lnRef>
+    <cs:fillRef idx="1">
+      <cs:styleClr val="auto"/>
+    </cs:fillRef>
+    <cs:effectRef idx="0"/>
+    <cs:fontRef idx="minor">
+      <a:schemeClr val="tx1"/>
+    </cs:fontRef>
+    <cs:spPr>
+      <a:ln w="9525">
+        <a:solidFill>
+          <a:schemeClr val="phClr"/>
+        </a:solidFill>
+      </a:ln>
+    </cs:spPr>
+  </cs:dataPointMarker>
+  <cs:dataPointMarkerLayout symbol="circle" size="5"/>
+  <cs:dataPointWireframe>
+    <cs:lnRef idx="0">
+      <cs:styleClr val="auto"/>
+    </cs:lnRef>
+    <cs:fillRef idx="1"/>
+    <cs:effectRef idx="0"/>
+    <cs:fontRef idx="minor">
+      <a:schemeClr val="tx1"/>
+    </cs:fontRef>
+    <cs:spPr>
+      <a:ln w="9525" cap="rnd">
+        <a:solidFill>
+          <a:schemeClr val="phClr"/>
+        </a:solidFill>
+        <a:round/>
+      </a:ln>
+    </cs:spPr>
+  </cs:dataPointWireframe>
+  <cs:dataTable>
+    <cs:lnRef idx="0"/>
+    <cs:fillRef idx="0"/>
+    <cs:effectRef idx="0"/>
+    <cs:fontRef idx="minor">
+      <a:schemeClr val="tx1">
+        <a:lumMod val="65000"/>
+        <a:lumOff val="35000"/>
+      </a:schemeClr>
+    </cs:fontRef>
+    <cs:spPr>
+      <a:noFill/>
+      <a:ln w="9525" cap="flat" cmpd="sng" algn="ctr">
+        <a:solidFill>
+          <a:schemeClr val="tx1">
+            <a:lumMod val="15000"/>
+            <a:lumOff val="85000"/>
+          </a:schemeClr>
+        </a:solidFill>
+        <a:round/>
+      </a:ln>
+    </cs:spPr>
+    <cs:defRPr sz="900" kern="1200"/>
+  </cs:dataTable>
+  <cs:downBar>
+    <cs:lnRef idx="0"/>
+    <cs:fillRef idx="0"/>
+    <cs:effectRef idx="0"/>
+    <cs:fontRef idx="minor">
+      <a:schemeClr val="dk1"/>
+    </cs:fontRef>
+    <cs:spPr>
+      <a:solidFill>
+        <a:schemeClr val="dk1">
+          <a:lumMod val="65000"/>
+          <a:lumOff val="35000"/>
+        </a:schemeClr>
+      </a:solidFill>
+      <a:ln w="9525">
+        <a:solidFill>
+          <a:schemeClr val="tx1">
+            <a:lumMod val="65000"/>
+            <a:lumOff val="35000"/>
+          </a:schemeClr>
+        </a:solidFill>
+      </a:ln>
+    </cs:spPr>
+  </cs:downBar>
+  <cs:dropLine>
+    <cs:lnRef idx="0"/>
+    <cs:fillRef idx="0"/>
+    <cs:effectRef idx="0"/>
+    <cs:fontRef idx="minor">
+      <a:schemeClr val="tx1"/>
+    </cs:fontRef>
+    <cs:spPr>
+      <a:ln w="9525" cap="flat" cmpd="sng" algn="ctr">
+        <a:solidFill>
+          <a:schemeClr val="tx1">
+            <a:lumMod val="35000"/>
+            <a:lumOff val="65000"/>
+          </a:schemeClr>
+        </a:solidFill>
+        <a:round/>
+      </a:ln>
+    </cs:spPr>
+  </cs:dropLine>
+  <cs:errorBar>
+    <cs:lnRef idx="0"/>
+    <cs:fillRef idx="0"/>
+    <cs:effectRef idx="0"/>
+    <cs:fontRef idx="minor">
+      <a:schemeClr val="tx1"/>
+    </cs:fontRef>
+    <cs:spPr>
+      <a:ln w="9525" cap="flat" cmpd="sng" algn="ctr">
+        <a:solidFill>
+          <a:schemeClr val="tx1">
+            <a:lumMod val="65000"/>
+            <a:lumOff val="35000"/>
+          </a:schemeClr>
+        </a:solidFill>
+        <a:round/>
+      </a:ln>
+    </cs:spPr>
+  </cs:errorBar>
+  <cs:floor>
+    <cs:lnRef idx="0"/>
+    <cs:fillRef idx="0"/>
+    <cs:effectRef idx="0"/>
+    <cs:fontRef idx="minor">
+      <a:schemeClr val="tx1"/>
+    </cs:fontRef>
+    <cs:spPr>
+      <a:noFill/>
+      <a:ln>
+        <a:noFill/>
+      </a:ln>
+    </cs:spPr>
+  </cs:floor>
+  <cs:gridlineMajor>
+    <cs:lnRef idx="0"/>
+    <cs:fillRef idx="0"/>
+    <cs:effectRef idx="0"/>
+    <cs:fontRef idx="minor">
+      <a:schemeClr val="tx1"/>
+    </cs:fontRef>
+    <cs:spPr>
+      <a:ln w="9525" cap="flat" cmpd="sng" algn="ctr">
+        <a:solidFill>
+          <a:schemeClr val="tx1">
+            <a:lumMod val="15000"/>
+            <a:lumOff val="85000"/>
+          </a:schemeClr>
+        </a:solidFill>
+        <a:round/>
+      </a:ln>
+    </cs:spPr>
+  </cs:gridlineMajor>
+  <cs:gridlineMinor>
+    <cs:lnRef idx="0"/>
+    <cs:fillRef idx="0"/>
+    <cs:effectRef idx="0"/>
+    <cs:fontRef idx="minor">
+      <a:schemeClr val="tx1"/>
+    </cs:fontRef>
+    <cs:spPr>
+      <a:ln w="9525" cap="flat" cmpd="sng" algn="ctr">
+        <a:solidFill>
+          <a:schemeClr val="tx1">
+            <a:lumMod val="5000"/>
+            <a:lumOff val="95000"/>
+          </a:schemeClr>
+        </a:solidFill>
+        <a:round/>
+      </a:ln>
+    </cs:spPr>
+  </cs:gridlineMinor>
+  <cs:hiLoLine>
+    <cs:lnRef idx="0"/>
+    <cs:fillRef idx="0"/>
+    <cs:effectRef idx="0"/>
+    <cs:fontRef idx="minor">
+      <a:schemeClr val="tx1"/>
+    </cs:fontRef>
+    <cs:spPr>
+      <a:ln w="9525" cap="flat" cmpd="sng" algn="ctr">
+        <a:solidFill>
+          <a:schemeClr val="tx1">
+            <a:lumMod val="75000"/>
+            <a:lumOff val="25000"/>
+          </a:schemeClr>
+        </a:solidFill>
+        <a:round/>
+      </a:ln>
+    </cs:spPr>
+  </cs:hiLoLine>
+  <cs:leaderLine>
+    <cs:lnRef idx="0"/>
+    <cs:fillRef idx="0"/>
+    <cs:effectRef idx="0"/>
+    <cs:fontRef idx="minor">
+      <a:schemeClr val="tx1"/>
+    </cs:fontRef>
+    <cs:spPr>
+      <a:ln w="9525" cap="flat" cmpd="sng" algn="ctr">
+        <a:solidFill>
+          <a:schemeClr val="tx1">
+            <a:lumMod val="35000"/>
+            <a:lumOff val="65000"/>
+          </a:schemeClr>
+        </a:solidFill>
+        <a:round/>
+      </a:ln>
+    </cs:spPr>
+  </cs:leaderLine>
+  <cs:legend>
+    <cs:lnRef idx="0"/>
+    <cs:fillRef idx="0"/>
+    <cs:effectRef idx="0"/>
+    <cs:fontRef idx="minor">
+      <a:schemeClr val="tx1">
+        <a:lumMod val="65000"/>
+        <a:lumOff val="35000"/>
+      </a:schemeClr>
+    </cs:fontRef>
+    <cs:defRPr sz="900" kern="1200"/>
+  </cs:legend>
+  <cs:plotArea mods="allowNoFillOverride allowNoLineOverride">
+    <cs:lnRef idx="0"/>
+    <cs:fillRef idx="0"/>
+    <cs:effectRef idx="0"/>
+    <cs:fontRef idx="minor">
+      <a:schemeClr val="tx1"/>
+    </cs:fontRef>
+  </cs:plotArea>
+  <cs:plotArea3D mods="allowNoFillOverride allowNoLineOverride">
+    <cs:lnRef idx="0"/>
+    <cs:fillRef idx="0"/>
+    <cs:effectRef idx="0"/>
+    <cs:fontRef idx="minor">
+      <a:schemeClr val="tx1"/>
+    </cs:fontRef>
+  </cs:plotArea3D>
+  <cs:seriesAxis>
+    <cs:lnRef idx="0"/>
+    <cs:fillRef idx="0"/>
+    <cs:effectRef idx="0"/>
+    <cs:fontRef idx="minor">
+      <a:schemeClr val="tx1">
+        <a:lumMod val="65000"/>
+        <a:lumOff val="35000"/>
+      </a:schemeClr>
+    </cs:fontRef>
+    <cs:defRPr sz="900" kern="1200"/>
+  </cs:seriesAxis>
+  <cs:seriesLine>
+    <cs:lnRef idx="0"/>
+    <cs:fillRef idx="0"/>
+    <cs:effectRef idx="0"/>
+    <cs:fontRef idx="minor">
+      <a:schemeClr val="tx1"/>
+    </cs:fontRef>
+    <cs:spPr>
+      <a:ln w="9525" cap="flat" cmpd="sng" algn="ctr">
+        <a:solidFill>
+          <a:schemeClr val="tx1">
+            <a:lumMod val="35000"/>
+            <a:lumOff val="65000"/>
+          </a:schemeClr>
+        </a:solidFill>
+        <a:round/>
+      </a:ln>
+    </cs:spPr>
+  </cs:seriesLine>
+  <cs:title>
+    <cs:lnRef idx="0"/>
+    <cs:fillRef idx="0"/>
+    <cs:effectRef idx="0"/>
+    <cs:fontRef idx="minor">
+      <a:schemeClr val="tx1">
+        <a:lumMod val="65000"/>
+        <a:lumOff val="35000"/>
+      </a:schemeClr>
+    </cs:fontRef>
+    <cs:defRPr sz="1400" b="0" kern="1200" spc="0" baseline="0"/>
+  </cs:title>
+  <cs:trendline>
+    <cs:lnRef idx="0">
+      <cs:styleClr val="auto"/>
+    </cs:lnRef>
+    <cs:fillRef idx="0"/>
+    <cs:effectRef idx="0"/>
+    <cs:fontRef idx="minor">
+      <a:schemeClr val="tx1"/>
+    </cs:fontRef>
+    <cs:spPr>
+      <a:ln w="19050" cap="rnd">
+        <a:solidFill>
+          <a:schemeClr val="phClr"/>
+        </a:solidFill>
+        <a:prstDash val="sysDot"/>
+      </a:ln>
+    </cs:spPr>
+  </cs:trendline>
+  <cs:trendlineLabel>
+    <cs:lnRef idx="0"/>
+    <cs:fillRef idx="0"/>
+    <cs:effectRef idx="0"/>
+    <cs:fontRef idx="minor">
+      <a:schemeClr val="tx1">
+        <a:lumMod val="65000"/>
+        <a:lumOff val="35000"/>
+      </a:schemeClr>
+    </cs:fontRef>
+    <cs:defRPr sz="900" kern="1200"/>
+  </cs:trendlineLabel>
+  <cs:upBar>
+    <cs:lnRef idx="0"/>
+    <cs:fillRef idx="0"/>
+    <cs:effectRef idx="0"/>
+    <cs:fontRef idx="minor">
+      <a:schemeClr val="dk1"/>
+    </cs:fontRef>
+    <cs:spPr>
+      <a:solidFill>
+        <a:schemeClr val="lt1"/>
+      </a:solidFill>
+      <a:ln w="9525">
+        <a:solidFill>
+          <a:schemeClr val="tx1">
+            <a:lumMod val="15000"/>
+            <a:lumOff val="85000"/>
+          </a:schemeClr>
+        </a:solidFill>
+      </a:ln>
+    </cs:spPr>
+  </cs:upBar>
+  <cs:valueAxis>
+    <cs:lnRef idx="0"/>
+    <cs:fillRef idx="0"/>
+    <cs:effectRef idx="0"/>
+    <cs:fontRef idx="minor">
+      <a:schemeClr val="tx1">
+        <a:lumMod val="65000"/>
+        <a:lumOff val="35000"/>
+      </a:schemeClr>
+    </cs:fontRef>
+    <cs:defRPr sz="900" kern="1200"/>
+  </cs:valueAxis>
+  <cs:wall>
+    <cs:lnRef idx="0"/>
+    <cs:fillRef idx="0"/>
+    <cs:effectRef idx="0"/>
+    <cs:fontRef idx="minor">
+      <a:schemeClr val="tx1"/>
+    </cs:fontRef>
+    <cs:spPr>
+      <a:noFill/>
+      <a:ln>
+        <a:noFill/>
+      </a:ln>
+    </cs:spPr>
+  </cs:wall>
+</cs:chartStyle>
+</file>
+
+<file path=ppt/charts/style22.xml><?xml version="1.0" encoding="utf-8"?>
+<cs:chartStyle xmlns:cs="http://schemas.microsoft.com/office/drawing/2012/chartStyle" xmlns:a="http://schemas.openxmlformats.org/drawingml/2006/main" id="201">
+  <cs:axisTitle>
+    <cs:lnRef idx="0"/>
+    <cs:fillRef idx="0"/>
+    <cs:effectRef idx="0"/>
+    <cs:fontRef idx="minor">
+      <a:schemeClr val="tx1">
+        <a:lumMod val="65000"/>
+        <a:lumOff val="35000"/>
+      </a:schemeClr>
+    </cs:fontRef>
+    <cs:defRPr sz="1000" kern="1200"/>
+  </cs:axisTitle>
+  <cs:categoryAxis>
+    <cs:lnRef idx="0"/>
+    <cs:fillRef idx="0"/>
+    <cs:effectRef idx="0"/>
+    <cs:fontRef idx="minor">
+      <a:schemeClr val="tx1">
+        <a:lumMod val="65000"/>
+        <a:lumOff val="35000"/>
+      </a:schemeClr>
+    </cs:fontRef>
+    <cs:spPr>
+      <a:ln w="9525" cap="flat" cmpd="sng" algn="ctr">
+        <a:solidFill>
+          <a:schemeClr val="tx1">
+            <a:lumMod val="15000"/>
+            <a:lumOff val="85000"/>
+          </a:schemeClr>
+        </a:solidFill>
+        <a:round/>
+      </a:ln>
+    </cs:spPr>
+    <cs:defRPr sz="900" kern="1200"/>
+  </cs:categoryAxis>
+  <cs:chartArea mods="allowNoFillOverride allowNoLineOverride">
+    <cs:lnRef idx="0"/>
+    <cs:fillRef idx="0"/>
+    <cs:effectRef idx="0"/>
+    <cs:fontRef idx="minor">
+      <a:schemeClr val="tx1"/>
+    </cs:fontRef>
+    <cs:spPr>
+      <a:solidFill>
+        <a:schemeClr val="bg1"/>
+      </a:solidFill>
+      <a:ln w="9525" cap="flat" cmpd="sng" algn="ctr">
+        <a:solidFill>
+          <a:schemeClr val="tx1">
+            <a:lumMod val="15000"/>
+            <a:lumOff val="85000"/>
+          </a:schemeClr>
+        </a:solidFill>
+        <a:round/>
+      </a:ln>
+    </cs:spPr>
+    <cs:defRPr sz="1000" kern="1200"/>
+  </cs:chartArea>
+  <cs:dataLabel>
+    <cs:lnRef idx="0"/>
+    <cs:fillRef idx="0"/>
+    <cs:effectRef idx="0"/>
+    <cs:fontRef idx="minor">
+      <a:schemeClr val="tx1">
+        <a:lumMod val="75000"/>
+        <a:lumOff val="25000"/>
+      </a:schemeClr>
+    </cs:fontRef>
+    <cs:defRPr sz="900" kern="1200"/>
+  </cs:dataLabel>
+  <cs:dataLabelCallout>
+    <cs:lnRef idx="0"/>
+    <cs:fillRef idx="0"/>
+    <cs:effectRef idx="0"/>
+    <cs:fontRef idx="minor">
+      <a:schemeClr val="dk1">
+        <a:lumMod val="65000"/>
+        <a:lumOff val="35000"/>
+      </a:schemeClr>
+    </cs:fontRef>
+    <cs:spPr>
+      <a:solidFill>
+        <a:schemeClr val="lt1"/>
+      </a:solidFill>
+      <a:ln>
+        <a:solidFill>
+          <a:schemeClr val="dk1">
+            <a:lumMod val="25000"/>
+            <a:lumOff val="75000"/>
+          </a:schemeClr>
+        </a:solidFill>
+      </a:ln>
+    </cs:spPr>
+    <cs:defRPr sz="900" kern="1200"/>
+    <cs:bodyPr rot="0" spcFirstLastPara="1" vertOverflow="clip" horzOverflow="clip" vert="horz" wrap="square" lIns="36576" tIns="18288" rIns="36576" bIns="18288" anchor="ctr" anchorCtr="1">
+      <a:spAutoFit/>
+    </cs:bodyPr>
+  </cs:dataLabelCallout>
+  <cs:dataPoint>
+    <cs:lnRef idx="0"/>
+    <cs:fillRef idx="1">
+      <cs:styleClr val="auto"/>
+    </cs:fillRef>
+    <cs:effectRef idx="0"/>
+    <cs:fontRef idx="minor">
+      <a:schemeClr val="tx1"/>
+    </cs:fontRef>
+  </cs:dataPoint>
+  <cs:dataPoint3D>
+    <cs:lnRef idx="0"/>
+    <cs:fillRef idx="1">
+      <cs:styleClr val="auto"/>
+    </cs:fillRef>
+    <cs:effectRef idx="0"/>
+    <cs:fontRef idx="minor">
+      <a:schemeClr val="tx1"/>
+    </cs:fontRef>
+  </cs:dataPoint3D>
+  <cs:dataPointLine>
+    <cs:lnRef idx="0">
+      <cs:styleClr val="auto"/>
+    </cs:lnRef>
+    <cs:fillRef idx="1"/>
+    <cs:effectRef idx="0"/>
+    <cs:fontRef idx="minor">
+      <a:schemeClr val="tx1"/>
+    </cs:fontRef>
+    <cs:spPr>
+      <a:ln w="28575" cap="rnd">
+        <a:solidFill>
+          <a:schemeClr val="phClr"/>
+        </a:solidFill>
+        <a:round/>
+      </a:ln>
+    </cs:spPr>
+  </cs:dataPointLine>
+  <cs:dataPointMarker>
+    <cs:lnRef idx="0">
+      <cs:styleClr val="auto"/>
+    </cs:lnRef>
+    <cs:fillRef idx="1">
+      <cs:styleClr val="auto"/>
+    </cs:fillRef>
+    <cs:effectRef idx="0"/>
+    <cs:fontRef idx="minor">
+      <a:schemeClr val="tx1"/>
+    </cs:fontRef>
+    <cs:spPr>
+      <a:ln w="9525">
+        <a:solidFill>
+          <a:schemeClr val="phClr"/>
+        </a:solidFill>
+      </a:ln>
+    </cs:spPr>
+  </cs:dataPointMarker>
+  <cs:dataPointMarkerLayout symbol="circle" size="5"/>
+  <cs:dataPointWireframe>
+    <cs:lnRef idx="0">
+      <cs:styleClr val="auto"/>
+    </cs:lnRef>
+    <cs:fillRef idx="1"/>
+    <cs:effectRef idx="0"/>
+    <cs:fontRef idx="minor">
+      <a:schemeClr val="tx1"/>
+    </cs:fontRef>
+    <cs:spPr>
+      <a:ln w="9525" cap="rnd">
+        <a:solidFill>
+          <a:schemeClr val="phClr"/>
+        </a:solidFill>
+        <a:round/>
+      </a:ln>
+    </cs:spPr>
+  </cs:dataPointWireframe>
+  <cs:dataTable>
+    <cs:lnRef idx="0"/>
+    <cs:fillRef idx="0"/>
+    <cs:effectRef idx="0"/>
+    <cs:fontRef idx="minor">
+      <a:schemeClr val="tx1">
+        <a:lumMod val="65000"/>
+        <a:lumOff val="35000"/>
+      </a:schemeClr>
+    </cs:fontRef>
+    <cs:spPr>
+      <a:noFill/>
+      <a:ln w="9525" cap="flat" cmpd="sng" algn="ctr">
+        <a:solidFill>
+          <a:schemeClr val="tx1">
+            <a:lumMod val="15000"/>
+            <a:lumOff val="85000"/>
+          </a:schemeClr>
+        </a:solidFill>
+        <a:round/>
+      </a:ln>
+    </cs:spPr>
+    <cs:defRPr sz="900" kern="1200"/>
+  </cs:dataTable>
+  <cs:downBar>
+    <cs:lnRef idx="0"/>
+    <cs:fillRef idx="0"/>
+    <cs:effectRef idx="0"/>
+    <cs:fontRef idx="minor">
+      <a:schemeClr val="dk1"/>
+    </cs:fontRef>
+    <cs:spPr>
+      <a:solidFill>
+        <a:schemeClr val="dk1">
+          <a:lumMod val="65000"/>
+          <a:lumOff val="35000"/>
+        </a:schemeClr>
+      </a:solidFill>
+      <a:ln w="9525">
+        <a:solidFill>
+          <a:schemeClr val="tx1">
+            <a:lumMod val="65000"/>
+            <a:lumOff val="35000"/>
+          </a:schemeClr>
+        </a:solidFill>
+      </a:ln>
+    </cs:spPr>
+  </cs:downBar>
+  <cs:dropLine>
+    <cs:lnRef idx="0"/>
+    <cs:fillRef idx="0"/>
+    <cs:effectRef idx="0"/>
+    <cs:fontRef idx="minor">
+      <a:schemeClr val="tx1"/>
+    </cs:fontRef>
+    <cs:spPr>
+      <a:ln w="9525" cap="flat" cmpd="sng" algn="ctr">
+        <a:solidFill>
+          <a:schemeClr val="tx1">
+            <a:lumMod val="35000"/>
+            <a:lumOff val="65000"/>
+          </a:schemeClr>
+        </a:solidFill>
+        <a:round/>
+      </a:ln>
+    </cs:spPr>
+  </cs:dropLine>
+  <cs:errorBar>
+    <cs:lnRef idx="0"/>
+    <cs:fillRef idx="0"/>
+    <cs:effectRef idx="0"/>
+    <cs:fontRef idx="minor">
+      <a:schemeClr val="tx1"/>
+    </cs:fontRef>
+    <cs:spPr>
+      <a:ln w="9525" cap="flat" cmpd="sng" algn="ctr">
+        <a:solidFill>
+          <a:schemeClr val="tx1">
+            <a:lumMod val="65000"/>
+            <a:lumOff val="35000"/>
+          </a:schemeClr>
+        </a:solidFill>
+        <a:round/>
+      </a:ln>
+    </cs:spPr>
+  </cs:errorBar>
+  <cs:floor>
+    <cs:lnRef idx="0"/>
+    <cs:fillRef idx="0"/>
+    <cs:effectRef idx="0"/>
+    <cs:fontRef idx="minor">
+      <a:schemeClr val="tx1"/>
+    </cs:fontRef>
+    <cs:spPr>
+      <a:noFill/>
+      <a:ln>
+        <a:noFill/>
+      </a:ln>
+    </cs:spPr>
+  </cs:floor>
+  <cs:gridlineMajor>
+    <cs:lnRef idx="0"/>
+    <cs:fillRef idx="0"/>
+    <cs:effectRef idx="0"/>
+    <cs:fontRef idx="minor">
+      <a:schemeClr val="tx1"/>
+    </cs:fontRef>
+    <cs:spPr>
+      <a:ln w="9525" cap="flat" cmpd="sng" algn="ctr">
+        <a:solidFill>
+          <a:schemeClr val="tx1">
+            <a:lumMod val="15000"/>
+            <a:lumOff val="85000"/>
+          </a:schemeClr>
+        </a:solidFill>
+        <a:round/>
+      </a:ln>
+    </cs:spPr>
+  </cs:gridlineMajor>
+  <cs:gridlineMinor>
+    <cs:lnRef idx="0"/>
+    <cs:fillRef idx="0"/>
+    <cs:effectRef idx="0"/>
+    <cs:fontRef idx="minor">
+      <a:schemeClr val="tx1"/>
+    </cs:fontRef>
+    <cs:spPr>
+      <a:ln w="9525" cap="flat" cmpd="sng" algn="ctr">
+        <a:solidFill>
+          <a:schemeClr val="tx1">
+            <a:lumMod val="5000"/>
+            <a:lumOff val="95000"/>
+          </a:schemeClr>
+        </a:solidFill>
+        <a:round/>
+      </a:ln>
+    </cs:spPr>
+  </cs:gridlineMinor>
+  <cs:hiLoLine>
+    <cs:lnRef idx="0"/>
+    <cs:fillRef idx="0"/>
+    <cs:effectRef idx="0"/>
+    <cs:fontRef idx="minor">
+      <a:schemeClr val="tx1"/>
+    </cs:fontRef>
+    <cs:spPr>
+      <a:ln w="9525" cap="flat" cmpd="sng" algn="ctr">
+        <a:solidFill>
+          <a:schemeClr val="tx1">
+            <a:lumMod val="75000"/>
+            <a:lumOff val="25000"/>
+          </a:schemeClr>
+        </a:solidFill>
+        <a:round/>
+      </a:ln>
+    </cs:spPr>
+  </cs:hiLoLine>
+  <cs:leaderLine>
+    <cs:lnRef idx="0"/>
+    <cs:fillRef idx="0"/>
+    <cs:effectRef idx="0"/>
+    <cs:fontRef idx="minor">
+      <a:schemeClr val="tx1"/>
+    </cs:fontRef>
+    <cs:spPr>
+      <a:ln w="9525" cap="flat" cmpd="sng" algn="ctr">
+        <a:solidFill>
+          <a:schemeClr val="tx1">
+            <a:lumMod val="35000"/>
+            <a:lumOff val="65000"/>
+          </a:schemeClr>
+        </a:solidFill>
+        <a:round/>
+      </a:ln>
+    </cs:spPr>
+  </cs:leaderLine>
+  <cs:legend>
+    <cs:lnRef idx="0"/>
+    <cs:fillRef idx="0"/>
+    <cs:effectRef idx="0"/>
+    <cs:fontRef idx="minor">
+      <a:schemeClr val="tx1">
+        <a:lumMod val="65000"/>
+        <a:lumOff val="35000"/>
+      </a:schemeClr>
+    </cs:fontRef>
+    <cs:defRPr sz="900" kern="1200"/>
+  </cs:legend>
+  <cs:plotArea mods="allowNoFillOverride allowNoLineOverride">
+    <cs:lnRef idx="0"/>
+    <cs:fillRef idx="0"/>
+    <cs:effectRef idx="0"/>
+    <cs:fontRef idx="minor">
+      <a:schemeClr val="tx1"/>
+    </cs:fontRef>
+  </cs:plotArea>
+  <cs:plotArea3D mods="allowNoFillOverride allowNoLineOverride">
+    <cs:lnRef idx="0"/>
+    <cs:fillRef idx="0"/>
+    <cs:effectRef idx="0"/>
+    <cs:fontRef idx="minor">
+      <a:schemeClr val="tx1"/>
+    </cs:fontRef>
+  </cs:plotArea3D>
+  <cs:seriesAxis>
+    <cs:lnRef idx="0"/>
+    <cs:fillRef idx="0"/>
+    <cs:effectRef idx="0"/>
+    <cs:fontRef idx="minor">
+      <a:schemeClr val="tx1">
+        <a:lumMod val="65000"/>
+        <a:lumOff val="35000"/>
+      </a:schemeClr>
+    </cs:fontRef>
+    <cs:defRPr sz="900" kern="1200"/>
+  </cs:seriesAxis>
+  <cs:seriesLine>
+    <cs:lnRef idx="0"/>
+    <cs:fillRef idx="0"/>
+    <cs:effectRef idx="0"/>
+    <cs:fontRef idx="minor">
+      <a:schemeClr val="tx1"/>
+    </cs:fontRef>
+    <cs:spPr>
+      <a:ln w="9525" cap="flat" cmpd="sng" algn="ctr">
+        <a:solidFill>
+          <a:schemeClr val="tx1">
+            <a:lumMod val="35000"/>
+            <a:lumOff val="65000"/>
+          </a:schemeClr>
+        </a:solidFill>
+        <a:round/>
+      </a:ln>
+    </cs:spPr>
+  </cs:seriesLine>
+  <cs:title>
+    <cs:lnRef idx="0"/>
+    <cs:fillRef idx="0"/>
+    <cs:effectRef idx="0"/>
+    <cs:fontRef idx="minor">
+      <a:schemeClr val="tx1">
+        <a:lumMod val="65000"/>
+        <a:lumOff val="35000"/>
+      </a:schemeClr>
+    </cs:fontRef>
+    <cs:defRPr sz="1400" b="0" kern="1200" spc="0" baseline="0"/>
+  </cs:title>
+  <cs:trendline>
+    <cs:lnRef idx="0">
+      <cs:styleClr val="auto"/>
+    </cs:lnRef>
+    <cs:fillRef idx="0"/>
+    <cs:effectRef idx="0"/>
+    <cs:fontRef idx="minor">
+      <a:schemeClr val="tx1"/>
+    </cs:fontRef>
+    <cs:spPr>
+      <a:ln w="19050" cap="rnd">
+        <a:solidFill>
+          <a:schemeClr val="phClr"/>
+        </a:solidFill>
+        <a:prstDash val="sysDot"/>
+      </a:ln>
+    </cs:spPr>
+  </cs:trendline>
+  <cs:trendlineLabel>
+    <cs:lnRef idx="0"/>
+    <cs:fillRef idx="0"/>
+    <cs:effectRef idx="0"/>
+    <cs:fontRef idx="minor">
+      <a:schemeClr val="tx1">
+        <a:lumMod val="65000"/>
+        <a:lumOff val="35000"/>
+      </a:schemeClr>
+    </cs:fontRef>
+    <cs:defRPr sz="900" kern="1200"/>
+  </cs:trendlineLabel>
+  <cs:upBar>
+    <cs:lnRef idx="0"/>
+    <cs:fillRef idx="0"/>
+    <cs:effectRef idx="0"/>
+    <cs:fontRef idx="minor">
+      <a:schemeClr val="dk1"/>
+    </cs:fontRef>
+    <cs:spPr>
+      <a:solidFill>
+        <a:schemeClr val="lt1"/>
+      </a:solidFill>
+      <a:ln w="9525">
+        <a:solidFill>
+          <a:schemeClr val="tx1">
+            <a:lumMod val="15000"/>
+            <a:lumOff val="85000"/>
+          </a:schemeClr>
+        </a:solidFill>
+      </a:ln>
+    </cs:spPr>
+  </cs:upBar>
+  <cs:valueAxis>
+    <cs:lnRef idx="0"/>
+    <cs:fillRef idx="0"/>
+    <cs:effectRef idx="0"/>
+    <cs:fontRef idx="minor">
+      <a:schemeClr val="tx1">
+        <a:lumMod val="65000"/>
+        <a:lumOff val="35000"/>
+      </a:schemeClr>
+    </cs:fontRef>
+    <cs:defRPr sz="900" kern="1200"/>
+  </cs:valueAxis>
+  <cs:wall>
+    <cs:lnRef idx="0"/>
+    <cs:fillRef idx="0"/>
+    <cs:effectRef idx="0"/>
+    <cs:fontRef idx="minor">
+      <a:schemeClr val="tx1"/>
+    </cs:fontRef>
+    <cs:spPr>
+      <a:noFill/>
+      <a:ln>
+        <a:noFill/>
+      </a:ln>
+    </cs:spPr>
+  </cs:wall>
+</cs:chartStyle>
+</file>
+
+<file path=ppt/charts/style23.xml><?xml version="1.0" encoding="utf-8"?>
+<cs:chartStyle xmlns:cs="http://schemas.microsoft.com/office/drawing/2012/chartStyle" xmlns:a="http://schemas.openxmlformats.org/drawingml/2006/main" id="201">
+  <cs:axisTitle>
+    <cs:lnRef idx="0"/>
+    <cs:fillRef idx="0"/>
+    <cs:effectRef idx="0"/>
+    <cs:fontRef idx="minor">
+      <a:schemeClr val="tx1">
+        <a:lumMod val="65000"/>
+        <a:lumOff val="35000"/>
+      </a:schemeClr>
+    </cs:fontRef>
+    <cs:defRPr sz="1000" kern="1200"/>
+  </cs:axisTitle>
+  <cs:categoryAxis>
+    <cs:lnRef idx="0"/>
+    <cs:fillRef idx="0"/>
+    <cs:effectRef idx="0"/>
+    <cs:fontRef idx="minor">
+      <a:schemeClr val="tx1">
+        <a:lumMod val="65000"/>
+        <a:lumOff val="35000"/>
+      </a:schemeClr>
+    </cs:fontRef>
+    <cs:spPr>
+      <a:ln w="9525" cap="flat" cmpd="sng" algn="ctr">
+        <a:solidFill>
+          <a:schemeClr val="tx1">
+            <a:lumMod val="15000"/>
+            <a:lumOff val="85000"/>
+          </a:schemeClr>
+        </a:solidFill>
+        <a:round/>
+      </a:ln>
+    </cs:spPr>
+    <cs:defRPr sz="900" kern="1200"/>
+  </cs:categoryAxis>
+  <cs:chartArea mods="allowNoFillOverride allowNoLineOverride">
+    <cs:lnRef idx="0"/>
+    <cs:fillRef idx="0"/>
+    <cs:effectRef idx="0"/>
+    <cs:fontRef idx="minor">
+      <a:schemeClr val="tx1"/>
+    </cs:fontRef>
+    <cs:spPr>
+      <a:solidFill>
+        <a:schemeClr val="bg1"/>
+      </a:solidFill>
+      <a:ln w="9525" cap="flat" cmpd="sng" algn="ctr">
+        <a:solidFill>
+          <a:schemeClr val="tx1">
+            <a:lumMod val="15000"/>
+            <a:lumOff val="85000"/>
+          </a:schemeClr>
+        </a:solidFill>
+        <a:round/>
+      </a:ln>
+    </cs:spPr>
+    <cs:defRPr sz="1000" kern="1200"/>
+  </cs:chartArea>
+  <cs:dataLabel>
+    <cs:lnRef idx="0"/>
+    <cs:fillRef idx="0"/>
+    <cs:effectRef idx="0"/>
+    <cs:fontRef idx="minor">
+      <a:schemeClr val="tx1">
+        <a:lumMod val="75000"/>
+        <a:lumOff val="25000"/>
+      </a:schemeClr>
+    </cs:fontRef>
+    <cs:defRPr sz="900" kern="1200"/>
+  </cs:dataLabel>
+  <cs:dataLabelCallout>
+    <cs:lnRef idx="0"/>
+    <cs:fillRef idx="0"/>
+    <cs:effectRef idx="0"/>
+    <cs:fontRef idx="minor">
+      <a:schemeClr val="dk1">
+        <a:lumMod val="65000"/>
+        <a:lumOff val="35000"/>
+      </a:schemeClr>
+    </cs:fontRef>
+    <cs:spPr>
+      <a:solidFill>
+        <a:schemeClr val="lt1"/>
+      </a:solidFill>
+      <a:ln>
+        <a:solidFill>
+          <a:schemeClr val="dk1">
+            <a:lumMod val="25000"/>
+            <a:lumOff val="75000"/>
+          </a:schemeClr>
+        </a:solidFill>
+      </a:ln>
+    </cs:spPr>
+    <cs:defRPr sz="900" kern="1200"/>
+    <cs:bodyPr rot="0" spcFirstLastPara="1" vertOverflow="clip" horzOverflow="clip" vert="horz" wrap="square" lIns="36576" tIns="18288" rIns="36576" bIns="18288" anchor="ctr" anchorCtr="1">
+      <a:spAutoFit/>
+    </cs:bodyPr>
+  </cs:dataLabelCallout>
+  <cs:dataPoint>
+    <cs:lnRef idx="0"/>
+    <cs:fillRef idx="1">
+      <cs:styleClr val="auto"/>
+    </cs:fillRef>
+    <cs:effectRef idx="0"/>
+    <cs:fontRef idx="minor">
+      <a:schemeClr val="tx1"/>
+    </cs:fontRef>
+  </cs:dataPoint>
+  <cs:dataPoint3D>
+    <cs:lnRef idx="0"/>
+    <cs:fillRef idx="1">
+      <cs:styleClr val="auto"/>
+    </cs:fillRef>
+    <cs:effectRef idx="0"/>
+    <cs:fontRef idx="minor">
+      <a:schemeClr val="tx1"/>
+    </cs:fontRef>
+  </cs:dataPoint3D>
+  <cs:dataPointLine>
+    <cs:lnRef idx="0">
+      <cs:styleClr val="auto"/>
+    </cs:lnRef>
+    <cs:fillRef idx="1"/>
+    <cs:effectRef idx="0"/>
+    <cs:fontRef idx="minor">
+      <a:schemeClr val="tx1"/>
+    </cs:fontRef>
+    <cs:spPr>
+      <a:ln w="28575" cap="rnd">
+        <a:solidFill>
+          <a:schemeClr val="phClr"/>
+        </a:solidFill>
+        <a:round/>
+      </a:ln>
+    </cs:spPr>
+  </cs:dataPointLine>
+  <cs:dataPointMarker>
+    <cs:lnRef idx="0">
+      <cs:styleClr val="auto"/>
+    </cs:lnRef>
+    <cs:fillRef idx="1">
+      <cs:styleClr val="auto"/>
+    </cs:fillRef>
+    <cs:effectRef idx="0"/>
+    <cs:fontRef idx="minor">
+      <a:schemeClr val="tx1"/>
+    </cs:fontRef>
+    <cs:spPr>
+      <a:ln w="9525">
+        <a:solidFill>
+          <a:schemeClr val="phClr"/>
+        </a:solidFill>
+      </a:ln>
+    </cs:spPr>
+  </cs:dataPointMarker>
+  <cs:dataPointMarkerLayout symbol="circle" size="5"/>
+  <cs:dataPointWireframe>
+    <cs:lnRef idx="0">
+      <cs:styleClr val="auto"/>
+    </cs:lnRef>
+    <cs:fillRef idx="1"/>
+    <cs:effectRef idx="0"/>
+    <cs:fontRef idx="minor">
+      <a:schemeClr val="tx1"/>
+    </cs:fontRef>
+    <cs:spPr>
+      <a:ln w="9525" cap="rnd">
+        <a:solidFill>
+          <a:schemeClr val="phClr"/>
+        </a:solidFill>
+        <a:round/>
+      </a:ln>
+    </cs:spPr>
+  </cs:dataPointWireframe>
+  <cs:dataTable>
+    <cs:lnRef idx="0"/>
+    <cs:fillRef idx="0"/>
+    <cs:effectRef idx="0"/>
+    <cs:fontRef idx="minor">
+      <a:schemeClr val="tx1">
+        <a:lumMod val="65000"/>
+        <a:lumOff val="35000"/>
+      </a:schemeClr>
+    </cs:fontRef>
+    <cs:spPr>
+      <a:noFill/>
+      <a:ln w="9525" cap="flat" cmpd="sng" algn="ctr">
+        <a:solidFill>
+          <a:schemeClr val="tx1">
+            <a:lumMod val="15000"/>
+            <a:lumOff val="85000"/>
+          </a:schemeClr>
+        </a:solidFill>
+        <a:round/>
+      </a:ln>
+    </cs:spPr>
+    <cs:defRPr sz="900" kern="1200"/>
+  </cs:dataTable>
+  <cs:downBar>
+    <cs:lnRef idx="0"/>
+    <cs:fillRef idx="0"/>
+    <cs:effectRef idx="0"/>
+    <cs:fontRef idx="minor">
+      <a:schemeClr val="dk1"/>
+    </cs:fontRef>
+    <cs:spPr>
+      <a:solidFill>
+        <a:schemeClr val="dk1">
+          <a:lumMod val="65000"/>
+          <a:lumOff val="35000"/>
+        </a:schemeClr>
+      </a:solidFill>
+      <a:ln w="9525">
+        <a:solidFill>
+          <a:schemeClr val="tx1">
+            <a:lumMod val="65000"/>
+            <a:lumOff val="35000"/>
+          </a:schemeClr>
+        </a:solidFill>
+      </a:ln>
+    </cs:spPr>
+  </cs:downBar>
+  <cs:dropLine>
+    <cs:lnRef idx="0"/>
+    <cs:fillRef idx="0"/>
+    <cs:effectRef idx="0"/>
+    <cs:fontRef idx="minor">
+      <a:schemeClr val="tx1"/>
+    </cs:fontRef>
+    <cs:spPr>
+      <a:ln w="9525" cap="flat" cmpd="sng" algn="ctr">
+        <a:solidFill>
+          <a:schemeClr val="tx1">
+            <a:lumMod val="35000"/>
+            <a:lumOff val="65000"/>
+          </a:schemeClr>
+        </a:solidFill>
+        <a:round/>
+      </a:ln>
+    </cs:spPr>
+  </cs:dropLine>
+  <cs:errorBar>
+    <cs:lnRef idx="0"/>
+    <cs:fillRef idx="0"/>
+    <cs:effectRef idx="0"/>
+    <cs:fontRef idx="minor">
+      <a:schemeClr val="tx1"/>
+    </cs:fontRef>
+    <cs:spPr>
+      <a:ln w="9525" cap="flat" cmpd="sng" algn="ctr">
+        <a:solidFill>
+          <a:schemeClr val="tx1">
+            <a:lumMod val="65000"/>
+            <a:lumOff val="35000"/>
+          </a:schemeClr>
+        </a:solidFill>
+        <a:round/>
+      </a:ln>
+    </cs:spPr>
+  </cs:errorBar>
+  <cs:floor>
+    <cs:lnRef idx="0"/>
+    <cs:fillRef idx="0"/>
+    <cs:effectRef idx="0"/>
+    <cs:fontRef idx="minor">
+      <a:schemeClr val="tx1"/>
+    </cs:fontRef>
+    <cs:spPr>
+      <a:noFill/>
+      <a:ln>
+        <a:noFill/>
+      </a:ln>
+    </cs:spPr>
+  </cs:floor>
+  <cs:gridlineMajor>
+    <cs:lnRef idx="0"/>
+    <cs:fillRef idx="0"/>
+    <cs:effectRef idx="0"/>
+    <cs:fontRef idx="minor">
+      <a:schemeClr val="tx1"/>
+    </cs:fontRef>
+    <cs:spPr>
+      <a:ln w="9525" cap="flat" cmpd="sng" algn="ctr">
+        <a:solidFill>
+          <a:schemeClr val="tx1">
+            <a:lumMod val="15000"/>
+            <a:lumOff val="85000"/>
+          </a:schemeClr>
+        </a:solidFill>
+        <a:round/>
+      </a:ln>
+    </cs:spPr>
+  </cs:gridlineMajor>
+  <cs:gridlineMinor>
+    <cs:lnRef idx="0"/>
+    <cs:fillRef idx="0"/>
+    <cs:effectRef idx="0"/>
+    <cs:fontRef idx="minor">
+      <a:schemeClr val="tx1"/>
+    </cs:fontRef>
+    <cs:spPr>
+      <a:ln w="9525" cap="flat" cmpd="sng" algn="ctr">
+        <a:solidFill>
+          <a:schemeClr val="tx1">
+            <a:lumMod val="5000"/>
+            <a:lumOff val="95000"/>
+          </a:schemeClr>
+        </a:solidFill>
+        <a:round/>
+      </a:ln>
+    </cs:spPr>
+  </cs:gridlineMinor>
+  <cs:hiLoLine>
+    <cs:lnRef idx="0"/>
+    <cs:fillRef idx="0"/>
+    <cs:effectRef idx="0"/>
+    <cs:fontRef idx="minor">
+      <a:schemeClr val="tx1"/>
+    </cs:fontRef>
+    <cs:spPr>
+      <a:ln w="9525" cap="flat" cmpd="sng" algn="ctr">
+        <a:solidFill>
+          <a:schemeClr val="tx1">
+            <a:lumMod val="75000"/>
+            <a:lumOff val="25000"/>
+          </a:schemeClr>
+        </a:solidFill>
+        <a:round/>
+      </a:ln>
+    </cs:spPr>
+  </cs:hiLoLine>
+  <cs:leaderLine>
+    <cs:lnRef idx="0"/>
+    <cs:fillRef idx="0"/>
+    <cs:effectRef idx="0"/>
+    <cs:fontRef idx="minor">
+      <a:schemeClr val="tx1"/>
+    </cs:fontRef>
+    <cs:spPr>
+      <a:ln w="9525" cap="flat" cmpd="sng" algn="ctr">
+        <a:solidFill>
+          <a:schemeClr val="tx1">
+            <a:lumMod val="35000"/>
+            <a:lumOff val="65000"/>
+          </a:schemeClr>
+        </a:solidFill>
+        <a:round/>
+      </a:ln>
+    </cs:spPr>
+  </cs:leaderLine>
+  <cs:legend>
+    <cs:lnRef idx="0"/>
+    <cs:fillRef idx="0"/>
+    <cs:effectRef idx="0"/>
+    <cs:fontRef idx="minor">
+      <a:schemeClr val="tx1">
+        <a:lumMod val="65000"/>
+        <a:lumOff val="35000"/>
+      </a:schemeClr>
+    </cs:fontRef>
+    <cs:defRPr sz="900" kern="1200"/>
+  </cs:legend>
+  <cs:plotArea mods="allowNoFillOverride allowNoLineOverride">
+    <cs:lnRef idx="0"/>
+    <cs:fillRef idx="0"/>
+    <cs:effectRef idx="0"/>
+    <cs:fontRef idx="minor">
+      <a:schemeClr val="tx1"/>
+    </cs:fontRef>
+  </cs:plotArea>
+  <cs:plotArea3D mods="allowNoFillOverride allowNoLineOverride">
+    <cs:lnRef idx="0"/>
+    <cs:fillRef idx="0"/>
+    <cs:effectRef idx="0"/>
+    <cs:fontRef idx="minor">
+      <a:schemeClr val="tx1"/>
+    </cs:fontRef>
+  </cs:plotArea3D>
+  <cs:seriesAxis>
+    <cs:lnRef idx="0"/>
+    <cs:fillRef idx="0"/>
+    <cs:effectRef idx="0"/>
+    <cs:fontRef idx="minor">
+      <a:schemeClr val="tx1">
+        <a:lumMod val="65000"/>
+        <a:lumOff val="35000"/>
+      </a:schemeClr>
+    </cs:fontRef>
+    <cs:defRPr sz="900" kern="1200"/>
+  </cs:seriesAxis>
+  <cs:seriesLine>
+    <cs:lnRef idx="0"/>
+    <cs:fillRef idx="0"/>
+    <cs:effectRef idx="0"/>
+    <cs:fontRef idx="minor">
+      <a:schemeClr val="tx1"/>
+    </cs:fontRef>
+    <cs:spPr>
+      <a:ln w="9525" cap="flat" cmpd="sng" algn="ctr">
+        <a:solidFill>
+          <a:schemeClr val="tx1">
+            <a:lumMod val="35000"/>
+            <a:lumOff val="65000"/>
+          </a:schemeClr>
+        </a:solidFill>
+        <a:round/>
+      </a:ln>
+    </cs:spPr>
+  </cs:seriesLine>
+  <cs:title>
+    <cs:lnRef idx="0"/>
+    <cs:fillRef idx="0"/>
+    <cs:effectRef idx="0"/>
+    <cs:fontRef idx="minor">
+      <a:schemeClr val="tx1">
+        <a:lumMod val="65000"/>
+        <a:lumOff val="35000"/>
+      </a:schemeClr>
+    </cs:fontRef>
+    <cs:defRPr sz="1400" b="0" kern="1200" spc="0" baseline="0"/>
+  </cs:title>
+  <cs:trendline>
+    <cs:lnRef idx="0">
+      <cs:styleClr val="auto"/>
+    </cs:lnRef>
+    <cs:fillRef idx="0"/>
+    <cs:effectRef idx="0"/>
+    <cs:fontRef idx="minor">
+      <a:schemeClr val="tx1"/>
+    </cs:fontRef>
+    <cs:spPr>
+      <a:ln w="19050" cap="rnd">
+        <a:solidFill>
+          <a:schemeClr val="phClr"/>
+        </a:solidFill>
+        <a:prstDash val="sysDot"/>
+      </a:ln>
+    </cs:spPr>
+  </cs:trendline>
+  <cs:trendlineLabel>
+    <cs:lnRef idx="0"/>
+    <cs:fillRef idx="0"/>
+    <cs:effectRef idx="0"/>
+    <cs:fontRef idx="minor">
+      <a:schemeClr val="tx1">
+        <a:lumMod val="65000"/>
+        <a:lumOff val="35000"/>
+      </a:schemeClr>
+    </cs:fontRef>
+    <cs:defRPr sz="900" kern="1200"/>
+  </cs:trendlineLabel>
+  <cs:upBar>
+    <cs:lnRef idx="0"/>
+    <cs:fillRef idx="0"/>
+    <cs:effectRef idx="0"/>
+    <cs:fontRef idx="minor">
+      <a:schemeClr val="dk1"/>
+    </cs:fontRef>
+    <cs:spPr>
+      <a:solidFill>
+        <a:schemeClr val="lt1"/>
+      </a:solidFill>
+      <a:ln w="9525">
+        <a:solidFill>
+          <a:schemeClr val="tx1">
+            <a:lumMod val="15000"/>
+            <a:lumOff val="85000"/>
+          </a:schemeClr>
+        </a:solidFill>
+      </a:ln>
+    </cs:spPr>
+  </cs:upBar>
+  <cs:valueAxis>
+    <cs:lnRef idx="0"/>
+    <cs:fillRef idx="0"/>
+    <cs:effectRef idx="0"/>
+    <cs:fontRef idx="minor">
+      <a:schemeClr val="tx1">
+        <a:lumMod val="65000"/>
+        <a:lumOff val="35000"/>
+      </a:schemeClr>
+    </cs:fontRef>
+    <cs:defRPr sz="900" kern="1200"/>
+  </cs:valueAxis>
+  <cs:wall>
+    <cs:lnRef idx="0"/>
+    <cs:fillRef idx="0"/>
+    <cs:effectRef idx="0"/>
+    <cs:fontRef idx="minor">
+      <a:schemeClr val="tx1"/>
+    </cs:fontRef>
+    <cs:spPr>
+      <a:noFill/>
+      <a:ln>
+        <a:noFill/>
+      </a:ln>
+    </cs:spPr>
+  </cs:wall>
+</cs:chartStyle>
+</file>
+
+<file path=ppt/charts/style24.xml><?xml version="1.0" encoding="utf-8"?>
 <cs:chartStyle xmlns:cs="http://schemas.microsoft.com/office/drawing/2012/chartStyle" xmlns:a="http://schemas.openxmlformats.org/drawingml/2006/main" id="201">
   <cs:axisTitle>
     <cs:lnRef idx="0"/>
@@ -18312,6 +27106,354 @@
 </p:sld>
 </file>
 
+<file path=ppt/slides/slide5.xml><?xml version="1.0" encoding="utf-8"?>
+<p:sld xmlns:a="http://schemas.openxmlformats.org/drawingml/2006/main" xmlns:r="http://schemas.openxmlformats.org/officeDocument/2006/relationships" xmlns:p="http://schemas.openxmlformats.org/presentationml/2006/main">
+  <p:cSld>
+    <p:spTree>
+      <p:nvGrpSpPr>
+        <p:cNvPr id="1" name=""/>
+        <p:cNvGrpSpPr/>
+        <p:nvPr/>
+      </p:nvGrpSpPr>
+      <p:grpSpPr>
+        <a:xfrm>
+          <a:off x="0" y="0"/>
+          <a:ext cx="0" cy="0"/>
+          <a:chOff x="0" y="0"/>
+          <a:chExt cx="0" cy="0"/>
+        </a:xfrm>
+      </p:grpSpPr>
+      <p:graphicFrame>
+        <p:nvGraphicFramePr>
+          <p:cNvPr id="2" name="Chart 1">
+            <a:extLst>
+              <a:ext uri="{FF2B5EF4-FFF2-40B4-BE49-F238E27FC236}">
+                <a16:creationId xmlns:a16="http://schemas.microsoft.com/office/drawing/2014/main" id="{D984ED89-C0B4-46E7-A1CE-7B6B12F2A9BD}"/>
+              </a:ext>
+            </a:extLst>
+          </p:cNvPr>
+          <p:cNvGraphicFramePr>
+            <a:graphicFrameLocks/>
+          </p:cNvGraphicFramePr>
+          <p:nvPr>
+            <p:extLst>
+              <p:ext uri="{D42A27DB-BD31-4B8C-83A1-F6EECF244321}">
+                <p14:modId xmlns:p14="http://schemas.microsoft.com/office/powerpoint/2010/main" val="2078021653"/>
+              </p:ext>
+            </p:extLst>
+          </p:nvPr>
+        </p:nvGraphicFramePr>
+        <p:xfrm>
+          <a:off x="1356049" y="1805474"/>
+          <a:ext cx="4572000" cy="2743200"/>
+        </p:xfrm>
+        <a:graphic>
+          <a:graphicData uri="http://schemas.openxmlformats.org/drawingml/2006/chart">
+            <c:chart xmlns:c="http://schemas.openxmlformats.org/drawingml/2006/chart" xmlns:r="http://schemas.openxmlformats.org/officeDocument/2006/relationships" r:id="rId2"/>
+          </a:graphicData>
+        </a:graphic>
+      </p:graphicFrame>
+      <p:graphicFrame>
+        <p:nvGraphicFramePr>
+          <p:cNvPr id="3" name="Chart 2">
+            <a:extLst>
+              <a:ext uri="{FF2B5EF4-FFF2-40B4-BE49-F238E27FC236}">
+                <a16:creationId xmlns:a16="http://schemas.microsoft.com/office/drawing/2014/main" id="{0F46A9C3-B654-4D4E-9619-E8FFC3DB23B3}"/>
+              </a:ext>
+            </a:extLst>
+          </p:cNvPr>
+          <p:cNvGraphicFramePr>
+            <a:graphicFrameLocks/>
+          </p:cNvGraphicFramePr>
+          <p:nvPr>
+            <p:extLst>
+              <p:ext uri="{D42A27DB-BD31-4B8C-83A1-F6EECF244321}">
+                <p14:modId xmlns:p14="http://schemas.microsoft.com/office/powerpoint/2010/main" val="3081336144"/>
+              </p:ext>
+            </p:extLst>
+          </p:nvPr>
+        </p:nvGraphicFramePr>
+        <p:xfrm>
+          <a:off x="6096000" y="1702836"/>
+          <a:ext cx="4572000" cy="2743200"/>
+        </p:xfrm>
+        <a:graphic>
+          <a:graphicData uri="http://schemas.openxmlformats.org/drawingml/2006/chart">
+            <c:chart xmlns:c="http://schemas.openxmlformats.org/drawingml/2006/chart" xmlns:r="http://schemas.openxmlformats.org/officeDocument/2006/relationships" r:id="rId3"/>
+          </a:graphicData>
+        </a:graphic>
+      </p:graphicFrame>
+    </p:spTree>
+    <p:extLst>
+      <p:ext uri="{BB962C8B-B14F-4D97-AF65-F5344CB8AC3E}">
+        <p14:creationId xmlns:p14="http://schemas.microsoft.com/office/powerpoint/2010/main" val="1222181216"/>
+      </p:ext>
+    </p:extLst>
+  </p:cSld>
+  <p:clrMapOvr>
+    <a:masterClrMapping/>
+  </p:clrMapOvr>
+</p:sld>
+</file>
+
+<file path=ppt/slides/slide6.xml><?xml version="1.0" encoding="utf-8"?>
+<p:sld xmlns:a="http://schemas.openxmlformats.org/drawingml/2006/main" xmlns:r="http://schemas.openxmlformats.org/officeDocument/2006/relationships" xmlns:p="http://schemas.openxmlformats.org/presentationml/2006/main">
+  <p:cSld>
+    <p:spTree>
+      <p:nvGrpSpPr>
+        <p:cNvPr id="1" name=""/>
+        <p:cNvGrpSpPr/>
+        <p:nvPr/>
+      </p:nvGrpSpPr>
+      <p:grpSpPr>
+        <a:xfrm>
+          <a:off x="0" y="0"/>
+          <a:ext cx="0" cy="0"/>
+          <a:chOff x="0" y="0"/>
+          <a:chExt cx="0" cy="0"/>
+        </a:xfrm>
+      </p:grpSpPr>
+      <p:graphicFrame>
+        <p:nvGraphicFramePr>
+          <p:cNvPr id="2" name="Chart 1">
+            <a:extLst>
+              <a:ext uri="{FF2B5EF4-FFF2-40B4-BE49-F238E27FC236}">
+                <a16:creationId xmlns:a16="http://schemas.microsoft.com/office/drawing/2014/main" id="{20D050C1-984A-4014-9D9C-E85F05105659}"/>
+              </a:ext>
+            </a:extLst>
+          </p:cNvPr>
+          <p:cNvGraphicFramePr>
+            <a:graphicFrameLocks/>
+          </p:cNvGraphicFramePr>
+          <p:nvPr/>
+        </p:nvGraphicFramePr>
+        <p:xfrm>
+          <a:off x="3771900" y="483870"/>
+          <a:ext cx="4572000" cy="2735580"/>
+        </p:xfrm>
+        <a:graphic>
+          <a:graphicData uri="http://schemas.openxmlformats.org/drawingml/2006/chart">
+            <c:chart xmlns:c="http://schemas.openxmlformats.org/drawingml/2006/chart" xmlns:r="http://schemas.openxmlformats.org/officeDocument/2006/relationships" r:id="rId2"/>
+          </a:graphicData>
+        </a:graphic>
+      </p:graphicFrame>
+      <p:graphicFrame>
+        <p:nvGraphicFramePr>
+          <p:cNvPr id="3" name="Chart 2">
+            <a:extLst>
+              <a:ext uri="{FF2B5EF4-FFF2-40B4-BE49-F238E27FC236}">
+                <a16:creationId xmlns:a16="http://schemas.microsoft.com/office/drawing/2014/main" id="{9EF5FAB5-C7E8-4176-B4AA-431A039A6E33}"/>
+              </a:ext>
+            </a:extLst>
+          </p:cNvPr>
+          <p:cNvGraphicFramePr>
+            <a:graphicFrameLocks/>
+          </p:cNvGraphicFramePr>
+          <p:nvPr/>
+        </p:nvGraphicFramePr>
+        <p:xfrm>
+          <a:off x="3848100" y="3630930"/>
+          <a:ext cx="4572000" cy="2743200"/>
+        </p:xfrm>
+        <a:graphic>
+          <a:graphicData uri="http://schemas.openxmlformats.org/drawingml/2006/chart">
+            <c:chart xmlns:c="http://schemas.openxmlformats.org/drawingml/2006/chart" xmlns:r="http://schemas.openxmlformats.org/officeDocument/2006/relationships" r:id="rId3"/>
+          </a:graphicData>
+        </a:graphic>
+      </p:graphicFrame>
+    </p:spTree>
+    <p:extLst>
+      <p:ext uri="{BB962C8B-B14F-4D97-AF65-F5344CB8AC3E}">
+        <p14:creationId xmlns:p14="http://schemas.microsoft.com/office/powerpoint/2010/main" val="2356737992"/>
+      </p:ext>
+    </p:extLst>
+  </p:cSld>
+  <p:clrMapOvr>
+    <a:masterClrMapping/>
+  </p:clrMapOvr>
+</p:sld>
+</file>
+
+<file path=ppt/slides/slide7.xml><?xml version="1.0" encoding="utf-8"?>
+<p:sld xmlns:a="http://schemas.openxmlformats.org/drawingml/2006/main" xmlns:r="http://schemas.openxmlformats.org/officeDocument/2006/relationships" xmlns:p="http://schemas.openxmlformats.org/presentationml/2006/main">
+  <p:cSld>
+    <p:spTree>
+      <p:nvGrpSpPr>
+        <p:cNvPr id="1" name=""/>
+        <p:cNvGrpSpPr/>
+        <p:nvPr/>
+      </p:nvGrpSpPr>
+      <p:grpSpPr>
+        <a:xfrm>
+          <a:off x="0" y="0"/>
+          <a:ext cx="0" cy="0"/>
+          <a:chOff x="0" y="0"/>
+          <a:chExt cx="0" cy="0"/>
+        </a:xfrm>
+      </p:grpSpPr>
+      <p:graphicFrame>
+        <p:nvGraphicFramePr>
+          <p:cNvPr id="2" name="Chart 1">
+            <a:extLst>
+              <a:ext uri="{FF2B5EF4-FFF2-40B4-BE49-F238E27FC236}">
+                <a16:creationId xmlns:a16="http://schemas.microsoft.com/office/drawing/2014/main" id="{693492D9-3A21-4B5C-9AC1-B939E293986B}"/>
+              </a:ext>
+            </a:extLst>
+          </p:cNvPr>
+          <p:cNvGraphicFramePr>
+            <a:graphicFrameLocks/>
+          </p:cNvGraphicFramePr>
+          <p:nvPr>
+            <p:extLst>
+              <p:ext uri="{D42A27DB-BD31-4B8C-83A1-F6EECF244321}">
+                <p14:modId xmlns:p14="http://schemas.microsoft.com/office/powerpoint/2010/main" val="498593099"/>
+              </p:ext>
+            </p:extLst>
+          </p:nvPr>
+        </p:nvGraphicFramePr>
+        <p:xfrm>
+          <a:off x="1126594" y="708505"/>
+          <a:ext cx="4572000" cy="2743200"/>
+        </p:xfrm>
+        <a:graphic>
+          <a:graphicData uri="http://schemas.openxmlformats.org/drawingml/2006/chart">
+            <c:chart xmlns:c="http://schemas.openxmlformats.org/drawingml/2006/chart" xmlns:r="http://schemas.openxmlformats.org/officeDocument/2006/relationships" r:id="rId2"/>
+          </a:graphicData>
+        </a:graphic>
+      </p:graphicFrame>
+      <p:graphicFrame>
+        <p:nvGraphicFramePr>
+          <p:cNvPr id="3" name="Chart 2">
+            <a:extLst>
+              <a:ext uri="{FF2B5EF4-FFF2-40B4-BE49-F238E27FC236}">
+                <a16:creationId xmlns:a16="http://schemas.microsoft.com/office/drawing/2014/main" id="{24CC2DBB-4DE7-4A98-8B30-01B5A2EE84DF}"/>
+              </a:ext>
+            </a:extLst>
+          </p:cNvPr>
+          <p:cNvGraphicFramePr>
+            <a:graphicFrameLocks/>
+          </p:cNvGraphicFramePr>
+          <p:nvPr>
+            <p:extLst>
+              <p:ext uri="{D42A27DB-BD31-4B8C-83A1-F6EECF244321}">
+                <p14:modId xmlns:p14="http://schemas.microsoft.com/office/powerpoint/2010/main" val="2941408580"/>
+              </p:ext>
+            </p:extLst>
+          </p:nvPr>
+        </p:nvGraphicFramePr>
+        <p:xfrm>
+          <a:off x="6782656" y="708505"/>
+          <a:ext cx="4572000" cy="2743200"/>
+        </p:xfrm>
+        <a:graphic>
+          <a:graphicData uri="http://schemas.openxmlformats.org/drawingml/2006/chart">
+            <c:chart xmlns:c="http://schemas.openxmlformats.org/drawingml/2006/chart" xmlns:r="http://schemas.openxmlformats.org/officeDocument/2006/relationships" r:id="rId3"/>
+          </a:graphicData>
+        </a:graphic>
+      </p:graphicFrame>
+    </p:spTree>
+    <p:extLst>
+      <p:ext uri="{BB962C8B-B14F-4D97-AF65-F5344CB8AC3E}">
+        <p14:creationId xmlns:p14="http://schemas.microsoft.com/office/powerpoint/2010/main" val="1396468369"/>
+      </p:ext>
+    </p:extLst>
+  </p:cSld>
+  <p:clrMapOvr>
+    <a:masterClrMapping/>
+  </p:clrMapOvr>
+</p:sld>
+</file>
+
+<file path=ppt/slides/slide8.xml><?xml version="1.0" encoding="utf-8"?>
+<p:sld xmlns:a="http://schemas.openxmlformats.org/drawingml/2006/main" xmlns:r="http://schemas.openxmlformats.org/officeDocument/2006/relationships" xmlns:p="http://schemas.openxmlformats.org/presentationml/2006/main">
+  <p:cSld>
+    <p:spTree>
+      <p:nvGrpSpPr>
+        <p:cNvPr id="1" name=""/>
+        <p:cNvGrpSpPr/>
+        <p:nvPr/>
+      </p:nvGrpSpPr>
+      <p:grpSpPr>
+        <a:xfrm>
+          <a:off x="0" y="0"/>
+          <a:ext cx="0" cy="0"/>
+          <a:chOff x="0" y="0"/>
+          <a:chExt cx="0" cy="0"/>
+        </a:xfrm>
+      </p:grpSpPr>
+      <p:graphicFrame>
+        <p:nvGraphicFramePr>
+          <p:cNvPr id="2" name="Chart 1">
+            <a:extLst>
+              <a:ext uri="{FF2B5EF4-FFF2-40B4-BE49-F238E27FC236}">
+                <a16:creationId xmlns:a16="http://schemas.microsoft.com/office/drawing/2014/main" id="{29CEC026-A52F-48F1-AE99-7783881241B1}"/>
+              </a:ext>
+            </a:extLst>
+          </p:cNvPr>
+          <p:cNvGraphicFramePr>
+            <a:graphicFrameLocks/>
+          </p:cNvGraphicFramePr>
+          <p:nvPr>
+            <p:extLst>
+              <p:ext uri="{D42A27DB-BD31-4B8C-83A1-F6EECF244321}">
+                <p14:modId xmlns:p14="http://schemas.microsoft.com/office/powerpoint/2010/main" val="776622021"/>
+              </p:ext>
+            </p:extLst>
+          </p:nvPr>
+        </p:nvGraphicFramePr>
+        <p:xfrm>
+          <a:off x="1340497" y="1673134"/>
+          <a:ext cx="4572000" cy="2743200"/>
+        </p:xfrm>
+        <a:graphic>
+          <a:graphicData uri="http://schemas.openxmlformats.org/drawingml/2006/chart">
+            <c:chart xmlns:c="http://schemas.openxmlformats.org/drawingml/2006/chart" xmlns:r="http://schemas.openxmlformats.org/officeDocument/2006/relationships" r:id="rId2"/>
+          </a:graphicData>
+        </a:graphic>
+      </p:graphicFrame>
+      <p:graphicFrame>
+        <p:nvGraphicFramePr>
+          <p:cNvPr id="3" name="Chart 2">
+            <a:extLst>
+              <a:ext uri="{FF2B5EF4-FFF2-40B4-BE49-F238E27FC236}">
+                <a16:creationId xmlns:a16="http://schemas.microsoft.com/office/drawing/2014/main" id="{122D5F79-2C0A-47B5-8C5C-7D2D93FDADDB}"/>
+              </a:ext>
+            </a:extLst>
+          </p:cNvPr>
+          <p:cNvGraphicFramePr>
+            <a:graphicFrameLocks/>
+          </p:cNvGraphicFramePr>
+          <p:nvPr>
+            <p:extLst>
+              <p:ext uri="{D42A27DB-BD31-4B8C-83A1-F6EECF244321}">
+                <p14:modId xmlns:p14="http://schemas.microsoft.com/office/powerpoint/2010/main" val="1626551283"/>
+              </p:ext>
+            </p:extLst>
+          </p:nvPr>
+        </p:nvGraphicFramePr>
+        <p:xfrm>
+          <a:off x="6531428" y="1673134"/>
+          <a:ext cx="4572000" cy="2743200"/>
+        </p:xfrm>
+        <a:graphic>
+          <a:graphicData uri="http://schemas.openxmlformats.org/drawingml/2006/chart">
+            <c:chart xmlns:c="http://schemas.openxmlformats.org/drawingml/2006/chart" xmlns:r="http://schemas.openxmlformats.org/officeDocument/2006/relationships" r:id="rId3"/>
+          </a:graphicData>
+        </a:graphic>
+      </p:graphicFrame>
+    </p:spTree>
+    <p:extLst>
+      <p:ext uri="{BB962C8B-B14F-4D97-AF65-F5344CB8AC3E}">
+        <p14:creationId xmlns:p14="http://schemas.microsoft.com/office/powerpoint/2010/main" val="1580931996"/>
+      </p:ext>
+    </p:extLst>
+  </p:cSld>
+  <p:clrMapOvr>
+    <a:masterClrMapping/>
+  </p:clrMapOvr>
+</p:sld>
+</file>
+
 <file path=ppt/theme/theme1.xml><?xml version="1.0" encoding="utf-8"?>
 <a:theme xmlns:a="http://schemas.openxmlformats.org/drawingml/2006/main" name="Office Theme">
   <a:themeElements>

--- a/figure/figures.pptx
+++ b/figure/figures.pptx
@@ -13,6 +13,13 @@
     <p:sldId id="263" r:id="rId7"/>
     <p:sldId id="262" r:id="rId8"/>
     <p:sldId id="264" r:id="rId9"/>
+    <p:sldId id="265" r:id="rId10"/>
+    <p:sldId id="266" r:id="rId11"/>
+    <p:sldId id="267" r:id="rId12"/>
+    <p:sldId id="268" r:id="rId13"/>
+    <p:sldId id="269" r:id="rId14"/>
+    <p:sldId id="270" r:id="rId15"/>
+    <p:sldId id="271" r:id="rId16"/>
   </p:sldIdLst>
   <p:sldSz cx="12192000" cy="6858000"/>
   <p:notesSz cx="6858000" cy="9144000"/>
@@ -26656,6 +26663,522 @@
 </p:sld>
 </file>
 
+<file path=ppt/slides/slide10.xml><?xml version="1.0" encoding="utf-8"?>
+<p:sld xmlns:a="http://schemas.openxmlformats.org/drawingml/2006/main" xmlns:r="http://schemas.openxmlformats.org/officeDocument/2006/relationships" xmlns:p="http://schemas.openxmlformats.org/presentationml/2006/main">
+  <p:cSld>
+    <p:spTree>
+      <p:nvGrpSpPr>
+        <p:cNvPr id="1" name=""/>
+        <p:cNvGrpSpPr/>
+        <p:nvPr/>
+      </p:nvGrpSpPr>
+      <p:grpSpPr>
+        <a:xfrm>
+          <a:off x="0" y="0"/>
+          <a:ext cx="0" cy="0"/>
+          <a:chOff x="0" y="0"/>
+          <a:chExt cx="0" cy="0"/>
+        </a:xfrm>
+      </p:grpSpPr>
+      <p:sp>
+        <p:nvSpPr>
+          <p:cNvPr id="2" name="TextBox 1">
+            <a:extLst>
+              <a:ext uri="{FF2B5EF4-FFF2-40B4-BE49-F238E27FC236}">
+                <a16:creationId xmlns:a16="http://schemas.microsoft.com/office/drawing/2014/main" id="{ADE3B2C3-5A8E-4B3C-AB8C-62164C1E4F93}"/>
+              </a:ext>
+            </a:extLst>
+          </p:cNvPr>
+          <p:cNvSpPr txBox="1"/>
+          <p:nvPr/>
+        </p:nvSpPr>
+        <p:spPr>
+          <a:xfrm>
+            <a:off x="923730" y="2211353"/>
+            <a:ext cx="6932645" cy="2246769"/>
+          </a:xfrm>
+          <a:prstGeom prst="rect">
+            <a:avLst/>
+          </a:prstGeom>
+          <a:noFill/>
+        </p:spPr>
+        <p:txBody>
+          <a:bodyPr wrap="square" rtlCol="0">
+            <a:spAutoFit/>
+          </a:bodyPr>
+          <a:lstStyle/>
+          <a:p>
+            <a:r>
+              <a:rPr lang="en-US" sz="2800" b="1" dirty="0"/>
+              <a:t>KNN, the k-nearest neighbors algorithm</a:t>
+            </a:r>
+            <a:r>
+              <a:rPr lang="en-US" sz="2800" dirty="0"/>
+              <a:t>. It is “a non-parametric method used for classification and regression. The “input consists of the k closest training examples in the feature space.”</a:t>
+            </a:r>
+          </a:p>
+        </p:txBody>
+      </p:sp>
+    </p:spTree>
+    <p:extLst>
+      <p:ext uri="{BB962C8B-B14F-4D97-AF65-F5344CB8AC3E}">
+        <p14:creationId xmlns:p14="http://schemas.microsoft.com/office/powerpoint/2010/main" val="1771418842"/>
+      </p:ext>
+    </p:extLst>
+  </p:cSld>
+  <p:clrMapOvr>
+    <a:masterClrMapping/>
+  </p:clrMapOvr>
+</p:sld>
+</file>
+
+<file path=ppt/slides/slide11.xml><?xml version="1.0" encoding="utf-8"?>
+<p:sld xmlns:a="http://schemas.openxmlformats.org/drawingml/2006/main" xmlns:r="http://schemas.openxmlformats.org/officeDocument/2006/relationships" xmlns:p="http://schemas.openxmlformats.org/presentationml/2006/main">
+  <p:cSld>
+    <p:spTree>
+      <p:nvGrpSpPr>
+        <p:cNvPr id="1" name=""/>
+        <p:cNvGrpSpPr/>
+        <p:nvPr/>
+      </p:nvGrpSpPr>
+      <p:grpSpPr>
+        <a:xfrm>
+          <a:off x="0" y="0"/>
+          <a:ext cx="0" cy="0"/>
+          <a:chOff x="0" y="0"/>
+          <a:chExt cx="0" cy="0"/>
+        </a:xfrm>
+      </p:grpSpPr>
+      <p:sp>
+        <p:nvSpPr>
+          <p:cNvPr id="2" name="TextBox 1">
+            <a:extLst>
+              <a:ext uri="{FF2B5EF4-FFF2-40B4-BE49-F238E27FC236}">
+                <a16:creationId xmlns:a16="http://schemas.microsoft.com/office/drawing/2014/main" id="{3E30DBAC-78D6-4CB7-B2F5-532574EE74CF}"/>
+              </a:ext>
+            </a:extLst>
+          </p:cNvPr>
+          <p:cNvSpPr txBox="1"/>
+          <p:nvPr/>
+        </p:nvSpPr>
+        <p:spPr>
+          <a:xfrm>
+            <a:off x="1810139" y="2239347"/>
+            <a:ext cx="9121921" cy="584775"/>
+          </a:xfrm>
+          <a:prstGeom prst="rect">
+            <a:avLst/>
+          </a:prstGeom>
+          <a:noFill/>
+        </p:spPr>
+        <p:txBody>
+          <a:bodyPr wrap="none" rtlCol="0">
+            <a:spAutoFit/>
+          </a:bodyPr>
+          <a:lstStyle/>
+          <a:p>
+            <a:r>
+              <a:rPr lang="en-US" sz="3200" dirty="0"/>
+              <a:t>Preference. Users’ ratings represent their preference. </a:t>
+            </a:r>
+          </a:p>
+        </p:txBody>
+      </p:sp>
+      <p:sp>
+        <p:nvSpPr>
+          <p:cNvPr id="3" name="TextBox 2">
+            <a:extLst>
+              <a:ext uri="{FF2B5EF4-FFF2-40B4-BE49-F238E27FC236}">
+                <a16:creationId xmlns:a16="http://schemas.microsoft.com/office/drawing/2014/main" id="{B3BE6F67-2740-48FB-8FB0-79DA351FC259}"/>
+              </a:ext>
+            </a:extLst>
+          </p:cNvPr>
+          <p:cNvSpPr txBox="1"/>
+          <p:nvPr/>
+        </p:nvSpPr>
+        <p:spPr>
+          <a:xfrm>
+            <a:off x="1810139" y="4376057"/>
+            <a:ext cx="6438916" cy="2062103"/>
+          </a:xfrm>
+          <a:prstGeom prst="rect">
+            <a:avLst/>
+          </a:prstGeom>
+          <a:noFill/>
+        </p:spPr>
+        <p:txBody>
+          <a:bodyPr wrap="square" rtlCol="0">
+            <a:spAutoFit/>
+          </a:bodyPr>
+          <a:lstStyle/>
+          <a:p>
+            <a:r>
+              <a:rPr lang="en-US" sz="3200" dirty="0"/>
+              <a:t>Popularity. Movies which have more watchers are thought to be more popular and thus will have higher priorities in our recommendation list.</a:t>
+            </a:r>
+          </a:p>
+        </p:txBody>
+      </p:sp>
+    </p:spTree>
+    <p:extLst>
+      <p:ext uri="{BB962C8B-B14F-4D97-AF65-F5344CB8AC3E}">
+        <p14:creationId xmlns:p14="http://schemas.microsoft.com/office/powerpoint/2010/main" val="1961916009"/>
+      </p:ext>
+    </p:extLst>
+  </p:cSld>
+  <p:clrMapOvr>
+    <a:masterClrMapping/>
+  </p:clrMapOvr>
+</p:sld>
+</file>
+
+<file path=ppt/slides/slide12.xml><?xml version="1.0" encoding="utf-8"?>
+<p:sld xmlns:a="http://schemas.openxmlformats.org/drawingml/2006/main" xmlns:r="http://schemas.openxmlformats.org/officeDocument/2006/relationships" xmlns:p="http://schemas.openxmlformats.org/presentationml/2006/main">
+  <p:cSld>
+    <p:spTree>
+      <p:nvGrpSpPr>
+        <p:cNvPr id="1" name=""/>
+        <p:cNvGrpSpPr/>
+        <p:nvPr/>
+      </p:nvGrpSpPr>
+      <p:grpSpPr>
+        <a:xfrm>
+          <a:off x="0" y="0"/>
+          <a:ext cx="0" cy="0"/>
+          <a:chOff x="0" y="0"/>
+          <a:chExt cx="0" cy="0"/>
+        </a:xfrm>
+      </p:grpSpPr>
+      <p:sp>
+        <p:nvSpPr>
+          <p:cNvPr id="2" name="TextBox 1">
+            <a:extLst>
+              <a:ext uri="{FF2B5EF4-FFF2-40B4-BE49-F238E27FC236}">
+                <a16:creationId xmlns:a16="http://schemas.microsoft.com/office/drawing/2014/main" id="{94561834-5CEB-441E-9467-F3D6BC046D53}"/>
+              </a:ext>
+            </a:extLst>
+          </p:cNvPr>
+          <p:cNvSpPr txBox="1"/>
+          <p:nvPr/>
+        </p:nvSpPr>
+        <p:spPr>
+          <a:xfrm>
+            <a:off x="2724540" y="1446243"/>
+            <a:ext cx="9467460" cy="3046988"/>
+          </a:xfrm>
+          <a:prstGeom prst="rect">
+            <a:avLst/>
+          </a:prstGeom>
+          <a:noFill/>
+        </p:spPr>
+        <p:txBody>
+          <a:bodyPr wrap="square" rtlCol="0">
+            <a:spAutoFit/>
+          </a:bodyPr>
+          <a:lstStyle/>
+          <a:p>
+            <a:r>
+              <a:rPr lang="en-US" sz="3200" dirty="0"/>
+              <a:t>Precision and Recall. </a:t>
+            </a:r>
+            <a:r>
+              <a:rPr lang="en-US" sz="3200" b="1" dirty="0"/>
+              <a:t>Precision</a:t>
+            </a:r>
+            <a:r>
+              <a:rPr lang="en-US" sz="3200" dirty="0"/>
+              <a:t> (also called positive predictive value) is the fraction of relevant instances among the retrieved instances, while </a:t>
+            </a:r>
+            <a:r>
+              <a:rPr lang="en-US" sz="3200" b="1" dirty="0"/>
+              <a:t>recall</a:t>
+            </a:r>
+            <a:r>
+              <a:rPr lang="en-US" sz="3200" dirty="0"/>
+              <a:t> (also known as sensitivity) is the fraction of relevant instances that have been retrieved over the total amount of relevant instances</a:t>
+            </a:r>
+          </a:p>
+        </p:txBody>
+      </p:sp>
+    </p:spTree>
+    <p:extLst>
+      <p:ext uri="{BB962C8B-B14F-4D97-AF65-F5344CB8AC3E}">
+        <p14:creationId xmlns:p14="http://schemas.microsoft.com/office/powerpoint/2010/main" val="4235626789"/>
+      </p:ext>
+    </p:extLst>
+  </p:cSld>
+  <p:clrMapOvr>
+    <a:masterClrMapping/>
+  </p:clrMapOvr>
+</p:sld>
+</file>
+
+<file path=ppt/slides/slide13.xml><?xml version="1.0" encoding="utf-8"?>
+<p:sld xmlns:a="http://schemas.openxmlformats.org/drawingml/2006/main" xmlns:r="http://schemas.openxmlformats.org/officeDocument/2006/relationships" xmlns:p="http://schemas.openxmlformats.org/presentationml/2006/main">
+  <p:cSld>
+    <p:spTree>
+      <p:nvGrpSpPr>
+        <p:cNvPr id="1" name=""/>
+        <p:cNvGrpSpPr/>
+        <p:nvPr/>
+      </p:nvGrpSpPr>
+      <p:grpSpPr>
+        <a:xfrm>
+          <a:off x="0" y="0"/>
+          <a:ext cx="0" cy="0"/>
+          <a:chOff x="0" y="0"/>
+          <a:chExt cx="0" cy="0"/>
+        </a:xfrm>
+      </p:grpSpPr>
+      <p:sp>
+        <p:nvSpPr>
+          <p:cNvPr id="2" name="TextBox 1">
+            <a:extLst>
+              <a:ext uri="{FF2B5EF4-FFF2-40B4-BE49-F238E27FC236}">
+                <a16:creationId xmlns:a16="http://schemas.microsoft.com/office/drawing/2014/main" id="{A4F52292-EF35-42DC-A170-BD97B42D09D2}"/>
+              </a:ext>
+            </a:extLst>
+          </p:cNvPr>
+          <p:cNvSpPr txBox="1"/>
+          <p:nvPr/>
+        </p:nvSpPr>
+        <p:spPr>
+          <a:xfrm>
+            <a:off x="1436914" y="1343608"/>
+            <a:ext cx="18181067" cy="584775"/>
+          </a:xfrm>
+          <a:prstGeom prst="rect">
+            <a:avLst/>
+          </a:prstGeom>
+          <a:noFill/>
+        </p:spPr>
+        <p:txBody>
+          <a:bodyPr wrap="none" rtlCol="0">
+            <a:spAutoFit/>
+          </a:bodyPr>
+          <a:lstStyle/>
+          <a:p>
+            <a:r>
+              <a:rPr lang="en-US" sz="3200" dirty="0"/>
+              <a:t>Part A. Uncovering potential watchers. Choose k nearest neighbors, based on movie-movie Cosine similarity.</a:t>
+            </a:r>
+          </a:p>
+        </p:txBody>
+      </p:sp>
+      <p:sp>
+        <p:nvSpPr>
+          <p:cNvPr id="4" name="TextBox 3">
+            <a:extLst>
+              <a:ext uri="{FF2B5EF4-FFF2-40B4-BE49-F238E27FC236}">
+                <a16:creationId xmlns:a16="http://schemas.microsoft.com/office/drawing/2014/main" id="{31BD7262-1471-49B7-A21B-8AF7CCE7346E}"/>
+              </a:ext>
+            </a:extLst>
+          </p:cNvPr>
+          <p:cNvSpPr txBox="1"/>
+          <p:nvPr/>
+        </p:nvSpPr>
+        <p:spPr>
+          <a:xfrm>
+            <a:off x="486383" y="4280170"/>
+            <a:ext cx="9620655" cy="2554545"/>
+          </a:xfrm>
+          <a:prstGeom prst="rect">
+            <a:avLst/>
+          </a:prstGeom>
+          <a:noFill/>
+        </p:spPr>
+        <p:txBody>
+          <a:bodyPr wrap="square" rtlCol="0">
+            <a:spAutoFit/>
+          </a:bodyPr>
+          <a:lstStyle/>
+          <a:p>
+            <a:r>
+              <a:rPr lang="en-US" sz="3200" dirty="0"/>
+              <a:t>Part B. Recommend movies to the user based on the watching history. Choose the movies with higher ratings from the list, find similar unwatched movies by KNN, rank the list by movies popularities, and then generate a recommendation list.</a:t>
+            </a:r>
+          </a:p>
+        </p:txBody>
+      </p:sp>
+    </p:spTree>
+    <p:extLst>
+      <p:ext uri="{BB962C8B-B14F-4D97-AF65-F5344CB8AC3E}">
+        <p14:creationId xmlns:p14="http://schemas.microsoft.com/office/powerpoint/2010/main" val="959584455"/>
+      </p:ext>
+    </p:extLst>
+  </p:cSld>
+  <p:clrMapOvr>
+    <a:masterClrMapping/>
+  </p:clrMapOvr>
+</p:sld>
+</file>
+
+<file path=ppt/slides/slide14.xml><?xml version="1.0" encoding="utf-8"?>
+<p:sld xmlns:a="http://schemas.openxmlformats.org/drawingml/2006/main" xmlns:r="http://schemas.openxmlformats.org/officeDocument/2006/relationships" xmlns:p="http://schemas.openxmlformats.org/presentationml/2006/main">
+  <p:cSld>
+    <p:spTree>
+      <p:nvGrpSpPr>
+        <p:cNvPr id="1" name=""/>
+        <p:cNvGrpSpPr/>
+        <p:nvPr/>
+      </p:nvGrpSpPr>
+      <p:grpSpPr>
+        <a:xfrm>
+          <a:off x="0" y="0"/>
+          <a:ext cx="0" cy="0"/>
+          <a:chOff x="0" y="0"/>
+          <a:chExt cx="0" cy="0"/>
+        </a:xfrm>
+      </p:grpSpPr>
+      <p:sp>
+        <p:nvSpPr>
+          <p:cNvPr id="2" name="TextBox 1">
+            <a:extLst>
+              <a:ext uri="{FF2B5EF4-FFF2-40B4-BE49-F238E27FC236}">
+                <a16:creationId xmlns:a16="http://schemas.microsoft.com/office/drawing/2014/main" id="{9C07324E-CC80-48DB-B5F5-189FCA2977F8}"/>
+              </a:ext>
+            </a:extLst>
+          </p:cNvPr>
+          <p:cNvSpPr txBox="1"/>
+          <p:nvPr/>
+        </p:nvSpPr>
+        <p:spPr>
+          <a:xfrm>
+            <a:off x="354562" y="1129004"/>
+            <a:ext cx="8845421" cy="8248412"/>
+          </a:xfrm>
+          <a:prstGeom prst="rect">
+            <a:avLst/>
+          </a:prstGeom>
+          <a:noFill/>
+        </p:spPr>
+        <p:txBody>
+          <a:bodyPr wrap="square" rtlCol="0">
+            <a:spAutoFit/>
+          </a:bodyPr>
+          <a:lstStyle/>
+          <a:p>
+            <a:pPr marL="342900" indent="-342900">
+              <a:buAutoNum type="arabicPeriod"/>
+            </a:pPr>
+            <a:r>
+              <a:rPr lang="en-US" sz="3200" dirty="0"/>
+              <a:t>Popularity is important for this recommender system.</a:t>
+            </a:r>
+          </a:p>
+          <a:p>
+            <a:pPr marL="342900" indent="-342900">
+              <a:buAutoNum type="arabicPeriod"/>
+            </a:pPr>
+            <a:r>
+              <a:rPr lang="en-US" sz="3200" dirty="0"/>
+              <a:t>The major purpose of Experiment A is finding potential audiences, thus the poor precision is not so unacceptable. Advertiser may prefer a higher recall. We now only have movie genre feature, more features are needed to further distinguish similarity and improve our model.  </a:t>
+            </a:r>
+          </a:p>
+          <a:p>
+            <a:pPr marL="342900" indent="-342900">
+              <a:buAutoNum type="arabicPeriod"/>
+            </a:pPr>
+            <a:r>
+              <a:rPr lang="en-US" sz="3200" dirty="0"/>
+              <a:t>Some users have very short watching lists. Some movies have very few watchers. Both distributions have long tails. This can partially explain our big standard errors.</a:t>
+            </a:r>
+          </a:p>
+          <a:p>
+            <a:pPr marL="342900" indent="-342900">
+              <a:buAutoNum type="arabicPeriod"/>
+            </a:pPr>
+            <a:r>
+              <a:rPr lang="en-US" sz="3200" dirty="0"/>
+              <a:t>We tried the collaborative filtering recommender system which is based on user-user similarity. The computational cost is so huge that we are still working to find an efficient way to generate a list.</a:t>
+            </a:r>
+          </a:p>
+          <a:p>
+            <a:pPr marL="342900" indent="-342900">
+              <a:buAutoNum type="arabicPeriod"/>
+            </a:pPr>
+            <a:endParaRPr lang="en-US" dirty="0"/>
+          </a:p>
+        </p:txBody>
+      </p:sp>
+    </p:spTree>
+    <p:extLst>
+      <p:ext uri="{BB962C8B-B14F-4D97-AF65-F5344CB8AC3E}">
+        <p14:creationId xmlns:p14="http://schemas.microsoft.com/office/powerpoint/2010/main" val="2139168380"/>
+      </p:ext>
+    </p:extLst>
+  </p:cSld>
+  <p:clrMapOvr>
+    <a:masterClrMapping/>
+  </p:clrMapOvr>
+</p:sld>
+</file>
+
+<file path=ppt/slides/slide15.xml><?xml version="1.0" encoding="utf-8"?>
+<p:sld xmlns:a="http://schemas.openxmlformats.org/drawingml/2006/main" xmlns:r="http://schemas.openxmlformats.org/officeDocument/2006/relationships" xmlns:p="http://schemas.openxmlformats.org/presentationml/2006/main">
+  <p:cSld>
+    <p:spTree>
+      <p:nvGrpSpPr>
+        <p:cNvPr id="1" name=""/>
+        <p:cNvGrpSpPr/>
+        <p:nvPr/>
+      </p:nvGrpSpPr>
+      <p:grpSpPr>
+        <a:xfrm>
+          <a:off x="0" y="0"/>
+          <a:ext cx="0" cy="0"/>
+          <a:chOff x="0" y="0"/>
+          <a:chExt cx="0" cy="0"/>
+        </a:xfrm>
+      </p:grpSpPr>
+      <p:sp>
+        <p:nvSpPr>
+          <p:cNvPr id="2" name="TextBox 1">
+            <a:extLst>
+              <a:ext uri="{FF2B5EF4-FFF2-40B4-BE49-F238E27FC236}">
+                <a16:creationId xmlns:a16="http://schemas.microsoft.com/office/drawing/2014/main" id="{136579FB-0FBD-4FA4-BA19-59BD045BB730}"/>
+              </a:ext>
+            </a:extLst>
+          </p:cNvPr>
+          <p:cNvSpPr txBox="1"/>
+          <p:nvPr/>
+        </p:nvSpPr>
+        <p:spPr>
+          <a:xfrm>
+            <a:off x="2556588" y="2491273"/>
+            <a:ext cx="3114763" cy="584775"/>
+          </a:xfrm>
+          <a:prstGeom prst="rect">
+            <a:avLst/>
+          </a:prstGeom>
+          <a:noFill/>
+        </p:spPr>
+        <p:txBody>
+          <a:bodyPr wrap="none" rtlCol="0">
+            <a:spAutoFit/>
+          </a:bodyPr>
+          <a:lstStyle/>
+          <a:p>
+            <a:r>
+              <a:rPr lang="en-US" sz="3200" dirty="0"/>
+              <a:t>* From Wikipedia</a:t>
+            </a:r>
+          </a:p>
+        </p:txBody>
+      </p:sp>
+    </p:spTree>
+    <p:extLst>
+      <p:ext uri="{BB962C8B-B14F-4D97-AF65-F5344CB8AC3E}">
+        <p14:creationId xmlns:p14="http://schemas.microsoft.com/office/powerpoint/2010/main" val="570514414"/>
+      </p:ext>
+    </p:extLst>
+  </p:cSld>
+  <p:clrMapOvr>
+    <a:masterClrMapping/>
+  </p:clrMapOvr>
+</p:sld>
+</file>
+
 <file path=ppt/slides/slide2.xml><?xml version="1.0" encoding="utf-8"?>
 <p:sld xmlns:a="http://schemas.openxmlformats.org/drawingml/2006/main" xmlns:r="http://schemas.openxmlformats.org/officeDocument/2006/relationships" xmlns:p="http://schemas.openxmlformats.org/presentationml/2006/main">
   <p:cSld>
@@ -27138,13 +27661,13 @@
           <p:nvPr>
             <p:extLst>
               <p:ext uri="{D42A27DB-BD31-4B8C-83A1-F6EECF244321}">
-                <p14:modId xmlns:p14="http://schemas.microsoft.com/office/powerpoint/2010/main" val="2078021653"/>
+                <p14:modId xmlns:p14="http://schemas.microsoft.com/office/powerpoint/2010/main" val="4213343293"/>
               </p:ext>
             </p:extLst>
           </p:nvPr>
         </p:nvGraphicFramePr>
         <p:xfrm>
-          <a:off x="1356049" y="1805474"/>
+          <a:off x="1356049" y="1852127"/>
           <a:ext cx="4572000" cy="2743200"/>
         </p:xfrm>
         <a:graphic>
@@ -27168,13 +27691,13 @@
           <p:nvPr>
             <p:extLst>
               <p:ext uri="{D42A27DB-BD31-4B8C-83A1-F6EECF244321}">
-                <p14:modId xmlns:p14="http://schemas.microsoft.com/office/powerpoint/2010/main" val="3081336144"/>
+                <p14:modId xmlns:p14="http://schemas.microsoft.com/office/powerpoint/2010/main" val="3516101398"/>
               </p:ext>
             </p:extLst>
           </p:nvPr>
         </p:nvGraphicFramePr>
         <p:xfrm>
-          <a:off x="6096000" y="1702836"/>
+          <a:off x="6096000" y="1852127"/>
           <a:ext cx="4572000" cy="2743200"/>
         </p:xfrm>
         <a:graphic>
@@ -27225,10 +27748,16 @@
           <p:cNvGraphicFramePr>
             <a:graphicFrameLocks/>
           </p:cNvGraphicFramePr>
-          <p:nvPr/>
+          <p:nvPr>
+            <p:extLst>
+              <p:ext uri="{D42A27DB-BD31-4B8C-83A1-F6EECF244321}">
+                <p14:modId xmlns:p14="http://schemas.microsoft.com/office/powerpoint/2010/main" val="2476173503"/>
+              </p:ext>
+            </p:extLst>
+          </p:nvPr>
         </p:nvGraphicFramePr>
         <p:xfrm>
-          <a:off x="3771900" y="483870"/>
+          <a:off x="2011194" y="671452"/>
           <a:ext cx="4572000" cy="2735580"/>
         </p:xfrm>
         <a:graphic>
@@ -27249,10 +27778,16 @@
           <p:cNvGraphicFramePr>
             <a:graphicFrameLocks/>
           </p:cNvGraphicFramePr>
-          <p:nvPr/>
+          <p:nvPr>
+            <p:extLst>
+              <p:ext uri="{D42A27DB-BD31-4B8C-83A1-F6EECF244321}">
+                <p14:modId xmlns:p14="http://schemas.microsoft.com/office/powerpoint/2010/main" val="3038713719"/>
+              </p:ext>
+            </p:extLst>
+          </p:nvPr>
         </p:nvGraphicFramePr>
         <p:xfrm>
-          <a:off x="3848100" y="3630930"/>
+          <a:off x="6788467" y="685800"/>
           <a:ext cx="4572000" cy="2743200"/>
         </p:xfrm>
         <a:graphic>
@@ -27454,6 +27989,75 @@
 </p:sld>
 </file>
 
+<file path=ppt/slides/slide9.xml><?xml version="1.0" encoding="utf-8"?>
+<p:sld xmlns:a="http://schemas.openxmlformats.org/drawingml/2006/main" xmlns:r="http://schemas.openxmlformats.org/officeDocument/2006/relationships" xmlns:p="http://schemas.openxmlformats.org/presentationml/2006/main">
+  <p:cSld>
+    <p:spTree>
+      <p:nvGrpSpPr>
+        <p:cNvPr id="1" name=""/>
+        <p:cNvGrpSpPr/>
+        <p:nvPr/>
+      </p:nvGrpSpPr>
+      <p:grpSpPr>
+        <a:xfrm>
+          <a:off x="0" y="0"/>
+          <a:ext cx="0" cy="0"/>
+          <a:chOff x="0" y="0"/>
+          <a:chExt cx="0" cy="0"/>
+        </a:xfrm>
+      </p:grpSpPr>
+      <p:sp>
+        <p:nvSpPr>
+          <p:cNvPr id="2" name="TextBox 1">
+            <a:extLst>
+              <a:ext uri="{FF2B5EF4-FFF2-40B4-BE49-F238E27FC236}">
+                <a16:creationId xmlns:a16="http://schemas.microsoft.com/office/drawing/2014/main" id="{E1A681E2-E42A-4F04-865A-90839D86F793}"/>
+              </a:ext>
+            </a:extLst>
+          </p:cNvPr>
+          <p:cNvSpPr txBox="1"/>
+          <p:nvPr/>
+        </p:nvSpPr>
+        <p:spPr>
+          <a:xfrm>
+            <a:off x="3237723" y="2024743"/>
+            <a:ext cx="6083560" cy="2677656"/>
+          </a:xfrm>
+          <a:prstGeom prst="rect">
+            <a:avLst/>
+          </a:prstGeom>
+          <a:noFill/>
+        </p:spPr>
+        <p:txBody>
+          <a:bodyPr wrap="square" rtlCol="0">
+            <a:spAutoFit/>
+          </a:bodyPr>
+          <a:lstStyle/>
+          <a:p>
+            <a:r>
+              <a:rPr lang="en-US" sz="2800" b="1" dirty="0"/>
+              <a:t>“Cosine similarity</a:t>
+            </a:r>
+            <a:r>
+              <a:rPr lang="en-US" sz="2800" dirty="0"/>
+              <a:t> is a measure of similarity between two non-zero vectors of an inner product space that measures the cosine of the angle between them.” “ It is thus a judgment of orientation and not magnitude.”</a:t>
+            </a:r>
+          </a:p>
+        </p:txBody>
+      </p:sp>
+    </p:spTree>
+    <p:extLst>
+      <p:ext uri="{BB962C8B-B14F-4D97-AF65-F5344CB8AC3E}">
+        <p14:creationId xmlns:p14="http://schemas.microsoft.com/office/powerpoint/2010/main" val="3227845160"/>
+      </p:ext>
+    </p:extLst>
+  </p:cSld>
+  <p:clrMapOvr>
+    <a:masterClrMapping/>
+  </p:clrMapOvr>
+</p:sld>
+</file>
+
 <file path=ppt/theme/theme1.xml><?xml version="1.0" encoding="utf-8"?>
 <a:theme xmlns:a="http://schemas.openxmlformats.org/drawingml/2006/main" name="Office Theme">
   <a:themeElements>

--- a/figure/figures.pptx
+++ b/figure/figures.pptx
@@ -4,6 +4,9 @@
   <p:sldMasterIdLst>
     <p:sldMasterId id="2147483648" r:id="rId1"/>
   </p:sldMasterIdLst>
+  <p:notesMasterIdLst>
+    <p:notesMasterId r:id="rId17"/>
+  </p:notesMasterIdLst>
   <p:sldIdLst>
     <p:sldId id="256" r:id="rId2"/>
     <p:sldId id="258" r:id="rId3"/>
@@ -23316,6 +23319,439 @@
 </cs:chartStyle>
 </file>
 
+<file path=ppt/notesMasters/notesMaster1.xml><?xml version="1.0" encoding="utf-8"?>
+<p:notesMaster xmlns:a="http://schemas.openxmlformats.org/drawingml/2006/main" xmlns:r="http://schemas.openxmlformats.org/officeDocument/2006/relationships" xmlns:p="http://schemas.openxmlformats.org/presentationml/2006/main">
+  <p:cSld>
+    <p:bg>
+      <p:bgRef idx="1001">
+        <a:schemeClr val="bg1"/>
+      </p:bgRef>
+    </p:bg>
+    <p:spTree>
+      <p:nvGrpSpPr>
+        <p:cNvPr id="1" name=""/>
+        <p:cNvGrpSpPr/>
+        <p:nvPr/>
+      </p:nvGrpSpPr>
+      <p:grpSpPr>
+        <a:xfrm>
+          <a:off x="0" y="0"/>
+          <a:ext cx="0" cy="0"/>
+          <a:chOff x="0" y="0"/>
+          <a:chExt cx="0" cy="0"/>
+        </a:xfrm>
+      </p:grpSpPr>
+      <p:sp>
+        <p:nvSpPr>
+          <p:cNvPr id="2" name="Header Placeholder 1"/>
+          <p:cNvSpPr>
+            <a:spLocks noGrp="1"/>
+          </p:cNvSpPr>
+          <p:nvPr>
+            <p:ph type="hdr" sz="quarter"/>
+          </p:nvPr>
+        </p:nvSpPr>
+        <p:spPr>
+          <a:xfrm>
+            <a:off x="0" y="0"/>
+            <a:ext cx="2971800" cy="458788"/>
+          </a:xfrm>
+          <a:prstGeom prst="rect">
+            <a:avLst/>
+          </a:prstGeom>
+        </p:spPr>
+        <p:txBody>
+          <a:bodyPr vert="horz" lIns="91440" tIns="45720" rIns="91440" bIns="45720" rtlCol="0"/>
+          <a:lstStyle>
+            <a:lvl1pPr algn="l">
+              <a:defRPr sz="1200"/>
+            </a:lvl1pPr>
+          </a:lstStyle>
+          <a:p>
+            <a:endParaRPr lang="en-US"/>
+          </a:p>
+        </p:txBody>
+      </p:sp>
+      <p:sp>
+        <p:nvSpPr>
+          <p:cNvPr id="3" name="Date Placeholder 2"/>
+          <p:cNvSpPr>
+            <a:spLocks noGrp="1"/>
+          </p:cNvSpPr>
+          <p:nvPr>
+            <p:ph type="dt" idx="1"/>
+          </p:nvPr>
+        </p:nvSpPr>
+        <p:spPr>
+          <a:xfrm>
+            <a:off x="3884613" y="0"/>
+            <a:ext cx="2971800" cy="458788"/>
+          </a:xfrm>
+          <a:prstGeom prst="rect">
+            <a:avLst/>
+          </a:prstGeom>
+        </p:spPr>
+        <p:txBody>
+          <a:bodyPr vert="horz" lIns="91440" tIns="45720" rIns="91440" bIns="45720" rtlCol="0"/>
+          <a:lstStyle>
+            <a:lvl1pPr algn="r">
+              <a:defRPr sz="1200"/>
+            </a:lvl1pPr>
+          </a:lstStyle>
+          <a:p>
+            <a:fld id="{8D430FCF-8E18-466F-A9C7-49B68C07A207}" type="datetimeFigureOut">
+              <a:rPr lang="en-US" smtClean="0"/>
+              <a:t>12/8/2018</a:t>
+            </a:fld>
+            <a:endParaRPr lang="en-US"/>
+          </a:p>
+        </p:txBody>
+      </p:sp>
+      <p:sp>
+        <p:nvSpPr>
+          <p:cNvPr id="4" name="Slide Image Placeholder 3"/>
+          <p:cNvSpPr>
+            <a:spLocks noGrp="1" noRot="1" noChangeAspect="1"/>
+          </p:cNvSpPr>
+          <p:nvPr>
+            <p:ph type="sldImg" idx="2"/>
+          </p:nvPr>
+        </p:nvSpPr>
+        <p:spPr>
+          <a:xfrm>
+            <a:off x="685800" y="1143000"/>
+            <a:ext cx="5486400" cy="3086100"/>
+          </a:xfrm>
+          <a:prstGeom prst="rect">
+            <a:avLst/>
+          </a:prstGeom>
+          <a:noFill/>
+          <a:ln w="12700">
+            <a:solidFill>
+              <a:prstClr val="black"/>
+            </a:solidFill>
+          </a:ln>
+        </p:spPr>
+        <p:txBody>
+          <a:bodyPr vert="horz" lIns="91440" tIns="45720" rIns="91440" bIns="45720" rtlCol="0" anchor="ctr"/>
+          <a:lstStyle/>
+          <a:p>
+            <a:endParaRPr lang="en-US"/>
+          </a:p>
+        </p:txBody>
+      </p:sp>
+      <p:sp>
+        <p:nvSpPr>
+          <p:cNvPr id="5" name="Notes Placeholder 4"/>
+          <p:cNvSpPr>
+            <a:spLocks noGrp="1"/>
+          </p:cNvSpPr>
+          <p:nvPr>
+            <p:ph type="body" sz="quarter" idx="3"/>
+          </p:nvPr>
+        </p:nvSpPr>
+        <p:spPr>
+          <a:xfrm>
+            <a:off x="685800" y="4400550"/>
+            <a:ext cx="5486400" cy="3600450"/>
+          </a:xfrm>
+          <a:prstGeom prst="rect">
+            <a:avLst/>
+          </a:prstGeom>
+        </p:spPr>
+        <p:txBody>
+          <a:bodyPr vert="horz" lIns="91440" tIns="45720" rIns="91440" bIns="45720" rtlCol="0"/>
+          <a:lstStyle/>
+          <a:p>
+            <a:pPr lvl="0"/>
+            <a:r>
+              <a:rPr lang="en-US"/>
+              <a:t>Edit Master text styles</a:t>
+            </a:r>
+          </a:p>
+          <a:p>
+            <a:pPr lvl="1"/>
+            <a:r>
+              <a:rPr lang="en-US"/>
+              <a:t>Second level</a:t>
+            </a:r>
+          </a:p>
+          <a:p>
+            <a:pPr lvl="2"/>
+            <a:r>
+              <a:rPr lang="en-US"/>
+              <a:t>Third level</a:t>
+            </a:r>
+          </a:p>
+          <a:p>
+            <a:pPr lvl="3"/>
+            <a:r>
+              <a:rPr lang="en-US"/>
+              <a:t>Fourth level</a:t>
+            </a:r>
+          </a:p>
+          <a:p>
+            <a:pPr lvl="4"/>
+            <a:r>
+              <a:rPr lang="en-US"/>
+              <a:t>Fifth level</a:t>
+            </a:r>
+          </a:p>
+        </p:txBody>
+      </p:sp>
+      <p:sp>
+        <p:nvSpPr>
+          <p:cNvPr id="6" name="Footer Placeholder 5"/>
+          <p:cNvSpPr>
+            <a:spLocks noGrp="1"/>
+          </p:cNvSpPr>
+          <p:nvPr>
+            <p:ph type="ftr" sz="quarter" idx="4"/>
+          </p:nvPr>
+        </p:nvSpPr>
+        <p:spPr>
+          <a:xfrm>
+            <a:off x="0" y="8685213"/>
+            <a:ext cx="2971800" cy="458787"/>
+          </a:xfrm>
+          <a:prstGeom prst="rect">
+            <a:avLst/>
+          </a:prstGeom>
+        </p:spPr>
+        <p:txBody>
+          <a:bodyPr vert="horz" lIns="91440" tIns="45720" rIns="91440" bIns="45720" rtlCol="0" anchor="b"/>
+          <a:lstStyle>
+            <a:lvl1pPr algn="l">
+              <a:defRPr sz="1200"/>
+            </a:lvl1pPr>
+          </a:lstStyle>
+          <a:p>
+            <a:endParaRPr lang="en-US"/>
+          </a:p>
+        </p:txBody>
+      </p:sp>
+      <p:sp>
+        <p:nvSpPr>
+          <p:cNvPr id="7" name="Slide Number Placeholder 6"/>
+          <p:cNvSpPr>
+            <a:spLocks noGrp="1"/>
+          </p:cNvSpPr>
+          <p:nvPr>
+            <p:ph type="sldNum" sz="quarter" idx="5"/>
+          </p:nvPr>
+        </p:nvSpPr>
+        <p:spPr>
+          <a:xfrm>
+            <a:off x="3884613" y="8685213"/>
+            <a:ext cx="2971800" cy="458787"/>
+          </a:xfrm>
+          <a:prstGeom prst="rect">
+            <a:avLst/>
+          </a:prstGeom>
+        </p:spPr>
+        <p:txBody>
+          <a:bodyPr vert="horz" lIns="91440" tIns="45720" rIns="91440" bIns="45720" rtlCol="0" anchor="b"/>
+          <a:lstStyle>
+            <a:lvl1pPr algn="r">
+              <a:defRPr sz="1200"/>
+            </a:lvl1pPr>
+          </a:lstStyle>
+          <a:p>
+            <a:fld id="{14C62A7F-CB9A-4CCE-B84F-7A0142F2A6DD}" type="slidenum">
+              <a:rPr lang="en-US" smtClean="0"/>
+              <a:t>‹#›</a:t>
+            </a:fld>
+            <a:endParaRPr lang="en-US"/>
+          </a:p>
+        </p:txBody>
+      </p:sp>
+    </p:spTree>
+    <p:extLst>
+      <p:ext uri="{BB962C8B-B14F-4D97-AF65-F5344CB8AC3E}">
+        <p14:creationId xmlns:p14="http://schemas.microsoft.com/office/powerpoint/2010/main" val="2770621520"/>
+      </p:ext>
+    </p:extLst>
+  </p:cSld>
+  <p:clrMap bg1="lt1" tx1="dk1" bg2="lt2" tx2="dk2" accent1="accent1" accent2="accent2" accent3="accent3" accent4="accent4" accent5="accent5" accent6="accent6" hlink="hlink" folHlink="folHlink"/>
+  <p:notesStyle>
+    <a:lvl1pPr marL="0" algn="l" defTabSz="914400" rtl="0" eaLnBrk="1" latinLnBrk="0" hangingPunct="1">
+      <a:defRPr sz="1200" kern="1200">
+        <a:solidFill>
+          <a:schemeClr val="tx1"/>
+        </a:solidFill>
+        <a:latin typeface="+mn-lt"/>
+        <a:ea typeface="+mn-ea"/>
+        <a:cs typeface="+mn-cs"/>
+      </a:defRPr>
+    </a:lvl1pPr>
+    <a:lvl2pPr marL="457200" algn="l" defTabSz="914400" rtl="0" eaLnBrk="1" latinLnBrk="0" hangingPunct="1">
+      <a:defRPr sz="1200" kern="1200">
+        <a:solidFill>
+          <a:schemeClr val="tx1"/>
+        </a:solidFill>
+        <a:latin typeface="+mn-lt"/>
+        <a:ea typeface="+mn-ea"/>
+        <a:cs typeface="+mn-cs"/>
+      </a:defRPr>
+    </a:lvl2pPr>
+    <a:lvl3pPr marL="914400" algn="l" defTabSz="914400" rtl="0" eaLnBrk="1" latinLnBrk="0" hangingPunct="1">
+      <a:defRPr sz="1200" kern="1200">
+        <a:solidFill>
+          <a:schemeClr val="tx1"/>
+        </a:solidFill>
+        <a:latin typeface="+mn-lt"/>
+        <a:ea typeface="+mn-ea"/>
+        <a:cs typeface="+mn-cs"/>
+      </a:defRPr>
+    </a:lvl3pPr>
+    <a:lvl4pPr marL="1371600" algn="l" defTabSz="914400" rtl="0" eaLnBrk="1" latinLnBrk="0" hangingPunct="1">
+      <a:defRPr sz="1200" kern="1200">
+        <a:solidFill>
+          <a:schemeClr val="tx1"/>
+        </a:solidFill>
+        <a:latin typeface="+mn-lt"/>
+        <a:ea typeface="+mn-ea"/>
+        <a:cs typeface="+mn-cs"/>
+      </a:defRPr>
+    </a:lvl4pPr>
+    <a:lvl5pPr marL="1828800" algn="l" defTabSz="914400" rtl="0" eaLnBrk="1" latinLnBrk="0" hangingPunct="1">
+      <a:defRPr sz="1200" kern="1200">
+        <a:solidFill>
+          <a:schemeClr val="tx1"/>
+        </a:solidFill>
+        <a:latin typeface="+mn-lt"/>
+        <a:ea typeface="+mn-ea"/>
+        <a:cs typeface="+mn-cs"/>
+      </a:defRPr>
+    </a:lvl5pPr>
+    <a:lvl6pPr marL="2286000" algn="l" defTabSz="914400" rtl="0" eaLnBrk="1" latinLnBrk="0" hangingPunct="1">
+      <a:defRPr sz="1200" kern="1200">
+        <a:solidFill>
+          <a:schemeClr val="tx1"/>
+        </a:solidFill>
+        <a:latin typeface="+mn-lt"/>
+        <a:ea typeface="+mn-ea"/>
+        <a:cs typeface="+mn-cs"/>
+      </a:defRPr>
+    </a:lvl6pPr>
+    <a:lvl7pPr marL="2743200" algn="l" defTabSz="914400" rtl="0" eaLnBrk="1" latinLnBrk="0" hangingPunct="1">
+      <a:defRPr sz="1200" kern="1200">
+        <a:solidFill>
+          <a:schemeClr val="tx1"/>
+        </a:solidFill>
+        <a:latin typeface="+mn-lt"/>
+        <a:ea typeface="+mn-ea"/>
+        <a:cs typeface="+mn-cs"/>
+      </a:defRPr>
+    </a:lvl7pPr>
+    <a:lvl8pPr marL="3200400" algn="l" defTabSz="914400" rtl="0" eaLnBrk="1" latinLnBrk="0" hangingPunct="1">
+      <a:defRPr sz="1200" kern="1200">
+        <a:solidFill>
+          <a:schemeClr val="tx1"/>
+        </a:solidFill>
+        <a:latin typeface="+mn-lt"/>
+        <a:ea typeface="+mn-ea"/>
+        <a:cs typeface="+mn-cs"/>
+      </a:defRPr>
+    </a:lvl8pPr>
+    <a:lvl9pPr marL="3657600" algn="l" defTabSz="914400" rtl="0" eaLnBrk="1" latinLnBrk="0" hangingPunct="1">
+      <a:defRPr sz="1200" kern="1200">
+        <a:solidFill>
+          <a:schemeClr val="tx1"/>
+        </a:solidFill>
+        <a:latin typeface="+mn-lt"/>
+        <a:ea typeface="+mn-ea"/>
+        <a:cs typeface="+mn-cs"/>
+      </a:defRPr>
+    </a:lvl9pPr>
+  </p:notesStyle>
+</p:notesMaster>
+</file>
+
+<file path=ppt/notesSlides/notesSlide1.xml><?xml version="1.0" encoding="utf-8"?>
+<p:notes xmlns:a="http://schemas.openxmlformats.org/drawingml/2006/main" xmlns:r="http://schemas.openxmlformats.org/officeDocument/2006/relationships" xmlns:p="http://schemas.openxmlformats.org/presentationml/2006/main">
+  <p:cSld>
+    <p:spTree>
+      <p:nvGrpSpPr>
+        <p:cNvPr id="1" name=""/>
+        <p:cNvGrpSpPr/>
+        <p:nvPr/>
+      </p:nvGrpSpPr>
+      <p:grpSpPr>
+        <a:xfrm>
+          <a:off x="0" y="0"/>
+          <a:ext cx="0" cy="0"/>
+          <a:chOff x="0" y="0"/>
+          <a:chExt cx="0" cy="0"/>
+        </a:xfrm>
+      </p:grpSpPr>
+      <p:sp>
+        <p:nvSpPr>
+          <p:cNvPr id="2" name="Slide Image Placeholder 1"/>
+          <p:cNvSpPr>
+            <a:spLocks noGrp="1" noRot="1" noChangeAspect="1"/>
+          </p:cNvSpPr>
+          <p:nvPr>
+            <p:ph type="sldImg"/>
+          </p:nvPr>
+        </p:nvSpPr>
+        <p:spPr/>
+      </p:sp>
+      <p:sp>
+        <p:nvSpPr>
+          <p:cNvPr id="3" name="Notes Placeholder 2"/>
+          <p:cNvSpPr>
+            <a:spLocks noGrp="1"/>
+          </p:cNvSpPr>
+          <p:nvPr>
+            <p:ph type="body" idx="1"/>
+          </p:nvPr>
+        </p:nvSpPr>
+        <p:spPr/>
+        <p:txBody>
+          <a:bodyPr/>
+          <a:lstStyle/>
+          <a:p>
+            <a:endParaRPr lang="en-US" dirty="0"/>
+          </a:p>
+        </p:txBody>
+      </p:sp>
+      <p:sp>
+        <p:nvSpPr>
+          <p:cNvPr id="4" name="Slide Number Placeholder 3"/>
+          <p:cNvSpPr>
+            <a:spLocks noGrp="1"/>
+          </p:cNvSpPr>
+          <p:nvPr>
+            <p:ph type="sldNum" sz="quarter" idx="5"/>
+          </p:nvPr>
+        </p:nvSpPr>
+        <p:spPr/>
+        <p:txBody>
+          <a:bodyPr/>
+          <a:lstStyle/>
+          <a:p>
+            <a:fld id="{14C62A7F-CB9A-4CCE-B84F-7A0142F2A6DD}" type="slidenum">
+              <a:rPr lang="en-US" smtClean="0"/>
+              <a:t>5</a:t>
+            </a:fld>
+            <a:endParaRPr lang="en-US"/>
+          </a:p>
+        </p:txBody>
+      </p:sp>
+    </p:spTree>
+    <p:extLst>
+      <p:ext uri="{BB962C8B-B14F-4D97-AF65-F5344CB8AC3E}">
+        <p14:creationId xmlns:p14="http://schemas.microsoft.com/office/powerpoint/2010/main" val="4102625797"/>
+      </p:ext>
+    </p:extLst>
+  </p:cSld>
+  <p:clrMapOvr>
+    <a:masterClrMapping/>
+  </p:clrMapOvr>
+</p:notes>
+</file>
+
 <file path=ppt/slideLayouts/slideLayout1.xml><?xml version="1.0" encoding="utf-8"?>
 <p:sldLayout xmlns:a="http://schemas.openxmlformats.org/drawingml/2006/main" xmlns:r="http://schemas.openxmlformats.org/officeDocument/2006/relationships" xmlns:p="http://schemas.openxmlformats.org/presentationml/2006/main" type="title" preserve="1">
   <p:cSld name="Title Slide">
@@ -23463,7 +23899,7 @@
           <a:p>
             <a:fld id="{FD121D13-3AED-42CC-AC14-3F0501F5CB37}" type="datetimeFigureOut">
               <a:rPr lang="en-US" smtClean="0"/>
-              <a:t>12/5/2018</a:t>
+              <a:t>12/8/2018</a:t>
             </a:fld>
             <a:endParaRPr lang="en-US"/>
           </a:p>
@@ -23661,7 +24097,7 @@
           <a:p>
             <a:fld id="{FD121D13-3AED-42CC-AC14-3F0501F5CB37}" type="datetimeFigureOut">
               <a:rPr lang="en-US" smtClean="0"/>
-              <a:t>12/5/2018</a:t>
+              <a:t>12/8/2018</a:t>
             </a:fld>
             <a:endParaRPr lang="en-US"/>
           </a:p>
@@ -23869,7 +24305,7 @@
           <a:p>
             <a:fld id="{FD121D13-3AED-42CC-AC14-3F0501F5CB37}" type="datetimeFigureOut">
               <a:rPr lang="en-US" smtClean="0"/>
-              <a:t>12/5/2018</a:t>
+              <a:t>12/8/2018</a:t>
             </a:fld>
             <a:endParaRPr lang="en-US"/>
           </a:p>
@@ -24067,7 +24503,7 @@
           <a:p>
             <a:fld id="{FD121D13-3AED-42CC-AC14-3F0501F5CB37}" type="datetimeFigureOut">
               <a:rPr lang="en-US" smtClean="0"/>
-              <a:t>12/5/2018</a:t>
+              <a:t>12/8/2018</a:t>
             </a:fld>
             <a:endParaRPr lang="en-US"/>
           </a:p>
@@ -24342,7 +24778,7 @@
           <a:p>
             <a:fld id="{FD121D13-3AED-42CC-AC14-3F0501F5CB37}" type="datetimeFigureOut">
               <a:rPr lang="en-US" smtClean="0"/>
-              <a:t>12/5/2018</a:t>
+              <a:t>12/8/2018</a:t>
             </a:fld>
             <a:endParaRPr lang="en-US"/>
           </a:p>
@@ -24607,7 +25043,7 @@
           <a:p>
             <a:fld id="{FD121D13-3AED-42CC-AC14-3F0501F5CB37}" type="datetimeFigureOut">
               <a:rPr lang="en-US" smtClean="0"/>
-              <a:t>12/5/2018</a:t>
+              <a:t>12/8/2018</a:t>
             </a:fld>
             <a:endParaRPr lang="en-US"/>
           </a:p>
@@ -25019,7 +25455,7 @@
           <a:p>
             <a:fld id="{FD121D13-3AED-42CC-AC14-3F0501F5CB37}" type="datetimeFigureOut">
               <a:rPr lang="en-US" smtClean="0"/>
-              <a:t>12/5/2018</a:t>
+              <a:t>12/8/2018</a:t>
             </a:fld>
             <a:endParaRPr lang="en-US"/>
           </a:p>
@@ -25160,7 +25596,7 @@
           <a:p>
             <a:fld id="{FD121D13-3AED-42CC-AC14-3F0501F5CB37}" type="datetimeFigureOut">
               <a:rPr lang="en-US" smtClean="0"/>
-              <a:t>12/5/2018</a:t>
+              <a:t>12/8/2018</a:t>
             </a:fld>
             <a:endParaRPr lang="en-US"/>
           </a:p>
@@ -25273,7 +25709,7 @@
           <a:p>
             <a:fld id="{FD121D13-3AED-42CC-AC14-3F0501F5CB37}" type="datetimeFigureOut">
               <a:rPr lang="en-US" smtClean="0"/>
-              <a:t>12/5/2018</a:t>
+              <a:t>12/8/2018</a:t>
             </a:fld>
             <a:endParaRPr lang="en-US"/>
           </a:p>
@@ -25584,7 +26020,7 @@
           <a:p>
             <a:fld id="{FD121D13-3AED-42CC-AC14-3F0501F5CB37}" type="datetimeFigureOut">
               <a:rPr lang="en-US" smtClean="0"/>
-              <a:t>12/5/2018</a:t>
+              <a:t>12/8/2018</a:t>
             </a:fld>
             <a:endParaRPr lang="en-US"/>
           </a:p>
@@ -25872,7 +26308,7 @@
           <a:p>
             <a:fld id="{FD121D13-3AED-42CC-AC14-3F0501F5CB37}" type="datetimeFigureOut">
               <a:rPr lang="en-US" smtClean="0"/>
-              <a:t>12/5/2018</a:t>
+              <a:t>12/8/2018</a:t>
             </a:fld>
             <a:endParaRPr lang="en-US"/>
           </a:p>
@@ -26113,7 +26549,7 @@
           <a:p>
             <a:fld id="{FD121D13-3AED-42CC-AC14-3F0501F5CB37}" type="datetimeFigureOut">
               <a:rPr lang="en-US" smtClean="0"/>
-              <a:t>12/5/2018</a:t>
+              <a:t>12/8/2018</a:t>
             </a:fld>
             <a:endParaRPr lang="en-US"/>
           </a:p>
@@ -27646,66 +28082,122 @@
           <a:chExt cx="0" cy="0"/>
         </a:xfrm>
       </p:grpSpPr>
-      <p:graphicFrame>
-        <p:nvGraphicFramePr>
-          <p:cNvPr id="2" name="Chart 1">
+      <p:grpSp>
+        <p:nvGrpSpPr>
+          <p:cNvPr id="4" name="Group 3">
             <a:extLst>
               <a:ext uri="{FF2B5EF4-FFF2-40B4-BE49-F238E27FC236}">
-                <a16:creationId xmlns:a16="http://schemas.microsoft.com/office/drawing/2014/main" id="{D984ED89-C0B4-46E7-A1CE-7B6B12F2A9BD}"/>
+                <a16:creationId xmlns:a16="http://schemas.microsoft.com/office/drawing/2014/main" id="{68485F43-671B-4CCE-A2D7-02E37E44C808}"/>
               </a:ext>
             </a:extLst>
           </p:cNvPr>
-          <p:cNvGraphicFramePr>
-            <a:graphicFrameLocks/>
-          </p:cNvGraphicFramePr>
-          <p:nvPr>
-            <p:extLst>
-              <p:ext uri="{D42A27DB-BD31-4B8C-83A1-F6EECF244321}">
-                <p14:modId xmlns:p14="http://schemas.microsoft.com/office/powerpoint/2010/main" val="4213343293"/>
-              </p:ext>
-            </p:extLst>
-          </p:nvPr>
-        </p:nvGraphicFramePr>
-        <p:xfrm>
-          <a:off x="1356049" y="1852127"/>
-          <a:ext cx="4572000" cy="2743200"/>
-        </p:xfrm>
-        <a:graphic>
-          <a:graphicData uri="http://schemas.openxmlformats.org/drawingml/2006/chart">
-            <c:chart xmlns:c="http://schemas.openxmlformats.org/drawingml/2006/chart" xmlns:r="http://schemas.openxmlformats.org/officeDocument/2006/relationships" r:id="rId2"/>
-          </a:graphicData>
-        </a:graphic>
-      </p:graphicFrame>
-      <p:graphicFrame>
-        <p:nvGraphicFramePr>
-          <p:cNvPr id="3" name="Chart 2">
+          <p:cNvGrpSpPr/>
+          <p:nvPr/>
+        </p:nvGrpSpPr>
+        <p:grpSpPr>
+          <a:xfrm>
+            <a:off x="1356049" y="1852127"/>
+            <a:ext cx="9311951" cy="2743200"/>
+            <a:chOff x="1356049" y="1852127"/>
+            <a:chExt cx="9311951" cy="2743200"/>
+          </a:xfrm>
+        </p:grpSpPr>
+        <p:graphicFrame>
+          <p:nvGraphicFramePr>
+            <p:cNvPr id="2" name="Chart 1">
+              <a:extLst>
+                <a:ext uri="{FF2B5EF4-FFF2-40B4-BE49-F238E27FC236}">
+                  <a16:creationId xmlns:a16="http://schemas.microsoft.com/office/drawing/2014/main" id="{D984ED89-C0B4-46E7-A1CE-7B6B12F2A9BD}"/>
+                </a:ext>
+              </a:extLst>
+            </p:cNvPr>
+            <p:cNvGraphicFramePr>
+              <a:graphicFrameLocks/>
+            </p:cNvGraphicFramePr>
+            <p:nvPr>
+              <p:extLst>
+                <p:ext uri="{D42A27DB-BD31-4B8C-83A1-F6EECF244321}">
+                  <p14:modId xmlns:p14="http://schemas.microsoft.com/office/powerpoint/2010/main" val="3803147320"/>
+                </p:ext>
+              </p:extLst>
+            </p:nvPr>
+          </p:nvGraphicFramePr>
+          <p:xfrm>
+            <a:off x="1356049" y="1852127"/>
+            <a:ext cx="4572000" cy="2743200"/>
+          </p:xfrm>
+          <a:graphic>
+            <a:graphicData uri="http://schemas.openxmlformats.org/drawingml/2006/chart">
+              <c:chart xmlns:c="http://schemas.openxmlformats.org/drawingml/2006/chart" xmlns:r="http://schemas.openxmlformats.org/officeDocument/2006/relationships" r:id="rId3"/>
+            </a:graphicData>
+          </a:graphic>
+        </p:graphicFrame>
+        <p:graphicFrame>
+          <p:nvGraphicFramePr>
+            <p:cNvPr id="3" name="Chart 2">
+              <a:extLst>
+                <a:ext uri="{FF2B5EF4-FFF2-40B4-BE49-F238E27FC236}">
+                  <a16:creationId xmlns:a16="http://schemas.microsoft.com/office/drawing/2014/main" id="{0F46A9C3-B654-4D4E-9619-E8FFC3DB23B3}"/>
+                </a:ext>
+              </a:extLst>
+            </p:cNvPr>
+            <p:cNvGraphicFramePr>
+              <a:graphicFrameLocks/>
+            </p:cNvGraphicFramePr>
+            <p:nvPr>
+              <p:extLst>
+                <p:ext uri="{D42A27DB-BD31-4B8C-83A1-F6EECF244321}">
+                  <p14:modId xmlns:p14="http://schemas.microsoft.com/office/powerpoint/2010/main" val="444371365"/>
+                </p:ext>
+              </p:extLst>
+            </p:nvPr>
+          </p:nvGraphicFramePr>
+          <p:xfrm>
+            <a:off x="6096000" y="1852127"/>
+            <a:ext cx="4572000" cy="2743200"/>
+          </p:xfrm>
+          <a:graphic>
+            <a:graphicData uri="http://schemas.openxmlformats.org/drawingml/2006/chart">
+              <c:chart xmlns:c="http://schemas.openxmlformats.org/drawingml/2006/chart" xmlns:r="http://schemas.openxmlformats.org/officeDocument/2006/relationships" r:id="rId4"/>
+            </a:graphicData>
+          </a:graphic>
+        </p:graphicFrame>
+      </p:grpSp>
+      <p:sp>
+        <p:nvSpPr>
+          <p:cNvPr id="5" name="TextBox 4">
             <a:extLst>
               <a:ext uri="{FF2B5EF4-FFF2-40B4-BE49-F238E27FC236}">
-                <a16:creationId xmlns:a16="http://schemas.microsoft.com/office/drawing/2014/main" id="{0F46A9C3-B654-4D4E-9619-E8FFC3DB23B3}"/>
+                <a16:creationId xmlns:a16="http://schemas.microsoft.com/office/drawing/2014/main" id="{4E501FE7-DD9E-4378-BFA7-D4CE928C513A}"/>
               </a:ext>
             </a:extLst>
           </p:cNvPr>
-          <p:cNvGraphicFramePr>
-            <a:graphicFrameLocks/>
-          </p:cNvGraphicFramePr>
-          <p:nvPr>
-            <p:extLst>
-              <p:ext uri="{D42A27DB-BD31-4B8C-83A1-F6EECF244321}">
-                <p14:modId xmlns:p14="http://schemas.microsoft.com/office/powerpoint/2010/main" val="3516101398"/>
-              </p:ext>
-            </p:extLst>
-          </p:nvPr>
-        </p:nvGraphicFramePr>
-        <p:xfrm>
-          <a:off x="6096000" y="1852127"/>
-          <a:ext cx="4572000" cy="2743200"/>
-        </p:xfrm>
-        <a:graphic>
-          <a:graphicData uri="http://schemas.openxmlformats.org/drawingml/2006/chart">
-            <c:chart xmlns:c="http://schemas.openxmlformats.org/drawingml/2006/chart" xmlns:r="http://schemas.openxmlformats.org/officeDocument/2006/relationships" r:id="rId3"/>
-          </a:graphicData>
-        </a:graphic>
-      </p:graphicFrame>
+          <p:cNvSpPr txBox="1"/>
+          <p:nvPr/>
+        </p:nvSpPr>
+        <p:spPr>
+          <a:xfrm>
+            <a:off x="3032449" y="5094514"/>
+            <a:ext cx="1052083" cy="369332"/>
+          </a:xfrm>
+          <a:prstGeom prst="rect">
+            <a:avLst/>
+          </a:prstGeom>
+          <a:noFill/>
+        </p:spPr>
+        <p:txBody>
+          <a:bodyPr wrap="none" rtlCol="0">
+            <a:spAutoFit/>
+          </a:bodyPr>
+          <a:lstStyle/>
+          <a:p>
+            <a:r>
+              <a:rPr lang="en-US" dirty="0"/>
+              <a:t>Figure 6: </a:t>
+            </a:r>
+          </a:p>
+        </p:txBody>
+      </p:sp>
     </p:spTree>
     <p:extLst>
       <p:ext uri="{BB962C8B-B14F-4D97-AF65-F5344CB8AC3E}">
@@ -27961,13 +28453,13 @@
           <p:nvPr>
             <p:extLst>
               <p:ext uri="{D42A27DB-BD31-4B8C-83A1-F6EECF244321}">
-                <p14:modId xmlns:p14="http://schemas.microsoft.com/office/powerpoint/2010/main" val="1626551283"/>
+                <p14:modId xmlns:p14="http://schemas.microsoft.com/office/powerpoint/2010/main" val="695526197"/>
               </p:ext>
             </p:extLst>
           </p:nvPr>
         </p:nvGraphicFramePr>
         <p:xfrm>
-          <a:off x="6531428" y="1673134"/>
+          <a:off x="6096000" y="1673134"/>
           <a:ext cx="4572000" cy="2743200"/>
         </p:xfrm>
         <a:graphic>
@@ -28351,4 +28843,299 @@
     </a:ext>
   </a:extLst>
 </a:theme>
+</file>
+
+<file path=ppt/theme/theme2.xml><?xml version="1.0" encoding="utf-8"?>
+<a:theme xmlns:a="http://schemas.openxmlformats.org/drawingml/2006/main" name="Office Theme">
+  <a:themeElements>
+    <a:clrScheme name="Office">
+      <a:dk1>
+        <a:sysClr val="windowText" lastClr="000000"/>
+      </a:dk1>
+      <a:lt1>
+        <a:sysClr val="window" lastClr="FFFFFF"/>
+      </a:lt1>
+      <a:dk2>
+        <a:srgbClr val="44546A"/>
+      </a:dk2>
+      <a:lt2>
+        <a:srgbClr val="E7E6E6"/>
+      </a:lt2>
+      <a:accent1>
+        <a:srgbClr val="4472C4"/>
+      </a:accent1>
+      <a:accent2>
+        <a:srgbClr val="ED7D31"/>
+      </a:accent2>
+      <a:accent3>
+        <a:srgbClr val="A5A5A5"/>
+      </a:accent3>
+      <a:accent4>
+        <a:srgbClr val="FFC000"/>
+      </a:accent4>
+      <a:accent5>
+        <a:srgbClr val="5B9BD5"/>
+      </a:accent5>
+      <a:accent6>
+        <a:srgbClr val="70AD47"/>
+      </a:accent6>
+      <a:hlink>
+        <a:srgbClr val="0563C1"/>
+      </a:hlink>
+      <a:folHlink>
+        <a:srgbClr val="954F72"/>
+      </a:folHlink>
+    </a:clrScheme>
+    <a:fontScheme name="Office">
+      <a:majorFont>
+        <a:latin typeface="Calibri Light" panose="020F0302020204030204"/>
+        <a:ea typeface=""/>
+        <a:cs typeface=""/>
+        <a:font script="Jpan" typeface="游ゴシック Light"/>
+        <a:font script="Hang" typeface="맑은 고딕"/>
+        <a:font script="Hans" typeface="等线 Light"/>
+        <a:font script="Hant" typeface="新細明體"/>
+        <a:font script="Arab" typeface="Times New Roman"/>
+        <a:font script="Hebr" typeface="Times New Roman"/>
+        <a:font script="Thai" typeface="Angsana New"/>
+        <a:font script="Ethi" typeface="Nyala"/>
+        <a:font script="Beng" typeface="Vrinda"/>
+        <a:font script="Gujr" typeface="Shruti"/>
+        <a:font script="Khmr" typeface="MoolBoran"/>
+        <a:font script="Knda" typeface="Tunga"/>
+        <a:font script="Guru" typeface="Raavi"/>
+        <a:font script="Cans" typeface="Euphemia"/>
+        <a:font script="Cher" typeface="Plantagenet Cherokee"/>
+        <a:font script="Yiii" typeface="Microsoft Yi Baiti"/>
+        <a:font script="Tibt" typeface="Microsoft Himalaya"/>
+        <a:font script="Thaa" typeface="MV Boli"/>
+        <a:font script="Deva" typeface="Mangal"/>
+        <a:font script="Telu" typeface="Gautami"/>
+        <a:font script="Taml" typeface="Latha"/>
+        <a:font script="Syrc" typeface="Estrangelo Edessa"/>
+        <a:font script="Orya" typeface="Kalinga"/>
+        <a:font script="Mlym" typeface="Kartika"/>
+        <a:font script="Laoo" typeface="DokChampa"/>
+        <a:font script="Sinh" typeface="Iskoola Pota"/>
+        <a:font script="Mong" typeface="Mongolian Baiti"/>
+        <a:font script="Viet" typeface="Times New Roman"/>
+        <a:font script="Uigh" typeface="Microsoft Uighur"/>
+        <a:font script="Geor" typeface="Sylfaen"/>
+        <a:font script="Armn" typeface="Arial"/>
+        <a:font script="Bugi" typeface="Leelawadee UI"/>
+        <a:font script="Bopo" typeface="Microsoft JhengHei"/>
+        <a:font script="Java" typeface="Javanese Text"/>
+        <a:font script="Lisu" typeface="Segoe UI"/>
+        <a:font script="Mymr" typeface="Myanmar Text"/>
+        <a:font script="Nkoo" typeface="Ebrima"/>
+        <a:font script="Olck" typeface="Nirmala UI"/>
+        <a:font script="Osma" typeface="Ebrima"/>
+        <a:font script="Phag" typeface="Phagspa"/>
+        <a:font script="Syrn" typeface="Estrangelo Edessa"/>
+        <a:font script="Syrj" typeface="Estrangelo Edessa"/>
+        <a:font script="Syre" typeface="Estrangelo Edessa"/>
+        <a:font script="Sora" typeface="Nirmala UI"/>
+        <a:font script="Tale" typeface="Microsoft Tai Le"/>
+        <a:font script="Talu" typeface="Microsoft New Tai Lue"/>
+        <a:font script="Tfng" typeface="Ebrima"/>
+      </a:majorFont>
+      <a:minorFont>
+        <a:latin typeface="Calibri" panose="020F0502020204030204"/>
+        <a:ea typeface=""/>
+        <a:cs typeface=""/>
+        <a:font script="Jpan" typeface="游ゴシック"/>
+        <a:font script="Hang" typeface="맑은 고딕"/>
+        <a:font script="Hans" typeface="等线"/>
+        <a:font script="Hant" typeface="新細明體"/>
+        <a:font script="Arab" typeface="Arial"/>
+        <a:font script="Hebr" typeface="Arial"/>
+        <a:font script="Thai" typeface="Cordia New"/>
+        <a:font script="Ethi" typeface="Nyala"/>
+        <a:font script="Beng" typeface="Vrinda"/>
+        <a:font script="Gujr" typeface="Shruti"/>
+        <a:font script="Khmr" typeface="DaunPenh"/>
+        <a:font script="Knda" typeface="Tunga"/>
+        <a:font script="Guru" typeface="Raavi"/>
+        <a:font script="Cans" typeface="Euphemia"/>
+        <a:font script="Cher" typeface="Plantagenet Cherokee"/>
+        <a:font script="Yiii" typeface="Microsoft Yi Baiti"/>
+        <a:font script="Tibt" typeface="Microsoft Himalaya"/>
+        <a:font script="Thaa" typeface="MV Boli"/>
+        <a:font script="Deva" typeface="Mangal"/>
+        <a:font script="Telu" typeface="Gautami"/>
+        <a:font script="Taml" typeface="Latha"/>
+        <a:font script="Syrc" typeface="Estrangelo Edessa"/>
+        <a:font script="Orya" typeface="Kalinga"/>
+        <a:font script="Mlym" typeface="Kartika"/>
+        <a:font script="Laoo" typeface="DokChampa"/>
+        <a:font script="Sinh" typeface="Iskoola Pota"/>
+        <a:font script="Mong" typeface="Mongolian Baiti"/>
+        <a:font script="Viet" typeface="Arial"/>
+        <a:font script="Uigh" typeface="Microsoft Uighur"/>
+        <a:font script="Geor" typeface="Sylfaen"/>
+        <a:font script="Armn" typeface="Arial"/>
+        <a:font script="Bugi" typeface="Leelawadee UI"/>
+        <a:font script="Bopo" typeface="Microsoft JhengHei"/>
+        <a:font script="Java" typeface="Javanese Text"/>
+        <a:font script="Lisu" typeface="Segoe UI"/>
+        <a:font script="Mymr" typeface="Myanmar Text"/>
+        <a:font script="Nkoo" typeface="Ebrima"/>
+        <a:font script="Olck" typeface="Nirmala UI"/>
+        <a:font script="Osma" typeface="Ebrima"/>
+        <a:font script="Phag" typeface="Phagspa"/>
+        <a:font script="Syrn" typeface="Estrangelo Edessa"/>
+        <a:font script="Syrj" typeface="Estrangelo Edessa"/>
+        <a:font script="Syre" typeface="Estrangelo Edessa"/>
+        <a:font script="Sora" typeface="Nirmala UI"/>
+        <a:font script="Tale" typeface="Microsoft Tai Le"/>
+        <a:font script="Talu" typeface="Microsoft New Tai Lue"/>
+        <a:font script="Tfng" typeface="Ebrima"/>
+      </a:minorFont>
+    </a:fontScheme>
+    <a:fmtScheme name="Office">
+      <a:fillStyleLst>
+        <a:solidFill>
+          <a:schemeClr val="phClr"/>
+        </a:solidFill>
+        <a:gradFill rotWithShape="1">
+          <a:gsLst>
+            <a:gs pos="0">
+              <a:schemeClr val="phClr">
+                <a:lumMod val="110000"/>
+                <a:satMod val="105000"/>
+                <a:tint val="67000"/>
+              </a:schemeClr>
+            </a:gs>
+            <a:gs pos="50000">
+              <a:schemeClr val="phClr">
+                <a:lumMod val="105000"/>
+                <a:satMod val="103000"/>
+                <a:tint val="73000"/>
+              </a:schemeClr>
+            </a:gs>
+            <a:gs pos="100000">
+              <a:schemeClr val="phClr">
+                <a:lumMod val="105000"/>
+                <a:satMod val="109000"/>
+                <a:tint val="81000"/>
+              </a:schemeClr>
+            </a:gs>
+          </a:gsLst>
+          <a:lin ang="5400000" scaled="0"/>
+        </a:gradFill>
+        <a:gradFill rotWithShape="1">
+          <a:gsLst>
+            <a:gs pos="0">
+              <a:schemeClr val="phClr">
+                <a:satMod val="103000"/>
+                <a:lumMod val="102000"/>
+                <a:tint val="94000"/>
+              </a:schemeClr>
+            </a:gs>
+            <a:gs pos="50000">
+              <a:schemeClr val="phClr">
+                <a:satMod val="110000"/>
+                <a:lumMod val="100000"/>
+                <a:shade val="100000"/>
+              </a:schemeClr>
+            </a:gs>
+            <a:gs pos="100000">
+              <a:schemeClr val="phClr">
+                <a:lumMod val="99000"/>
+                <a:satMod val="120000"/>
+                <a:shade val="78000"/>
+              </a:schemeClr>
+            </a:gs>
+          </a:gsLst>
+          <a:lin ang="5400000" scaled="0"/>
+        </a:gradFill>
+      </a:fillStyleLst>
+      <a:lnStyleLst>
+        <a:ln w="6350" cap="flat" cmpd="sng" algn="ctr">
+          <a:solidFill>
+            <a:schemeClr val="phClr"/>
+          </a:solidFill>
+          <a:prstDash val="solid"/>
+          <a:miter lim="800000"/>
+        </a:ln>
+        <a:ln w="12700" cap="flat" cmpd="sng" algn="ctr">
+          <a:solidFill>
+            <a:schemeClr val="phClr"/>
+          </a:solidFill>
+          <a:prstDash val="solid"/>
+          <a:miter lim="800000"/>
+        </a:ln>
+        <a:ln w="19050" cap="flat" cmpd="sng" algn="ctr">
+          <a:solidFill>
+            <a:schemeClr val="phClr"/>
+          </a:solidFill>
+          <a:prstDash val="solid"/>
+          <a:miter lim="800000"/>
+        </a:ln>
+      </a:lnStyleLst>
+      <a:effectStyleLst>
+        <a:effectStyle>
+          <a:effectLst/>
+        </a:effectStyle>
+        <a:effectStyle>
+          <a:effectLst/>
+        </a:effectStyle>
+        <a:effectStyle>
+          <a:effectLst>
+            <a:outerShdw blurRad="57150" dist="19050" dir="5400000" algn="ctr" rotWithShape="0">
+              <a:srgbClr val="000000">
+                <a:alpha val="63000"/>
+              </a:srgbClr>
+            </a:outerShdw>
+          </a:effectLst>
+        </a:effectStyle>
+      </a:effectStyleLst>
+      <a:bgFillStyleLst>
+        <a:solidFill>
+          <a:schemeClr val="phClr"/>
+        </a:solidFill>
+        <a:solidFill>
+          <a:schemeClr val="phClr">
+            <a:tint val="95000"/>
+            <a:satMod val="170000"/>
+          </a:schemeClr>
+        </a:solidFill>
+        <a:gradFill rotWithShape="1">
+          <a:gsLst>
+            <a:gs pos="0">
+              <a:schemeClr val="phClr">
+                <a:tint val="93000"/>
+                <a:satMod val="150000"/>
+                <a:shade val="98000"/>
+                <a:lumMod val="102000"/>
+              </a:schemeClr>
+            </a:gs>
+            <a:gs pos="50000">
+              <a:schemeClr val="phClr">
+                <a:tint val="98000"/>
+                <a:satMod val="130000"/>
+                <a:shade val="90000"/>
+                <a:lumMod val="103000"/>
+              </a:schemeClr>
+            </a:gs>
+            <a:gs pos="100000">
+              <a:schemeClr val="phClr">
+                <a:shade val="63000"/>
+                <a:satMod val="120000"/>
+              </a:schemeClr>
+            </a:gs>
+          </a:gsLst>
+          <a:lin ang="5400000" scaled="0"/>
+        </a:gradFill>
+      </a:bgFillStyleLst>
+    </a:fmtScheme>
+  </a:themeElements>
+  <a:objectDefaults/>
+  <a:extraClrSchemeLst/>
+  <a:extLst>
+    <a:ext uri="{05A4C25C-085E-4340-85A3-A5531E510DB2}">
+      <thm15:themeFamily xmlns:thm15="http://schemas.microsoft.com/office/thememl/2012/main" name="Office Theme" id="{62F939B6-93AF-4DB8-9C6B-D6C7DFDC589F}" vid="{4A3C46E8-61CC-4603-A589-7422A47A8E4A}"/>
+    </a:ext>
+  </a:extLst>
+</a:theme>
 </file>